--- a/docs/resultados.pptx
+++ b/docs/resultados.pptx
@@ -1,23 +1,23 @@
 
 <file path=ppt/presentation.xml><?xml version="1.0" encoding="utf-8"?>
-<p:presentation xmlns:a="http://schemas.openxmlformats.org/drawingml/2006/main" xmlns:r="http://schemas.openxmlformats.org/officeDocument/2006/relationships" xmlns:p="http://schemas.openxmlformats.org/presentationml/2006/main" xmlns:m="http://schemas.openxmlformats.org/officeDocument/2006/math" xmlns:a14="http://schemas.microsoft.com/office/drawing/2010/main">
+<p:presentation xmlns:a="http://schemas.openxmlformats.org/drawingml/2006/main" xmlns:r="http://schemas.openxmlformats.org/officeDocument/2006/relationships" xmlns:p="http://schemas.openxmlformats.org/presentationml/2006/main">
   <p:sldMasterIdLst>
-    <p:sldMasterId id="2147483648" r:id="rId5"/>
+    <p:sldMasterId id="2147483648" r:id="rId1"/>
   </p:sldMasterIdLst>
   <p:notesMasterIdLst>
-    <p:notesMasterId r:id="rId7"/>
+    <p:notesMasterId r:id="rId9"/>
   </p:notesMasterIdLst>
   <p:sldIdLst>
-    <p:sldId id="256" r:id="rId8"/>
-    <p:sldId id="257" r:id="rId9"/>
-    <p:sldId id="258" r:id="rId10"/>
-    <p:sldId id="259" r:id="rId11"/>
-    <p:sldId id="260" r:id="rId12"/>
-    <p:sldId id="261" r:id="rId13"/>
-    <p:sldId id="262" r:id="rId14"/>
+    <p:sldId id="256" r:id="rId2"/>
+    <p:sldId id="257" r:id="rId3"/>
+    <p:sldId id="258" r:id="rId4"/>
+    <p:sldId id="259" r:id="rId5"/>
+    <p:sldId id="260" r:id="rId6"/>
+    <p:sldId id="261" r:id="rId7"/>
+    <p:sldId id="262" r:id="rId8"/>
   </p:sldIdLst>
   <p:sldSz cx="24384000" cy="13716000"/>
-  <p:notesSz cx="6858000" cy="9144000"/>
+  <p:notesSz cx="7315200" cy="9601200"/>
   <p:defaultTextStyle>
     <a:defPPr marL="0" marR="0" indent="0" algn="l" defTabSz="914400" rtl="0" fontAlgn="auto" latinLnBrk="1" hangingPunct="0">
       <a:lnSpc>
@@ -34,7 +34,7 @@
       <a:buFontTx/>
       <a:buNone/>
       <a:tabLst/>
-      <a:defRPr b="0" baseline="0" cap="none" i="0" spc="0" strike="noStrike" sz="1800" u="none" kumimoji="0" normalizeH="0">
+      <a:defRPr kumimoji="0" sz="1800" b="0" i="0" u="none" strike="noStrike" cap="none" spc="0" normalizeH="0" baseline="0">
         <a:ln>
           <a:noFill/>
         </a:ln>
@@ -60,7 +60,7 @@
       <a:buFontTx/>
       <a:buNone/>
       <a:tabLst/>
-      <a:defRPr b="1" baseline="0" cap="none" i="0" spc="0" strike="noStrike" sz="3000" u="none" kumimoji="0" normalizeH="0">
+      <a:defRPr kumimoji="0" sz="3000" b="1" i="0" u="none" strike="noStrike" cap="none" spc="0" normalizeH="0" baseline="0">
         <a:ln>
           <a:noFill/>
         </a:ln>
@@ -90,7 +90,7 @@
       <a:buFontTx/>
       <a:buNone/>
       <a:tabLst/>
-      <a:defRPr b="1" baseline="0" cap="none" i="0" spc="0" strike="noStrike" sz="3000" u="none" kumimoji="0" normalizeH="0">
+      <a:defRPr kumimoji="0" sz="3000" b="1" i="0" u="none" strike="noStrike" cap="none" spc="0" normalizeH="0" baseline="0">
         <a:ln>
           <a:noFill/>
         </a:ln>
@@ -120,7 +120,7 @@
       <a:buFontTx/>
       <a:buNone/>
       <a:tabLst/>
-      <a:defRPr b="1" baseline="0" cap="none" i="0" spc="0" strike="noStrike" sz="3000" u="none" kumimoji="0" normalizeH="0">
+      <a:defRPr kumimoji="0" sz="3000" b="1" i="0" u="none" strike="noStrike" cap="none" spc="0" normalizeH="0" baseline="0">
         <a:ln>
           <a:noFill/>
         </a:ln>
@@ -150,7 +150,7 @@
       <a:buFontTx/>
       <a:buNone/>
       <a:tabLst/>
-      <a:defRPr b="1" baseline="0" cap="none" i="0" spc="0" strike="noStrike" sz="3000" u="none" kumimoji="0" normalizeH="0">
+      <a:defRPr kumimoji="0" sz="3000" b="1" i="0" u="none" strike="noStrike" cap="none" spc="0" normalizeH="0" baseline="0">
         <a:ln>
           <a:noFill/>
         </a:ln>
@@ -180,7 +180,7 @@
       <a:buFontTx/>
       <a:buNone/>
       <a:tabLst/>
-      <a:defRPr b="1" baseline="0" cap="none" i="0" spc="0" strike="noStrike" sz="3000" u="none" kumimoji="0" normalizeH="0">
+      <a:defRPr kumimoji="0" sz="3000" b="1" i="0" u="none" strike="noStrike" cap="none" spc="0" normalizeH="0" baseline="0">
         <a:ln>
           <a:noFill/>
         </a:ln>
@@ -210,7 +210,7 @@
       <a:buFontTx/>
       <a:buNone/>
       <a:tabLst/>
-      <a:defRPr b="1" baseline="0" cap="none" i="0" spc="0" strike="noStrike" sz="3000" u="none" kumimoji="0" normalizeH="0">
+      <a:defRPr kumimoji="0" sz="3000" b="1" i="0" u="none" strike="noStrike" cap="none" spc="0" normalizeH="0" baseline="0">
         <a:ln>
           <a:noFill/>
         </a:ln>
@@ -240,7 +240,7 @@
       <a:buFontTx/>
       <a:buNone/>
       <a:tabLst/>
-      <a:defRPr b="1" baseline="0" cap="none" i="0" spc="0" strike="noStrike" sz="3000" u="none" kumimoji="0" normalizeH="0">
+      <a:defRPr kumimoji="0" sz="3000" b="1" i="0" u="none" strike="noStrike" cap="none" spc="0" normalizeH="0" baseline="0">
         <a:ln>
           <a:noFill/>
         </a:ln>
@@ -270,7 +270,7 @@
       <a:buFontTx/>
       <a:buNone/>
       <a:tabLst/>
-      <a:defRPr b="1" baseline="0" cap="none" i="0" spc="0" strike="noStrike" sz="3000" u="none" kumimoji="0" normalizeH="0">
+      <a:defRPr kumimoji="0" sz="3000" b="1" i="0" u="none" strike="noStrike" cap="none" spc="0" normalizeH="0" baseline="0">
         <a:ln>
           <a:noFill/>
         </a:ln>
@@ -300,7 +300,7 @@
       <a:buFontTx/>
       <a:buNone/>
       <a:tabLst/>
-      <a:defRPr b="1" baseline="0" cap="none" i="0" spc="0" strike="noStrike" sz="3000" u="none" kumimoji="0" normalizeH="0">
+      <a:defRPr kumimoji="0" sz="3000" b="1" i="0" u="none" strike="noStrike" cap="none" spc="0" normalizeH="0" baseline="0">
         <a:ln>
           <a:noFill/>
         </a:ln>
@@ -319,13 +319,14 @@
 </p:presentation>
 </file>
 
-<file path=ppt/commentAuthors.xml><?xml version="1.0" encoding="utf-8"?>
-<p:cmAuthorLst xmlns:a="http://schemas.openxmlformats.org/drawingml/2006/main" xmlns:r="http://schemas.openxmlformats.org/officeDocument/2006/relationships" xmlns:p="http://schemas.openxmlformats.org/presentationml/2006/main" xmlns:m="http://schemas.openxmlformats.org/officeDocument/2006/math" xmlns:a14="http://schemas.microsoft.com/office/drawing/2010/main"/>
-</file>
-
 <file path=ppt/notesMasters/notesMaster1.xml><?xml version="1.0" encoding="utf-8"?>
-<p:notesMaster xmlns:a="http://schemas.openxmlformats.org/drawingml/2006/main" xmlns:r="http://schemas.openxmlformats.org/officeDocument/2006/relationships" xmlns:p="http://schemas.openxmlformats.org/presentationml/2006/main" xmlns:m="http://schemas.openxmlformats.org/officeDocument/2006/math" xmlns:a14="http://schemas.microsoft.com/office/drawing/2010/main">
+<p:notesMaster xmlns:a="http://schemas.openxmlformats.org/drawingml/2006/main" xmlns:r="http://schemas.openxmlformats.org/officeDocument/2006/relationships" xmlns:p="http://schemas.openxmlformats.org/presentationml/2006/main">
   <p:cSld>
+    <p:bg>
+      <p:bgRef idx="1001">
+        <a:schemeClr val="bg1"/>
+      </p:bgRef>
+    </p:bg>
     <p:spTree>
       <p:nvGrpSpPr>
         <p:cNvPr id="1" name=""/>
@@ -343,50 +344,54 @@
       <p:sp>
         <p:nvSpPr>
           <p:cNvPr id="116" name="Shape 116"/>
-          <p:cNvSpPr/>
+          <p:cNvSpPr>
+            <a:spLocks noGrp="1" noRot="1" noChangeAspect="1"/>
+          </p:cNvSpPr>
           <p:nvPr>
             <p:ph type="sldImg"/>
           </p:nvPr>
         </p:nvSpPr>
         <p:spPr>
           <a:xfrm>
-            <a:off x="1143000" y="685800"/>
-            <a:ext cx="4572000" cy="3429000"/>
+            <a:off x="457200" y="720725"/>
+            <a:ext cx="6400800" cy="3600450"/>
           </a:xfrm>
           <a:prstGeom prst="rect">
             <a:avLst/>
           </a:prstGeom>
         </p:spPr>
         <p:txBody>
-          <a:bodyPr/>
+          <a:bodyPr lIns="96661" tIns="48331" rIns="96661" bIns="48331"/>
           <a:lstStyle/>
           <a:p>
-            <a:pPr/>
+            <a:endParaRPr/>
           </a:p>
         </p:txBody>
       </p:sp>
       <p:sp>
         <p:nvSpPr>
           <p:cNvPr id="117" name="Shape 117"/>
-          <p:cNvSpPr/>
+          <p:cNvSpPr>
+            <a:spLocks noGrp="1"/>
+          </p:cNvSpPr>
           <p:nvPr>
             <p:ph type="body" sz="quarter" idx="1"/>
           </p:nvPr>
         </p:nvSpPr>
         <p:spPr>
           <a:xfrm>
-            <a:off x="914400" y="4343400"/>
-            <a:ext cx="5029200" cy="4114800"/>
+            <a:off x="975360" y="4560570"/>
+            <a:ext cx="5364480" cy="4320540"/>
           </a:xfrm>
           <a:prstGeom prst="rect">
             <a:avLst/>
           </a:prstGeom>
         </p:spPr>
         <p:txBody>
-          <a:bodyPr/>
+          <a:bodyPr lIns="96661" tIns="48331" rIns="96661" bIns="48331"/>
           <a:lstStyle/>
           <a:p>
-            <a:pPr/>
+            <a:endParaRPr/>
           </a:p>
         </p:txBody>
       </p:sp>
@@ -498,7 +503,7 @@
 </file>
 
 <file path=ppt/slideLayouts/slideLayout1.xml><?xml version="1.0" encoding="utf-8"?>
-<p:sldLayout xmlns:a="http://schemas.openxmlformats.org/drawingml/2006/main" xmlns:r="http://schemas.openxmlformats.org/officeDocument/2006/relationships" xmlns:p="http://schemas.openxmlformats.org/presentationml/2006/main" xmlns:m="http://schemas.openxmlformats.org/officeDocument/2006/math" xmlns:a14="http://schemas.microsoft.com/office/drawing/2010/main" type="title" showMasterSp="1" showMasterPhAnim="1">
+<p:sldLayout xmlns:a="http://schemas.openxmlformats.org/drawingml/2006/main" xmlns:r="http://schemas.openxmlformats.org/officeDocument/2006/relationships" xmlns:p="http://schemas.openxmlformats.org/presentationml/2006/main" type="title">
   <p:cSld name="Title &amp; Subtitle">
     <p:spTree>
       <p:nvGrpSpPr>
@@ -517,7 +522,9 @@
       <p:sp>
         <p:nvSpPr>
           <p:cNvPr id="11" name="Title Text"/>
-          <p:cNvSpPr txBox="1"/>
+          <p:cNvSpPr txBox="1">
+            <a:spLocks noGrp="1"/>
+          </p:cNvSpPr>
           <p:nvPr>
             <p:ph type="title"/>
           </p:nvPr>
@@ -535,7 +542,6 @@
           <a:bodyPr anchor="b"/>
           <a:lstStyle/>
           <a:p>
-            <a:pPr/>
             <a:r>
               <a:t>Title Text</a:t>
             </a:r>
@@ -545,7 +551,9 @@
       <p:sp>
         <p:nvSpPr>
           <p:cNvPr id="12" name="Body Level One…"/>
-          <p:cNvSpPr txBox="1"/>
+          <p:cNvSpPr txBox="1">
+            <a:spLocks noGrp="1"/>
+          </p:cNvSpPr>
           <p:nvPr>
             <p:ph type="body" sz="quarter" idx="1"/>
           </p:nvPr>
@@ -604,7 +612,6 @@
             </a:lvl5pPr>
           </a:lstStyle>
           <a:p>
-            <a:pPr/>
             <a:r>
               <a:t>Body Level One</a:t>
             </a:r>
@@ -638,7 +645,9 @@
       <p:sp>
         <p:nvSpPr>
           <p:cNvPr id="13" name="Slide Number"/>
-          <p:cNvSpPr txBox="1"/>
+          <p:cNvSpPr txBox="1">
+            <a:spLocks noGrp="1"/>
+          </p:cNvSpPr>
           <p:nvPr>
             <p:ph type="sldNum" sz="quarter" idx="2"/>
           </p:nvPr>
@@ -652,8 +661,10 @@
           <a:bodyPr/>
           <a:lstStyle/>
           <a:p>
-            <a:pPr/>
-            <a:fld id="{86CB4B4D-7CA3-9044-876B-883B54F8677D}" type="slidenum"/>
+            <a:fld id="{86CB4B4D-7CA3-9044-876B-883B54F8677D}" type="slidenum">
+              <a:t>‹Nº›</a:t>
+            </a:fld>
+            <a:endParaRPr/>
           </a:p>
         </p:txBody>
       </p:sp>
@@ -662,12 +673,12 @@
   <p:clrMapOvr>
     <a:masterClrMapping/>
   </p:clrMapOvr>
-  <p:transition xmlns:p14="http://schemas.microsoft.com/office/powerpoint/2010/main" spd="med" advClick="1"/>
+  <p:transition spd="med"/>
 </p:sldLayout>
 </file>
 
 <file path=ppt/slideLayouts/slideLayout10.xml><?xml version="1.0" encoding="utf-8"?>
-<p:sldLayout xmlns:a="http://schemas.openxmlformats.org/drawingml/2006/main" xmlns:r="http://schemas.openxmlformats.org/officeDocument/2006/relationships" xmlns:p="http://schemas.openxmlformats.org/presentationml/2006/main" xmlns:m="http://schemas.openxmlformats.org/officeDocument/2006/math" xmlns:a14="http://schemas.microsoft.com/office/drawing/2010/main" type="tx" showMasterSp="1" showMasterPhAnim="1">
+<p:sldLayout xmlns:a="http://schemas.openxmlformats.org/drawingml/2006/main" xmlns:r="http://schemas.openxmlformats.org/officeDocument/2006/relationships" xmlns:p="http://schemas.openxmlformats.org/presentationml/2006/main" type="tx">
   <p:cSld name="Quote">
     <p:spTree>
       <p:nvGrpSpPr>
@@ -686,7 +697,9 @@
       <p:sp>
         <p:nvSpPr>
           <p:cNvPr id="93" name="–Johnny Appleseed"/>
-          <p:cNvSpPr txBox="1"/>
+          <p:cNvSpPr txBox="1">
+            <a:spLocks noGrp="1"/>
+          </p:cNvSpPr>
           <p:nvPr>
             <p:ph type="body" sz="quarter" idx="13"/>
           </p:nvPr>
@@ -711,11 +724,10 @@
               </a:spcBef>
               <a:buSzTx/>
               <a:buNone/>
-              <a:defRPr i="1" sz="3200"/>
+              <a:defRPr sz="3200" i="1"/>
             </a:lvl1pPr>
           </a:lstStyle>
           <a:p>
-            <a:pPr/>
             <a:r>
               <a:t>–Johnny Appleseed</a:t>
             </a:r>
@@ -725,7 +737,9 @@
       <p:sp>
         <p:nvSpPr>
           <p:cNvPr id="94" name="“Type a quote here.”"/>
-          <p:cNvSpPr txBox="1"/>
+          <p:cNvSpPr txBox="1">
+            <a:spLocks noGrp="1"/>
+          </p:cNvSpPr>
           <p:nvPr>
             <p:ph type="body" sz="quarter" idx="14"/>
           </p:nvPr>
@@ -759,7 +773,6 @@
             </a:lvl1pPr>
           </a:lstStyle>
           <a:p>
-            <a:pPr/>
             <a:r>
               <a:t>“Type a quote here.” </a:t>
             </a:r>
@@ -769,7 +782,9 @@
       <p:sp>
         <p:nvSpPr>
           <p:cNvPr id="95" name="Slide Number"/>
-          <p:cNvSpPr txBox="1"/>
+          <p:cNvSpPr txBox="1">
+            <a:spLocks noGrp="1"/>
+          </p:cNvSpPr>
           <p:nvPr>
             <p:ph type="sldNum" sz="quarter" idx="2"/>
           </p:nvPr>
@@ -783,8 +798,10 @@
           <a:bodyPr/>
           <a:lstStyle/>
           <a:p>
-            <a:pPr/>
-            <a:fld id="{86CB4B4D-7CA3-9044-876B-883B54F8677D}" type="slidenum"/>
+            <a:fld id="{86CB4B4D-7CA3-9044-876B-883B54F8677D}" type="slidenum">
+              <a:t>‹Nº›</a:t>
+            </a:fld>
+            <a:endParaRPr/>
           </a:p>
         </p:txBody>
       </p:sp>
@@ -793,12 +810,12 @@
   <p:clrMapOvr>
     <a:masterClrMapping/>
   </p:clrMapOvr>
-  <p:transition xmlns:p14="http://schemas.microsoft.com/office/powerpoint/2010/main" spd="med" advClick="1"/>
+  <p:transition spd="med"/>
 </p:sldLayout>
 </file>
 
 <file path=ppt/slideLayouts/slideLayout11.xml><?xml version="1.0" encoding="utf-8"?>
-<p:sldLayout xmlns:a="http://schemas.openxmlformats.org/drawingml/2006/main" xmlns:r="http://schemas.openxmlformats.org/officeDocument/2006/relationships" xmlns:p="http://schemas.openxmlformats.org/presentationml/2006/main" xmlns:m="http://schemas.openxmlformats.org/officeDocument/2006/math" xmlns:a14="http://schemas.microsoft.com/office/drawing/2010/main" type="tx" showMasterSp="1" showMasterPhAnim="1">
+<p:sldLayout xmlns:a="http://schemas.openxmlformats.org/drawingml/2006/main" xmlns:r="http://schemas.openxmlformats.org/officeDocument/2006/relationships" xmlns:p="http://schemas.openxmlformats.org/presentationml/2006/main" type="tx">
   <p:cSld name="Photo">
     <p:spTree>
       <p:nvGrpSpPr>
@@ -817,7 +834,9 @@
       <p:sp>
         <p:nvSpPr>
           <p:cNvPr id="102" name="Image"/>
-          <p:cNvSpPr/>
+          <p:cNvSpPr>
+            <a:spLocks noGrp="1"/>
+          </p:cNvSpPr>
           <p:nvPr>
             <p:ph type="pic" idx="13"/>
           </p:nvPr>
@@ -837,14 +856,16 @@
           </a:bodyPr>
           <a:lstStyle/>
           <a:p>
-            <a:pPr/>
+            <a:endParaRPr/>
           </a:p>
         </p:txBody>
       </p:sp>
       <p:sp>
         <p:nvSpPr>
           <p:cNvPr id="103" name="Slide Number"/>
-          <p:cNvSpPr txBox="1"/>
+          <p:cNvSpPr txBox="1">
+            <a:spLocks noGrp="1"/>
+          </p:cNvSpPr>
           <p:nvPr>
             <p:ph type="sldNum" sz="quarter" idx="2"/>
           </p:nvPr>
@@ -858,8 +879,10 @@
           <a:bodyPr/>
           <a:lstStyle/>
           <a:p>
-            <a:pPr/>
-            <a:fld id="{86CB4B4D-7CA3-9044-876B-883B54F8677D}" type="slidenum"/>
+            <a:fld id="{86CB4B4D-7CA3-9044-876B-883B54F8677D}" type="slidenum">
+              <a:t>‹Nº›</a:t>
+            </a:fld>
+            <a:endParaRPr/>
           </a:p>
         </p:txBody>
       </p:sp>
@@ -868,12 +891,12 @@
   <p:clrMapOvr>
     <a:masterClrMapping/>
   </p:clrMapOvr>
-  <p:transition xmlns:p14="http://schemas.microsoft.com/office/powerpoint/2010/main" spd="med" advClick="1"/>
+  <p:transition spd="med"/>
 </p:sldLayout>
 </file>
 
 <file path=ppt/slideLayouts/slideLayout12.xml><?xml version="1.0" encoding="utf-8"?>
-<p:sldLayout xmlns:a="http://schemas.openxmlformats.org/drawingml/2006/main" xmlns:r="http://schemas.openxmlformats.org/officeDocument/2006/relationships" xmlns:p="http://schemas.openxmlformats.org/presentationml/2006/main" xmlns:m="http://schemas.openxmlformats.org/officeDocument/2006/math" xmlns:a14="http://schemas.microsoft.com/office/drawing/2010/main" type="tx" showMasterSp="1" showMasterPhAnim="1">
+<p:sldLayout xmlns:a="http://schemas.openxmlformats.org/drawingml/2006/main" xmlns:r="http://schemas.openxmlformats.org/officeDocument/2006/relationships" xmlns:p="http://schemas.openxmlformats.org/presentationml/2006/main" type="tx">
   <p:cSld name="Blank">
     <p:spTree>
       <p:nvGrpSpPr>
@@ -892,7 +915,9 @@
       <p:sp>
         <p:nvSpPr>
           <p:cNvPr id="110" name="Slide Number"/>
-          <p:cNvSpPr txBox="1"/>
+          <p:cNvSpPr txBox="1">
+            <a:spLocks noGrp="1"/>
+          </p:cNvSpPr>
           <p:nvPr>
             <p:ph type="sldNum" sz="quarter" idx="2"/>
           </p:nvPr>
@@ -906,8 +931,10 @@
           <a:bodyPr/>
           <a:lstStyle/>
           <a:p>
-            <a:pPr/>
-            <a:fld id="{86CB4B4D-7CA3-9044-876B-883B54F8677D}" type="slidenum"/>
+            <a:fld id="{86CB4B4D-7CA3-9044-876B-883B54F8677D}" type="slidenum">
+              <a:t>‹Nº›</a:t>
+            </a:fld>
+            <a:endParaRPr/>
           </a:p>
         </p:txBody>
       </p:sp>
@@ -916,12 +943,12 @@
   <p:clrMapOvr>
     <a:masterClrMapping/>
   </p:clrMapOvr>
-  <p:transition xmlns:p14="http://schemas.microsoft.com/office/powerpoint/2010/main" spd="med" advClick="1"/>
+  <p:transition spd="med"/>
 </p:sldLayout>
 </file>
 
 <file path=ppt/slideLayouts/slideLayout2.xml><?xml version="1.0" encoding="utf-8"?>
-<p:sldLayout xmlns:a="http://schemas.openxmlformats.org/drawingml/2006/main" xmlns:r="http://schemas.openxmlformats.org/officeDocument/2006/relationships" xmlns:p="http://schemas.openxmlformats.org/presentationml/2006/main" xmlns:m="http://schemas.openxmlformats.org/officeDocument/2006/math" xmlns:a14="http://schemas.microsoft.com/office/drawing/2010/main" type="tx" showMasterSp="1" showMasterPhAnim="1">
+<p:sldLayout xmlns:a="http://schemas.openxmlformats.org/drawingml/2006/main" xmlns:r="http://schemas.openxmlformats.org/officeDocument/2006/relationships" xmlns:p="http://schemas.openxmlformats.org/presentationml/2006/main" type="tx">
   <p:cSld name="Photo - Horizontal">
     <p:spTree>
       <p:nvGrpSpPr>
@@ -940,7 +967,9 @@
       <p:sp>
         <p:nvSpPr>
           <p:cNvPr id="20" name="Image"/>
-          <p:cNvSpPr/>
+          <p:cNvSpPr>
+            <a:spLocks noGrp="1"/>
+          </p:cNvSpPr>
           <p:nvPr>
             <p:ph type="pic" idx="13"/>
           </p:nvPr>
@@ -960,14 +989,16 @@
           </a:bodyPr>
           <a:lstStyle/>
           <a:p>
-            <a:pPr/>
+            <a:endParaRPr/>
           </a:p>
         </p:txBody>
       </p:sp>
       <p:sp>
         <p:nvSpPr>
           <p:cNvPr id="21" name="Title Text"/>
-          <p:cNvSpPr txBox="1"/>
+          <p:cNvSpPr txBox="1">
+            <a:spLocks noGrp="1"/>
+          </p:cNvSpPr>
           <p:nvPr>
             <p:ph type="title"/>
           </p:nvPr>
@@ -985,7 +1016,6 @@
           <a:bodyPr anchor="b"/>
           <a:lstStyle/>
           <a:p>
-            <a:pPr/>
             <a:r>
               <a:t>Title Text</a:t>
             </a:r>
@@ -995,7 +1025,9 @@
       <p:sp>
         <p:nvSpPr>
           <p:cNvPr id="22" name="Body Level One…"/>
-          <p:cNvSpPr txBox="1"/>
+          <p:cNvSpPr txBox="1">
+            <a:spLocks noGrp="1"/>
+          </p:cNvSpPr>
           <p:nvPr>
             <p:ph type="body" sz="quarter" idx="1"/>
           </p:nvPr>
@@ -1054,7 +1086,6 @@
             </a:lvl5pPr>
           </a:lstStyle>
           <a:p>
-            <a:pPr/>
             <a:r>
               <a:t>Body Level One</a:t>
             </a:r>
@@ -1088,7 +1119,9 @@
       <p:sp>
         <p:nvSpPr>
           <p:cNvPr id="23" name="Slide Number"/>
-          <p:cNvSpPr txBox="1"/>
+          <p:cNvSpPr txBox="1">
+            <a:spLocks noGrp="1"/>
+          </p:cNvSpPr>
           <p:nvPr>
             <p:ph type="sldNum" sz="quarter" idx="2"/>
           </p:nvPr>
@@ -1102,8 +1135,10 @@
           <a:bodyPr/>
           <a:lstStyle/>
           <a:p>
-            <a:pPr/>
-            <a:fld id="{86CB4B4D-7CA3-9044-876B-883B54F8677D}" type="slidenum"/>
+            <a:fld id="{86CB4B4D-7CA3-9044-876B-883B54F8677D}" type="slidenum">
+              <a:t>‹Nº›</a:t>
+            </a:fld>
+            <a:endParaRPr/>
           </a:p>
         </p:txBody>
       </p:sp>
@@ -1112,12 +1147,12 @@
   <p:clrMapOvr>
     <a:masterClrMapping/>
   </p:clrMapOvr>
-  <p:transition xmlns:p14="http://schemas.microsoft.com/office/powerpoint/2010/main" spd="med" advClick="1"/>
+  <p:transition spd="med"/>
 </p:sldLayout>
 </file>
 
 <file path=ppt/slideLayouts/slideLayout3.xml><?xml version="1.0" encoding="utf-8"?>
-<p:sldLayout xmlns:a="http://schemas.openxmlformats.org/drawingml/2006/main" xmlns:r="http://schemas.openxmlformats.org/officeDocument/2006/relationships" xmlns:p="http://schemas.openxmlformats.org/presentationml/2006/main" xmlns:m="http://schemas.openxmlformats.org/officeDocument/2006/math" xmlns:a14="http://schemas.microsoft.com/office/drawing/2010/main" type="tx" showMasterSp="1" showMasterPhAnim="1">
+<p:sldLayout xmlns:a="http://schemas.openxmlformats.org/drawingml/2006/main" xmlns:r="http://schemas.openxmlformats.org/officeDocument/2006/relationships" xmlns:p="http://schemas.openxmlformats.org/presentationml/2006/main" type="tx">
   <p:cSld name="Title - Center">
     <p:spTree>
       <p:nvGrpSpPr>
@@ -1136,7 +1171,9 @@
       <p:sp>
         <p:nvSpPr>
           <p:cNvPr id="30" name="Title Text"/>
-          <p:cNvSpPr txBox="1"/>
+          <p:cNvSpPr txBox="1">
+            <a:spLocks noGrp="1"/>
+          </p:cNvSpPr>
           <p:nvPr>
             <p:ph type="title"/>
           </p:nvPr>
@@ -1154,7 +1191,6 @@
           <a:bodyPr/>
           <a:lstStyle/>
           <a:p>
-            <a:pPr/>
             <a:r>
               <a:t>Title Text</a:t>
             </a:r>
@@ -1164,7 +1200,9 @@
       <p:sp>
         <p:nvSpPr>
           <p:cNvPr id="31" name="Slide Number"/>
-          <p:cNvSpPr txBox="1"/>
+          <p:cNvSpPr txBox="1">
+            <a:spLocks noGrp="1"/>
+          </p:cNvSpPr>
           <p:nvPr>
             <p:ph type="sldNum" sz="quarter" idx="2"/>
           </p:nvPr>
@@ -1178,8 +1216,10 @@
           <a:bodyPr/>
           <a:lstStyle/>
           <a:p>
-            <a:pPr/>
-            <a:fld id="{86CB4B4D-7CA3-9044-876B-883B54F8677D}" type="slidenum"/>
+            <a:fld id="{86CB4B4D-7CA3-9044-876B-883B54F8677D}" type="slidenum">
+              <a:t>‹Nº›</a:t>
+            </a:fld>
+            <a:endParaRPr/>
           </a:p>
         </p:txBody>
       </p:sp>
@@ -1188,12 +1228,12 @@
   <p:clrMapOvr>
     <a:masterClrMapping/>
   </p:clrMapOvr>
-  <p:transition xmlns:p14="http://schemas.microsoft.com/office/powerpoint/2010/main" spd="med" advClick="1"/>
+  <p:transition spd="med"/>
 </p:sldLayout>
 </file>
 
 <file path=ppt/slideLayouts/slideLayout4.xml><?xml version="1.0" encoding="utf-8"?>
-<p:sldLayout xmlns:a="http://schemas.openxmlformats.org/drawingml/2006/main" xmlns:r="http://schemas.openxmlformats.org/officeDocument/2006/relationships" xmlns:p="http://schemas.openxmlformats.org/presentationml/2006/main" xmlns:m="http://schemas.openxmlformats.org/officeDocument/2006/math" xmlns:a14="http://schemas.microsoft.com/office/drawing/2010/main" type="tx" showMasterSp="1" showMasterPhAnim="1">
+<p:sldLayout xmlns:a="http://schemas.openxmlformats.org/drawingml/2006/main" xmlns:r="http://schemas.openxmlformats.org/officeDocument/2006/relationships" xmlns:p="http://schemas.openxmlformats.org/presentationml/2006/main" type="tx">
   <p:cSld name="Photo - Vertical">
     <p:spTree>
       <p:nvGrpSpPr>
@@ -1212,7 +1252,9 @@
       <p:sp>
         <p:nvSpPr>
           <p:cNvPr id="38" name="Image"/>
-          <p:cNvSpPr/>
+          <p:cNvSpPr>
+            <a:spLocks noGrp="1"/>
+          </p:cNvSpPr>
           <p:nvPr>
             <p:ph type="pic" idx="13"/>
           </p:nvPr>
@@ -1232,14 +1274,16 @@
           </a:bodyPr>
           <a:lstStyle/>
           <a:p>
-            <a:pPr/>
+            <a:endParaRPr/>
           </a:p>
         </p:txBody>
       </p:sp>
       <p:sp>
         <p:nvSpPr>
           <p:cNvPr id="39" name="Title Text"/>
-          <p:cNvSpPr txBox="1"/>
+          <p:cNvSpPr txBox="1">
+            <a:spLocks noGrp="1"/>
+          </p:cNvSpPr>
           <p:nvPr>
             <p:ph type="title"/>
           </p:nvPr>
@@ -1261,7 +1305,6 @@
             </a:lvl1pPr>
           </a:lstStyle>
           <a:p>
-            <a:pPr/>
             <a:r>
               <a:t>Title Text</a:t>
             </a:r>
@@ -1271,7 +1314,9 @@
       <p:sp>
         <p:nvSpPr>
           <p:cNvPr id="40" name="Body Level One…"/>
-          <p:cNvSpPr txBox="1"/>
+          <p:cNvSpPr txBox="1">
+            <a:spLocks noGrp="1"/>
+          </p:cNvSpPr>
           <p:nvPr>
             <p:ph type="body" sz="quarter" idx="1"/>
           </p:nvPr>
@@ -1330,7 +1375,6 @@
             </a:lvl5pPr>
           </a:lstStyle>
           <a:p>
-            <a:pPr/>
             <a:r>
               <a:t>Body Level One</a:t>
             </a:r>
@@ -1364,7 +1408,9 @@
       <p:sp>
         <p:nvSpPr>
           <p:cNvPr id="41" name="Slide Number"/>
-          <p:cNvSpPr txBox="1"/>
+          <p:cNvSpPr txBox="1">
+            <a:spLocks noGrp="1"/>
+          </p:cNvSpPr>
           <p:nvPr>
             <p:ph type="sldNum" sz="quarter" idx="2"/>
           </p:nvPr>
@@ -1378,8 +1424,10 @@
           <a:bodyPr/>
           <a:lstStyle/>
           <a:p>
-            <a:pPr/>
-            <a:fld id="{86CB4B4D-7CA3-9044-876B-883B54F8677D}" type="slidenum"/>
+            <a:fld id="{86CB4B4D-7CA3-9044-876B-883B54F8677D}" type="slidenum">
+              <a:t>‹Nº›</a:t>
+            </a:fld>
+            <a:endParaRPr/>
           </a:p>
         </p:txBody>
       </p:sp>
@@ -1388,12 +1436,12 @@
   <p:clrMapOvr>
     <a:masterClrMapping/>
   </p:clrMapOvr>
-  <p:transition xmlns:p14="http://schemas.microsoft.com/office/powerpoint/2010/main" spd="med" advClick="1"/>
+  <p:transition spd="med"/>
 </p:sldLayout>
 </file>
 
 <file path=ppt/slideLayouts/slideLayout5.xml><?xml version="1.0" encoding="utf-8"?>
-<p:sldLayout xmlns:a="http://schemas.openxmlformats.org/drawingml/2006/main" xmlns:r="http://schemas.openxmlformats.org/officeDocument/2006/relationships" xmlns:p="http://schemas.openxmlformats.org/presentationml/2006/main" xmlns:m="http://schemas.openxmlformats.org/officeDocument/2006/math" xmlns:a14="http://schemas.microsoft.com/office/drawing/2010/main" type="tx" showMasterSp="1" showMasterPhAnim="1">
+<p:sldLayout xmlns:a="http://schemas.openxmlformats.org/drawingml/2006/main" xmlns:r="http://schemas.openxmlformats.org/officeDocument/2006/relationships" xmlns:p="http://schemas.openxmlformats.org/presentationml/2006/main" type="tx">
   <p:cSld name="Title - Top">
     <p:spTree>
       <p:nvGrpSpPr>
@@ -1412,7 +1460,9 @@
       <p:sp>
         <p:nvSpPr>
           <p:cNvPr id="48" name="Title Text"/>
-          <p:cNvSpPr txBox="1"/>
+          <p:cNvSpPr txBox="1">
+            <a:spLocks noGrp="1"/>
+          </p:cNvSpPr>
           <p:nvPr>
             <p:ph type="title"/>
           </p:nvPr>
@@ -1426,7 +1476,6 @@
           <a:bodyPr/>
           <a:lstStyle/>
           <a:p>
-            <a:pPr/>
             <a:r>
               <a:t>Title Text</a:t>
             </a:r>
@@ -1436,7 +1485,9 @@
       <p:sp>
         <p:nvSpPr>
           <p:cNvPr id="49" name="Slide Number"/>
-          <p:cNvSpPr txBox="1"/>
+          <p:cNvSpPr txBox="1">
+            <a:spLocks noGrp="1"/>
+          </p:cNvSpPr>
           <p:nvPr>
             <p:ph type="sldNum" sz="quarter" idx="2"/>
           </p:nvPr>
@@ -1450,8 +1501,10 @@
           <a:bodyPr/>
           <a:lstStyle/>
           <a:p>
-            <a:pPr/>
-            <a:fld id="{86CB4B4D-7CA3-9044-876B-883B54F8677D}" type="slidenum"/>
+            <a:fld id="{86CB4B4D-7CA3-9044-876B-883B54F8677D}" type="slidenum">
+              <a:t>‹Nº›</a:t>
+            </a:fld>
+            <a:endParaRPr/>
           </a:p>
         </p:txBody>
       </p:sp>
@@ -1460,12 +1513,12 @@
   <p:clrMapOvr>
     <a:masterClrMapping/>
   </p:clrMapOvr>
-  <p:transition xmlns:p14="http://schemas.microsoft.com/office/powerpoint/2010/main" spd="med" advClick="1"/>
+  <p:transition spd="med"/>
 </p:sldLayout>
 </file>
 
 <file path=ppt/slideLayouts/slideLayout6.xml><?xml version="1.0" encoding="utf-8"?>
-<p:sldLayout xmlns:a="http://schemas.openxmlformats.org/drawingml/2006/main" xmlns:r="http://schemas.openxmlformats.org/officeDocument/2006/relationships" xmlns:p="http://schemas.openxmlformats.org/presentationml/2006/main" xmlns:m="http://schemas.openxmlformats.org/officeDocument/2006/math" xmlns:a14="http://schemas.microsoft.com/office/drawing/2010/main" type="tx" showMasterSp="1" showMasterPhAnim="1">
+<p:sldLayout xmlns:a="http://schemas.openxmlformats.org/drawingml/2006/main" xmlns:r="http://schemas.openxmlformats.org/officeDocument/2006/relationships" xmlns:p="http://schemas.openxmlformats.org/presentationml/2006/main" type="tx">
   <p:cSld name="Title &amp; Bullets">
     <p:spTree>
       <p:nvGrpSpPr>
@@ -1484,7 +1537,9 @@
       <p:sp>
         <p:nvSpPr>
           <p:cNvPr id="56" name="Title Text"/>
-          <p:cNvSpPr txBox="1"/>
+          <p:cNvSpPr txBox="1">
+            <a:spLocks noGrp="1"/>
+          </p:cNvSpPr>
           <p:nvPr>
             <p:ph type="title"/>
           </p:nvPr>
@@ -1498,7 +1553,6 @@
           <a:bodyPr/>
           <a:lstStyle/>
           <a:p>
-            <a:pPr/>
             <a:r>
               <a:t>Title Text</a:t>
             </a:r>
@@ -1508,7 +1562,9 @@
       <p:sp>
         <p:nvSpPr>
           <p:cNvPr id="57" name="Body Level One…"/>
-          <p:cNvSpPr txBox="1"/>
+          <p:cNvSpPr txBox="1">
+            <a:spLocks noGrp="1"/>
+          </p:cNvSpPr>
           <p:nvPr>
             <p:ph type="body" idx="1"/>
           </p:nvPr>
@@ -1538,7 +1594,6 @@
             </a:lvl5pPr>
           </a:lstStyle>
           <a:p>
-            <a:pPr/>
             <a:r>
               <a:t>Body Level One</a:t>
             </a:r>
@@ -1572,7 +1627,9 @@
       <p:sp>
         <p:nvSpPr>
           <p:cNvPr id="58" name="Slide Number"/>
-          <p:cNvSpPr txBox="1"/>
+          <p:cNvSpPr txBox="1">
+            <a:spLocks noGrp="1"/>
+          </p:cNvSpPr>
           <p:nvPr>
             <p:ph type="sldNum" sz="quarter" idx="2"/>
           </p:nvPr>
@@ -1586,8 +1643,10 @@
           <a:bodyPr/>
           <a:lstStyle/>
           <a:p>
-            <a:pPr/>
-            <a:fld id="{86CB4B4D-7CA3-9044-876B-883B54F8677D}" type="slidenum"/>
+            <a:fld id="{86CB4B4D-7CA3-9044-876B-883B54F8677D}" type="slidenum">
+              <a:t>‹Nº›</a:t>
+            </a:fld>
+            <a:endParaRPr/>
           </a:p>
         </p:txBody>
       </p:sp>
@@ -1596,12 +1655,12 @@
   <p:clrMapOvr>
     <a:masterClrMapping/>
   </p:clrMapOvr>
-  <p:transition xmlns:p14="http://schemas.microsoft.com/office/powerpoint/2010/main" spd="med" advClick="1"/>
+  <p:transition spd="med"/>
 </p:sldLayout>
 </file>
 
 <file path=ppt/slideLayouts/slideLayout7.xml><?xml version="1.0" encoding="utf-8"?>
-<p:sldLayout xmlns:a="http://schemas.openxmlformats.org/drawingml/2006/main" xmlns:r="http://schemas.openxmlformats.org/officeDocument/2006/relationships" xmlns:p="http://schemas.openxmlformats.org/presentationml/2006/main" xmlns:m="http://schemas.openxmlformats.org/officeDocument/2006/math" xmlns:a14="http://schemas.microsoft.com/office/drawing/2010/main" type="tx" showMasterSp="1" showMasterPhAnim="1">
+<p:sldLayout xmlns:a="http://schemas.openxmlformats.org/drawingml/2006/main" xmlns:r="http://schemas.openxmlformats.org/officeDocument/2006/relationships" xmlns:p="http://schemas.openxmlformats.org/presentationml/2006/main" type="tx">
   <p:cSld name="Title, Bullets &amp; Photo">
     <p:spTree>
       <p:nvGrpSpPr>
@@ -1620,7 +1679,9 @@
       <p:sp>
         <p:nvSpPr>
           <p:cNvPr id="65" name="Image"/>
-          <p:cNvSpPr/>
+          <p:cNvSpPr>
+            <a:spLocks noGrp="1"/>
+          </p:cNvSpPr>
           <p:nvPr>
             <p:ph type="pic" sz="half" idx="13"/>
           </p:nvPr>
@@ -1640,14 +1701,16 @@
           </a:bodyPr>
           <a:lstStyle/>
           <a:p>
-            <a:pPr/>
+            <a:endParaRPr/>
           </a:p>
         </p:txBody>
       </p:sp>
       <p:sp>
         <p:nvSpPr>
           <p:cNvPr id="66" name="Title Text"/>
-          <p:cNvSpPr txBox="1"/>
+          <p:cNvSpPr txBox="1">
+            <a:spLocks noGrp="1"/>
+          </p:cNvSpPr>
           <p:nvPr>
             <p:ph type="title"/>
           </p:nvPr>
@@ -1661,7 +1724,6 @@
           <a:bodyPr/>
           <a:lstStyle/>
           <a:p>
-            <a:pPr/>
             <a:r>
               <a:t>Title Text</a:t>
             </a:r>
@@ -1671,7 +1733,9 @@
       <p:sp>
         <p:nvSpPr>
           <p:cNvPr id="67" name="Body Level One…"/>
-          <p:cNvSpPr txBox="1"/>
+          <p:cNvSpPr txBox="1">
+            <a:spLocks noGrp="1"/>
+          </p:cNvSpPr>
           <p:nvPr>
             <p:ph type="body" sz="half" idx="1"/>
           </p:nvPr>
@@ -1720,7 +1784,6 @@
             </a:lvl5pPr>
           </a:lstStyle>
           <a:p>
-            <a:pPr/>
             <a:r>
               <a:t>Body Level One</a:t>
             </a:r>
@@ -1754,7 +1817,9 @@
       <p:sp>
         <p:nvSpPr>
           <p:cNvPr id="68" name="Slide Number"/>
-          <p:cNvSpPr txBox="1"/>
+          <p:cNvSpPr txBox="1">
+            <a:spLocks noGrp="1"/>
+          </p:cNvSpPr>
           <p:nvPr>
             <p:ph type="sldNum" sz="quarter" idx="2"/>
           </p:nvPr>
@@ -1768,8 +1833,10 @@
           <a:bodyPr/>
           <a:lstStyle/>
           <a:p>
-            <a:pPr/>
-            <a:fld id="{86CB4B4D-7CA3-9044-876B-883B54F8677D}" type="slidenum"/>
+            <a:fld id="{86CB4B4D-7CA3-9044-876B-883B54F8677D}" type="slidenum">
+              <a:t>‹Nº›</a:t>
+            </a:fld>
+            <a:endParaRPr/>
           </a:p>
         </p:txBody>
       </p:sp>
@@ -1778,12 +1845,12 @@
   <p:clrMapOvr>
     <a:masterClrMapping/>
   </p:clrMapOvr>
-  <p:transition xmlns:p14="http://schemas.microsoft.com/office/powerpoint/2010/main" spd="med" advClick="1"/>
+  <p:transition spd="med"/>
 </p:sldLayout>
 </file>
 
 <file path=ppt/slideLayouts/slideLayout8.xml><?xml version="1.0" encoding="utf-8"?>
-<p:sldLayout xmlns:a="http://schemas.openxmlformats.org/drawingml/2006/main" xmlns:r="http://schemas.openxmlformats.org/officeDocument/2006/relationships" xmlns:p="http://schemas.openxmlformats.org/presentationml/2006/main" xmlns:m="http://schemas.openxmlformats.org/officeDocument/2006/math" xmlns:a14="http://schemas.microsoft.com/office/drawing/2010/main" type="tx" showMasterSp="1" showMasterPhAnim="1">
+<p:sldLayout xmlns:a="http://schemas.openxmlformats.org/drawingml/2006/main" xmlns:r="http://schemas.openxmlformats.org/officeDocument/2006/relationships" xmlns:p="http://schemas.openxmlformats.org/presentationml/2006/main" type="tx">
   <p:cSld name="Bullets">
     <p:spTree>
       <p:nvGrpSpPr>
@@ -1802,7 +1869,9 @@
       <p:sp>
         <p:nvSpPr>
           <p:cNvPr id="75" name="Body Level One…"/>
-          <p:cNvSpPr txBox="1"/>
+          <p:cNvSpPr txBox="1">
+            <a:spLocks noGrp="1"/>
+          </p:cNvSpPr>
           <p:nvPr>
             <p:ph type="body" idx="1"/>
           </p:nvPr>
@@ -1836,7 +1905,6 @@
             </a:lvl5pPr>
           </a:lstStyle>
           <a:p>
-            <a:pPr/>
             <a:r>
               <a:t>Body Level One</a:t>
             </a:r>
@@ -1870,7 +1938,9 @@
       <p:sp>
         <p:nvSpPr>
           <p:cNvPr id="76" name="Slide Number"/>
-          <p:cNvSpPr txBox="1"/>
+          <p:cNvSpPr txBox="1">
+            <a:spLocks noGrp="1"/>
+          </p:cNvSpPr>
           <p:nvPr>
             <p:ph type="sldNum" sz="quarter" idx="2"/>
           </p:nvPr>
@@ -1884,8 +1954,10 @@
           <a:bodyPr/>
           <a:lstStyle/>
           <a:p>
-            <a:pPr/>
-            <a:fld id="{86CB4B4D-7CA3-9044-876B-883B54F8677D}" type="slidenum"/>
+            <a:fld id="{86CB4B4D-7CA3-9044-876B-883B54F8677D}" type="slidenum">
+              <a:t>‹Nº›</a:t>
+            </a:fld>
+            <a:endParaRPr/>
           </a:p>
         </p:txBody>
       </p:sp>
@@ -1894,12 +1966,12 @@
   <p:clrMapOvr>
     <a:masterClrMapping/>
   </p:clrMapOvr>
-  <p:transition xmlns:p14="http://schemas.microsoft.com/office/powerpoint/2010/main" spd="med" advClick="1"/>
+  <p:transition spd="med"/>
 </p:sldLayout>
 </file>
 
 <file path=ppt/slideLayouts/slideLayout9.xml><?xml version="1.0" encoding="utf-8"?>
-<p:sldLayout xmlns:a="http://schemas.openxmlformats.org/drawingml/2006/main" xmlns:r="http://schemas.openxmlformats.org/officeDocument/2006/relationships" xmlns:p="http://schemas.openxmlformats.org/presentationml/2006/main" xmlns:m="http://schemas.openxmlformats.org/officeDocument/2006/math" xmlns:a14="http://schemas.microsoft.com/office/drawing/2010/main" type="tx" showMasterSp="1" showMasterPhAnim="1">
+<p:sldLayout xmlns:a="http://schemas.openxmlformats.org/drawingml/2006/main" xmlns:r="http://schemas.openxmlformats.org/officeDocument/2006/relationships" xmlns:p="http://schemas.openxmlformats.org/presentationml/2006/main" type="tx">
   <p:cSld name="Photo - 3 Up">
     <p:spTree>
       <p:nvGrpSpPr>
@@ -1918,7 +1990,9 @@
       <p:sp>
         <p:nvSpPr>
           <p:cNvPr id="83" name="Image"/>
-          <p:cNvSpPr/>
+          <p:cNvSpPr>
+            <a:spLocks noGrp="1"/>
+          </p:cNvSpPr>
           <p:nvPr>
             <p:ph type="pic" sz="quarter" idx="13"/>
           </p:nvPr>
@@ -1938,14 +2012,16 @@
           </a:bodyPr>
           <a:lstStyle/>
           <a:p>
-            <a:pPr/>
+            <a:endParaRPr/>
           </a:p>
         </p:txBody>
       </p:sp>
       <p:sp>
         <p:nvSpPr>
           <p:cNvPr id="84" name="Image"/>
-          <p:cNvSpPr/>
+          <p:cNvSpPr>
+            <a:spLocks noGrp="1"/>
+          </p:cNvSpPr>
           <p:nvPr>
             <p:ph type="pic" sz="quarter" idx="14"/>
           </p:nvPr>
@@ -1965,14 +2041,16 @@
           </a:bodyPr>
           <a:lstStyle/>
           <a:p>
-            <a:pPr/>
+            <a:endParaRPr/>
           </a:p>
         </p:txBody>
       </p:sp>
       <p:sp>
         <p:nvSpPr>
           <p:cNvPr id="85" name="Image"/>
-          <p:cNvSpPr/>
+          <p:cNvSpPr>
+            <a:spLocks noGrp="1"/>
+          </p:cNvSpPr>
           <p:nvPr>
             <p:ph type="pic" idx="15"/>
           </p:nvPr>
@@ -1992,14 +2070,16 @@
           </a:bodyPr>
           <a:lstStyle/>
           <a:p>
-            <a:pPr/>
+            <a:endParaRPr/>
           </a:p>
         </p:txBody>
       </p:sp>
       <p:sp>
         <p:nvSpPr>
           <p:cNvPr id="86" name="Slide Number"/>
-          <p:cNvSpPr txBox="1"/>
+          <p:cNvSpPr txBox="1">
+            <a:spLocks noGrp="1"/>
+          </p:cNvSpPr>
           <p:nvPr>
             <p:ph type="sldNum" sz="quarter" idx="2"/>
           </p:nvPr>
@@ -2013,8 +2093,10 @@
           <a:bodyPr/>
           <a:lstStyle/>
           <a:p>
-            <a:pPr/>
-            <a:fld id="{86CB4B4D-7CA3-9044-876B-883B54F8677D}" type="slidenum"/>
+            <a:fld id="{86CB4B4D-7CA3-9044-876B-883B54F8677D}" type="slidenum">
+              <a:t>‹Nº›</a:t>
+            </a:fld>
+            <a:endParaRPr/>
           </a:p>
         </p:txBody>
       </p:sp>
@@ -2023,18 +2105,19 @@
   <p:clrMapOvr>
     <a:masterClrMapping/>
   </p:clrMapOvr>
-  <p:transition xmlns:p14="http://schemas.microsoft.com/office/powerpoint/2010/main" spd="med" advClick="1"/>
+  <p:transition spd="med"/>
 </p:sldLayout>
 </file>
 
 <file path=ppt/slideMasters/slideMaster1.xml><?xml version="1.0" encoding="utf-8"?>
-<p:sldMaster xmlns:a="http://schemas.openxmlformats.org/drawingml/2006/main" xmlns:r="http://schemas.openxmlformats.org/officeDocument/2006/relationships" xmlns:p="http://schemas.openxmlformats.org/presentationml/2006/main" xmlns:m="http://schemas.openxmlformats.org/officeDocument/2006/math" xmlns:a14="http://schemas.microsoft.com/office/drawing/2010/main">
+<p:sldMaster xmlns:a="http://schemas.openxmlformats.org/drawingml/2006/main" xmlns:r="http://schemas.openxmlformats.org/officeDocument/2006/relationships" xmlns:p="http://schemas.openxmlformats.org/presentationml/2006/main">
   <p:cSld>
     <p:bg>
       <p:bgPr>
         <a:solidFill>
           <a:srgbClr val="FFFFFF"/>
         </a:solidFill>
+        <a:effectLst/>
       </p:bgPr>
     </p:bg>
     <p:spTree>
@@ -2054,7 +2137,9 @@
       <p:sp>
         <p:nvSpPr>
           <p:cNvPr id="2" name="Title Text"/>
-          <p:cNvSpPr txBox="1"/>
+          <p:cNvSpPr txBox="1">
+            <a:spLocks noGrp="1"/>
+          </p:cNvSpPr>
           <p:nvPr>
             <p:ph type="title"/>
           </p:nvPr>
@@ -2072,17 +2157,16 @@
           </a:ln>
           <a:extLst>
             <a:ext uri="{C572A759-6A51-4108-AA02-DFA0A04FC94B}">
-              <ma14:wrappingTextBoxFlag xmlns:ma14="http://schemas.microsoft.com/office/mac/drawingml/2011/main" val="1"/>
+              <ma14:wrappingTextBoxFlag xmlns:ma14="http://schemas.microsoft.com/office/mac/drawingml/2011/main" xmlns:a14="http://schemas.microsoft.com/office/drawing/2010/main" xmlns:m="http://schemas.openxmlformats.org/officeDocument/2006/math" xmlns="" val="1"/>
             </a:ext>
           </a:extLst>
         </p:spPr>
         <p:txBody>
           <a:bodyPr lIns="50800" tIns="50800" rIns="50800" bIns="50800" anchor="ctr">
-            <a:normAutofit fontScale="100000" lnSpcReduction="0"/>
+            <a:normAutofit/>
           </a:bodyPr>
           <a:lstStyle/>
           <a:p>
-            <a:pPr/>
             <a:r>
               <a:t>Title Text</a:t>
             </a:r>
@@ -2092,7 +2176,9 @@
       <p:sp>
         <p:nvSpPr>
           <p:cNvPr id="3" name="Body Level One…"/>
-          <p:cNvSpPr txBox="1"/>
+          <p:cNvSpPr txBox="1">
+            <a:spLocks noGrp="1"/>
+          </p:cNvSpPr>
           <p:nvPr>
             <p:ph type="body" idx="1"/>
           </p:nvPr>
@@ -2110,17 +2196,16 @@
           </a:ln>
           <a:extLst>
             <a:ext uri="{C572A759-6A51-4108-AA02-DFA0A04FC94B}">
-              <ma14:wrappingTextBoxFlag xmlns:ma14="http://schemas.microsoft.com/office/mac/drawingml/2011/main" val="1"/>
+              <ma14:wrappingTextBoxFlag xmlns:ma14="http://schemas.microsoft.com/office/mac/drawingml/2011/main" xmlns:a14="http://schemas.microsoft.com/office/drawing/2010/main" xmlns:m="http://schemas.openxmlformats.org/officeDocument/2006/math" xmlns="" val="1"/>
             </a:ext>
           </a:extLst>
         </p:spPr>
         <p:txBody>
           <a:bodyPr lIns="50800" tIns="50800" rIns="50800" bIns="50800" anchor="ctr">
-            <a:normAutofit fontScale="100000" lnSpcReduction="0"/>
+            <a:normAutofit/>
           </a:bodyPr>
           <a:lstStyle/>
           <a:p>
-            <a:pPr/>
             <a:r>
               <a:t>Body Level One</a:t>
             </a:r>
@@ -2154,7 +2239,9 @@
       <p:sp>
         <p:nvSpPr>
           <p:cNvPr id="4" name="Slide Number"/>
-          <p:cNvSpPr txBox="1"/>
+          <p:cNvSpPr txBox="1">
+            <a:spLocks noGrp="1"/>
+          </p:cNvSpPr>
           <p:nvPr>
             <p:ph type="sldNum" sz="quarter" idx="2"/>
           </p:nvPr>
@@ -2177,7 +2264,7 @@
           </a:bodyPr>
           <a:lstStyle>
             <a:lvl1pPr>
-              <a:defRPr b="0" sz="2400">
+              <a:defRPr sz="2400" b="0">
                 <a:latin typeface="Helvetica Neue Light"/>
                 <a:ea typeface="Helvetica Neue Light"/>
                 <a:cs typeface="Helvetica Neue Light"/>
@@ -2186,8 +2273,10 @@
             </a:lvl1pPr>
           </a:lstStyle>
           <a:p>
-            <a:pPr/>
-            <a:fld id="{86CB4B4D-7CA3-9044-876B-883B54F8677D}" type="slidenum"/>
+            <a:fld id="{86CB4B4D-7CA3-9044-876B-883B54F8677D}" type="slidenum">
+              <a:t>‹Nº›</a:t>
+            </a:fld>
+            <a:endParaRPr/>
           </a:p>
         </p:txBody>
       </p:sp>
@@ -2195,20 +2284,20 @@
   </p:cSld>
   <p:clrMap bg1="lt1" tx1="dk1" bg2="lt2" tx2="dk2" accent1="accent1" accent2="accent2" accent3="accent3" accent4="accent4" accent5="accent5" accent6="accent6" hlink="hlink" folHlink="folHlink"/>
   <p:sldLayoutIdLst>
-    <p:sldLayoutId id="2147483649" r:id="rId2"/>
-    <p:sldLayoutId id="2147483650" r:id="rId3"/>
-    <p:sldLayoutId id="2147483651" r:id="rId4"/>
-    <p:sldLayoutId id="2147483652" r:id="rId5"/>
-    <p:sldLayoutId id="2147483653" r:id="rId6"/>
-    <p:sldLayoutId id="2147483654" r:id="rId7"/>
-    <p:sldLayoutId id="2147483655" r:id="rId8"/>
-    <p:sldLayoutId id="2147483656" r:id="rId9"/>
-    <p:sldLayoutId id="2147483657" r:id="rId10"/>
-    <p:sldLayoutId id="2147483658" r:id="rId11"/>
-    <p:sldLayoutId id="2147483659" r:id="rId12"/>
-    <p:sldLayoutId id="2147483660" r:id="rId13"/>
+    <p:sldLayoutId id="2147483649" r:id="rId1"/>
+    <p:sldLayoutId id="2147483650" r:id="rId2"/>
+    <p:sldLayoutId id="2147483651" r:id="rId3"/>
+    <p:sldLayoutId id="2147483652" r:id="rId4"/>
+    <p:sldLayoutId id="2147483653" r:id="rId5"/>
+    <p:sldLayoutId id="2147483654" r:id="rId6"/>
+    <p:sldLayoutId id="2147483655" r:id="rId7"/>
+    <p:sldLayoutId id="2147483656" r:id="rId8"/>
+    <p:sldLayoutId id="2147483657" r:id="rId9"/>
+    <p:sldLayoutId id="2147483658" r:id="rId10"/>
+    <p:sldLayoutId id="2147483659" r:id="rId11"/>
+    <p:sldLayoutId id="2147483660" r:id="rId12"/>
   </p:sldLayoutIdLst>
-  <p:transition xmlns:p14="http://schemas.microsoft.com/office/powerpoint/2010/main" spd="med" advClick="1"/>
+  <p:transition spd="med"/>
   <p:txStyles>
     <p:titleStyle>
       <a:lvl1pPr marL="0" marR="0" indent="0" algn="ctr" defTabSz="825500" rtl="0" latinLnBrk="0">
@@ -2226,7 +2315,7 @@
         <a:buFontTx/>
         <a:buNone/>
         <a:tabLst/>
-        <a:defRPr b="0" baseline="0" cap="none" i="0" spc="0" strike="noStrike" sz="11200" u="none">
+        <a:defRPr sz="11200" b="0" i="0" u="none" strike="noStrike" cap="none" spc="0" baseline="0">
           <a:solidFill>
             <a:srgbClr val="000000"/>
           </a:solidFill>
@@ -2252,7 +2341,7 @@
         <a:buFontTx/>
         <a:buNone/>
         <a:tabLst/>
-        <a:defRPr b="0" baseline="0" cap="none" i="0" spc="0" strike="noStrike" sz="11200" u="none">
+        <a:defRPr sz="11200" b="0" i="0" u="none" strike="noStrike" cap="none" spc="0" baseline="0">
           <a:solidFill>
             <a:srgbClr val="000000"/>
           </a:solidFill>
@@ -2278,7 +2367,7 @@
         <a:buFontTx/>
         <a:buNone/>
         <a:tabLst/>
-        <a:defRPr b="0" baseline="0" cap="none" i="0" spc="0" strike="noStrike" sz="11200" u="none">
+        <a:defRPr sz="11200" b="0" i="0" u="none" strike="noStrike" cap="none" spc="0" baseline="0">
           <a:solidFill>
             <a:srgbClr val="000000"/>
           </a:solidFill>
@@ -2304,7 +2393,7 @@
         <a:buFontTx/>
         <a:buNone/>
         <a:tabLst/>
-        <a:defRPr b="0" baseline="0" cap="none" i="0" spc="0" strike="noStrike" sz="11200" u="none">
+        <a:defRPr sz="11200" b="0" i="0" u="none" strike="noStrike" cap="none" spc="0" baseline="0">
           <a:solidFill>
             <a:srgbClr val="000000"/>
           </a:solidFill>
@@ -2330,7 +2419,7 @@
         <a:buFontTx/>
         <a:buNone/>
         <a:tabLst/>
-        <a:defRPr b="0" baseline="0" cap="none" i="0" spc="0" strike="noStrike" sz="11200" u="none">
+        <a:defRPr sz="11200" b="0" i="0" u="none" strike="noStrike" cap="none" spc="0" baseline="0">
           <a:solidFill>
             <a:srgbClr val="000000"/>
           </a:solidFill>
@@ -2356,7 +2445,7 @@
         <a:buFontTx/>
         <a:buNone/>
         <a:tabLst/>
-        <a:defRPr b="0" baseline="0" cap="none" i="0" spc="0" strike="noStrike" sz="11200" u="none">
+        <a:defRPr sz="11200" b="0" i="0" u="none" strike="noStrike" cap="none" spc="0" baseline="0">
           <a:solidFill>
             <a:srgbClr val="000000"/>
           </a:solidFill>
@@ -2382,7 +2471,7 @@
         <a:buFontTx/>
         <a:buNone/>
         <a:tabLst/>
-        <a:defRPr b="0" baseline="0" cap="none" i="0" spc="0" strike="noStrike" sz="11200" u="none">
+        <a:defRPr sz="11200" b="0" i="0" u="none" strike="noStrike" cap="none" spc="0" baseline="0">
           <a:solidFill>
             <a:srgbClr val="000000"/>
           </a:solidFill>
@@ -2408,7 +2497,7 @@
         <a:buFontTx/>
         <a:buNone/>
         <a:tabLst/>
-        <a:defRPr b="0" baseline="0" cap="none" i="0" spc="0" strike="noStrike" sz="11200" u="none">
+        <a:defRPr sz="11200" b="0" i="0" u="none" strike="noStrike" cap="none" spc="0" baseline="0">
           <a:solidFill>
             <a:srgbClr val="000000"/>
           </a:solidFill>
@@ -2434,7 +2523,7 @@
         <a:buFontTx/>
         <a:buNone/>
         <a:tabLst/>
-        <a:defRPr b="0" baseline="0" cap="none" i="0" spc="0" strike="noStrike" sz="11200" u="none">
+        <a:defRPr sz="11200" b="0" i="0" u="none" strike="noStrike" cap="none" spc="0" baseline="0">
           <a:solidFill>
             <a:srgbClr val="000000"/>
           </a:solidFill>
@@ -2462,7 +2551,7 @@
         <a:buFontTx/>
         <a:buChar char="•"/>
         <a:tabLst/>
-        <a:defRPr b="0" baseline="0" cap="none" i="0" spc="0" strike="noStrike" sz="5200" u="none">
+        <a:defRPr sz="5200" b="0" i="0" u="none" strike="noStrike" cap="none" spc="0" baseline="0">
           <a:solidFill>
             <a:srgbClr val="000000"/>
           </a:solidFill>
@@ -2488,7 +2577,7 @@
         <a:buFontTx/>
         <a:buChar char="•"/>
         <a:tabLst/>
-        <a:defRPr b="0" baseline="0" cap="none" i="0" spc="0" strike="noStrike" sz="5200" u="none">
+        <a:defRPr sz="5200" b="0" i="0" u="none" strike="noStrike" cap="none" spc="0" baseline="0">
           <a:solidFill>
             <a:srgbClr val="000000"/>
           </a:solidFill>
@@ -2514,7 +2603,7 @@
         <a:buFontTx/>
         <a:buChar char="•"/>
         <a:tabLst/>
-        <a:defRPr b="0" baseline="0" cap="none" i="0" spc="0" strike="noStrike" sz="5200" u="none">
+        <a:defRPr sz="5200" b="0" i="0" u="none" strike="noStrike" cap="none" spc="0" baseline="0">
           <a:solidFill>
             <a:srgbClr val="000000"/>
           </a:solidFill>
@@ -2540,7 +2629,7 @@
         <a:buFontTx/>
         <a:buChar char="•"/>
         <a:tabLst/>
-        <a:defRPr b="0" baseline="0" cap="none" i="0" spc="0" strike="noStrike" sz="5200" u="none">
+        <a:defRPr sz="5200" b="0" i="0" u="none" strike="noStrike" cap="none" spc="0" baseline="0">
           <a:solidFill>
             <a:srgbClr val="000000"/>
           </a:solidFill>
@@ -2566,7 +2655,7 @@
         <a:buFontTx/>
         <a:buChar char="•"/>
         <a:tabLst/>
-        <a:defRPr b="0" baseline="0" cap="none" i="0" spc="0" strike="noStrike" sz="5200" u="none">
+        <a:defRPr sz="5200" b="0" i="0" u="none" strike="noStrike" cap="none" spc="0" baseline="0">
           <a:solidFill>
             <a:srgbClr val="000000"/>
           </a:solidFill>
@@ -2592,7 +2681,7 @@
         <a:buFontTx/>
         <a:buChar char="•"/>
         <a:tabLst/>
-        <a:defRPr b="0" baseline="0" cap="none" i="0" spc="0" strike="noStrike" sz="5200" u="none">
+        <a:defRPr sz="5200" b="0" i="0" u="none" strike="noStrike" cap="none" spc="0" baseline="0">
           <a:solidFill>
             <a:srgbClr val="000000"/>
           </a:solidFill>
@@ -2618,7 +2707,7 @@
         <a:buFontTx/>
         <a:buChar char="•"/>
         <a:tabLst/>
-        <a:defRPr b="0" baseline="0" cap="none" i="0" spc="0" strike="noStrike" sz="5200" u="none">
+        <a:defRPr sz="5200" b="0" i="0" u="none" strike="noStrike" cap="none" spc="0" baseline="0">
           <a:solidFill>
             <a:srgbClr val="000000"/>
           </a:solidFill>
@@ -2644,7 +2733,7 @@
         <a:buFontTx/>
         <a:buChar char="•"/>
         <a:tabLst/>
-        <a:defRPr b="0" baseline="0" cap="none" i="0" spc="0" strike="noStrike" sz="5200" u="none">
+        <a:defRPr sz="5200" b="0" i="0" u="none" strike="noStrike" cap="none" spc="0" baseline="0">
           <a:solidFill>
             <a:srgbClr val="000000"/>
           </a:solidFill>
@@ -2670,7 +2759,7 @@
         <a:buFontTx/>
         <a:buChar char="•"/>
         <a:tabLst/>
-        <a:defRPr b="0" baseline="0" cap="none" i="0" spc="0" strike="noStrike" sz="5200" u="none">
+        <a:defRPr sz="5200" b="0" i="0" u="none" strike="noStrike" cap="none" spc="0" baseline="0">
           <a:solidFill>
             <a:srgbClr val="000000"/>
           </a:solidFill>
@@ -2698,7 +2787,7 @@
         <a:buFontTx/>
         <a:buNone/>
         <a:tabLst/>
-        <a:defRPr b="0" baseline="0" cap="none" i="0" spc="0" strike="noStrike" sz="2400" u="none">
+        <a:defRPr sz="2400" b="0" i="0" u="none" strike="noStrike" cap="none" spc="0" baseline="0">
           <a:solidFill>
             <a:schemeClr val="tx1"/>
           </a:solidFill>
@@ -2724,7 +2813,7 @@
         <a:buFontTx/>
         <a:buNone/>
         <a:tabLst/>
-        <a:defRPr b="0" baseline="0" cap="none" i="0" spc="0" strike="noStrike" sz="2400" u="none">
+        <a:defRPr sz="2400" b="0" i="0" u="none" strike="noStrike" cap="none" spc="0" baseline="0">
           <a:solidFill>
             <a:schemeClr val="tx1"/>
           </a:solidFill>
@@ -2750,7 +2839,7 @@
         <a:buFontTx/>
         <a:buNone/>
         <a:tabLst/>
-        <a:defRPr b="0" baseline="0" cap="none" i="0" spc="0" strike="noStrike" sz="2400" u="none">
+        <a:defRPr sz="2400" b="0" i="0" u="none" strike="noStrike" cap="none" spc="0" baseline="0">
           <a:solidFill>
             <a:schemeClr val="tx1"/>
           </a:solidFill>
@@ -2776,7 +2865,7 @@
         <a:buFontTx/>
         <a:buNone/>
         <a:tabLst/>
-        <a:defRPr b="0" baseline="0" cap="none" i="0" spc="0" strike="noStrike" sz="2400" u="none">
+        <a:defRPr sz="2400" b="0" i="0" u="none" strike="noStrike" cap="none" spc="0" baseline="0">
           <a:solidFill>
             <a:schemeClr val="tx1"/>
           </a:solidFill>
@@ -2802,7 +2891,7 @@
         <a:buFontTx/>
         <a:buNone/>
         <a:tabLst/>
-        <a:defRPr b="0" baseline="0" cap="none" i="0" spc="0" strike="noStrike" sz="2400" u="none">
+        <a:defRPr sz="2400" b="0" i="0" u="none" strike="noStrike" cap="none" spc="0" baseline="0">
           <a:solidFill>
             <a:schemeClr val="tx1"/>
           </a:solidFill>
@@ -2828,7 +2917,7 @@
         <a:buFontTx/>
         <a:buNone/>
         <a:tabLst/>
-        <a:defRPr b="0" baseline="0" cap="none" i="0" spc="0" strike="noStrike" sz="2400" u="none">
+        <a:defRPr sz="2400" b="0" i="0" u="none" strike="noStrike" cap="none" spc="0" baseline="0">
           <a:solidFill>
             <a:schemeClr val="tx1"/>
           </a:solidFill>
@@ -2854,7 +2943,7 @@
         <a:buFontTx/>
         <a:buNone/>
         <a:tabLst/>
-        <a:defRPr b="0" baseline="0" cap="none" i="0" spc="0" strike="noStrike" sz="2400" u="none">
+        <a:defRPr sz="2400" b="0" i="0" u="none" strike="noStrike" cap="none" spc="0" baseline="0">
           <a:solidFill>
             <a:schemeClr val="tx1"/>
           </a:solidFill>
@@ -2880,7 +2969,7 @@
         <a:buFontTx/>
         <a:buNone/>
         <a:tabLst/>
-        <a:defRPr b="0" baseline="0" cap="none" i="0" spc="0" strike="noStrike" sz="2400" u="none">
+        <a:defRPr sz="2400" b="0" i="0" u="none" strike="noStrike" cap="none" spc="0" baseline="0">
           <a:solidFill>
             <a:schemeClr val="tx1"/>
           </a:solidFill>
@@ -2906,7 +2995,7 @@
         <a:buFontTx/>
         <a:buNone/>
         <a:tabLst/>
-        <a:defRPr b="0" baseline="0" cap="none" i="0" spc="0" strike="noStrike" sz="2400" u="none">
+        <a:defRPr sz="2400" b="0" i="0" u="none" strike="noStrike" cap="none" spc="0" baseline="0">
           <a:solidFill>
             <a:schemeClr val="tx1"/>
           </a:solidFill>
@@ -2923,7 +3012,7 @@
 </file>
 
 <file path=ppt/slides/slide1.xml><?xml version="1.0" encoding="utf-8"?>
-<p:sld xmlns:a="http://schemas.openxmlformats.org/drawingml/2006/main" xmlns:r="http://schemas.openxmlformats.org/officeDocument/2006/relationships" xmlns:p="http://schemas.openxmlformats.org/presentationml/2006/main" xmlns:m="http://schemas.openxmlformats.org/officeDocument/2006/math" xmlns:a14="http://schemas.microsoft.com/office/drawing/2010/main" showMasterSp="1" showMasterPhAnim="1">
+<p:sld xmlns:a="http://schemas.openxmlformats.org/drawingml/2006/main" xmlns:r="http://schemas.openxmlformats.org/officeDocument/2006/relationships" xmlns:p="http://schemas.openxmlformats.org/presentationml/2006/main">
   <p:cSld>
     <p:spTree>
       <p:nvGrpSpPr>
@@ -2942,7 +3031,9 @@
       <p:sp>
         <p:nvSpPr>
           <p:cNvPr id="119" name="Programación cuadrática con el método de Mehrota"/>
-          <p:cNvSpPr txBox="1"/>
+          <p:cNvSpPr txBox="1">
+            <a:spLocks noGrp="1"/>
+          </p:cNvSpPr>
           <p:nvPr>
             <p:ph type="ctrTitle"/>
           </p:nvPr>
@@ -2956,9 +3047,53 @@
           <a:bodyPr/>
           <a:lstStyle/>
           <a:p>
-            <a:pPr/>
             <a:r>
-              <a:t>Programación cuadrática con el método de Mehrota </a:t>
+              <a:rPr dirty="0" err="1"/>
+              <a:t>Programación</a:t>
+            </a:r>
+            <a:r>
+              <a:rPr dirty="0"/>
+              <a:t> </a:t>
+            </a:r>
+            <a:r>
+              <a:rPr lang="es-MX" dirty="0" smtClean="0"/>
+              <a:t>C</a:t>
+            </a:r>
+            <a:r>
+              <a:rPr dirty="0" err="1" smtClean="0"/>
+              <a:t>uadrática</a:t>
+            </a:r>
+            <a:r>
+              <a:rPr dirty="0" smtClean="0"/>
+              <a:t> </a:t>
+            </a:r>
+            <a:r>
+              <a:rPr dirty="0"/>
+              <a:t>con el </a:t>
+            </a:r>
+            <a:r>
+              <a:rPr lang="es-MX" dirty="0" err="1" smtClean="0"/>
+              <a:t>M</a:t>
+            </a:r>
+            <a:r>
+              <a:rPr dirty="0" err="1" smtClean="0"/>
+              <a:t>étodo</a:t>
+            </a:r>
+            <a:r>
+              <a:rPr dirty="0" smtClean="0"/>
+              <a:t> </a:t>
+            </a:r>
+            <a:r>
+              <a:rPr dirty="0"/>
+              <a:t>de </a:t>
+            </a:r>
+            <a:r>
+              <a:rPr dirty="0" err="1"/>
+              <a:t>Mehrota</a:t>
+            </a:r>
+            <a:r>
+              <a:rPr dirty="0"/>
+              <a:t> </a:t>
             </a:r>
           </a:p>
         </p:txBody>
@@ -2966,7 +3101,9 @@
       <p:sp>
         <p:nvSpPr>
           <p:cNvPr id="120" name="Mónica Alba González…"/>
-          <p:cNvSpPr txBox="1"/>
+          <p:cNvSpPr txBox="1">
+            <a:spLocks noGrp="1"/>
+          </p:cNvSpPr>
           <p:nvPr>
             <p:ph type="subTitle" sz="quarter" idx="1"/>
           </p:nvPr>
@@ -2977,7 +3114,9 @@
           </a:prstGeom>
         </p:spPr>
         <p:txBody>
-          <a:bodyPr/>
+          <a:bodyPr>
+            <a:normAutofit lnSpcReduction="10000"/>
+          </a:bodyPr>
           <a:lstStyle/>
           <a:p>
             <a:pPr defTabSz="503555">
@@ -3010,12 +3149,12 @@
   <p:clrMapOvr>
     <a:masterClrMapping/>
   </p:clrMapOvr>
-  <p:transition xmlns:p14="http://schemas.microsoft.com/office/powerpoint/2010/main" spd="med" advClick="1"/>
+  <p:transition spd="med"/>
 </p:sld>
 </file>
 
 <file path=ppt/slides/slide2.xml><?xml version="1.0" encoding="utf-8"?>
-<p:sld xmlns:a="http://schemas.openxmlformats.org/drawingml/2006/main" xmlns:r="http://schemas.openxmlformats.org/officeDocument/2006/relationships" xmlns:p="http://schemas.openxmlformats.org/presentationml/2006/main" xmlns:m="http://schemas.openxmlformats.org/officeDocument/2006/math" xmlns:a14="http://schemas.microsoft.com/office/drawing/2010/main" showMasterSp="1" showMasterPhAnim="1">
+<p:sld xmlns:a="http://schemas.openxmlformats.org/drawingml/2006/main" xmlns:r="http://schemas.openxmlformats.org/officeDocument/2006/relationships" xmlns:p="http://schemas.openxmlformats.org/presentationml/2006/main">
   <p:cSld>
     <p:spTree>
       <p:nvGrpSpPr>
@@ -3033,9 +3172,9 @@
       </p:grpSpPr>
       <p:pic>
         <p:nvPicPr>
-          <p:cNvPr id="122" name="afiro.png" descr="afiro.png"/>
+          <p:cNvPr id="122" name="afiro.png"/>
           <p:cNvPicPr>
-            <a:picLocks noChangeAspect="1"/>
+            <a:picLocks noGrp="1" noChangeAspect="1"/>
           </p:cNvPicPr>
           <p:nvPr>
             <p:ph type="pic" idx="13"/>
@@ -3043,17 +3182,20 @@
         </p:nvPicPr>
         <p:blipFill>
           <a:blip r:embed="rId2">
-            <a:extLst/>
+            <a:extLst>
+              <a:ext uri="{28A0092B-C50C-407E-A947-70E740481C1C}">
+                <a14:useLocalDpi xmlns:a14="http://schemas.microsoft.com/office/drawing/2010/main" val="0"/>
+              </a:ext>
+            </a:extLst>
           </a:blip>
-          <a:srcRect l="0" t="0" r="0" b="0"/>
           <a:stretch>
             <a:fillRect/>
           </a:stretch>
         </p:blipFill>
         <p:spPr>
           <a:xfrm>
-            <a:off x="13169900" y="4225924"/>
-            <a:ext cx="9525000" cy="7143752"/>
+            <a:off x="13169900" y="4227286"/>
+            <a:ext cx="9525000" cy="7141027"/>
           </a:xfrm>
           <a:prstGeom prst="rect">
             <a:avLst/>
@@ -3063,7 +3205,9 @@
       <p:sp>
         <p:nvSpPr>
           <p:cNvPr id="123" name="AFIRO"/>
-          <p:cNvSpPr txBox="1"/>
+          <p:cNvSpPr txBox="1">
+            <a:spLocks noGrp="1"/>
+          </p:cNvSpPr>
           <p:nvPr>
             <p:ph type="title"/>
           </p:nvPr>
@@ -3077,7 +3221,6 @@
           <a:bodyPr/>
           <a:lstStyle/>
           <a:p>
-            <a:pPr/>
             <a:r>
               <a:t>AFIRO</a:t>
             </a:r>
@@ -3088,25 +3231,67 @@
         <p:nvGraphicFramePr>
           <p:cNvPr id="124" name="Table"/>
           <p:cNvGraphicFramePr/>
-          <p:nvPr/>
+          <p:nvPr>
+            <p:extLst>
+              <p:ext uri="{D42A27DB-BD31-4B8C-83A1-F6EECF244321}">
+                <p14:modId xmlns:p14="http://schemas.microsoft.com/office/powerpoint/2010/main" val="2070703608"/>
+              </p:ext>
+            </p:extLst>
+          </p:nvPr>
         </p:nvGraphicFramePr>
         <p:xfrm>
           <a:off x="1249666" y="5699164"/>
-          <a:ext cx="10676572" cy="4620487"/>
+          <a:ext cx="10743402" cy="4685604"/>
         </p:xfrm>
-        <a:graphic xmlns:a="http://schemas.openxmlformats.org/drawingml/2006/main">
+        <a:graphic>
           <a:graphicData uri="http://schemas.openxmlformats.org/drawingml/2006/table">
             <a:tbl>
-              <a:tblPr firstCol="1" firstRow="1" lastCol="0" lastRow="0" bandCol="0" bandRow="1" rtl="0">
+              <a:tblPr firstRow="1" firstCol="1" bandRow="1">
                 <a:tableStyleId>{4C3C2611-4C71-4FC5-86AE-919BDF0F9419}</a:tableStyleId>
               </a:tblPr>
               <a:tblGrid>
-                <a:gridCol w="1779428"/>
-                <a:gridCol w="1779428"/>
-                <a:gridCol w="1779428"/>
-                <a:gridCol w="1779428"/>
-                <a:gridCol w="1779428"/>
-                <a:gridCol w="1779428"/>
+                <a:gridCol w="1779428">
+                  <a:extLst>
+                    <a:ext uri="{9D8B030D-6E8A-4147-A177-3AD203B41FA5}">
+                      <a16:colId xmlns:a16="http://schemas.microsoft.com/office/drawing/2014/main" val="20000"/>
+                    </a:ext>
+                  </a:extLst>
+                </a:gridCol>
+                <a:gridCol w="1846262">
+                  <a:extLst>
+                    <a:ext uri="{9D8B030D-6E8A-4147-A177-3AD203B41FA5}">
+                      <a16:colId xmlns:a16="http://schemas.microsoft.com/office/drawing/2014/main" val="20001"/>
+                    </a:ext>
+                  </a:extLst>
+                </a:gridCol>
+                <a:gridCol w="1779428">
+                  <a:extLst>
+                    <a:ext uri="{9D8B030D-6E8A-4147-A177-3AD203B41FA5}">
+                      <a16:colId xmlns:a16="http://schemas.microsoft.com/office/drawing/2014/main" val="20002"/>
+                    </a:ext>
+                  </a:extLst>
+                </a:gridCol>
+                <a:gridCol w="1779428">
+                  <a:extLst>
+                    <a:ext uri="{9D8B030D-6E8A-4147-A177-3AD203B41FA5}">
+                      <a16:colId xmlns:a16="http://schemas.microsoft.com/office/drawing/2014/main" val="20003"/>
+                    </a:ext>
+                  </a:extLst>
+                </a:gridCol>
+                <a:gridCol w="1779428">
+                  <a:extLst>
+                    <a:ext uri="{9D8B030D-6E8A-4147-A177-3AD203B41FA5}">
+                      <a16:colId xmlns:a16="http://schemas.microsoft.com/office/drawing/2014/main" val="20004"/>
+                    </a:ext>
+                  </a:extLst>
+                </a:gridCol>
+                <a:gridCol w="1779428">
+                  <a:extLst>
+                    <a:ext uri="{9D8B030D-6E8A-4147-A177-3AD203B41FA5}">
+                      <a16:colId xmlns:a16="http://schemas.microsoft.com/office/drawing/2014/main" val="20005"/>
+                    </a:ext>
+                  </a:extLst>
+                </a:gridCol>
               </a:tblGrid>
               <a:tr h="770081">
                 <a:tc>
@@ -3119,9 +3304,10 @@
                           <a:sym typeface="Helvetica Neue"/>
                         </a:defRPr>
                       </a:pPr>
-                    </a:p>
-                  </a:txBody>
-                  <a:tcPr marL="50800" marR="50800" marT="50800" marB="50800" anchor="ctr" anchorCtr="0" horzOverflow="overflow">
+                      <a:endParaRPr/>
+                    </a:p>
+                  </a:txBody>
+                  <a:tcPr marL="50800" marR="50800" marT="50800" marB="50800" anchor="ctr" horzOverflow="overflow">
                     <a:solidFill>
                       <a:schemeClr val="accent6"/>
                     </a:solidFill>
@@ -3133,14 +3319,14 @@
                     <a:lstStyle/>
                     <a:p>
                       <a:pPr defTabSz="914400">
-                        <a:defRPr b="0" sz="1800">
+                        <a:defRPr sz="1800" b="0">
                           <a:solidFill>
                             <a:srgbClr val="000000"/>
                           </a:solidFill>
                         </a:defRPr>
                       </a:pPr>
                       <a:r>
-                        <a:rPr b="1" sz="1900">
+                        <a:rPr sz="1900" b="1">
                           <a:solidFill>
                             <a:srgbClr val="FFFFFF"/>
                           </a:solidFill>
@@ -3150,7 +3336,7 @@
                       </a:r>
                     </a:p>
                   </a:txBody>
-                  <a:tcPr marL="50800" marR="50800" marT="50800" marB="50800" anchor="ctr" anchorCtr="0" horzOverflow="overflow">
+                  <a:tcPr marL="50800" marR="50800" marT="50800" marB="50800" anchor="ctr" horzOverflow="overflow">
                     <a:solidFill>
                       <a:schemeClr val="accent6"/>
                     </a:solidFill>
@@ -3162,14 +3348,14 @@
                     <a:lstStyle/>
                     <a:p>
                       <a:pPr defTabSz="914400">
-                        <a:defRPr b="0" sz="1800">
+                        <a:defRPr sz="1800" b="0">
                           <a:solidFill>
                             <a:srgbClr val="000000"/>
                           </a:solidFill>
                         </a:defRPr>
                       </a:pPr>
                       <a:r>
-                        <a:rPr b="1" sz="2300">
+                        <a:rPr sz="2300" b="1" dirty="0" err="1">
                           <a:solidFill>
                             <a:srgbClr val="FFFFFF"/>
                           </a:solidFill>
@@ -3177,9 +3363,15 @@
                         </a:rPr>
                         <a:t>qpintpoint</a:t>
                       </a:r>
-                    </a:p>
-                  </a:txBody>
-                  <a:tcPr marL="50800" marR="50800" marT="50800" marB="50800" anchor="ctr" anchorCtr="0" horzOverflow="overflow">
+                      <a:endParaRPr sz="2300" b="1" dirty="0">
+                        <a:solidFill>
+                          <a:srgbClr val="FFFFFF"/>
+                        </a:solidFill>
+                        <a:sym typeface="Helvetica Neue"/>
+                      </a:endParaRPr>
+                    </a:p>
+                  </a:txBody>
+                  <a:tcPr marL="50800" marR="50800" marT="50800" marB="50800" anchor="ctr" horzOverflow="overflow">
                     <a:solidFill>
                       <a:schemeClr val="accent6"/>
                     </a:solidFill>
@@ -3191,14 +3383,14 @@
                     <a:lstStyle/>
                     <a:p>
                       <a:pPr defTabSz="914400">
-                        <a:defRPr b="0" sz="1800">
+                        <a:defRPr sz="1800" b="0">
                           <a:solidFill>
                             <a:srgbClr val="000000"/>
                           </a:solidFill>
                         </a:defRPr>
                       </a:pPr>
                       <a:r>
-                        <a:rPr b="1" sz="1600">
+                        <a:rPr sz="1600" b="1">
                           <a:solidFill>
                             <a:srgbClr val="FFFFFF"/>
                           </a:solidFill>
@@ -3208,7 +3400,7 @@
                       </a:r>
                     </a:p>
                   </a:txBody>
-                  <a:tcPr marL="50800" marR="50800" marT="50800" marB="50800" anchor="ctr" anchorCtr="0" horzOverflow="overflow">
+                  <a:tcPr marL="50800" marR="50800" marT="50800" marB="50800" anchor="ctr" horzOverflow="overflow">
                     <a:solidFill>
                       <a:schemeClr val="accent6"/>
                     </a:solidFill>
@@ -3220,14 +3412,14 @@
                     <a:lstStyle/>
                     <a:p>
                       <a:pPr defTabSz="914400">
-                        <a:defRPr b="0" sz="1800">
+                        <a:defRPr sz="1800" b="0">
                           <a:solidFill>
                             <a:srgbClr val="000000"/>
                           </a:solidFill>
                         </a:defRPr>
                       </a:pPr>
                       <a:r>
-                        <a:rPr b="1" sz="2100">
+                        <a:rPr sz="2100" b="1">
                           <a:solidFill>
                             <a:srgbClr val="FFFFFF"/>
                           </a:solidFill>
@@ -3237,7 +3429,7 @@
                       </a:r>
                     </a:p>
                   </a:txBody>
-                  <a:tcPr marL="50800" marR="50800" marT="50800" marB="50800" anchor="ctr" anchorCtr="0" horzOverflow="overflow">
+                  <a:tcPr marL="50800" marR="50800" marT="50800" marB="50800" anchor="ctr" horzOverflow="overflow">
                     <a:solidFill>
                       <a:schemeClr val="accent6"/>
                     </a:solidFill>
@@ -3249,14 +3441,14 @@
                     <a:lstStyle/>
                     <a:p>
                       <a:pPr defTabSz="914400">
-                        <a:defRPr b="0" sz="1800">
+                        <a:defRPr sz="1800" b="0">
                           <a:solidFill>
                             <a:srgbClr val="000000"/>
                           </a:solidFill>
                         </a:defRPr>
                       </a:pPr>
                       <a:r>
-                        <a:rPr b="1" sz="2300">
+                        <a:rPr sz="2300" b="1">
                           <a:solidFill>
                             <a:srgbClr val="FFFFFF"/>
                           </a:solidFill>
@@ -3266,12 +3458,17 @@
                       </a:r>
                     </a:p>
                   </a:txBody>
-                  <a:tcPr marL="50800" marR="50800" marT="50800" marB="50800" anchor="ctr" anchorCtr="0" horzOverflow="overflow">
+                  <a:tcPr marL="50800" marR="50800" marT="50800" marB="50800" anchor="ctr" horzOverflow="overflow">
                     <a:solidFill>
                       <a:schemeClr val="accent6"/>
                     </a:solidFill>
                   </a:tcPr>
                 </a:tc>
+                <a:extLst>
+                  <a:ext uri="{0D108BD9-81ED-4DB2-BD59-A6C34878D82A}">
+                    <a16:rowId xmlns:a16="http://schemas.microsoft.com/office/drawing/2014/main" val="10000"/>
+                  </a:ext>
+                </a:extLst>
               </a:tr>
               <a:tr h="770081">
                 <a:tc>
@@ -3280,14 +3477,14 @@
                     <a:lstStyle/>
                     <a:p>
                       <a:pPr defTabSz="914400">
-                        <a:defRPr b="0" sz="1800">
+                        <a:defRPr sz="1800" b="0">
                           <a:solidFill>
                             <a:srgbClr val="000000"/>
                           </a:solidFill>
                         </a:defRPr>
                       </a:pPr>
                       <a:r>
-                        <a:rPr b="1" sz="2300">
+                        <a:rPr sz="2300" b="1">
                           <a:solidFill>
                             <a:srgbClr val="FFFFFF"/>
                           </a:solidFill>
@@ -3297,7 +3494,7 @@
                       </a:r>
                     </a:p>
                   </a:txBody>
-                  <a:tcPr marL="50800" marR="50800" marT="50800" marB="50800" anchor="ctr" anchorCtr="0" horzOverflow="overflow">
+                  <a:tcPr marL="50800" marR="50800" marT="50800" marB="50800" anchor="ctr" horzOverflow="overflow">
                     <a:solidFill>
                       <a:schemeClr val="accent6">
                         <a:satOff val="18029"/>
@@ -3322,7 +3519,7 @@
                       </a:r>
                     </a:p>
                   </a:txBody>
-                  <a:tcPr marL="50800" marR="50800" marT="50800" marB="50800" anchor="ctr" anchorCtr="0" horzOverflow="overflow"/>
+                  <a:tcPr marL="50800" marR="50800" marT="50800" marB="50800" anchor="ctr" horzOverflow="overflow"/>
                 </a:tc>
                 <a:tc>
                   <a:txBody>
@@ -3340,7 +3537,7 @@
                       </a:r>
                     </a:p>
                   </a:txBody>
-                  <a:tcPr marL="50800" marR="50800" marT="50800" marB="50800" anchor="ctr" anchorCtr="0" horzOverflow="overflow"/>
+                  <a:tcPr marL="50800" marR="50800" marT="50800" marB="50800" anchor="ctr" horzOverflow="overflow"/>
                 </a:tc>
                 <a:tc>
                   <a:txBody>
@@ -3358,7 +3555,7 @@
                       </a:r>
                     </a:p>
                   </a:txBody>
-                  <a:tcPr marL="50800" marR="50800" marT="50800" marB="50800" anchor="ctr" anchorCtr="0" horzOverflow="overflow"/>
+                  <a:tcPr marL="50800" marR="50800" marT="50800" marB="50800" anchor="ctr" horzOverflow="overflow"/>
                 </a:tc>
                 <a:tc>
                   <a:txBody>
@@ -3376,7 +3573,7 @@
                       </a:r>
                     </a:p>
                   </a:txBody>
-                  <a:tcPr marL="50800" marR="50800" marT="50800" marB="50800" anchor="ctr" anchorCtr="0" horzOverflow="overflow"/>
+                  <a:tcPr marL="50800" marR="50800" marT="50800" marB="50800" anchor="ctr" horzOverflow="overflow"/>
                 </a:tc>
                 <a:tc>
                   <a:txBody>
@@ -3394,8 +3591,13 @@
                       </a:r>
                     </a:p>
                   </a:txBody>
-                  <a:tcPr marL="50800" marR="50800" marT="50800" marB="50800" anchor="ctr" anchorCtr="0" horzOverflow="overflow"/>
-                </a:tc>
+                  <a:tcPr marL="50800" marR="50800" marT="50800" marB="50800" anchor="ctr" horzOverflow="overflow"/>
+                </a:tc>
+                <a:extLst>
+                  <a:ext uri="{0D108BD9-81ED-4DB2-BD59-A6C34878D82A}">
+                    <a16:rowId xmlns:a16="http://schemas.microsoft.com/office/drawing/2014/main" val="10001"/>
+                  </a:ext>
+                </a:extLst>
               </a:tr>
               <a:tr h="770081">
                 <a:tc>
@@ -3404,14 +3606,14 @@
                     <a:lstStyle/>
                     <a:p>
                       <a:pPr defTabSz="914400">
-                        <a:defRPr b="0" sz="1800">
+                        <a:defRPr sz="1800" b="0">
                           <a:solidFill>
                             <a:srgbClr val="000000"/>
                           </a:solidFill>
                         </a:defRPr>
                       </a:pPr>
                       <a:r>
-                        <a:rPr b="1" sz="2300">
+                        <a:rPr sz="2300" b="1">
                           <a:solidFill>
                             <a:srgbClr val="FFFFFF"/>
                           </a:solidFill>
@@ -3421,7 +3623,7 @@
                       </a:r>
                     </a:p>
                   </a:txBody>
-                  <a:tcPr marL="50800" marR="50800" marT="50800" marB="50800" anchor="ctr" anchorCtr="0" horzOverflow="overflow">
+                  <a:tcPr marL="50800" marR="50800" marT="50800" marB="50800" anchor="ctr" horzOverflow="overflow">
                     <a:solidFill>
                       <a:schemeClr val="accent6">
                         <a:satOff val="18029"/>
@@ -3446,7 +3648,7 @@
                       </a:r>
                     </a:p>
                   </a:txBody>
-                  <a:tcPr marL="50800" marR="50800" marT="50800" marB="50800" anchor="ctr" anchorCtr="0" horzOverflow="overflow"/>
+                  <a:tcPr marL="50800" marR="50800" marT="50800" marB="50800" anchor="ctr" horzOverflow="overflow"/>
                 </a:tc>
                 <a:tc>
                   <a:txBody>
@@ -3464,7 +3666,7 @@
                       </a:r>
                     </a:p>
                   </a:txBody>
-                  <a:tcPr marL="50800" marR="50800" marT="50800" marB="50800" anchor="ctr" anchorCtr="0" horzOverflow="overflow"/>
+                  <a:tcPr marL="50800" marR="50800" marT="50800" marB="50800" anchor="ctr" horzOverflow="overflow"/>
                 </a:tc>
                 <a:tc>
                   <a:txBody>
@@ -3482,7 +3684,7 @@
                       </a:r>
                     </a:p>
                   </a:txBody>
-                  <a:tcPr marL="50800" marR="50800" marT="50800" marB="50800" anchor="ctr" anchorCtr="0" horzOverflow="overflow"/>
+                  <a:tcPr marL="50800" marR="50800" marT="50800" marB="50800" anchor="ctr" horzOverflow="overflow"/>
                 </a:tc>
                 <a:tc>
                   <a:txBody>
@@ -3500,7 +3702,7 @@
                       </a:r>
                     </a:p>
                   </a:txBody>
-                  <a:tcPr marL="50800" marR="50800" marT="50800" marB="50800" anchor="ctr" anchorCtr="0" horzOverflow="overflow"/>
+                  <a:tcPr marL="50800" marR="50800" marT="50800" marB="50800" anchor="ctr" horzOverflow="overflow"/>
                 </a:tc>
                 <a:tc>
                   <a:txBody>
@@ -3518,8 +3720,13 @@
                       </a:r>
                     </a:p>
                   </a:txBody>
-                  <a:tcPr marL="50800" marR="50800" marT="50800" marB="50800" anchor="ctr" anchorCtr="0" horzOverflow="overflow"/>
-                </a:tc>
+                  <a:tcPr marL="50800" marR="50800" marT="50800" marB="50800" anchor="ctr" horzOverflow="overflow"/>
+                </a:tc>
+                <a:extLst>
+                  <a:ext uri="{0D108BD9-81ED-4DB2-BD59-A6C34878D82A}">
+                    <a16:rowId xmlns:a16="http://schemas.microsoft.com/office/drawing/2014/main" val="10002"/>
+                  </a:ext>
+                </a:extLst>
               </a:tr>
               <a:tr h="770081">
                 <a:tc>
@@ -3528,14 +3735,14 @@
                     <a:lstStyle/>
                     <a:p>
                       <a:pPr defTabSz="914400">
-                        <a:defRPr b="0" sz="1800">
+                        <a:defRPr sz="1800" b="0">
                           <a:solidFill>
                             <a:srgbClr val="000000"/>
                           </a:solidFill>
                         </a:defRPr>
                       </a:pPr>
                       <a:r>
-                        <a:rPr b="1" sz="2300">
+                        <a:rPr sz="2300" b="1">
                           <a:solidFill>
                             <a:srgbClr val="FFFFFF"/>
                           </a:solidFill>
@@ -3545,7 +3752,7 @@
                       </a:r>
                     </a:p>
                   </a:txBody>
-                  <a:tcPr marL="50800" marR="50800" marT="50800" marB="50800" anchor="ctr" anchorCtr="0" horzOverflow="overflow">
+                  <a:tcPr marL="50800" marR="50800" marT="50800" marB="50800" anchor="ctr" horzOverflow="overflow">
                     <a:solidFill>
                       <a:schemeClr val="accent6">
                         <a:satOff val="18029"/>
@@ -3570,7 +3777,7 @@
                       </a:r>
                     </a:p>
                   </a:txBody>
-                  <a:tcPr marL="50800" marR="50800" marT="50800" marB="50800" anchor="ctr" anchorCtr="0" horzOverflow="overflow"/>
+                  <a:tcPr marL="50800" marR="50800" marT="50800" marB="50800" anchor="ctr" horzOverflow="overflow"/>
                 </a:tc>
                 <a:tc>
                   <a:txBody>
@@ -3588,7 +3795,7 @@
                       </a:r>
                     </a:p>
                   </a:txBody>
-                  <a:tcPr marL="50800" marR="50800" marT="50800" marB="50800" anchor="ctr" anchorCtr="0" horzOverflow="overflow"/>
+                  <a:tcPr marL="50800" marR="50800" marT="50800" marB="50800" anchor="ctr" horzOverflow="overflow"/>
                 </a:tc>
                 <a:tc>
                   <a:txBody>
@@ -3606,7 +3813,7 @@
                       </a:r>
                     </a:p>
                   </a:txBody>
-                  <a:tcPr marL="50800" marR="50800" marT="50800" marB="50800" anchor="ctr" anchorCtr="0" horzOverflow="overflow"/>
+                  <a:tcPr marL="50800" marR="50800" marT="50800" marB="50800" anchor="ctr" horzOverflow="overflow"/>
                 </a:tc>
                 <a:tc>
                   <a:txBody>
@@ -3624,7 +3831,7 @@
                       </a:r>
                     </a:p>
                   </a:txBody>
-                  <a:tcPr marL="50800" marR="50800" marT="50800" marB="50800" anchor="ctr" anchorCtr="0" horzOverflow="overflow"/>
+                  <a:tcPr marL="50800" marR="50800" marT="50800" marB="50800" anchor="ctr" horzOverflow="overflow"/>
                 </a:tc>
                 <a:tc>
                   <a:txBody>
@@ -3642,8 +3849,13 @@
                       </a:r>
                     </a:p>
                   </a:txBody>
-                  <a:tcPr marL="50800" marR="50800" marT="50800" marB="50800" anchor="ctr" anchorCtr="0" horzOverflow="overflow"/>
-                </a:tc>
+                  <a:tcPr marL="50800" marR="50800" marT="50800" marB="50800" anchor="ctr" horzOverflow="overflow"/>
+                </a:tc>
+                <a:extLst>
+                  <a:ext uri="{0D108BD9-81ED-4DB2-BD59-A6C34878D82A}">
+                    <a16:rowId xmlns:a16="http://schemas.microsoft.com/office/drawing/2014/main" val="10003"/>
+                  </a:ext>
+                </a:extLst>
               </a:tr>
               <a:tr h="770081">
                 <a:tc>
@@ -3652,14 +3864,14 @@
                     <a:lstStyle/>
                     <a:p>
                       <a:pPr defTabSz="914400">
-                        <a:defRPr b="0" sz="1800">
+                        <a:defRPr sz="1800" b="0">
                           <a:solidFill>
                             <a:srgbClr val="000000"/>
                           </a:solidFill>
                         </a:defRPr>
                       </a:pPr>
                       <a:r>
-                        <a:rPr b="1" sz="2300">
+                        <a:rPr sz="2300" b="1">
                           <a:solidFill>
                             <a:srgbClr val="FFFFFF"/>
                           </a:solidFill>
@@ -3669,7 +3881,7 @@
                       </a:r>
                     </a:p>
                   </a:txBody>
-                  <a:tcPr marL="50800" marR="50800" marT="50800" marB="50800" anchor="ctr" anchorCtr="0" horzOverflow="overflow">
+                  <a:tcPr marL="50800" marR="50800" marT="50800" marB="50800" anchor="ctr" horzOverflow="overflow">
                     <a:solidFill>
                       <a:schemeClr val="accent6">
                         <a:satOff val="18029"/>
@@ -3694,7 +3906,7 @@
                       </a:r>
                     </a:p>
                   </a:txBody>
-                  <a:tcPr marL="50800" marR="50800" marT="50800" marB="50800" anchor="ctr" anchorCtr="0" horzOverflow="overflow"/>
+                  <a:tcPr marL="50800" marR="50800" marT="50800" marB="50800" anchor="ctr" horzOverflow="overflow"/>
                 </a:tc>
                 <a:tc>
                   <a:txBody>
@@ -3712,7 +3924,7 @@
                       </a:r>
                     </a:p>
                   </a:txBody>
-                  <a:tcPr marL="50800" marR="50800" marT="50800" marB="50800" anchor="ctr" anchorCtr="0" horzOverflow="overflow"/>
+                  <a:tcPr marL="50800" marR="50800" marT="50800" marB="50800" anchor="ctr" horzOverflow="overflow"/>
                 </a:tc>
                 <a:tc>
                   <a:txBody>
@@ -3730,7 +3942,7 @@
                       </a:r>
                     </a:p>
                   </a:txBody>
-                  <a:tcPr marL="50800" marR="50800" marT="50800" marB="50800" anchor="ctr" anchorCtr="0" horzOverflow="overflow"/>
+                  <a:tcPr marL="50800" marR="50800" marT="50800" marB="50800" anchor="ctr" horzOverflow="overflow"/>
                 </a:tc>
                 <a:tc>
                   <a:txBody>
@@ -3748,7 +3960,7 @@
                       </a:r>
                     </a:p>
                   </a:txBody>
-                  <a:tcPr marL="50800" marR="50800" marT="50800" marB="50800" anchor="ctr" anchorCtr="0" horzOverflow="overflow"/>
+                  <a:tcPr marL="50800" marR="50800" marT="50800" marB="50800" anchor="ctr" horzOverflow="overflow"/>
                 </a:tc>
                 <a:tc>
                   <a:txBody>
@@ -3766,8 +3978,13 @@
                       </a:r>
                     </a:p>
                   </a:txBody>
-                  <a:tcPr marL="50800" marR="50800" marT="50800" marB="50800" anchor="ctr" anchorCtr="0" horzOverflow="overflow"/>
-                </a:tc>
+                  <a:tcPr marL="50800" marR="50800" marT="50800" marB="50800" anchor="ctr" horzOverflow="overflow"/>
+                </a:tc>
+                <a:extLst>
+                  <a:ext uri="{0D108BD9-81ED-4DB2-BD59-A6C34878D82A}">
+                    <a16:rowId xmlns:a16="http://schemas.microsoft.com/office/drawing/2014/main" val="10004"/>
+                  </a:ext>
+                </a:extLst>
               </a:tr>
               <a:tr h="770081">
                 <a:tc>
@@ -3776,14 +3993,14 @@
                     <a:lstStyle/>
                     <a:p>
                       <a:pPr defTabSz="914400">
-                        <a:defRPr b="0" sz="1800">
+                        <a:defRPr sz="1800" b="0">
                           <a:solidFill>
                             <a:srgbClr val="000000"/>
                           </a:solidFill>
                         </a:defRPr>
                       </a:pPr>
                       <a:r>
-                        <a:rPr b="1" sz="1900">
+                        <a:rPr sz="1900" b="1">
                           <a:solidFill>
                             <a:srgbClr val="FFFFFF"/>
                           </a:solidFill>
@@ -3793,7 +4010,7 @@
                       </a:r>
                     </a:p>
                   </a:txBody>
-                  <a:tcPr marL="50800" marR="50800" marT="50800" marB="50800" anchor="ctr" anchorCtr="0" horzOverflow="overflow">
+                  <a:tcPr marL="50800" marR="50800" marT="50800" marB="50800" anchor="ctr" horzOverflow="overflow">
                     <a:solidFill>
                       <a:schemeClr val="accent6">
                         <a:satOff val="18029"/>
@@ -3818,7 +4035,7 @@
                       </a:r>
                     </a:p>
                   </a:txBody>
-                  <a:tcPr marL="50800" marR="50800" marT="50800" marB="50800" anchor="ctr" anchorCtr="0" horzOverflow="overflow"/>
+                  <a:tcPr marL="50800" marR="50800" marT="50800" marB="50800" anchor="ctr" horzOverflow="overflow"/>
                 </a:tc>
                 <a:tc>
                   <a:txBody>
@@ -3836,7 +4053,7 @@
                       </a:r>
                     </a:p>
                   </a:txBody>
-                  <a:tcPr marL="50800" marR="50800" marT="50800" marB="50800" anchor="ctr" anchorCtr="0" horzOverflow="overflow"/>
+                  <a:tcPr marL="50800" marR="50800" marT="50800" marB="50800" anchor="ctr" horzOverflow="overflow"/>
                 </a:tc>
                 <a:tc>
                   <a:txBody>
@@ -3854,7 +4071,7 @@
                       </a:r>
                     </a:p>
                   </a:txBody>
-                  <a:tcPr marL="50800" marR="50800" marT="50800" marB="50800" anchor="ctr" anchorCtr="0" horzOverflow="overflow"/>
+                  <a:tcPr marL="50800" marR="50800" marT="50800" marB="50800" anchor="ctr" horzOverflow="overflow"/>
                 </a:tc>
                 <a:tc>
                   <a:txBody>
@@ -3872,188 +4089,277 @@
                       </a:r>
                     </a:p>
                   </a:txBody>
-                  <a:tcPr marL="50800" marR="50800" marT="50800" marB="50800" anchor="ctr" anchorCtr="0" horzOverflow="overflow"/>
-                </a:tc>
-                <a:tc>
-                  <a:txBody>
-                    <a:bodyPr/>
-                    <a:lstStyle/>
-                    <a:p>
-                      <a:pPr defTabSz="914400">
-                        <a:defRPr sz="1800"/>
-                      </a:pPr>
-                      <a:r>
-                        <a:rPr sz="2300">
+                  <a:tcPr marL="50800" marR="50800" marT="50800" marB="50800" anchor="ctr" horzOverflow="overflow"/>
+                </a:tc>
+                <a:tc>
+                  <a:txBody>
+                    <a:bodyPr/>
+                    <a:lstStyle/>
+                    <a:p>
+                      <a:pPr defTabSz="914400">
+                        <a:defRPr sz="1800"/>
+                      </a:pPr>
+                      <a:r>
+                        <a:rPr sz="2300" dirty="0">
                           <a:sym typeface="Helvetica Neue"/>
                         </a:rPr>
                         <a:t>✅</a:t>
                       </a:r>
                     </a:p>
                   </a:txBody>
-                  <a:tcPr marL="50800" marR="50800" marT="50800" marB="50800" anchor="ctr" anchorCtr="0" horzOverflow="overflow"/>
-                </a:tc>
+                  <a:tcPr marL="50800" marR="50800" marT="50800" marB="50800" anchor="ctr" horzOverflow="overflow"/>
+                </a:tc>
+                <a:extLst>
+                  <a:ext uri="{0D108BD9-81ED-4DB2-BD59-A6C34878D82A}">
+                    <a16:rowId xmlns:a16="http://schemas.microsoft.com/office/drawing/2014/main" val="10005"/>
+                  </a:ext>
+                </a:extLst>
               </a:tr>
             </a:tbl>
           </a:graphicData>
         </a:graphic>
       </p:graphicFrame>
-      <p:sp>
-        <p:nvSpPr>
-          <p:cNvPr id="125" name="Text"/>
-          <p:cNvSpPr txBox="1"/>
-          <p:nvPr/>
-        </p:nvSpPr>
-        <p:spPr>
-          <a:xfrm>
-            <a:off x="2057988" y="2685196"/>
-            <a:ext cx="3330509" cy="961060"/>
-          </a:xfrm>
-          <a:prstGeom prst="rect">
-            <a:avLst/>
-          </a:prstGeom>
-          <a:ln w="12700">
-            <a:miter lim="400000"/>
-          </a:ln>
-          <a:extLst>
-            <a:ext uri="{C572A759-6A51-4108-AA02-DFA0A04FC94B}">
-              <ma14:wrappingTextBoxFlag xmlns:ma14="http://schemas.microsoft.com/office/mac/drawingml/2011/main" val="1"/>
-            </a:ext>
-          </a:extLst>
-        </p:spPr>
-        <p:txBody>
-          <a:bodyPr lIns="50800" tIns="50800" rIns="50800" bIns="50800" anchor="ctr">
-            <a:spAutoFit/>
-          </a:bodyPr>
-          <a:lstStyle>
-            <a:lvl1pPr>
-              <a:defRPr sz="4700"/>
-            </a:lvl1pPr>
-          </a:lstStyle>
-          <a:p>
-            <a:pPr/>
-            <a14:m>
-              <m:oMathPara>
-                <m:oMathParaPr>
-                  <m:jc m:val="center"/>
-                </m:oMathParaPr>
-                <m:oMath>
-                  <m:r>
-                    <a:rPr xmlns:a="http://schemas.openxmlformats.org/drawingml/2006/main" sz="5900" i="1">
-                      <a:solidFill>
-                        <a:srgbClr val="000000"/>
-                      </a:solidFill>
-                      <a:latin typeface="Cambria Math" panose="02040503050406030204" pitchFamily="18" charset="0"/>
-                    </a:rPr>
-                    <m:t>n</m:t>
-                  </m:r>
-                  <m:r>
-                    <a:rPr xmlns:a="http://schemas.openxmlformats.org/drawingml/2006/main" sz="5900" i="1">
-                      <a:solidFill>
-                        <a:srgbClr val="000000"/>
-                      </a:solidFill>
-                      <a:latin typeface="Cambria Math" panose="02040503050406030204" pitchFamily="18" charset="0"/>
-                    </a:rPr>
-                    <m:t>=</m:t>
-                  </m:r>
-                  <m:r>
-                    <a:rPr xmlns:a="http://schemas.openxmlformats.org/drawingml/2006/main" sz="5900" i="1">
-                      <a:solidFill>
-                        <a:srgbClr val="000000"/>
-                      </a:solidFill>
-                      <a:latin typeface="Cambria Math" panose="02040503050406030204" pitchFamily="18" charset="0"/>
-                    </a:rPr>
-                    <m:t>51</m:t>
-                  </m:r>
-                </m:oMath>
-              </m:oMathPara>
-            </a14:m>
-          </a:p>
-        </p:txBody>
-      </p:sp>
-      <p:sp>
-        <p:nvSpPr>
-          <p:cNvPr id="126" name="Text"/>
-          <p:cNvSpPr txBox="1"/>
-          <p:nvPr/>
-        </p:nvSpPr>
-        <p:spPr>
-          <a:xfrm>
-            <a:off x="2057988" y="3689852"/>
-            <a:ext cx="3330509" cy="961060"/>
-          </a:xfrm>
-          <a:prstGeom prst="rect">
-            <a:avLst/>
-          </a:prstGeom>
-          <a:ln w="12700">
-            <a:miter lim="400000"/>
-          </a:ln>
-          <a:extLst>
-            <a:ext uri="{C572A759-6A51-4108-AA02-DFA0A04FC94B}">
-              <ma14:wrappingTextBoxFlag xmlns:ma14="http://schemas.microsoft.com/office/mac/drawingml/2011/main" val="1"/>
-            </a:ext>
-          </a:extLst>
-        </p:spPr>
-        <p:txBody>
-          <a:bodyPr lIns="50800" tIns="50800" rIns="50800" bIns="50800" anchor="ctr">
-            <a:spAutoFit/>
-          </a:bodyPr>
-          <a:lstStyle>
-            <a:lvl1pPr>
-              <a:defRPr sz="4700"/>
-            </a:lvl1pPr>
-          </a:lstStyle>
-          <a:p>
-            <a:pPr/>
-            <a14:m>
-              <m:oMathPara>
-                <m:oMathParaPr>
-                  <m:jc m:val="center"/>
-                </m:oMathParaPr>
-                <m:oMath>
-                  <m:r>
-                    <a:rPr xmlns:a="http://schemas.openxmlformats.org/drawingml/2006/main" sz="5750" i="1">
-                      <a:solidFill>
-                        <a:srgbClr val="000000"/>
-                      </a:solidFill>
-                      <a:latin typeface="Cambria Math" panose="02040503050406030204" pitchFamily="18" charset="0"/>
-                    </a:rPr>
-                    <m:t>m</m:t>
-                  </m:r>
-                  <m:r>
-                    <a:rPr xmlns:a="http://schemas.openxmlformats.org/drawingml/2006/main" sz="5750" i="1">
-                      <a:solidFill>
-                        <a:srgbClr val="000000"/>
-                      </a:solidFill>
-                      <a:latin typeface="Cambria Math" panose="02040503050406030204" pitchFamily="18" charset="0"/>
-                    </a:rPr>
-                    <m:t>=</m:t>
-                  </m:r>
-                  <m:r>
-                    <a:rPr xmlns:a="http://schemas.openxmlformats.org/drawingml/2006/main" sz="5750" i="1">
-                      <a:solidFill>
-                        <a:srgbClr val="000000"/>
-                      </a:solidFill>
-                      <a:latin typeface="Cambria Math" panose="02040503050406030204" pitchFamily="18" charset="0"/>
-                    </a:rPr>
-                    <m:t>27</m:t>
-                  </m:r>
-                </m:oMath>
-              </m:oMathPara>
-            </a14:m>
-          </a:p>
-        </p:txBody>
-      </p:sp>
+      <mc:AlternateContent xmlns:mc="http://schemas.openxmlformats.org/markup-compatibility/2006">
+        <mc:Choice xmlns:a14="http://schemas.microsoft.com/office/drawing/2010/main" Requires="a14">
+          <p:sp>
+            <p:nvSpPr>
+              <p:cNvPr id="125" name="Text"/>
+              <p:cNvSpPr txBox="1"/>
+              <p:nvPr/>
+            </p:nvSpPr>
+            <p:spPr>
+              <a:xfrm>
+                <a:off x="2057988" y="2685196"/>
+                <a:ext cx="3330509" cy="961060"/>
+              </a:xfrm>
+              <a:prstGeom prst="rect">
+                <a:avLst/>
+              </a:prstGeom>
+              <a:ln w="12700">
+                <a:miter lim="400000"/>
+              </a:ln>
+              <a:extLst>
+                <a:ext uri="{C572A759-6A51-4108-AA02-DFA0A04FC94B}">
+                  <ma14:wrappingTextBoxFlag xmlns:ma14="http://schemas.microsoft.com/office/mac/drawingml/2011/main" xmlns:m="http://schemas.openxmlformats.org/officeDocument/2006/math" xmlns="" val="1"/>
+                </a:ext>
+              </a:extLst>
+            </p:spPr>
+            <p:txBody>
+              <a:bodyPr lIns="50800" tIns="50800" rIns="50800" bIns="50800" anchor="ctr">
+                <a:spAutoFit/>
+              </a:bodyPr>
+              <a:lstStyle>
+                <a:lvl1pPr>
+                  <a:defRPr sz="4700"/>
+                </a:lvl1pPr>
+              </a:lstStyle>
+              <a:p>
+                <a:pPr/>
+                <a14:m>
+                  <m:oMathPara xmlns:m="http://schemas.openxmlformats.org/officeDocument/2006/math">
+                    <m:oMathParaPr>
+                      <m:jc m:val="center"/>
+                    </m:oMathParaPr>
+                    <m:oMath xmlns:m="http://schemas.openxmlformats.org/officeDocument/2006/math">
+                      <m:r>
+                        <a:rPr sz="5900" i="1">
+                          <a:solidFill>
+                            <a:srgbClr val="000000"/>
+                          </a:solidFill>
+                          <a:latin typeface="Cambria Math" panose="02040503050406030204" pitchFamily="18" charset="0"/>
+                        </a:rPr>
+                        <m:t>𝑛</m:t>
+                      </m:r>
+                      <m:r>
+                        <a:rPr sz="5900" i="1">
+                          <a:solidFill>
+                            <a:srgbClr val="000000"/>
+                          </a:solidFill>
+                          <a:latin typeface="Cambria Math" panose="02040503050406030204" pitchFamily="18" charset="0"/>
+                        </a:rPr>
+                        <m:t>=51</m:t>
+                      </m:r>
+                    </m:oMath>
+                  </m:oMathPara>
+                </a14:m>
+                <a:endParaRPr/>
+              </a:p>
+            </p:txBody>
+          </p:sp>
+        </mc:Choice>
+        <mc:Fallback>
+          <p:sp>
+            <p:nvSpPr>
+              <p:cNvPr id="125" name="Text"/>
+              <p:cNvSpPr txBox="1">
+                <a:spLocks noRot="1" noChangeAspect="1" noMove="1" noResize="1" noEditPoints="1" noAdjustHandles="1" noChangeArrowheads="1" noChangeShapeType="1" noTextEdit="1"/>
+              </p:cNvSpPr>
+              <p:nvPr/>
+            </p:nvSpPr>
+            <p:spPr>
+              <a:xfrm>
+                <a:off x="2057988" y="2685196"/>
+                <a:ext cx="3330509" cy="961060"/>
+              </a:xfrm>
+              <a:prstGeom prst="rect">
+                <a:avLst/>
+              </a:prstGeom>
+              <a:blipFill>
+                <a:blip r:embed="rId3"/>
+                <a:stretch>
+                  <a:fillRect/>
+                </a:stretch>
+              </a:blipFill>
+              <a:ln w="12700">
+                <a:miter lim="400000"/>
+              </a:ln>
+              <a:extLst>
+                <a:ext uri="{C572A759-6A51-4108-AA02-DFA0A04FC94B}">
+                  <ma14:wrappingTextBoxFlag xmlns:ma14="http://schemas.microsoft.com/office/mac/drawingml/2011/main" xmlns:a14="http://schemas.microsoft.com/office/drawing/2010/main" xmlns:m="http://schemas.openxmlformats.org/officeDocument/2006/math" xmlns="" val="1"/>
+                </a:ext>
+              </a:extLst>
+            </p:spPr>
+            <p:txBody>
+              <a:bodyPr/>
+              <a:lstStyle/>
+              <a:p>
+                <a:r>
+                  <a:rPr lang="es-MX">
+                    <a:noFill/>
+                  </a:rPr>
+                  <a:t> </a:t>
+                </a:r>
+              </a:p>
+            </p:txBody>
+          </p:sp>
+        </mc:Fallback>
+      </mc:AlternateContent>
+      <mc:AlternateContent xmlns:mc="http://schemas.openxmlformats.org/markup-compatibility/2006">
+        <mc:Choice xmlns:a14="http://schemas.microsoft.com/office/drawing/2010/main" Requires="a14">
+          <p:sp>
+            <p:nvSpPr>
+              <p:cNvPr id="126" name="Text"/>
+              <p:cNvSpPr txBox="1"/>
+              <p:nvPr/>
+            </p:nvSpPr>
+            <p:spPr>
+              <a:xfrm>
+                <a:off x="2057988" y="3689852"/>
+                <a:ext cx="3330509" cy="961060"/>
+              </a:xfrm>
+              <a:prstGeom prst="rect">
+                <a:avLst/>
+              </a:prstGeom>
+              <a:ln w="12700">
+                <a:miter lim="400000"/>
+              </a:ln>
+              <a:extLst>
+                <a:ext uri="{C572A759-6A51-4108-AA02-DFA0A04FC94B}">
+                  <ma14:wrappingTextBoxFlag xmlns:ma14="http://schemas.microsoft.com/office/mac/drawingml/2011/main" xmlns:m="http://schemas.openxmlformats.org/officeDocument/2006/math" xmlns="" val="1"/>
+                </a:ext>
+              </a:extLst>
+            </p:spPr>
+            <p:txBody>
+              <a:bodyPr lIns="50800" tIns="50800" rIns="50800" bIns="50800" anchor="ctr">
+                <a:spAutoFit/>
+              </a:bodyPr>
+              <a:lstStyle>
+                <a:lvl1pPr>
+                  <a:defRPr sz="4700"/>
+                </a:lvl1pPr>
+              </a:lstStyle>
+              <a:p>
+                <a:pPr/>
+                <a14:m>
+                  <m:oMathPara xmlns:m="http://schemas.openxmlformats.org/officeDocument/2006/math">
+                    <m:oMathParaPr>
+                      <m:jc m:val="center"/>
+                    </m:oMathParaPr>
+                    <m:oMath xmlns:m="http://schemas.openxmlformats.org/officeDocument/2006/math">
+                      <m:r>
+                        <a:rPr sz="5750" i="1">
+                          <a:solidFill>
+                            <a:srgbClr val="000000"/>
+                          </a:solidFill>
+                          <a:latin typeface="Cambria Math" panose="02040503050406030204" pitchFamily="18" charset="0"/>
+                        </a:rPr>
+                        <m:t>𝑚</m:t>
+                      </m:r>
+                      <m:r>
+                        <a:rPr sz="5750" i="1">
+                          <a:solidFill>
+                            <a:srgbClr val="000000"/>
+                          </a:solidFill>
+                          <a:latin typeface="Cambria Math" panose="02040503050406030204" pitchFamily="18" charset="0"/>
+                        </a:rPr>
+                        <m:t>=27</m:t>
+                      </m:r>
+                    </m:oMath>
+                  </m:oMathPara>
+                </a14:m>
+                <a:endParaRPr/>
+              </a:p>
+            </p:txBody>
+          </p:sp>
+        </mc:Choice>
+        <mc:Fallback>
+          <p:sp>
+            <p:nvSpPr>
+              <p:cNvPr id="126" name="Text"/>
+              <p:cNvSpPr txBox="1">
+                <a:spLocks noRot="1" noChangeAspect="1" noMove="1" noResize="1" noEditPoints="1" noAdjustHandles="1" noChangeArrowheads="1" noChangeShapeType="1" noTextEdit="1"/>
+              </p:cNvSpPr>
+              <p:nvPr/>
+            </p:nvSpPr>
+            <p:spPr>
+              <a:xfrm>
+                <a:off x="2057988" y="3689852"/>
+                <a:ext cx="3330509" cy="961060"/>
+              </a:xfrm>
+              <a:prstGeom prst="rect">
+                <a:avLst/>
+              </a:prstGeom>
+              <a:blipFill>
+                <a:blip r:embed="rId4"/>
+                <a:stretch>
+                  <a:fillRect/>
+                </a:stretch>
+              </a:blipFill>
+              <a:ln w="12700">
+                <a:miter lim="400000"/>
+              </a:ln>
+              <a:extLst>
+                <a:ext uri="{C572A759-6A51-4108-AA02-DFA0A04FC94B}">
+                  <ma14:wrappingTextBoxFlag xmlns:ma14="http://schemas.microsoft.com/office/mac/drawingml/2011/main" xmlns:a14="http://schemas.microsoft.com/office/drawing/2010/main" xmlns:m="http://schemas.openxmlformats.org/officeDocument/2006/math" xmlns="" val="1"/>
+                </a:ext>
+              </a:extLst>
+            </p:spPr>
+            <p:txBody>
+              <a:bodyPr/>
+              <a:lstStyle/>
+              <a:p>
+                <a:r>
+                  <a:rPr lang="es-MX">
+                    <a:noFill/>
+                  </a:rPr>
+                  <a:t> </a:t>
+                </a:r>
+              </a:p>
+            </p:txBody>
+          </p:sp>
+        </mc:Fallback>
+      </mc:AlternateContent>
     </p:spTree>
   </p:cSld>
   <p:clrMapOvr>
     <a:masterClrMapping/>
   </p:clrMapOvr>
-  <p:transition xmlns:p14="http://schemas.microsoft.com/office/powerpoint/2010/main" spd="med" advClick="1"/>
+  <p:transition spd="med"/>
 </p:sld>
 </file>
 
 <file path=ppt/slides/slide3.xml><?xml version="1.0" encoding="utf-8"?>
-<p:sld xmlns:a="http://schemas.openxmlformats.org/drawingml/2006/main" xmlns:r="http://schemas.openxmlformats.org/officeDocument/2006/relationships" xmlns:p="http://schemas.openxmlformats.org/presentationml/2006/main" xmlns:m="http://schemas.openxmlformats.org/officeDocument/2006/math" xmlns:a14="http://schemas.microsoft.com/office/drawing/2010/main" showMasterSp="1" showMasterPhAnim="1">
+<p:sld xmlns:a="http://schemas.openxmlformats.org/drawingml/2006/main" xmlns:r="http://schemas.openxmlformats.org/officeDocument/2006/relationships" xmlns:p="http://schemas.openxmlformats.org/presentationml/2006/main">
   <p:cSld>
     <p:spTree>
       <p:nvGrpSpPr>
@@ -4071,9 +4377,9 @@
       </p:grpSpPr>
       <p:pic>
         <p:nvPicPr>
-          <p:cNvPr id="128" name="boeing1.png" descr="boeing1.png"/>
+          <p:cNvPr id="128" name="boeing1.png"/>
           <p:cNvPicPr>
-            <a:picLocks noChangeAspect="1"/>
+            <a:picLocks noGrp="1" noChangeAspect="1"/>
           </p:cNvPicPr>
           <p:nvPr>
             <p:ph type="pic" idx="13"/>
@@ -4081,17 +4387,20 @@
         </p:nvPicPr>
         <p:blipFill>
           <a:blip r:embed="rId2">
-            <a:extLst/>
+            <a:extLst>
+              <a:ext uri="{28A0092B-C50C-407E-A947-70E740481C1C}">
+                <a14:useLocalDpi xmlns:a14="http://schemas.microsoft.com/office/drawing/2010/main" val="0"/>
+              </a:ext>
+            </a:extLst>
           </a:blip>
-          <a:srcRect l="0" t="0" r="0" b="0"/>
           <a:stretch>
             <a:fillRect/>
           </a:stretch>
         </p:blipFill>
         <p:spPr>
           <a:xfrm>
-            <a:off x="13169900" y="4225924"/>
-            <a:ext cx="9525000" cy="7143752"/>
+            <a:off x="13169900" y="4227286"/>
+            <a:ext cx="9525000" cy="7141027"/>
           </a:xfrm>
           <a:prstGeom prst="rect">
             <a:avLst/>
@@ -4101,7 +4410,9 @@
       <p:sp>
         <p:nvSpPr>
           <p:cNvPr id="129" name="BOEING1"/>
-          <p:cNvSpPr txBox="1"/>
+          <p:cNvSpPr txBox="1">
+            <a:spLocks noGrp="1"/>
+          </p:cNvSpPr>
           <p:nvPr>
             <p:ph type="title"/>
           </p:nvPr>
@@ -4115,7 +4426,6 @@
           <a:bodyPr/>
           <a:lstStyle/>
           <a:p>
-            <a:pPr/>
             <a:r>
               <a:t>BOEING1</a:t>
             </a:r>
@@ -4126,25 +4436,67 @@
         <p:nvGraphicFramePr>
           <p:cNvPr id="130" name="Table"/>
           <p:cNvGraphicFramePr/>
-          <p:nvPr/>
+          <p:nvPr>
+            <p:extLst>
+              <p:ext uri="{D42A27DB-BD31-4B8C-83A1-F6EECF244321}">
+                <p14:modId xmlns:p14="http://schemas.microsoft.com/office/powerpoint/2010/main" val="2015050413"/>
+              </p:ext>
+            </p:extLst>
+          </p:nvPr>
         </p:nvGraphicFramePr>
         <p:xfrm>
           <a:off x="1249666" y="5699164"/>
-          <a:ext cx="10676572" cy="4620488"/>
+          <a:ext cx="10743402" cy="4685604"/>
         </p:xfrm>
-        <a:graphic xmlns:a="http://schemas.openxmlformats.org/drawingml/2006/main">
+        <a:graphic>
           <a:graphicData uri="http://schemas.openxmlformats.org/drawingml/2006/table">
             <a:tbl>
-              <a:tblPr firstCol="1" firstRow="1" lastCol="0" lastRow="0" bandCol="0" bandRow="1" rtl="0">
+              <a:tblPr firstRow="1" firstCol="1" bandRow="1">
                 <a:tableStyleId>{4C3C2611-4C71-4FC5-86AE-919BDF0F9419}</a:tableStyleId>
               </a:tblPr>
               <a:tblGrid>
-                <a:gridCol w="1779428"/>
-                <a:gridCol w="1779428"/>
-                <a:gridCol w="1779428"/>
-                <a:gridCol w="1779428"/>
-                <a:gridCol w="1779428"/>
-                <a:gridCol w="1779428"/>
+                <a:gridCol w="1779428">
+                  <a:extLst>
+                    <a:ext uri="{9D8B030D-6E8A-4147-A177-3AD203B41FA5}">
+                      <a16:colId xmlns:a16="http://schemas.microsoft.com/office/drawing/2014/main" val="20000"/>
+                    </a:ext>
+                  </a:extLst>
+                </a:gridCol>
+                <a:gridCol w="1846262">
+                  <a:extLst>
+                    <a:ext uri="{9D8B030D-6E8A-4147-A177-3AD203B41FA5}">
+                      <a16:colId xmlns:a16="http://schemas.microsoft.com/office/drawing/2014/main" val="20001"/>
+                    </a:ext>
+                  </a:extLst>
+                </a:gridCol>
+                <a:gridCol w="1779428">
+                  <a:extLst>
+                    <a:ext uri="{9D8B030D-6E8A-4147-A177-3AD203B41FA5}">
+                      <a16:colId xmlns:a16="http://schemas.microsoft.com/office/drawing/2014/main" val="20002"/>
+                    </a:ext>
+                  </a:extLst>
+                </a:gridCol>
+                <a:gridCol w="1779428">
+                  <a:extLst>
+                    <a:ext uri="{9D8B030D-6E8A-4147-A177-3AD203B41FA5}">
+                      <a16:colId xmlns:a16="http://schemas.microsoft.com/office/drawing/2014/main" val="20003"/>
+                    </a:ext>
+                  </a:extLst>
+                </a:gridCol>
+                <a:gridCol w="1779428">
+                  <a:extLst>
+                    <a:ext uri="{9D8B030D-6E8A-4147-A177-3AD203B41FA5}">
+                      <a16:colId xmlns:a16="http://schemas.microsoft.com/office/drawing/2014/main" val="20004"/>
+                    </a:ext>
+                  </a:extLst>
+                </a:gridCol>
+                <a:gridCol w="1779428">
+                  <a:extLst>
+                    <a:ext uri="{9D8B030D-6E8A-4147-A177-3AD203B41FA5}">
+                      <a16:colId xmlns:a16="http://schemas.microsoft.com/office/drawing/2014/main" val="20005"/>
+                    </a:ext>
+                  </a:extLst>
+                </a:gridCol>
               </a:tblGrid>
               <a:tr h="770081">
                 <a:tc>
@@ -4157,9 +4509,10 @@
                           <a:sym typeface="Helvetica Neue"/>
                         </a:defRPr>
                       </a:pPr>
-                    </a:p>
-                  </a:txBody>
-                  <a:tcPr marL="50800" marR="50800" marT="50800" marB="50800" anchor="ctr" anchorCtr="0" horzOverflow="overflow">
+                      <a:endParaRPr/>
+                    </a:p>
+                  </a:txBody>
+                  <a:tcPr marL="50800" marR="50800" marT="50800" marB="50800" anchor="ctr" horzOverflow="overflow">
                     <a:solidFill>
                       <a:schemeClr val="accent6"/>
                     </a:solidFill>
@@ -4171,14 +4524,14 @@
                     <a:lstStyle/>
                     <a:p>
                       <a:pPr defTabSz="914400">
-                        <a:defRPr b="0" sz="1800">
+                        <a:defRPr sz="1800" b="0">
                           <a:solidFill>
                             <a:srgbClr val="000000"/>
                           </a:solidFill>
                         </a:defRPr>
                       </a:pPr>
                       <a:r>
-                        <a:rPr b="1" sz="1900">
+                        <a:rPr sz="1900" b="1">
                           <a:solidFill>
                             <a:srgbClr val="FFFFFF"/>
                           </a:solidFill>
@@ -4188,7 +4541,7 @@
                       </a:r>
                     </a:p>
                   </a:txBody>
-                  <a:tcPr marL="50800" marR="50800" marT="50800" marB="50800" anchor="ctr" anchorCtr="0" horzOverflow="overflow">
+                  <a:tcPr marL="50800" marR="50800" marT="50800" marB="50800" anchor="ctr" horzOverflow="overflow">
                     <a:solidFill>
                       <a:schemeClr val="accent6"/>
                     </a:solidFill>
@@ -4200,14 +4553,14 @@
                     <a:lstStyle/>
                     <a:p>
                       <a:pPr defTabSz="914400">
-                        <a:defRPr b="0" sz="1800">
+                        <a:defRPr sz="1800" b="0">
                           <a:solidFill>
                             <a:srgbClr val="000000"/>
                           </a:solidFill>
                         </a:defRPr>
                       </a:pPr>
                       <a:r>
-                        <a:rPr b="1" sz="2300">
+                        <a:rPr sz="2300" b="1" dirty="0" err="1">
                           <a:solidFill>
                             <a:srgbClr val="FFFFFF"/>
                           </a:solidFill>
@@ -4215,9 +4568,15 @@
                         </a:rPr>
                         <a:t>qpintpoint</a:t>
                       </a:r>
-                    </a:p>
-                  </a:txBody>
-                  <a:tcPr marL="50800" marR="50800" marT="50800" marB="50800" anchor="ctr" anchorCtr="0" horzOverflow="overflow">
+                      <a:endParaRPr sz="2300" b="1" dirty="0">
+                        <a:solidFill>
+                          <a:srgbClr val="FFFFFF"/>
+                        </a:solidFill>
+                        <a:sym typeface="Helvetica Neue"/>
+                      </a:endParaRPr>
+                    </a:p>
+                  </a:txBody>
+                  <a:tcPr marL="50800" marR="50800" marT="50800" marB="50800" anchor="ctr" horzOverflow="overflow">
                     <a:solidFill>
                       <a:schemeClr val="accent6"/>
                     </a:solidFill>
@@ -4229,14 +4588,14 @@
                     <a:lstStyle/>
                     <a:p>
                       <a:pPr defTabSz="914400">
-                        <a:defRPr b="0" sz="1800">
+                        <a:defRPr sz="1800" b="0">
                           <a:solidFill>
                             <a:srgbClr val="000000"/>
                           </a:solidFill>
                         </a:defRPr>
                       </a:pPr>
                       <a:r>
-                        <a:rPr b="1" sz="1600">
+                        <a:rPr sz="1600" b="1">
                           <a:solidFill>
                             <a:srgbClr val="FFFFFF"/>
                           </a:solidFill>
@@ -4246,7 +4605,7 @@
                       </a:r>
                     </a:p>
                   </a:txBody>
-                  <a:tcPr marL="50800" marR="50800" marT="50800" marB="50800" anchor="ctr" anchorCtr="0" horzOverflow="overflow">
+                  <a:tcPr marL="50800" marR="50800" marT="50800" marB="50800" anchor="ctr" horzOverflow="overflow">
                     <a:solidFill>
                       <a:schemeClr val="accent6"/>
                     </a:solidFill>
@@ -4258,14 +4617,14 @@
                     <a:lstStyle/>
                     <a:p>
                       <a:pPr defTabSz="914400">
-                        <a:defRPr b="0" sz="1800">
+                        <a:defRPr sz="1800" b="0">
                           <a:solidFill>
                             <a:srgbClr val="000000"/>
                           </a:solidFill>
                         </a:defRPr>
                       </a:pPr>
                       <a:r>
-                        <a:rPr b="1" sz="2100">
+                        <a:rPr sz="2100" b="1">
                           <a:solidFill>
                             <a:srgbClr val="FFFFFF"/>
                           </a:solidFill>
@@ -4275,7 +4634,7 @@
                       </a:r>
                     </a:p>
                   </a:txBody>
-                  <a:tcPr marL="50800" marR="50800" marT="50800" marB="50800" anchor="ctr" anchorCtr="0" horzOverflow="overflow">
+                  <a:tcPr marL="50800" marR="50800" marT="50800" marB="50800" anchor="ctr" horzOverflow="overflow">
                     <a:solidFill>
                       <a:schemeClr val="accent6"/>
                     </a:solidFill>
@@ -4287,14 +4646,14 @@
                     <a:lstStyle/>
                     <a:p>
                       <a:pPr defTabSz="914400">
-                        <a:defRPr b="0" sz="1800">
+                        <a:defRPr sz="1800" b="0">
                           <a:solidFill>
                             <a:srgbClr val="000000"/>
                           </a:solidFill>
                         </a:defRPr>
                       </a:pPr>
                       <a:r>
-                        <a:rPr b="1" sz="2300">
+                        <a:rPr sz="2300" b="1">
                           <a:solidFill>
                             <a:srgbClr val="FFFFFF"/>
                           </a:solidFill>
@@ -4304,12 +4663,17 @@
                       </a:r>
                     </a:p>
                   </a:txBody>
-                  <a:tcPr marL="50800" marR="50800" marT="50800" marB="50800" anchor="ctr" anchorCtr="0" horzOverflow="overflow">
+                  <a:tcPr marL="50800" marR="50800" marT="50800" marB="50800" anchor="ctr" horzOverflow="overflow">
                     <a:solidFill>
                       <a:schemeClr val="accent6"/>
                     </a:solidFill>
                   </a:tcPr>
                 </a:tc>
+                <a:extLst>
+                  <a:ext uri="{0D108BD9-81ED-4DB2-BD59-A6C34878D82A}">
+                    <a16:rowId xmlns:a16="http://schemas.microsoft.com/office/drawing/2014/main" val="10000"/>
+                  </a:ext>
+                </a:extLst>
               </a:tr>
               <a:tr h="770081">
                 <a:tc>
@@ -4318,14 +4682,14 @@
                     <a:lstStyle/>
                     <a:p>
                       <a:pPr defTabSz="914400">
-                        <a:defRPr b="0" sz="1800">
+                        <a:defRPr sz="1800" b="0">
                           <a:solidFill>
                             <a:srgbClr val="000000"/>
                           </a:solidFill>
                         </a:defRPr>
                       </a:pPr>
                       <a:r>
-                        <a:rPr b="1" sz="2300">
+                        <a:rPr sz="2300" b="1">
                           <a:solidFill>
                             <a:srgbClr val="FFFFFF"/>
                           </a:solidFill>
@@ -4335,7 +4699,7 @@
                       </a:r>
                     </a:p>
                   </a:txBody>
-                  <a:tcPr marL="50800" marR="50800" marT="50800" marB="50800" anchor="ctr" anchorCtr="0" horzOverflow="overflow">
+                  <a:tcPr marL="50800" marR="50800" marT="50800" marB="50800" anchor="ctr" horzOverflow="overflow">
                     <a:solidFill>
                       <a:schemeClr val="accent6">
                         <a:satOff val="18029"/>
@@ -4360,7 +4724,7 @@
                       </a:r>
                     </a:p>
                   </a:txBody>
-                  <a:tcPr marL="50800" marR="50800" marT="50800" marB="50800" anchor="ctr" anchorCtr="0" horzOverflow="overflow"/>
+                  <a:tcPr marL="50800" marR="50800" marT="50800" marB="50800" anchor="ctr" horzOverflow="overflow"/>
                 </a:tc>
                 <a:tc>
                   <a:txBody>
@@ -4378,7 +4742,7 @@
                       </a:r>
                     </a:p>
                   </a:txBody>
-                  <a:tcPr marL="50800" marR="50800" marT="50800" marB="50800" anchor="ctr" anchorCtr="0" horzOverflow="overflow"/>
+                  <a:tcPr marL="50800" marR="50800" marT="50800" marB="50800" anchor="ctr" horzOverflow="overflow"/>
                 </a:tc>
                 <a:tc>
                   <a:txBody>
@@ -4396,7 +4760,7 @@
                       </a:r>
                     </a:p>
                   </a:txBody>
-                  <a:tcPr marL="50800" marR="50800" marT="50800" marB="50800" anchor="ctr" anchorCtr="0" horzOverflow="overflow"/>
+                  <a:tcPr marL="50800" marR="50800" marT="50800" marB="50800" anchor="ctr" horzOverflow="overflow"/>
                 </a:tc>
                 <a:tc>
                   <a:txBody>
@@ -4414,7 +4778,7 @@
                       </a:r>
                     </a:p>
                   </a:txBody>
-                  <a:tcPr marL="50800" marR="50800" marT="50800" marB="50800" anchor="ctr" anchorCtr="0" horzOverflow="overflow"/>
+                  <a:tcPr marL="50800" marR="50800" marT="50800" marB="50800" anchor="ctr" horzOverflow="overflow"/>
                 </a:tc>
                 <a:tc>
                   <a:txBody>
@@ -4432,8 +4796,13 @@
                       </a:r>
                     </a:p>
                   </a:txBody>
-                  <a:tcPr marL="50800" marR="50800" marT="50800" marB="50800" anchor="ctr" anchorCtr="0" horzOverflow="overflow"/>
-                </a:tc>
+                  <a:tcPr marL="50800" marR="50800" marT="50800" marB="50800" anchor="ctr" horzOverflow="overflow"/>
+                </a:tc>
+                <a:extLst>
+                  <a:ext uri="{0D108BD9-81ED-4DB2-BD59-A6C34878D82A}">
+                    <a16:rowId xmlns:a16="http://schemas.microsoft.com/office/drawing/2014/main" val="10001"/>
+                  </a:ext>
+                </a:extLst>
               </a:tr>
               <a:tr h="770081">
                 <a:tc>
@@ -4442,14 +4811,14 @@
                     <a:lstStyle/>
                     <a:p>
                       <a:pPr defTabSz="914400">
-                        <a:defRPr b="0" sz="1800">
+                        <a:defRPr sz="1800" b="0">
                           <a:solidFill>
                             <a:srgbClr val="000000"/>
                           </a:solidFill>
                         </a:defRPr>
                       </a:pPr>
                       <a:r>
-                        <a:rPr b="1" sz="2300">
+                        <a:rPr sz="2300" b="1">
                           <a:solidFill>
                             <a:srgbClr val="FFFFFF"/>
                           </a:solidFill>
@@ -4459,7 +4828,7 @@
                       </a:r>
                     </a:p>
                   </a:txBody>
-                  <a:tcPr marL="50800" marR="50800" marT="50800" marB="50800" anchor="ctr" anchorCtr="0" horzOverflow="overflow">
+                  <a:tcPr marL="50800" marR="50800" marT="50800" marB="50800" anchor="ctr" horzOverflow="overflow">
                     <a:solidFill>
                       <a:schemeClr val="accent6">
                         <a:satOff val="18029"/>
@@ -4484,7 +4853,7 @@
                       </a:r>
                     </a:p>
                   </a:txBody>
-                  <a:tcPr marL="50800" marR="50800" marT="50800" marB="50800" anchor="ctr" anchorCtr="0" horzOverflow="overflow"/>
+                  <a:tcPr marL="50800" marR="50800" marT="50800" marB="50800" anchor="ctr" horzOverflow="overflow"/>
                 </a:tc>
                 <a:tc>
                   <a:txBody>
@@ -4502,7 +4871,7 @@
                       </a:r>
                     </a:p>
                   </a:txBody>
-                  <a:tcPr marL="50800" marR="50800" marT="50800" marB="50800" anchor="ctr" anchorCtr="0" horzOverflow="overflow"/>
+                  <a:tcPr marL="50800" marR="50800" marT="50800" marB="50800" anchor="ctr" horzOverflow="overflow"/>
                 </a:tc>
                 <a:tc>
                   <a:txBody>
@@ -4520,7 +4889,7 @@
                       </a:r>
                     </a:p>
                   </a:txBody>
-                  <a:tcPr marL="50800" marR="50800" marT="50800" marB="50800" anchor="ctr" anchorCtr="0" horzOverflow="overflow"/>
+                  <a:tcPr marL="50800" marR="50800" marT="50800" marB="50800" anchor="ctr" horzOverflow="overflow"/>
                 </a:tc>
                 <a:tc>
                   <a:txBody>
@@ -4538,7 +4907,7 @@
                       </a:r>
                     </a:p>
                   </a:txBody>
-                  <a:tcPr marL="50800" marR="50800" marT="50800" marB="50800" anchor="ctr" anchorCtr="0" horzOverflow="overflow"/>
+                  <a:tcPr marL="50800" marR="50800" marT="50800" marB="50800" anchor="ctr" horzOverflow="overflow"/>
                 </a:tc>
                 <a:tc>
                   <a:txBody>
@@ -4556,8 +4925,13 @@
                       </a:r>
                     </a:p>
                   </a:txBody>
-                  <a:tcPr marL="50800" marR="50800" marT="50800" marB="50800" anchor="ctr" anchorCtr="0" horzOverflow="overflow"/>
-                </a:tc>
+                  <a:tcPr marL="50800" marR="50800" marT="50800" marB="50800" anchor="ctr" horzOverflow="overflow"/>
+                </a:tc>
+                <a:extLst>
+                  <a:ext uri="{0D108BD9-81ED-4DB2-BD59-A6C34878D82A}">
+                    <a16:rowId xmlns:a16="http://schemas.microsoft.com/office/drawing/2014/main" val="10002"/>
+                  </a:ext>
+                </a:extLst>
               </a:tr>
               <a:tr h="770081">
                 <a:tc>
@@ -4566,14 +4940,14 @@
                     <a:lstStyle/>
                     <a:p>
                       <a:pPr defTabSz="914400">
-                        <a:defRPr b="0" sz="1800">
+                        <a:defRPr sz="1800" b="0">
                           <a:solidFill>
                             <a:srgbClr val="000000"/>
                           </a:solidFill>
                         </a:defRPr>
                       </a:pPr>
                       <a:r>
-                        <a:rPr b="1" sz="2300">
+                        <a:rPr sz="2300" b="1">
                           <a:solidFill>
                             <a:srgbClr val="FFFFFF"/>
                           </a:solidFill>
@@ -4583,7 +4957,7 @@
                       </a:r>
                     </a:p>
                   </a:txBody>
-                  <a:tcPr marL="50800" marR="50800" marT="50800" marB="50800" anchor="ctr" anchorCtr="0" horzOverflow="overflow">
+                  <a:tcPr marL="50800" marR="50800" marT="50800" marB="50800" anchor="ctr" horzOverflow="overflow">
                     <a:solidFill>
                       <a:schemeClr val="accent6">
                         <a:satOff val="18029"/>
@@ -4608,7 +4982,7 @@
                       </a:r>
                     </a:p>
                   </a:txBody>
-                  <a:tcPr marL="50800" marR="50800" marT="50800" marB="50800" anchor="ctr" anchorCtr="0" horzOverflow="overflow"/>
+                  <a:tcPr marL="50800" marR="50800" marT="50800" marB="50800" anchor="ctr" horzOverflow="overflow"/>
                 </a:tc>
                 <a:tc>
                   <a:txBody>
@@ -4626,7 +5000,7 @@
                       </a:r>
                     </a:p>
                   </a:txBody>
-                  <a:tcPr marL="50800" marR="50800" marT="50800" marB="50800" anchor="ctr" anchorCtr="0" horzOverflow="overflow"/>
+                  <a:tcPr marL="50800" marR="50800" marT="50800" marB="50800" anchor="ctr" horzOverflow="overflow"/>
                 </a:tc>
                 <a:tc>
                   <a:txBody>
@@ -4644,7 +5018,7 @@
                       </a:r>
                     </a:p>
                   </a:txBody>
-                  <a:tcPr marL="50800" marR="50800" marT="50800" marB="50800" anchor="ctr" anchorCtr="0" horzOverflow="overflow"/>
+                  <a:tcPr marL="50800" marR="50800" marT="50800" marB="50800" anchor="ctr" horzOverflow="overflow"/>
                 </a:tc>
                 <a:tc>
                   <a:txBody>
@@ -4662,7 +5036,7 @@
                       </a:r>
                     </a:p>
                   </a:txBody>
-                  <a:tcPr marL="50800" marR="50800" marT="50800" marB="50800" anchor="ctr" anchorCtr="0" horzOverflow="overflow"/>
+                  <a:tcPr marL="50800" marR="50800" marT="50800" marB="50800" anchor="ctr" horzOverflow="overflow"/>
                 </a:tc>
                 <a:tc>
                   <a:txBody>
@@ -4680,8 +5054,13 @@
                       </a:r>
                     </a:p>
                   </a:txBody>
-                  <a:tcPr marL="50800" marR="50800" marT="50800" marB="50800" anchor="ctr" anchorCtr="0" horzOverflow="overflow"/>
-                </a:tc>
+                  <a:tcPr marL="50800" marR="50800" marT="50800" marB="50800" anchor="ctr" horzOverflow="overflow"/>
+                </a:tc>
+                <a:extLst>
+                  <a:ext uri="{0D108BD9-81ED-4DB2-BD59-A6C34878D82A}">
+                    <a16:rowId xmlns:a16="http://schemas.microsoft.com/office/drawing/2014/main" val="10003"/>
+                  </a:ext>
+                </a:extLst>
               </a:tr>
               <a:tr h="770081">
                 <a:tc>
@@ -4690,14 +5069,14 @@
                     <a:lstStyle/>
                     <a:p>
                       <a:pPr defTabSz="914400">
-                        <a:defRPr b="0" sz="1800">
+                        <a:defRPr sz="1800" b="0">
                           <a:solidFill>
                             <a:srgbClr val="000000"/>
                           </a:solidFill>
                         </a:defRPr>
                       </a:pPr>
                       <a:r>
-                        <a:rPr b="1" sz="2300">
+                        <a:rPr sz="2300" b="1">
                           <a:solidFill>
                             <a:srgbClr val="FFFFFF"/>
                           </a:solidFill>
@@ -4707,7 +5086,7 @@
                       </a:r>
                     </a:p>
                   </a:txBody>
-                  <a:tcPr marL="50800" marR="50800" marT="50800" marB="50800" anchor="ctr" anchorCtr="0" horzOverflow="overflow">
+                  <a:tcPr marL="50800" marR="50800" marT="50800" marB="50800" anchor="ctr" horzOverflow="overflow">
                     <a:solidFill>
                       <a:schemeClr val="accent6">
                         <a:satOff val="18029"/>
@@ -4732,7 +5111,7 @@
                       </a:r>
                     </a:p>
                   </a:txBody>
-                  <a:tcPr marL="50800" marR="50800" marT="50800" marB="50800" anchor="ctr" anchorCtr="0" horzOverflow="overflow"/>
+                  <a:tcPr marL="50800" marR="50800" marT="50800" marB="50800" anchor="ctr" horzOverflow="overflow"/>
                 </a:tc>
                 <a:tc>
                   <a:txBody>
@@ -4750,7 +5129,7 @@
                       </a:r>
                     </a:p>
                   </a:txBody>
-                  <a:tcPr marL="50800" marR="50800" marT="50800" marB="50800" anchor="ctr" anchorCtr="0" horzOverflow="overflow"/>
+                  <a:tcPr marL="50800" marR="50800" marT="50800" marB="50800" anchor="ctr" horzOverflow="overflow"/>
                 </a:tc>
                 <a:tc>
                   <a:txBody>
@@ -4768,7 +5147,7 @@
                       </a:r>
                     </a:p>
                   </a:txBody>
-                  <a:tcPr marL="50800" marR="50800" marT="50800" marB="50800" anchor="ctr" anchorCtr="0" horzOverflow="overflow"/>
+                  <a:tcPr marL="50800" marR="50800" marT="50800" marB="50800" anchor="ctr" horzOverflow="overflow"/>
                 </a:tc>
                 <a:tc>
                   <a:txBody>
@@ -4786,7 +5165,7 @@
                       </a:r>
                     </a:p>
                   </a:txBody>
-                  <a:tcPr marL="50800" marR="50800" marT="50800" marB="50800" anchor="ctr" anchorCtr="0" horzOverflow="overflow"/>
+                  <a:tcPr marL="50800" marR="50800" marT="50800" marB="50800" anchor="ctr" horzOverflow="overflow"/>
                 </a:tc>
                 <a:tc>
                   <a:txBody>
@@ -4804,8 +5183,13 @@
                       </a:r>
                     </a:p>
                   </a:txBody>
-                  <a:tcPr marL="50800" marR="50800" marT="50800" marB="50800" anchor="ctr" anchorCtr="0" horzOverflow="overflow"/>
-                </a:tc>
+                  <a:tcPr marL="50800" marR="50800" marT="50800" marB="50800" anchor="ctr" horzOverflow="overflow"/>
+                </a:tc>
+                <a:extLst>
+                  <a:ext uri="{0D108BD9-81ED-4DB2-BD59-A6C34878D82A}">
+                    <a16:rowId xmlns:a16="http://schemas.microsoft.com/office/drawing/2014/main" val="10004"/>
+                  </a:ext>
+                </a:extLst>
               </a:tr>
               <a:tr h="770081">
                 <a:tc>
@@ -4814,14 +5198,14 @@
                     <a:lstStyle/>
                     <a:p>
                       <a:pPr defTabSz="914400">
-                        <a:defRPr b="0" sz="1800">
+                        <a:defRPr sz="1800" b="0">
                           <a:solidFill>
                             <a:srgbClr val="000000"/>
                           </a:solidFill>
                         </a:defRPr>
                       </a:pPr>
                       <a:r>
-                        <a:rPr b="1" sz="1900">
+                        <a:rPr sz="1900" b="1">
                           <a:solidFill>
                             <a:srgbClr val="FFFFFF"/>
                           </a:solidFill>
@@ -4831,7 +5215,7 @@
                       </a:r>
                     </a:p>
                   </a:txBody>
-                  <a:tcPr marL="50800" marR="50800" marT="50800" marB="50800" anchor="ctr" anchorCtr="0" horzOverflow="overflow">
+                  <a:tcPr marL="50800" marR="50800" marT="50800" marB="50800" anchor="ctr" horzOverflow="overflow">
                     <a:solidFill>
                       <a:schemeClr val="accent6">
                         <a:satOff val="18029"/>
@@ -4856,7 +5240,7 @@
                       </a:r>
                     </a:p>
                   </a:txBody>
-                  <a:tcPr marL="50800" marR="50800" marT="50800" marB="50800" anchor="ctr" anchorCtr="0" horzOverflow="overflow"/>
+                  <a:tcPr marL="50800" marR="50800" marT="50800" marB="50800" anchor="ctr" horzOverflow="overflow"/>
                 </a:tc>
                 <a:tc>
                   <a:txBody>
@@ -4874,7 +5258,7 @@
                       </a:r>
                     </a:p>
                   </a:txBody>
-                  <a:tcPr marL="50800" marR="50800" marT="50800" marB="50800" anchor="ctr" anchorCtr="0" horzOverflow="overflow"/>
+                  <a:tcPr marL="50800" marR="50800" marT="50800" marB="50800" anchor="ctr" horzOverflow="overflow"/>
                 </a:tc>
                 <a:tc>
                   <a:txBody>
@@ -4892,7 +5276,7 @@
                       </a:r>
                     </a:p>
                   </a:txBody>
-                  <a:tcPr marL="50800" marR="50800" marT="50800" marB="50800" anchor="ctr" anchorCtr="0" horzOverflow="overflow"/>
+                  <a:tcPr marL="50800" marR="50800" marT="50800" marB="50800" anchor="ctr" horzOverflow="overflow"/>
                 </a:tc>
                 <a:tc>
                   <a:txBody>
@@ -4910,188 +5294,277 @@
                       </a:r>
                     </a:p>
                   </a:txBody>
-                  <a:tcPr marL="50800" marR="50800" marT="50800" marB="50800" anchor="ctr" anchorCtr="0" horzOverflow="overflow"/>
-                </a:tc>
-                <a:tc>
-                  <a:txBody>
-                    <a:bodyPr/>
-                    <a:lstStyle/>
-                    <a:p>
-                      <a:pPr defTabSz="914400">
-                        <a:defRPr sz="1800"/>
-                      </a:pPr>
-                      <a:r>
-                        <a:rPr sz="2300">
+                  <a:tcPr marL="50800" marR="50800" marT="50800" marB="50800" anchor="ctr" horzOverflow="overflow"/>
+                </a:tc>
+                <a:tc>
+                  <a:txBody>
+                    <a:bodyPr/>
+                    <a:lstStyle/>
+                    <a:p>
+                      <a:pPr defTabSz="914400">
+                        <a:defRPr sz="1800"/>
+                      </a:pPr>
+                      <a:r>
+                        <a:rPr sz="2300" dirty="0">
                           <a:sym typeface="Helvetica Neue"/>
                         </a:rPr>
                         <a:t>❌</a:t>
                       </a:r>
                     </a:p>
                   </a:txBody>
-                  <a:tcPr marL="50800" marR="50800" marT="50800" marB="50800" anchor="ctr" anchorCtr="0" horzOverflow="overflow"/>
-                </a:tc>
+                  <a:tcPr marL="50800" marR="50800" marT="50800" marB="50800" anchor="ctr" horzOverflow="overflow"/>
+                </a:tc>
+                <a:extLst>
+                  <a:ext uri="{0D108BD9-81ED-4DB2-BD59-A6C34878D82A}">
+                    <a16:rowId xmlns:a16="http://schemas.microsoft.com/office/drawing/2014/main" val="10005"/>
+                  </a:ext>
+                </a:extLst>
               </a:tr>
             </a:tbl>
           </a:graphicData>
         </a:graphic>
       </p:graphicFrame>
-      <p:sp>
-        <p:nvSpPr>
-          <p:cNvPr id="131" name="Text"/>
-          <p:cNvSpPr txBox="1"/>
-          <p:nvPr/>
-        </p:nvSpPr>
-        <p:spPr>
-          <a:xfrm>
-            <a:off x="2057988" y="2685196"/>
-            <a:ext cx="3330509" cy="961060"/>
-          </a:xfrm>
-          <a:prstGeom prst="rect">
-            <a:avLst/>
-          </a:prstGeom>
-          <a:ln w="12700">
-            <a:miter lim="400000"/>
-          </a:ln>
-          <a:extLst>
-            <a:ext uri="{C572A759-6A51-4108-AA02-DFA0A04FC94B}">
-              <ma14:wrappingTextBoxFlag xmlns:ma14="http://schemas.microsoft.com/office/mac/drawingml/2011/main" val="1"/>
-            </a:ext>
-          </a:extLst>
-        </p:spPr>
-        <p:txBody>
-          <a:bodyPr lIns="50800" tIns="50800" rIns="50800" bIns="50800" anchor="ctr">
-            <a:spAutoFit/>
-          </a:bodyPr>
-          <a:lstStyle>
-            <a:lvl1pPr>
-              <a:defRPr sz="4700"/>
-            </a:lvl1pPr>
-          </a:lstStyle>
-          <a:p>
-            <a:pPr/>
-            <a14:m>
-              <m:oMathPara>
-                <m:oMathParaPr>
-                  <m:jc m:val="center"/>
-                </m:oMathParaPr>
-                <m:oMath>
-                  <m:r>
-                    <a:rPr xmlns:a="http://schemas.openxmlformats.org/drawingml/2006/main" sz="5750" i="1">
-                      <a:solidFill>
-                        <a:srgbClr val="000000"/>
-                      </a:solidFill>
-                      <a:latin typeface="Cambria Math" panose="02040503050406030204" pitchFamily="18" charset="0"/>
-                    </a:rPr>
-                    <m:t>n</m:t>
-                  </m:r>
-                  <m:r>
-                    <a:rPr xmlns:a="http://schemas.openxmlformats.org/drawingml/2006/main" sz="5750" i="1">
-                      <a:solidFill>
-                        <a:srgbClr val="000000"/>
-                      </a:solidFill>
-                      <a:latin typeface="Cambria Math" panose="02040503050406030204" pitchFamily="18" charset="0"/>
-                    </a:rPr>
-                    <m:t>=</m:t>
-                  </m:r>
-                  <m:r>
-                    <a:rPr xmlns:a="http://schemas.openxmlformats.org/drawingml/2006/main" sz="5750" i="1">
-                      <a:solidFill>
-                        <a:srgbClr val="000000"/>
-                      </a:solidFill>
-                      <a:latin typeface="Cambria Math" panose="02040503050406030204" pitchFamily="18" charset="0"/>
-                    </a:rPr>
-                    <m:t>726</m:t>
-                  </m:r>
-                </m:oMath>
-              </m:oMathPara>
-            </a14:m>
-          </a:p>
-        </p:txBody>
-      </p:sp>
-      <p:sp>
-        <p:nvSpPr>
-          <p:cNvPr id="132" name="Text"/>
-          <p:cNvSpPr txBox="1"/>
-          <p:nvPr/>
-        </p:nvSpPr>
-        <p:spPr>
-          <a:xfrm>
-            <a:off x="2057988" y="3689852"/>
-            <a:ext cx="3330509" cy="961060"/>
-          </a:xfrm>
-          <a:prstGeom prst="rect">
-            <a:avLst/>
-          </a:prstGeom>
-          <a:ln w="12700">
-            <a:miter lim="400000"/>
-          </a:ln>
-          <a:extLst>
-            <a:ext uri="{C572A759-6A51-4108-AA02-DFA0A04FC94B}">
-              <ma14:wrappingTextBoxFlag xmlns:ma14="http://schemas.microsoft.com/office/mac/drawingml/2011/main" val="1"/>
-            </a:ext>
-          </a:extLst>
-        </p:spPr>
-        <p:txBody>
-          <a:bodyPr lIns="50800" tIns="50800" rIns="50800" bIns="50800" anchor="ctr">
-            <a:spAutoFit/>
-          </a:bodyPr>
-          <a:lstStyle>
-            <a:lvl1pPr>
-              <a:defRPr sz="4700"/>
-            </a:lvl1pPr>
-          </a:lstStyle>
-          <a:p>
-            <a:pPr/>
-            <a14:m>
-              <m:oMathPara>
-                <m:oMathParaPr>
-                  <m:jc m:val="center"/>
-                </m:oMathParaPr>
-                <m:oMath>
-                  <m:r>
-                    <a:rPr xmlns:a="http://schemas.openxmlformats.org/drawingml/2006/main" sz="5850" i="1">
-                      <a:solidFill>
-                        <a:srgbClr val="000000"/>
-                      </a:solidFill>
-                      <a:latin typeface="Cambria Math" panose="02040503050406030204" pitchFamily="18" charset="0"/>
-                    </a:rPr>
-                    <m:t>m</m:t>
-                  </m:r>
-                  <m:r>
-                    <a:rPr xmlns:a="http://schemas.openxmlformats.org/drawingml/2006/main" sz="5850" i="1">
-                      <a:solidFill>
-                        <a:srgbClr val="000000"/>
-                      </a:solidFill>
-                      <a:latin typeface="Cambria Math" panose="02040503050406030204" pitchFamily="18" charset="0"/>
-                    </a:rPr>
-                    <m:t>=</m:t>
-                  </m:r>
-                  <m:r>
-                    <a:rPr xmlns:a="http://schemas.openxmlformats.org/drawingml/2006/main" sz="5850" i="1">
-                      <a:solidFill>
-                        <a:srgbClr val="000000"/>
-                      </a:solidFill>
-                      <a:latin typeface="Cambria Math" panose="02040503050406030204" pitchFamily="18" charset="0"/>
-                    </a:rPr>
-                    <m:t>351</m:t>
-                  </m:r>
-                </m:oMath>
-              </m:oMathPara>
-            </a14:m>
-          </a:p>
-        </p:txBody>
-      </p:sp>
+      <mc:AlternateContent xmlns:mc="http://schemas.openxmlformats.org/markup-compatibility/2006">
+        <mc:Choice xmlns:a14="http://schemas.microsoft.com/office/drawing/2010/main" Requires="a14">
+          <p:sp>
+            <p:nvSpPr>
+              <p:cNvPr id="131" name="Text"/>
+              <p:cNvSpPr txBox="1"/>
+              <p:nvPr/>
+            </p:nvSpPr>
+            <p:spPr>
+              <a:xfrm>
+                <a:off x="2057988" y="2685196"/>
+                <a:ext cx="3330509" cy="961060"/>
+              </a:xfrm>
+              <a:prstGeom prst="rect">
+                <a:avLst/>
+              </a:prstGeom>
+              <a:ln w="12700">
+                <a:miter lim="400000"/>
+              </a:ln>
+              <a:extLst>
+                <a:ext uri="{C572A759-6A51-4108-AA02-DFA0A04FC94B}">
+                  <ma14:wrappingTextBoxFlag xmlns:ma14="http://schemas.microsoft.com/office/mac/drawingml/2011/main" xmlns:m="http://schemas.openxmlformats.org/officeDocument/2006/math" xmlns="" val="1"/>
+                </a:ext>
+              </a:extLst>
+            </p:spPr>
+            <p:txBody>
+              <a:bodyPr lIns="50800" tIns="50800" rIns="50800" bIns="50800" anchor="ctr">
+                <a:spAutoFit/>
+              </a:bodyPr>
+              <a:lstStyle>
+                <a:lvl1pPr>
+                  <a:defRPr sz="4700"/>
+                </a:lvl1pPr>
+              </a:lstStyle>
+              <a:p>
+                <a:pPr/>
+                <a14:m>
+                  <m:oMathPara xmlns:m="http://schemas.openxmlformats.org/officeDocument/2006/math">
+                    <m:oMathParaPr>
+                      <m:jc m:val="center"/>
+                    </m:oMathParaPr>
+                    <m:oMath xmlns:m="http://schemas.openxmlformats.org/officeDocument/2006/math">
+                      <m:r>
+                        <a:rPr sz="5750" i="1">
+                          <a:solidFill>
+                            <a:srgbClr val="000000"/>
+                          </a:solidFill>
+                          <a:latin typeface="Cambria Math" panose="02040503050406030204" pitchFamily="18" charset="0"/>
+                        </a:rPr>
+                        <m:t>𝑛</m:t>
+                      </m:r>
+                      <m:r>
+                        <a:rPr sz="5750" i="1">
+                          <a:solidFill>
+                            <a:srgbClr val="000000"/>
+                          </a:solidFill>
+                          <a:latin typeface="Cambria Math" panose="02040503050406030204" pitchFamily="18" charset="0"/>
+                        </a:rPr>
+                        <m:t>=726</m:t>
+                      </m:r>
+                    </m:oMath>
+                  </m:oMathPara>
+                </a14:m>
+                <a:endParaRPr/>
+              </a:p>
+            </p:txBody>
+          </p:sp>
+        </mc:Choice>
+        <mc:Fallback>
+          <p:sp>
+            <p:nvSpPr>
+              <p:cNvPr id="131" name="Text"/>
+              <p:cNvSpPr txBox="1">
+                <a:spLocks noRot="1" noChangeAspect="1" noMove="1" noResize="1" noEditPoints="1" noAdjustHandles="1" noChangeArrowheads="1" noChangeShapeType="1" noTextEdit="1"/>
+              </p:cNvSpPr>
+              <p:nvPr/>
+            </p:nvSpPr>
+            <p:spPr>
+              <a:xfrm>
+                <a:off x="2057988" y="2685196"/>
+                <a:ext cx="3330509" cy="961060"/>
+              </a:xfrm>
+              <a:prstGeom prst="rect">
+                <a:avLst/>
+              </a:prstGeom>
+              <a:blipFill>
+                <a:blip r:embed="rId3"/>
+                <a:stretch>
+                  <a:fillRect/>
+                </a:stretch>
+              </a:blipFill>
+              <a:ln w="12700">
+                <a:miter lim="400000"/>
+              </a:ln>
+              <a:extLst>
+                <a:ext uri="{C572A759-6A51-4108-AA02-DFA0A04FC94B}">
+                  <ma14:wrappingTextBoxFlag xmlns:ma14="http://schemas.microsoft.com/office/mac/drawingml/2011/main" xmlns:a14="http://schemas.microsoft.com/office/drawing/2010/main" xmlns:m="http://schemas.openxmlformats.org/officeDocument/2006/math" xmlns="" val="1"/>
+                </a:ext>
+              </a:extLst>
+            </p:spPr>
+            <p:txBody>
+              <a:bodyPr/>
+              <a:lstStyle/>
+              <a:p>
+                <a:r>
+                  <a:rPr lang="es-MX">
+                    <a:noFill/>
+                  </a:rPr>
+                  <a:t> </a:t>
+                </a:r>
+              </a:p>
+            </p:txBody>
+          </p:sp>
+        </mc:Fallback>
+      </mc:AlternateContent>
+      <mc:AlternateContent xmlns:mc="http://schemas.openxmlformats.org/markup-compatibility/2006">
+        <mc:Choice xmlns:a14="http://schemas.microsoft.com/office/drawing/2010/main" Requires="a14">
+          <p:sp>
+            <p:nvSpPr>
+              <p:cNvPr id="132" name="Text"/>
+              <p:cNvSpPr txBox="1"/>
+              <p:nvPr/>
+            </p:nvSpPr>
+            <p:spPr>
+              <a:xfrm>
+                <a:off x="2057988" y="3689852"/>
+                <a:ext cx="3330509" cy="961060"/>
+              </a:xfrm>
+              <a:prstGeom prst="rect">
+                <a:avLst/>
+              </a:prstGeom>
+              <a:ln w="12700">
+                <a:miter lim="400000"/>
+              </a:ln>
+              <a:extLst>
+                <a:ext uri="{C572A759-6A51-4108-AA02-DFA0A04FC94B}">
+                  <ma14:wrappingTextBoxFlag xmlns:ma14="http://schemas.microsoft.com/office/mac/drawingml/2011/main" xmlns:m="http://schemas.openxmlformats.org/officeDocument/2006/math" xmlns="" val="1"/>
+                </a:ext>
+              </a:extLst>
+            </p:spPr>
+            <p:txBody>
+              <a:bodyPr lIns="50800" tIns="50800" rIns="50800" bIns="50800" anchor="ctr">
+                <a:spAutoFit/>
+              </a:bodyPr>
+              <a:lstStyle>
+                <a:lvl1pPr>
+                  <a:defRPr sz="4700"/>
+                </a:lvl1pPr>
+              </a:lstStyle>
+              <a:p>
+                <a:pPr/>
+                <a14:m>
+                  <m:oMathPara xmlns:m="http://schemas.openxmlformats.org/officeDocument/2006/math">
+                    <m:oMathParaPr>
+                      <m:jc m:val="center"/>
+                    </m:oMathParaPr>
+                    <m:oMath xmlns:m="http://schemas.openxmlformats.org/officeDocument/2006/math">
+                      <m:r>
+                        <a:rPr sz="5850" i="1">
+                          <a:solidFill>
+                            <a:srgbClr val="000000"/>
+                          </a:solidFill>
+                          <a:latin typeface="Cambria Math" panose="02040503050406030204" pitchFamily="18" charset="0"/>
+                        </a:rPr>
+                        <m:t>𝑚</m:t>
+                      </m:r>
+                      <m:r>
+                        <a:rPr sz="5850" i="1">
+                          <a:solidFill>
+                            <a:srgbClr val="000000"/>
+                          </a:solidFill>
+                          <a:latin typeface="Cambria Math" panose="02040503050406030204" pitchFamily="18" charset="0"/>
+                        </a:rPr>
+                        <m:t>=351</m:t>
+                      </m:r>
+                    </m:oMath>
+                  </m:oMathPara>
+                </a14:m>
+                <a:endParaRPr/>
+              </a:p>
+            </p:txBody>
+          </p:sp>
+        </mc:Choice>
+        <mc:Fallback>
+          <p:sp>
+            <p:nvSpPr>
+              <p:cNvPr id="132" name="Text"/>
+              <p:cNvSpPr txBox="1">
+                <a:spLocks noRot="1" noChangeAspect="1" noMove="1" noResize="1" noEditPoints="1" noAdjustHandles="1" noChangeArrowheads="1" noChangeShapeType="1" noTextEdit="1"/>
+              </p:cNvSpPr>
+              <p:nvPr/>
+            </p:nvSpPr>
+            <p:spPr>
+              <a:xfrm>
+                <a:off x="2057988" y="3689852"/>
+                <a:ext cx="3330509" cy="961060"/>
+              </a:xfrm>
+              <a:prstGeom prst="rect">
+                <a:avLst/>
+              </a:prstGeom>
+              <a:blipFill>
+                <a:blip r:embed="rId4"/>
+                <a:stretch>
+                  <a:fillRect/>
+                </a:stretch>
+              </a:blipFill>
+              <a:ln w="12700">
+                <a:miter lim="400000"/>
+              </a:ln>
+              <a:extLst>
+                <a:ext uri="{C572A759-6A51-4108-AA02-DFA0A04FC94B}">
+                  <ma14:wrappingTextBoxFlag xmlns:ma14="http://schemas.microsoft.com/office/mac/drawingml/2011/main" xmlns:a14="http://schemas.microsoft.com/office/drawing/2010/main" xmlns:m="http://schemas.openxmlformats.org/officeDocument/2006/math" xmlns="" val="1"/>
+                </a:ext>
+              </a:extLst>
+            </p:spPr>
+            <p:txBody>
+              <a:bodyPr/>
+              <a:lstStyle/>
+              <a:p>
+                <a:r>
+                  <a:rPr lang="es-MX">
+                    <a:noFill/>
+                  </a:rPr>
+                  <a:t> </a:t>
+                </a:r>
+              </a:p>
+            </p:txBody>
+          </p:sp>
+        </mc:Fallback>
+      </mc:AlternateContent>
     </p:spTree>
   </p:cSld>
   <p:clrMapOvr>
     <a:masterClrMapping/>
   </p:clrMapOvr>
-  <p:transition xmlns:p14="http://schemas.microsoft.com/office/powerpoint/2010/main" spd="med" advClick="1"/>
+  <p:transition spd="med"/>
 </p:sld>
 </file>
 
 <file path=ppt/slides/slide4.xml><?xml version="1.0" encoding="utf-8"?>
-<p:sld xmlns:a="http://schemas.openxmlformats.org/drawingml/2006/main" xmlns:r="http://schemas.openxmlformats.org/officeDocument/2006/relationships" xmlns:p="http://schemas.openxmlformats.org/presentationml/2006/main" xmlns:m="http://schemas.openxmlformats.org/officeDocument/2006/math" xmlns:a14="http://schemas.microsoft.com/office/drawing/2010/main" showMasterSp="1" showMasterPhAnim="1">
+<p:sld xmlns:a="http://schemas.openxmlformats.org/drawingml/2006/main" xmlns:r="http://schemas.openxmlformats.org/officeDocument/2006/relationships" xmlns:p="http://schemas.openxmlformats.org/presentationml/2006/main">
   <p:cSld>
     <p:spTree>
       <p:nvGrpSpPr>
@@ -5109,9 +5582,9 @@
       </p:grpSpPr>
       <p:pic>
         <p:nvPicPr>
-          <p:cNvPr id="134" name="capri.png" descr="capri.png"/>
+          <p:cNvPr id="134" name="capri.png"/>
           <p:cNvPicPr>
-            <a:picLocks noChangeAspect="1"/>
+            <a:picLocks noGrp="1" noChangeAspect="1"/>
           </p:cNvPicPr>
           <p:nvPr>
             <p:ph type="pic" idx="13"/>
@@ -5119,17 +5592,20 @@
         </p:nvPicPr>
         <p:blipFill>
           <a:blip r:embed="rId2">
-            <a:extLst/>
+            <a:extLst>
+              <a:ext uri="{28A0092B-C50C-407E-A947-70E740481C1C}">
+                <a14:useLocalDpi xmlns:a14="http://schemas.microsoft.com/office/drawing/2010/main" val="0"/>
+              </a:ext>
+            </a:extLst>
           </a:blip>
-          <a:srcRect l="0" t="0" r="0" b="0"/>
           <a:stretch>
             <a:fillRect/>
           </a:stretch>
         </p:blipFill>
         <p:spPr>
           <a:xfrm>
-            <a:off x="13169900" y="4225924"/>
-            <a:ext cx="9525000" cy="7143752"/>
+            <a:off x="13169900" y="4227286"/>
+            <a:ext cx="9525000" cy="7141027"/>
           </a:xfrm>
           <a:prstGeom prst="rect">
             <a:avLst/>
@@ -5139,7 +5615,9 @@
       <p:sp>
         <p:nvSpPr>
           <p:cNvPr id="135" name="CAPRI"/>
-          <p:cNvSpPr txBox="1"/>
+          <p:cNvSpPr txBox="1">
+            <a:spLocks noGrp="1"/>
+          </p:cNvSpPr>
           <p:nvPr>
             <p:ph type="title"/>
           </p:nvPr>
@@ -5153,7 +5631,6 @@
           <a:bodyPr/>
           <a:lstStyle/>
           <a:p>
-            <a:pPr/>
             <a:r>
               <a:t>CAPRI</a:t>
             </a:r>
@@ -5164,25 +5641,67 @@
         <p:nvGraphicFramePr>
           <p:cNvPr id="136" name="Table"/>
           <p:cNvGraphicFramePr/>
-          <p:nvPr/>
+          <p:nvPr>
+            <p:extLst>
+              <p:ext uri="{D42A27DB-BD31-4B8C-83A1-F6EECF244321}">
+                <p14:modId xmlns:p14="http://schemas.microsoft.com/office/powerpoint/2010/main" val="1154191388"/>
+              </p:ext>
+            </p:extLst>
+          </p:nvPr>
         </p:nvGraphicFramePr>
         <p:xfrm>
           <a:off x="1249666" y="5699164"/>
-          <a:ext cx="10676572" cy="4620488"/>
+          <a:ext cx="10743402" cy="4685604"/>
         </p:xfrm>
-        <a:graphic xmlns:a="http://schemas.openxmlformats.org/drawingml/2006/main">
+        <a:graphic>
           <a:graphicData uri="http://schemas.openxmlformats.org/drawingml/2006/table">
             <a:tbl>
-              <a:tblPr firstCol="1" firstRow="1" lastCol="0" lastRow="0" bandCol="0" bandRow="1" rtl="0">
+              <a:tblPr firstRow="1" firstCol="1" bandRow="1">
                 <a:tableStyleId>{4C3C2611-4C71-4FC5-86AE-919BDF0F9419}</a:tableStyleId>
               </a:tblPr>
               <a:tblGrid>
-                <a:gridCol w="1779428"/>
-                <a:gridCol w="1779428"/>
-                <a:gridCol w="1779428"/>
-                <a:gridCol w="1779428"/>
-                <a:gridCol w="1779428"/>
-                <a:gridCol w="1779428"/>
+                <a:gridCol w="1779428">
+                  <a:extLst>
+                    <a:ext uri="{9D8B030D-6E8A-4147-A177-3AD203B41FA5}">
+                      <a16:colId xmlns:a16="http://schemas.microsoft.com/office/drawing/2014/main" val="20000"/>
+                    </a:ext>
+                  </a:extLst>
+                </a:gridCol>
+                <a:gridCol w="1846262">
+                  <a:extLst>
+                    <a:ext uri="{9D8B030D-6E8A-4147-A177-3AD203B41FA5}">
+                      <a16:colId xmlns:a16="http://schemas.microsoft.com/office/drawing/2014/main" val="20001"/>
+                    </a:ext>
+                  </a:extLst>
+                </a:gridCol>
+                <a:gridCol w="1779428">
+                  <a:extLst>
+                    <a:ext uri="{9D8B030D-6E8A-4147-A177-3AD203B41FA5}">
+                      <a16:colId xmlns:a16="http://schemas.microsoft.com/office/drawing/2014/main" val="20002"/>
+                    </a:ext>
+                  </a:extLst>
+                </a:gridCol>
+                <a:gridCol w="1779428">
+                  <a:extLst>
+                    <a:ext uri="{9D8B030D-6E8A-4147-A177-3AD203B41FA5}">
+                      <a16:colId xmlns:a16="http://schemas.microsoft.com/office/drawing/2014/main" val="20003"/>
+                    </a:ext>
+                  </a:extLst>
+                </a:gridCol>
+                <a:gridCol w="1779428">
+                  <a:extLst>
+                    <a:ext uri="{9D8B030D-6E8A-4147-A177-3AD203B41FA5}">
+                      <a16:colId xmlns:a16="http://schemas.microsoft.com/office/drawing/2014/main" val="20004"/>
+                    </a:ext>
+                  </a:extLst>
+                </a:gridCol>
+                <a:gridCol w="1779428">
+                  <a:extLst>
+                    <a:ext uri="{9D8B030D-6E8A-4147-A177-3AD203B41FA5}">
+                      <a16:colId xmlns:a16="http://schemas.microsoft.com/office/drawing/2014/main" val="20005"/>
+                    </a:ext>
+                  </a:extLst>
+                </a:gridCol>
               </a:tblGrid>
               <a:tr h="770081">
                 <a:tc>
@@ -5195,9 +5714,10 @@
                           <a:sym typeface="Helvetica Neue"/>
                         </a:defRPr>
                       </a:pPr>
-                    </a:p>
-                  </a:txBody>
-                  <a:tcPr marL="50800" marR="50800" marT="50800" marB="50800" anchor="ctr" anchorCtr="0" horzOverflow="overflow">
+                      <a:endParaRPr/>
+                    </a:p>
+                  </a:txBody>
+                  <a:tcPr marL="50800" marR="50800" marT="50800" marB="50800" anchor="ctr" horzOverflow="overflow">
                     <a:solidFill>
                       <a:schemeClr val="accent6"/>
                     </a:solidFill>
@@ -5209,14 +5729,14 @@
                     <a:lstStyle/>
                     <a:p>
                       <a:pPr defTabSz="914400">
-                        <a:defRPr b="0" sz="1800">
+                        <a:defRPr sz="1800" b="0">
                           <a:solidFill>
                             <a:srgbClr val="000000"/>
                           </a:solidFill>
                         </a:defRPr>
                       </a:pPr>
                       <a:r>
-                        <a:rPr b="1" sz="1900">
+                        <a:rPr sz="1900" b="1">
                           <a:solidFill>
                             <a:srgbClr val="FFFFFF"/>
                           </a:solidFill>
@@ -5226,7 +5746,7 @@
                       </a:r>
                     </a:p>
                   </a:txBody>
-                  <a:tcPr marL="50800" marR="50800" marT="50800" marB="50800" anchor="ctr" anchorCtr="0" horzOverflow="overflow">
+                  <a:tcPr marL="50800" marR="50800" marT="50800" marB="50800" anchor="ctr" horzOverflow="overflow">
                     <a:solidFill>
                       <a:schemeClr val="accent6"/>
                     </a:solidFill>
@@ -5238,14 +5758,14 @@
                     <a:lstStyle/>
                     <a:p>
                       <a:pPr defTabSz="914400">
-                        <a:defRPr b="0" sz="1800">
+                        <a:defRPr sz="1800" b="0">
                           <a:solidFill>
                             <a:srgbClr val="000000"/>
                           </a:solidFill>
                         </a:defRPr>
                       </a:pPr>
                       <a:r>
-                        <a:rPr b="1" sz="2300">
+                        <a:rPr sz="2300" b="1">
                           <a:solidFill>
                             <a:srgbClr val="FFFFFF"/>
                           </a:solidFill>
@@ -5255,7 +5775,7 @@
                       </a:r>
                     </a:p>
                   </a:txBody>
-                  <a:tcPr marL="50800" marR="50800" marT="50800" marB="50800" anchor="ctr" anchorCtr="0" horzOverflow="overflow">
+                  <a:tcPr marL="50800" marR="50800" marT="50800" marB="50800" anchor="ctr" horzOverflow="overflow">
                     <a:solidFill>
                       <a:schemeClr val="accent6"/>
                     </a:solidFill>
@@ -5267,14 +5787,14 @@
                     <a:lstStyle/>
                     <a:p>
                       <a:pPr defTabSz="914400">
-                        <a:defRPr b="0" sz="1800">
+                        <a:defRPr sz="1800" b="0">
                           <a:solidFill>
                             <a:srgbClr val="000000"/>
                           </a:solidFill>
                         </a:defRPr>
                       </a:pPr>
                       <a:r>
-                        <a:rPr b="1" sz="1600">
+                        <a:rPr sz="1600" b="1">
                           <a:solidFill>
                             <a:srgbClr val="FFFFFF"/>
                           </a:solidFill>
@@ -5284,7 +5804,7 @@
                       </a:r>
                     </a:p>
                   </a:txBody>
-                  <a:tcPr marL="50800" marR="50800" marT="50800" marB="50800" anchor="ctr" anchorCtr="0" horzOverflow="overflow">
+                  <a:tcPr marL="50800" marR="50800" marT="50800" marB="50800" anchor="ctr" horzOverflow="overflow">
                     <a:solidFill>
                       <a:schemeClr val="accent6"/>
                     </a:solidFill>
@@ -5296,14 +5816,14 @@
                     <a:lstStyle/>
                     <a:p>
                       <a:pPr defTabSz="914400">
-                        <a:defRPr b="0" sz="1800">
+                        <a:defRPr sz="1800" b="0">
                           <a:solidFill>
                             <a:srgbClr val="000000"/>
                           </a:solidFill>
                         </a:defRPr>
                       </a:pPr>
                       <a:r>
-                        <a:rPr b="1" sz="2100">
+                        <a:rPr sz="2100" b="1">
                           <a:solidFill>
                             <a:srgbClr val="FFFFFF"/>
                           </a:solidFill>
@@ -5313,7 +5833,7 @@
                       </a:r>
                     </a:p>
                   </a:txBody>
-                  <a:tcPr marL="50800" marR="50800" marT="50800" marB="50800" anchor="ctr" anchorCtr="0" horzOverflow="overflow">
+                  <a:tcPr marL="50800" marR="50800" marT="50800" marB="50800" anchor="ctr" horzOverflow="overflow">
                     <a:solidFill>
                       <a:schemeClr val="accent6"/>
                     </a:solidFill>
@@ -5325,14 +5845,14 @@
                     <a:lstStyle/>
                     <a:p>
                       <a:pPr defTabSz="914400">
-                        <a:defRPr b="0" sz="1800">
+                        <a:defRPr sz="1800" b="0">
                           <a:solidFill>
                             <a:srgbClr val="000000"/>
                           </a:solidFill>
                         </a:defRPr>
                       </a:pPr>
                       <a:r>
-                        <a:rPr b="1" sz="2300">
+                        <a:rPr sz="2300" b="1">
                           <a:solidFill>
                             <a:srgbClr val="FFFFFF"/>
                           </a:solidFill>
@@ -5342,12 +5862,17 @@
                       </a:r>
                     </a:p>
                   </a:txBody>
-                  <a:tcPr marL="50800" marR="50800" marT="50800" marB="50800" anchor="ctr" anchorCtr="0" horzOverflow="overflow">
+                  <a:tcPr marL="50800" marR="50800" marT="50800" marB="50800" anchor="ctr" horzOverflow="overflow">
                     <a:solidFill>
                       <a:schemeClr val="accent6"/>
                     </a:solidFill>
                   </a:tcPr>
                 </a:tc>
+                <a:extLst>
+                  <a:ext uri="{0D108BD9-81ED-4DB2-BD59-A6C34878D82A}">
+                    <a16:rowId xmlns:a16="http://schemas.microsoft.com/office/drawing/2014/main" val="10000"/>
+                  </a:ext>
+                </a:extLst>
               </a:tr>
               <a:tr h="770081">
                 <a:tc>
@@ -5356,14 +5881,14 @@
                     <a:lstStyle/>
                     <a:p>
                       <a:pPr defTabSz="914400">
-                        <a:defRPr b="0" sz="1800">
+                        <a:defRPr sz="1800" b="0">
                           <a:solidFill>
                             <a:srgbClr val="000000"/>
                           </a:solidFill>
                         </a:defRPr>
                       </a:pPr>
                       <a:r>
-                        <a:rPr b="1" sz="2300">
+                        <a:rPr sz="2300" b="1">
                           <a:solidFill>
                             <a:srgbClr val="FFFFFF"/>
                           </a:solidFill>
@@ -5373,7 +5898,7 @@
                       </a:r>
                     </a:p>
                   </a:txBody>
-                  <a:tcPr marL="50800" marR="50800" marT="50800" marB="50800" anchor="ctr" anchorCtr="0" horzOverflow="overflow">
+                  <a:tcPr marL="50800" marR="50800" marT="50800" marB="50800" anchor="ctr" horzOverflow="overflow">
                     <a:solidFill>
                       <a:schemeClr val="accent6">
                         <a:satOff val="18029"/>
@@ -5398,7 +5923,7 @@
                       </a:r>
                     </a:p>
                   </a:txBody>
-                  <a:tcPr marL="50800" marR="50800" marT="50800" marB="50800" anchor="ctr" anchorCtr="0" horzOverflow="overflow"/>
+                  <a:tcPr marL="50800" marR="50800" marT="50800" marB="50800" anchor="ctr" horzOverflow="overflow"/>
                 </a:tc>
                 <a:tc>
                   <a:txBody>
@@ -5416,7 +5941,7 @@
                       </a:r>
                     </a:p>
                   </a:txBody>
-                  <a:tcPr marL="50800" marR="50800" marT="50800" marB="50800" anchor="ctr" anchorCtr="0" horzOverflow="overflow"/>
+                  <a:tcPr marL="50800" marR="50800" marT="50800" marB="50800" anchor="ctr" horzOverflow="overflow"/>
                 </a:tc>
                 <a:tc>
                   <a:txBody>
@@ -5434,7 +5959,7 @@
                       </a:r>
                     </a:p>
                   </a:txBody>
-                  <a:tcPr marL="50800" marR="50800" marT="50800" marB="50800" anchor="ctr" anchorCtr="0" horzOverflow="overflow"/>
+                  <a:tcPr marL="50800" marR="50800" marT="50800" marB="50800" anchor="ctr" horzOverflow="overflow"/>
                 </a:tc>
                 <a:tc>
                   <a:txBody>
@@ -5452,26 +5977,34 @@
                       </a:r>
                     </a:p>
                   </a:txBody>
-                  <a:tcPr marL="50800" marR="50800" marT="50800" marB="50800" anchor="ctr" anchorCtr="0" horzOverflow="overflow"/>
-                </a:tc>
-                <a:tc>
-                  <a:txBody>
-                    <a:bodyPr/>
-                    <a:lstStyle/>
-                    <a:p>
-                      <a:pPr defTabSz="914400">
-                        <a:defRPr sz="1800"/>
-                      </a:pPr>
-                      <a:r>
-                        <a:rPr sz="2300">
-                          <a:sym typeface="Helvetica Neue"/>
-                        </a:rPr>
-                        <a:t>150</a:t>
-                      </a:r>
-                    </a:p>
-                  </a:txBody>
-                  <a:tcPr marL="50800" marR="50800" marT="50800" marB="50800" anchor="ctr" anchorCtr="0" horzOverflow="overflow"/>
-                </a:tc>
+                  <a:tcPr marL="50800" marR="50800" marT="50800" marB="50800" anchor="ctr" horzOverflow="overflow"/>
+                </a:tc>
+                <a:tc>
+                  <a:txBody>
+                    <a:bodyPr/>
+                    <a:lstStyle/>
+                    <a:p>
+                      <a:pPr defTabSz="914400">
+                        <a:defRPr sz="1800"/>
+                      </a:pPr>
+                      <a:r>
+                        <a:rPr lang="es-MX" sz="2300" dirty="0" smtClean="0">
+                          <a:sym typeface="Helvetica Neue"/>
+                        </a:rPr>
+                        <a:t>41</a:t>
+                      </a:r>
+                      <a:endParaRPr sz="2300" dirty="0">
+                        <a:sym typeface="Helvetica Neue"/>
+                      </a:endParaRPr>
+                    </a:p>
+                  </a:txBody>
+                  <a:tcPr marL="50800" marR="50800" marT="50800" marB="50800" anchor="ctr" horzOverflow="overflow"/>
+                </a:tc>
+                <a:extLst>
+                  <a:ext uri="{0D108BD9-81ED-4DB2-BD59-A6C34878D82A}">
+                    <a16:rowId xmlns:a16="http://schemas.microsoft.com/office/drawing/2014/main" val="10001"/>
+                  </a:ext>
+                </a:extLst>
               </a:tr>
               <a:tr h="770081">
                 <a:tc>
@@ -5480,14 +6013,14 @@
                     <a:lstStyle/>
                     <a:p>
                       <a:pPr defTabSz="914400">
-                        <a:defRPr b="0" sz="1800">
+                        <a:defRPr sz="1800" b="0">
                           <a:solidFill>
                             <a:srgbClr val="000000"/>
                           </a:solidFill>
                         </a:defRPr>
                       </a:pPr>
                       <a:r>
-                        <a:rPr b="1" sz="2300">
+                        <a:rPr sz="2300" b="1">
                           <a:solidFill>
                             <a:srgbClr val="FFFFFF"/>
                           </a:solidFill>
@@ -5497,7 +6030,7 @@
                       </a:r>
                     </a:p>
                   </a:txBody>
-                  <a:tcPr marL="50800" marR="50800" marT="50800" marB="50800" anchor="ctr" anchorCtr="0" horzOverflow="overflow">
+                  <a:tcPr marL="50800" marR="50800" marT="50800" marB="50800" anchor="ctr" horzOverflow="overflow">
                     <a:solidFill>
                       <a:schemeClr val="accent6">
                         <a:satOff val="18029"/>
@@ -5522,7 +6055,7 @@
                       </a:r>
                     </a:p>
                   </a:txBody>
-                  <a:tcPr marL="50800" marR="50800" marT="50800" marB="50800" anchor="ctr" anchorCtr="0" horzOverflow="overflow"/>
+                  <a:tcPr marL="50800" marR="50800" marT="50800" marB="50800" anchor="ctr" horzOverflow="overflow"/>
                 </a:tc>
                 <a:tc>
                   <a:txBody>
@@ -5540,7 +6073,7 @@
                       </a:r>
                     </a:p>
                   </a:txBody>
-                  <a:tcPr marL="50800" marR="50800" marT="50800" marB="50800" anchor="ctr" anchorCtr="0" horzOverflow="overflow"/>
+                  <a:tcPr marL="50800" marR="50800" marT="50800" marB="50800" anchor="ctr" horzOverflow="overflow"/>
                 </a:tc>
                 <a:tc>
                   <a:txBody>
@@ -5558,7 +6091,7 @@
                       </a:r>
                     </a:p>
                   </a:txBody>
-                  <a:tcPr marL="50800" marR="50800" marT="50800" marB="50800" anchor="ctr" anchorCtr="0" horzOverflow="overflow"/>
+                  <a:tcPr marL="50800" marR="50800" marT="50800" marB="50800" anchor="ctr" horzOverflow="overflow"/>
                 </a:tc>
                 <a:tc>
                   <a:txBody>
@@ -5576,7 +6109,7 @@
                       </a:r>
                     </a:p>
                   </a:txBody>
-                  <a:tcPr marL="50800" marR="50800" marT="50800" marB="50800" anchor="ctr" anchorCtr="0" horzOverflow="overflow"/>
+                  <a:tcPr marL="50800" marR="50800" marT="50800" marB="50800" anchor="ctr" horzOverflow="overflow"/>
                 </a:tc>
                 <a:tc>
                   <a:txBody>
@@ -5594,8 +6127,13 @@
                       </a:r>
                     </a:p>
                   </a:txBody>
-                  <a:tcPr marL="50800" marR="50800" marT="50800" marB="50800" anchor="ctr" anchorCtr="0" horzOverflow="overflow"/>
-                </a:tc>
+                  <a:tcPr marL="50800" marR="50800" marT="50800" marB="50800" anchor="ctr" horzOverflow="overflow"/>
+                </a:tc>
+                <a:extLst>
+                  <a:ext uri="{0D108BD9-81ED-4DB2-BD59-A6C34878D82A}">
+                    <a16:rowId xmlns:a16="http://schemas.microsoft.com/office/drawing/2014/main" val="10002"/>
+                  </a:ext>
+                </a:extLst>
               </a:tr>
               <a:tr h="770081">
                 <a:tc>
@@ -5604,14 +6142,14 @@
                     <a:lstStyle/>
                     <a:p>
                       <a:pPr defTabSz="914400">
-                        <a:defRPr b="0" sz="1800">
+                        <a:defRPr sz="1800" b="0">
                           <a:solidFill>
                             <a:srgbClr val="000000"/>
                           </a:solidFill>
                         </a:defRPr>
                       </a:pPr>
                       <a:r>
-                        <a:rPr b="1" sz="2300">
+                        <a:rPr sz="2300" b="1">
                           <a:solidFill>
                             <a:srgbClr val="FFFFFF"/>
                           </a:solidFill>
@@ -5621,7 +6159,7 @@
                       </a:r>
                     </a:p>
                   </a:txBody>
-                  <a:tcPr marL="50800" marR="50800" marT="50800" marB="50800" anchor="ctr" anchorCtr="0" horzOverflow="overflow">
+                  <a:tcPr marL="50800" marR="50800" marT="50800" marB="50800" anchor="ctr" horzOverflow="overflow">
                     <a:solidFill>
                       <a:schemeClr val="accent6">
                         <a:satOff val="18029"/>
@@ -5646,7 +6184,7 @@
                       </a:r>
                     </a:p>
                   </a:txBody>
-                  <a:tcPr marL="50800" marR="50800" marT="50800" marB="50800" anchor="ctr" anchorCtr="0" horzOverflow="overflow"/>
+                  <a:tcPr marL="50800" marR="50800" marT="50800" marB="50800" anchor="ctr" horzOverflow="overflow"/>
                 </a:tc>
                 <a:tc>
                   <a:txBody>
@@ -5664,7 +6202,7 @@
                       </a:r>
                     </a:p>
                   </a:txBody>
-                  <a:tcPr marL="50800" marR="50800" marT="50800" marB="50800" anchor="ctr" anchorCtr="0" horzOverflow="overflow"/>
+                  <a:tcPr marL="50800" marR="50800" marT="50800" marB="50800" anchor="ctr" horzOverflow="overflow"/>
                 </a:tc>
                 <a:tc>
                   <a:txBody>
@@ -5682,7 +6220,7 @@
                       </a:r>
                     </a:p>
                   </a:txBody>
-                  <a:tcPr marL="50800" marR="50800" marT="50800" marB="50800" anchor="ctr" anchorCtr="0" horzOverflow="overflow"/>
+                  <a:tcPr marL="50800" marR="50800" marT="50800" marB="50800" anchor="ctr" horzOverflow="overflow"/>
                 </a:tc>
                 <a:tc>
                   <a:txBody>
@@ -5700,7 +6238,7 @@
                       </a:r>
                     </a:p>
                   </a:txBody>
-                  <a:tcPr marL="50800" marR="50800" marT="50800" marB="50800" anchor="ctr" anchorCtr="0" horzOverflow="overflow"/>
+                  <a:tcPr marL="50800" marR="50800" marT="50800" marB="50800" anchor="ctr" horzOverflow="overflow"/>
                 </a:tc>
                 <a:tc>
                   <a:txBody>
@@ -5718,8 +6256,13 @@
                       </a:r>
                     </a:p>
                   </a:txBody>
-                  <a:tcPr marL="50800" marR="50800" marT="50800" marB="50800" anchor="ctr" anchorCtr="0" horzOverflow="overflow"/>
-                </a:tc>
+                  <a:tcPr marL="50800" marR="50800" marT="50800" marB="50800" anchor="ctr" horzOverflow="overflow"/>
+                </a:tc>
+                <a:extLst>
+                  <a:ext uri="{0D108BD9-81ED-4DB2-BD59-A6C34878D82A}">
+                    <a16:rowId xmlns:a16="http://schemas.microsoft.com/office/drawing/2014/main" val="10003"/>
+                  </a:ext>
+                </a:extLst>
               </a:tr>
               <a:tr h="770081">
                 <a:tc>
@@ -5728,14 +6271,14 @@
                     <a:lstStyle/>
                     <a:p>
                       <a:pPr defTabSz="914400">
-                        <a:defRPr b="0" sz="1800">
+                        <a:defRPr sz="1800" b="0">
                           <a:solidFill>
                             <a:srgbClr val="000000"/>
                           </a:solidFill>
                         </a:defRPr>
                       </a:pPr>
                       <a:r>
-                        <a:rPr b="1" sz="2300">
+                        <a:rPr sz="2300" b="1">
                           <a:solidFill>
                             <a:srgbClr val="FFFFFF"/>
                           </a:solidFill>
@@ -5745,7 +6288,7 @@
                       </a:r>
                     </a:p>
                   </a:txBody>
-                  <a:tcPr marL="50800" marR="50800" marT="50800" marB="50800" anchor="ctr" anchorCtr="0" horzOverflow="overflow">
+                  <a:tcPr marL="50800" marR="50800" marT="50800" marB="50800" anchor="ctr" horzOverflow="overflow">
                     <a:solidFill>
                       <a:schemeClr val="accent6">
                         <a:satOff val="18029"/>
@@ -5770,7 +6313,7 @@
                       </a:r>
                     </a:p>
                   </a:txBody>
-                  <a:tcPr marL="50800" marR="50800" marT="50800" marB="50800" anchor="ctr" anchorCtr="0" horzOverflow="overflow"/>
+                  <a:tcPr marL="50800" marR="50800" marT="50800" marB="50800" anchor="ctr" horzOverflow="overflow"/>
                 </a:tc>
                 <a:tc>
                   <a:txBody>
@@ -5788,7 +6331,7 @@
                       </a:r>
                     </a:p>
                   </a:txBody>
-                  <a:tcPr marL="50800" marR="50800" marT="50800" marB="50800" anchor="ctr" anchorCtr="0" horzOverflow="overflow"/>
+                  <a:tcPr marL="50800" marR="50800" marT="50800" marB="50800" anchor="ctr" horzOverflow="overflow"/>
                 </a:tc>
                 <a:tc>
                   <a:txBody>
@@ -5806,7 +6349,7 @@
                       </a:r>
                     </a:p>
                   </a:txBody>
-                  <a:tcPr marL="50800" marR="50800" marT="50800" marB="50800" anchor="ctr" anchorCtr="0" horzOverflow="overflow"/>
+                  <a:tcPr marL="50800" marR="50800" marT="50800" marB="50800" anchor="ctr" horzOverflow="overflow"/>
                 </a:tc>
                 <a:tc>
                   <a:txBody>
@@ -5824,7 +6367,7 @@
                       </a:r>
                     </a:p>
                   </a:txBody>
-                  <a:tcPr marL="50800" marR="50800" marT="50800" marB="50800" anchor="ctr" anchorCtr="0" horzOverflow="overflow"/>
+                  <a:tcPr marL="50800" marR="50800" marT="50800" marB="50800" anchor="ctr" horzOverflow="overflow"/>
                 </a:tc>
                 <a:tc>
                   <a:txBody>
@@ -5842,8 +6385,13 @@
                       </a:r>
                     </a:p>
                   </a:txBody>
-                  <a:tcPr marL="50800" marR="50800" marT="50800" marB="50800" anchor="ctr" anchorCtr="0" horzOverflow="overflow"/>
-                </a:tc>
+                  <a:tcPr marL="50800" marR="50800" marT="50800" marB="50800" anchor="ctr" horzOverflow="overflow"/>
+                </a:tc>
+                <a:extLst>
+                  <a:ext uri="{0D108BD9-81ED-4DB2-BD59-A6C34878D82A}">
+                    <a16:rowId xmlns:a16="http://schemas.microsoft.com/office/drawing/2014/main" val="10004"/>
+                  </a:ext>
+                </a:extLst>
               </a:tr>
               <a:tr h="770081">
                 <a:tc>
@@ -5852,14 +6400,14 @@
                     <a:lstStyle/>
                     <a:p>
                       <a:pPr defTabSz="914400">
-                        <a:defRPr b="0" sz="1800">
+                        <a:defRPr sz="1800" b="0">
                           <a:solidFill>
                             <a:srgbClr val="000000"/>
                           </a:solidFill>
                         </a:defRPr>
                       </a:pPr>
                       <a:r>
-                        <a:rPr b="1" sz="1900">
+                        <a:rPr sz="1900" b="1">
                           <a:solidFill>
                             <a:srgbClr val="FFFFFF"/>
                           </a:solidFill>
@@ -5869,7 +6417,7 @@
                       </a:r>
                     </a:p>
                   </a:txBody>
-                  <a:tcPr marL="50800" marR="50800" marT="50800" marB="50800" anchor="ctr" anchorCtr="0" horzOverflow="overflow">
+                  <a:tcPr marL="50800" marR="50800" marT="50800" marB="50800" anchor="ctr" horzOverflow="overflow">
                     <a:solidFill>
                       <a:schemeClr val="accent6">
                         <a:satOff val="18029"/>
@@ -5894,7 +6442,7 @@
                       </a:r>
                     </a:p>
                   </a:txBody>
-                  <a:tcPr marL="50800" marR="50800" marT="50800" marB="50800" anchor="ctr" anchorCtr="0" horzOverflow="overflow"/>
+                  <a:tcPr marL="50800" marR="50800" marT="50800" marB="50800" anchor="ctr" horzOverflow="overflow"/>
                 </a:tc>
                 <a:tc>
                   <a:txBody>
@@ -5912,7 +6460,7 @@
                       </a:r>
                     </a:p>
                   </a:txBody>
-                  <a:tcPr marL="50800" marR="50800" marT="50800" marB="50800" anchor="ctr" anchorCtr="0" horzOverflow="overflow"/>
+                  <a:tcPr marL="50800" marR="50800" marT="50800" marB="50800" anchor="ctr" horzOverflow="overflow"/>
                 </a:tc>
                 <a:tc>
                   <a:txBody>
@@ -5930,7 +6478,7 @@
                       </a:r>
                     </a:p>
                   </a:txBody>
-                  <a:tcPr marL="50800" marR="50800" marT="50800" marB="50800" anchor="ctr" anchorCtr="0" horzOverflow="overflow"/>
+                  <a:tcPr marL="50800" marR="50800" marT="50800" marB="50800" anchor="ctr" horzOverflow="overflow"/>
                 </a:tc>
                 <a:tc>
                   <a:txBody>
@@ -5948,188 +6496,277 @@
                       </a:r>
                     </a:p>
                   </a:txBody>
-                  <a:tcPr marL="50800" marR="50800" marT="50800" marB="50800" anchor="ctr" anchorCtr="0" horzOverflow="overflow"/>
-                </a:tc>
-                <a:tc>
-                  <a:txBody>
-                    <a:bodyPr/>
-                    <a:lstStyle/>
-                    <a:p>
-                      <a:pPr defTabSz="914400">
-                        <a:defRPr sz="1800"/>
-                      </a:pPr>
-                      <a:r>
-                        <a:rPr sz="2300">
+                  <a:tcPr marL="50800" marR="50800" marT="50800" marB="50800" anchor="ctr" horzOverflow="overflow"/>
+                </a:tc>
+                <a:tc>
+                  <a:txBody>
+                    <a:bodyPr/>
+                    <a:lstStyle/>
+                    <a:p>
+                      <a:pPr defTabSz="914400">
+                        <a:defRPr sz="1800"/>
+                      </a:pPr>
+                      <a:r>
+                        <a:rPr sz="2300" dirty="0">
                           <a:sym typeface="Helvetica Neue"/>
                         </a:rPr>
                         <a:t>✅</a:t>
                       </a:r>
                     </a:p>
                   </a:txBody>
-                  <a:tcPr marL="50800" marR="50800" marT="50800" marB="50800" anchor="ctr" anchorCtr="0" horzOverflow="overflow"/>
-                </a:tc>
+                  <a:tcPr marL="50800" marR="50800" marT="50800" marB="50800" anchor="ctr" horzOverflow="overflow"/>
+                </a:tc>
+                <a:extLst>
+                  <a:ext uri="{0D108BD9-81ED-4DB2-BD59-A6C34878D82A}">
+                    <a16:rowId xmlns:a16="http://schemas.microsoft.com/office/drawing/2014/main" val="10005"/>
+                  </a:ext>
+                </a:extLst>
               </a:tr>
             </a:tbl>
           </a:graphicData>
         </a:graphic>
       </p:graphicFrame>
-      <p:sp>
-        <p:nvSpPr>
-          <p:cNvPr id="137" name="Text"/>
-          <p:cNvSpPr txBox="1"/>
-          <p:nvPr/>
-        </p:nvSpPr>
-        <p:spPr>
-          <a:xfrm>
-            <a:off x="2057988" y="2685196"/>
-            <a:ext cx="3330509" cy="961060"/>
-          </a:xfrm>
-          <a:prstGeom prst="rect">
-            <a:avLst/>
-          </a:prstGeom>
-          <a:ln w="12700">
-            <a:miter lim="400000"/>
-          </a:ln>
-          <a:extLst>
-            <a:ext uri="{C572A759-6A51-4108-AA02-DFA0A04FC94B}">
-              <ma14:wrappingTextBoxFlag xmlns:ma14="http://schemas.microsoft.com/office/mac/drawingml/2011/main" val="1"/>
-            </a:ext>
-          </a:extLst>
-        </p:spPr>
-        <p:txBody>
-          <a:bodyPr lIns="50800" tIns="50800" rIns="50800" bIns="50800" anchor="ctr">
-            <a:spAutoFit/>
-          </a:bodyPr>
-          <a:lstStyle>
-            <a:lvl1pPr>
-              <a:defRPr sz="4700"/>
-            </a:lvl1pPr>
-          </a:lstStyle>
-          <a:p>
-            <a:pPr/>
-            <a14:m>
-              <m:oMathPara>
-                <m:oMathParaPr>
-                  <m:jc m:val="center"/>
-                </m:oMathParaPr>
-                <m:oMath>
-                  <m:r>
-                    <a:rPr xmlns:a="http://schemas.openxmlformats.org/drawingml/2006/main" sz="5750" i="1">
-                      <a:solidFill>
-                        <a:srgbClr val="000000"/>
-                      </a:solidFill>
-                      <a:latin typeface="Cambria Math" panose="02040503050406030204" pitchFamily="18" charset="0"/>
-                    </a:rPr>
-                    <m:t>n</m:t>
-                  </m:r>
-                  <m:r>
-                    <a:rPr xmlns:a="http://schemas.openxmlformats.org/drawingml/2006/main" sz="5750" i="1">
-                      <a:solidFill>
-                        <a:srgbClr val="000000"/>
-                      </a:solidFill>
-                      <a:latin typeface="Cambria Math" panose="02040503050406030204" pitchFamily="18" charset="0"/>
-                    </a:rPr>
-                    <m:t>=</m:t>
-                  </m:r>
-                  <m:r>
-                    <a:rPr xmlns:a="http://schemas.openxmlformats.org/drawingml/2006/main" sz="5750" i="1">
-                      <a:solidFill>
-                        <a:srgbClr val="000000"/>
-                      </a:solidFill>
-                      <a:latin typeface="Cambria Math" panose="02040503050406030204" pitchFamily="18" charset="0"/>
-                    </a:rPr>
-                    <m:t>496</m:t>
-                  </m:r>
-                </m:oMath>
-              </m:oMathPara>
-            </a14:m>
-          </a:p>
-        </p:txBody>
-      </p:sp>
-      <p:sp>
-        <p:nvSpPr>
-          <p:cNvPr id="138" name="Text"/>
-          <p:cNvSpPr txBox="1"/>
-          <p:nvPr/>
-        </p:nvSpPr>
-        <p:spPr>
-          <a:xfrm>
-            <a:off x="2057988" y="3689852"/>
-            <a:ext cx="3330509" cy="961060"/>
-          </a:xfrm>
-          <a:prstGeom prst="rect">
-            <a:avLst/>
-          </a:prstGeom>
-          <a:ln w="12700">
-            <a:miter lim="400000"/>
-          </a:ln>
-          <a:extLst>
-            <a:ext uri="{C572A759-6A51-4108-AA02-DFA0A04FC94B}">
-              <ma14:wrappingTextBoxFlag xmlns:ma14="http://schemas.microsoft.com/office/mac/drawingml/2011/main" val="1"/>
-            </a:ext>
-          </a:extLst>
-        </p:spPr>
-        <p:txBody>
-          <a:bodyPr lIns="50800" tIns="50800" rIns="50800" bIns="50800" anchor="ctr">
-            <a:spAutoFit/>
-          </a:bodyPr>
-          <a:lstStyle>
-            <a:lvl1pPr>
-              <a:defRPr sz="4700"/>
-            </a:lvl1pPr>
-          </a:lstStyle>
-          <a:p>
-            <a:pPr/>
-            <a14:m>
-              <m:oMathPara>
-                <m:oMathParaPr>
-                  <m:jc m:val="center"/>
-                </m:oMathParaPr>
-                <m:oMath>
-                  <m:r>
-                    <a:rPr xmlns:a="http://schemas.openxmlformats.org/drawingml/2006/main" sz="5850" i="1">
-                      <a:solidFill>
-                        <a:srgbClr val="000000"/>
-                      </a:solidFill>
-                      <a:latin typeface="Cambria Math" panose="02040503050406030204" pitchFamily="18" charset="0"/>
-                    </a:rPr>
-                    <m:t>m</m:t>
-                  </m:r>
-                  <m:r>
-                    <a:rPr xmlns:a="http://schemas.openxmlformats.org/drawingml/2006/main" sz="5850" i="1">
-                      <a:solidFill>
-                        <a:srgbClr val="000000"/>
-                      </a:solidFill>
-                      <a:latin typeface="Cambria Math" panose="02040503050406030204" pitchFamily="18" charset="0"/>
-                    </a:rPr>
-                    <m:t>=</m:t>
-                  </m:r>
-                  <m:r>
-                    <a:rPr xmlns:a="http://schemas.openxmlformats.org/drawingml/2006/main" sz="5850" i="1">
-                      <a:solidFill>
-                        <a:srgbClr val="000000"/>
-                      </a:solidFill>
-                      <a:latin typeface="Cambria Math" panose="02040503050406030204" pitchFamily="18" charset="0"/>
-                    </a:rPr>
-                    <m:t>271</m:t>
-                  </m:r>
-                </m:oMath>
-              </m:oMathPara>
-            </a14:m>
-          </a:p>
-        </p:txBody>
-      </p:sp>
+      <mc:AlternateContent xmlns:mc="http://schemas.openxmlformats.org/markup-compatibility/2006">
+        <mc:Choice xmlns:a14="http://schemas.microsoft.com/office/drawing/2010/main" Requires="a14">
+          <p:sp>
+            <p:nvSpPr>
+              <p:cNvPr id="137" name="Text"/>
+              <p:cNvSpPr txBox="1"/>
+              <p:nvPr/>
+            </p:nvSpPr>
+            <p:spPr>
+              <a:xfrm>
+                <a:off x="2057988" y="2685196"/>
+                <a:ext cx="3330509" cy="961060"/>
+              </a:xfrm>
+              <a:prstGeom prst="rect">
+                <a:avLst/>
+              </a:prstGeom>
+              <a:ln w="12700">
+                <a:miter lim="400000"/>
+              </a:ln>
+              <a:extLst>
+                <a:ext uri="{C572A759-6A51-4108-AA02-DFA0A04FC94B}">
+                  <ma14:wrappingTextBoxFlag xmlns:ma14="http://schemas.microsoft.com/office/mac/drawingml/2011/main" xmlns:m="http://schemas.openxmlformats.org/officeDocument/2006/math" xmlns="" val="1"/>
+                </a:ext>
+              </a:extLst>
+            </p:spPr>
+            <p:txBody>
+              <a:bodyPr lIns="50800" tIns="50800" rIns="50800" bIns="50800" anchor="ctr">
+                <a:spAutoFit/>
+              </a:bodyPr>
+              <a:lstStyle>
+                <a:lvl1pPr>
+                  <a:defRPr sz="4700"/>
+                </a:lvl1pPr>
+              </a:lstStyle>
+              <a:p>
+                <a:pPr/>
+                <a14:m>
+                  <m:oMathPara xmlns:m="http://schemas.openxmlformats.org/officeDocument/2006/math">
+                    <m:oMathParaPr>
+                      <m:jc m:val="center"/>
+                    </m:oMathParaPr>
+                    <m:oMath xmlns:m="http://schemas.openxmlformats.org/officeDocument/2006/math">
+                      <m:r>
+                        <a:rPr sz="5750" i="1">
+                          <a:solidFill>
+                            <a:srgbClr val="000000"/>
+                          </a:solidFill>
+                          <a:latin typeface="Cambria Math" panose="02040503050406030204" pitchFamily="18" charset="0"/>
+                        </a:rPr>
+                        <m:t>𝑛</m:t>
+                      </m:r>
+                      <m:r>
+                        <a:rPr sz="5750" i="1">
+                          <a:solidFill>
+                            <a:srgbClr val="000000"/>
+                          </a:solidFill>
+                          <a:latin typeface="Cambria Math" panose="02040503050406030204" pitchFamily="18" charset="0"/>
+                        </a:rPr>
+                        <m:t>=496</m:t>
+                      </m:r>
+                    </m:oMath>
+                  </m:oMathPara>
+                </a14:m>
+                <a:endParaRPr/>
+              </a:p>
+            </p:txBody>
+          </p:sp>
+        </mc:Choice>
+        <mc:Fallback>
+          <p:sp>
+            <p:nvSpPr>
+              <p:cNvPr id="137" name="Text"/>
+              <p:cNvSpPr txBox="1">
+                <a:spLocks noRot="1" noChangeAspect="1" noMove="1" noResize="1" noEditPoints="1" noAdjustHandles="1" noChangeArrowheads="1" noChangeShapeType="1" noTextEdit="1"/>
+              </p:cNvSpPr>
+              <p:nvPr/>
+            </p:nvSpPr>
+            <p:spPr>
+              <a:xfrm>
+                <a:off x="2057988" y="2685196"/>
+                <a:ext cx="3330509" cy="961060"/>
+              </a:xfrm>
+              <a:prstGeom prst="rect">
+                <a:avLst/>
+              </a:prstGeom>
+              <a:blipFill>
+                <a:blip r:embed="rId3"/>
+                <a:stretch>
+                  <a:fillRect/>
+                </a:stretch>
+              </a:blipFill>
+              <a:ln w="12700">
+                <a:miter lim="400000"/>
+              </a:ln>
+              <a:extLst>
+                <a:ext uri="{C572A759-6A51-4108-AA02-DFA0A04FC94B}">
+                  <ma14:wrappingTextBoxFlag xmlns:ma14="http://schemas.microsoft.com/office/mac/drawingml/2011/main" xmlns:a14="http://schemas.microsoft.com/office/drawing/2010/main" xmlns:m="http://schemas.openxmlformats.org/officeDocument/2006/math" xmlns="" val="1"/>
+                </a:ext>
+              </a:extLst>
+            </p:spPr>
+            <p:txBody>
+              <a:bodyPr/>
+              <a:lstStyle/>
+              <a:p>
+                <a:r>
+                  <a:rPr lang="es-MX">
+                    <a:noFill/>
+                  </a:rPr>
+                  <a:t> </a:t>
+                </a:r>
+              </a:p>
+            </p:txBody>
+          </p:sp>
+        </mc:Fallback>
+      </mc:AlternateContent>
+      <mc:AlternateContent xmlns:mc="http://schemas.openxmlformats.org/markup-compatibility/2006">
+        <mc:Choice xmlns:a14="http://schemas.microsoft.com/office/drawing/2010/main" Requires="a14">
+          <p:sp>
+            <p:nvSpPr>
+              <p:cNvPr id="138" name="Text"/>
+              <p:cNvSpPr txBox="1"/>
+              <p:nvPr/>
+            </p:nvSpPr>
+            <p:spPr>
+              <a:xfrm>
+                <a:off x="2057988" y="3689852"/>
+                <a:ext cx="3330509" cy="961060"/>
+              </a:xfrm>
+              <a:prstGeom prst="rect">
+                <a:avLst/>
+              </a:prstGeom>
+              <a:ln w="12700">
+                <a:miter lim="400000"/>
+              </a:ln>
+              <a:extLst>
+                <a:ext uri="{C572A759-6A51-4108-AA02-DFA0A04FC94B}">
+                  <ma14:wrappingTextBoxFlag xmlns:ma14="http://schemas.microsoft.com/office/mac/drawingml/2011/main" xmlns:m="http://schemas.openxmlformats.org/officeDocument/2006/math" xmlns="" val="1"/>
+                </a:ext>
+              </a:extLst>
+            </p:spPr>
+            <p:txBody>
+              <a:bodyPr lIns="50800" tIns="50800" rIns="50800" bIns="50800" anchor="ctr">
+                <a:spAutoFit/>
+              </a:bodyPr>
+              <a:lstStyle>
+                <a:lvl1pPr>
+                  <a:defRPr sz="4700"/>
+                </a:lvl1pPr>
+              </a:lstStyle>
+              <a:p>
+                <a:pPr/>
+                <a14:m>
+                  <m:oMathPara xmlns:m="http://schemas.openxmlformats.org/officeDocument/2006/math">
+                    <m:oMathParaPr>
+                      <m:jc m:val="center"/>
+                    </m:oMathParaPr>
+                    <m:oMath xmlns:m="http://schemas.openxmlformats.org/officeDocument/2006/math">
+                      <m:r>
+                        <a:rPr sz="5850" i="1">
+                          <a:solidFill>
+                            <a:srgbClr val="000000"/>
+                          </a:solidFill>
+                          <a:latin typeface="Cambria Math" panose="02040503050406030204" pitchFamily="18" charset="0"/>
+                        </a:rPr>
+                        <m:t>𝑚</m:t>
+                      </m:r>
+                      <m:r>
+                        <a:rPr sz="5850" i="1">
+                          <a:solidFill>
+                            <a:srgbClr val="000000"/>
+                          </a:solidFill>
+                          <a:latin typeface="Cambria Math" panose="02040503050406030204" pitchFamily="18" charset="0"/>
+                        </a:rPr>
+                        <m:t>=271</m:t>
+                      </m:r>
+                    </m:oMath>
+                  </m:oMathPara>
+                </a14:m>
+                <a:endParaRPr/>
+              </a:p>
+            </p:txBody>
+          </p:sp>
+        </mc:Choice>
+        <mc:Fallback>
+          <p:sp>
+            <p:nvSpPr>
+              <p:cNvPr id="138" name="Text"/>
+              <p:cNvSpPr txBox="1">
+                <a:spLocks noRot="1" noChangeAspect="1" noMove="1" noResize="1" noEditPoints="1" noAdjustHandles="1" noChangeArrowheads="1" noChangeShapeType="1" noTextEdit="1"/>
+              </p:cNvSpPr>
+              <p:nvPr/>
+            </p:nvSpPr>
+            <p:spPr>
+              <a:xfrm>
+                <a:off x="2057988" y="3689852"/>
+                <a:ext cx="3330509" cy="961060"/>
+              </a:xfrm>
+              <a:prstGeom prst="rect">
+                <a:avLst/>
+              </a:prstGeom>
+              <a:blipFill>
+                <a:blip r:embed="rId4"/>
+                <a:stretch>
+                  <a:fillRect/>
+                </a:stretch>
+              </a:blipFill>
+              <a:ln w="12700">
+                <a:miter lim="400000"/>
+              </a:ln>
+              <a:extLst>
+                <a:ext uri="{C572A759-6A51-4108-AA02-DFA0A04FC94B}">
+                  <ma14:wrappingTextBoxFlag xmlns:ma14="http://schemas.microsoft.com/office/mac/drawingml/2011/main" xmlns:a14="http://schemas.microsoft.com/office/drawing/2010/main" xmlns:m="http://schemas.openxmlformats.org/officeDocument/2006/math" xmlns="" val="1"/>
+                </a:ext>
+              </a:extLst>
+            </p:spPr>
+            <p:txBody>
+              <a:bodyPr/>
+              <a:lstStyle/>
+              <a:p>
+                <a:r>
+                  <a:rPr lang="es-MX">
+                    <a:noFill/>
+                  </a:rPr>
+                  <a:t> </a:t>
+                </a:r>
+              </a:p>
+            </p:txBody>
+          </p:sp>
+        </mc:Fallback>
+      </mc:AlternateContent>
     </p:spTree>
   </p:cSld>
   <p:clrMapOvr>
     <a:masterClrMapping/>
   </p:clrMapOvr>
-  <p:transition xmlns:p14="http://schemas.microsoft.com/office/powerpoint/2010/main" spd="med" advClick="1"/>
+  <p:transition spd="med"/>
 </p:sld>
 </file>
 
 <file path=ppt/slides/slide5.xml><?xml version="1.0" encoding="utf-8"?>
-<p:sld xmlns:a="http://schemas.openxmlformats.org/drawingml/2006/main" xmlns:r="http://schemas.openxmlformats.org/officeDocument/2006/relationships" xmlns:p="http://schemas.openxmlformats.org/presentationml/2006/main" xmlns:m="http://schemas.openxmlformats.org/officeDocument/2006/math" xmlns:a14="http://schemas.microsoft.com/office/drawing/2010/main" showMasterSp="1" showMasterPhAnim="1">
+<p:sld xmlns:a="http://schemas.openxmlformats.org/drawingml/2006/main" xmlns:r="http://schemas.openxmlformats.org/officeDocument/2006/relationships" xmlns:p="http://schemas.openxmlformats.org/presentationml/2006/main">
   <p:cSld>
     <p:spTree>
       <p:nvGrpSpPr>
@@ -6147,9 +6784,9 @@
       </p:grpSpPr>
       <p:pic>
         <p:nvPicPr>
-          <p:cNvPr id="140" name="grow7.png" descr="grow7.png"/>
+          <p:cNvPr id="140" name="grow7.png"/>
           <p:cNvPicPr>
-            <a:picLocks noChangeAspect="1"/>
+            <a:picLocks noGrp="1" noChangeAspect="1"/>
           </p:cNvPicPr>
           <p:nvPr>
             <p:ph type="pic" idx="13"/>
@@ -6157,17 +6794,20 @@
         </p:nvPicPr>
         <p:blipFill>
           <a:blip r:embed="rId2">
-            <a:extLst/>
+            <a:extLst>
+              <a:ext uri="{28A0092B-C50C-407E-A947-70E740481C1C}">
+                <a14:useLocalDpi xmlns:a14="http://schemas.microsoft.com/office/drawing/2010/main" val="0"/>
+              </a:ext>
+            </a:extLst>
           </a:blip>
-          <a:srcRect l="0" t="0" r="0" b="0"/>
           <a:stretch>
             <a:fillRect/>
           </a:stretch>
         </p:blipFill>
         <p:spPr>
           <a:xfrm>
-            <a:off x="13169900" y="4225925"/>
-            <a:ext cx="9525001" cy="7143751"/>
+            <a:off x="13169900" y="4227286"/>
+            <a:ext cx="9525001" cy="7141028"/>
           </a:xfrm>
           <a:prstGeom prst="rect">
             <a:avLst/>
@@ -6177,7 +6817,9 @@
       <p:sp>
         <p:nvSpPr>
           <p:cNvPr id="141" name="GROW7"/>
-          <p:cNvSpPr txBox="1"/>
+          <p:cNvSpPr txBox="1">
+            <a:spLocks noGrp="1"/>
+          </p:cNvSpPr>
           <p:nvPr>
             <p:ph type="title"/>
           </p:nvPr>
@@ -6191,7 +6833,6 @@
           <a:bodyPr/>
           <a:lstStyle/>
           <a:p>
-            <a:pPr/>
             <a:r>
               <a:t>GROW7</a:t>
             </a:r>
@@ -6202,25 +6843,67 @@
         <p:nvGraphicFramePr>
           <p:cNvPr id="142" name="Table"/>
           <p:cNvGraphicFramePr/>
-          <p:nvPr/>
+          <p:nvPr>
+            <p:extLst>
+              <p:ext uri="{D42A27DB-BD31-4B8C-83A1-F6EECF244321}">
+                <p14:modId xmlns:p14="http://schemas.microsoft.com/office/powerpoint/2010/main" val="4033865096"/>
+              </p:ext>
+            </p:extLst>
+          </p:nvPr>
         </p:nvGraphicFramePr>
         <p:xfrm>
           <a:off x="1249666" y="5699164"/>
-          <a:ext cx="10676572" cy="4620488"/>
+          <a:ext cx="10743402" cy="4685604"/>
         </p:xfrm>
-        <a:graphic xmlns:a="http://schemas.openxmlformats.org/drawingml/2006/main">
+        <a:graphic>
           <a:graphicData uri="http://schemas.openxmlformats.org/drawingml/2006/table">
             <a:tbl>
-              <a:tblPr firstCol="1" firstRow="1" lastCol="0" lastRow="0" bandCol="0" bandRow="1" rtl="0">
+              <a:tblPr firstRow="1" firstCol="1" bandRow="1">
                 <a:tableStyleId>{4C3C2611-4C71-4FC5-86AE-919BDF0F9419}</a:tableStyleId>
               </a:tblPr>
               <a:tblGrid>
-                <a:gridCol w="1779428"/>
-                <a:gridCol w="1779428"/>
-                <a:gridCol w="1779428"/>
-                <a:gridCol w="1779428"/>
-                <a:gridCol w="1779428"/>
-                <a:gridCol w="1779428"/>
+                <a:gridCol w="1779428">
+                  <a:extLst>
+                    <a:ext uri="{9D8B030D-6E8A-4147-A177-3AD203B41FA5}">
+                      <a16:colId xmlns:a16="http://schemas.microsoft.com/office/drawing/2014/main" val="20000"/>
+                    </a:ext>
+                  </a:extLst>
+                </a:gridCol>
+                <a:gridCol w="1846262">
+                  <a:extLst>
+                    <a:ext uri="{9D8B030D-6E8A-4147-A177-3AD203B41FA5}">
+                      <a16:colId xmlns:a16="http://schemas.microsoft.com/office/drawing/2014/main" val="20001"/>
+                    </a:ext>
+                  </a:extLst>
+                </a:gridCol>
+                <a:gridCol w="1779428">
+                  <a:extLst>
+                    <a:ext uri="{9D8B030D-6E8A-4147-A177-3AD203B41FA5}">
+                      <a16:colId xmlns:a16="http://schemas.microsoft.com/office/drawing/2014/main" val="20002"/>
+                    </a:ext>
+                  </a:extLst>
+                </a:gridCol>
+                <a:gridCol w="1779428">
+                  <a:extLst>
+                    <a:ext uri="{9D8B030D-6E8A-4147-A177-3AD203B41FA5}">
+                      <a16:colId xmlns:a16="http://schemas.microsoft.com/office/drawing/2014/main" val="20003"/>
+                    </a:ext>
+                  </a:extLst>
+                </a:gridCol>
+                <a:gridCol w="1779428">
+                  <a:extLst>
+                    <a:ext uri="{9D8B030D-6E8A-4147-A177-3AD203B41FA5}">
+                      <a16:colId xmlns:a16="http://schemas.microsoft.com/office/drawing/2014/main" val="20004"/>
+                    </a:ext>
+                  </a:extLst>
+                </a:gridCol>
+                <a:gridCol w="1779428">
+                  <a:extLst>
+                    <a:ext uri="{9D8B030D-6E8A-4147-A177-3AD203B41FA5}">
+                      <a16:colId xmlns:a16="http://schemas.microsoft.com/office/drawing/2014/main" val="20005"/>
+                    </a:ext>
+                  </a:extLst>
+                </a:gridCol>
               </a:tblGrid>
               <a:tr h="770081">
                 <a:tc>
@@ -6233,9 +6916,10 @@
                           <a:sym typeface="Helvetica Neue"/>
                         </a:defRPr>
                       </a:pPr>
-                    </a:p>
-                  </a:txBody>
-                  <a:tcPr marL="50800" marR="50800" marT="50800" marB="50800" anchor="ctr" anchorCtr="0" horzOverflow="overflow">
+                      <a:endParaRPr/>
+                    </a:p>
+                  </a:txBody>
+                  <a:tcPr marL="50800" marR="50800" marT="50800" marB="50800" anchor="ctr" horzOverflow="overflow">
                     <a:solidFill>
                       <a:schemeClr val="accent6"/>
                     </a:solidFill>
@@ -6247,14 +6931,14 @@
                     <a:lstStyle/>
                     <a:p>
                       <a:pPr defTabSz="914400">
-                        <a:defRPr b="0" sz="1800">
+                        <a:defRPr sz="1800" b="0">
                           <a:solidFill>
                             <a:srgbClr val="000000"/>
                           </a:solidFill>
                         </a:defRPr>
                       </a:pPr>
                       <a:r>
-                        <a:rPr b="1" sz="1900">
+                        <a:rPr sz="1900" b="1">
                           <a:solidFill>
                             <a:srgbClr val="FFFFFF"/>
                           </a:solidFill>
@@ -6264,7 +6948,7 @@
                       </a:r>
                     </a:p>
                   </a:txBody>
-                  <a:tcPr marL="50800" marR="50800" marT="50800" marB="50800" anchor="ctr" anchorCtr="0" horzOverflow="overflow">
+                  <a:tcPr marL="50800" marR="50800" marT="50800" marB="50800" anchor="ctr" horzOverflow="overflow">
                     <a:solidFill>
                       <a:schemeClr val="accent6"/>
                     </a:solidFill>
@@ -6276,14 +6960,14 @@
                     <a:lstStyle/>
                     <a:p>
                       <a:pPr defTabSz="914400">
-                        <a:defRPr b="0" sz="1800">
+                        <a:defRPr sz="1800" b="0">
                           <a:solidFill>
                             <a:srgbClr val="000000"/>
                           </a:solidFill>
                         </a:defRPr>
                       </a:pPr>
                       <a:r>
-                        <a:rPr b="1" sz="2300">
+                        <a:rPr sz="2300" b="1">
                           <a:solidFill>
                             <a:srgbClr val="FFFFFF"/>
                           </a:solidFill>
@@ -6293,7 +6977,7 @@
                       </a:r>
                     </a:p>
                   </a:txBody>
-                  <a:tcPr marL="50800" marR="50800" marT="50800" marB="50800" anchor="ctr" anchorCtr="0" horzOverflow="overflow">
+                  <a:tcPr marL="50800" marR="50800" marT="50800" marB="50800" anchor="ctr" horzOverflow="overflow">
                     <a:solidFill>
                       <a:schemeClr val="accent6"/>
                     </a:solidFill>
@@ -6305,14 +6989,14 @@
                     <a:lstStyle/>
                     <a:p>
                       <a:pPr defTabSz="914400">
-                        <a:defRPr b="0" sz="1800">
+                        <a:defRPr sz="1800" b="0">
                           <a:solidFill>
                             <a:srgbClr val="000000"/>
                           </a:solidFill>
                         </a:defRPr>
                       </a:pPr>
                       <a:r>
-                        <a:rPr b="1" sz="1600">
+                        <a:rPr sz="1600" b="1">
                           <a:solidFill>
                             <a:srgbClr val="FFFFFF"/>
                           </a:solidFill>
@@ -6322,7 +7006,7 @@
                       </a:r>
                     </a:p>
                   </a:txBody>
-                  <a:tcPr marL="50800" marR="50800" marT="50800" marB="50800" anchor="ctr" anchorCtr="0" horzOverflow="overflow">
+                  <a:tcPr marL="50800" marR="50800" marT="50800" marB="50800" anchor="ctr" horzOverflow="overflow">
                     <a:solidFill>
                       <a:schemeClr val="accent6"/>
                     </a:solidFill>
@@ -6334,14 +7018,14 @@
                     <a:lstStyle/>
                     <a:p>
                       <a:pPr defTabSz="914400">
-                        <a:defRPr b="0" sz="1800">
+                        <a:defRPr sz="1800" b="0">
                           <a:solidFill>
                             <a:srgbClr val="000000"/>
                           </a:solidFill>
                         </a:defRPr>
                       </a:pPr>
                       <a:r>
-                        <a:rPr b="1" sz="2100">
+                        <a:rPr sz="2100" b="1">
                           <a:solidFill>
                             <a:srgbClr val="FFFFFF"/>
                           </a:solidFill>
@@ -6351,7 +7035,7 @@
                       </a:r>
                     </a:p>
                   </a:txBody>
-                  <a:tcPr marL="50800" marR="50800" marT="50800" marB="50800" anchor="ctr" anchorCtr="0" horzOverflow="overflow">
+                  <a:tcPr marL="50800" marR="50800" marT="50800" marB="50800" anchor="ctr" horzOverflow="overflow">
                     <a:solidFill>
                       <a:schemeClr val="accent6"/>
                     </a:solidFill>
@@ -6363,14 +7047,14 @@
                     <a:lstStyle/>
                     <a:p>
                       <a:pPr defTabSz="914400">
-                        <a:defRPr b="0" sz="1800">
+                        <a:defRPr sz="1800" b="0">
                           <a:solidFill>
                             <a:srgbClr val="000000"/>
                           </a:solidFill>
                         </a:defRPr>
                       </a:pPr>
                       <a:r>
-                        <a:rPr b="1" sz="2300">
+                        <a:rPr sz="2300" b="1">
                           <a:solidFill>
                             <a:srgbClr val="FFFFFF"/>
                           </a:solidFill>
@@ -6380,12 +7064,17 @@
                       </a:r>
                     </a:p>
                   </a:txBody>
-                  <a:tcPr marL="50800" marR="50800" marT="50800" marB="50800" anchor="ctr" anchorCtr="0" horzOverflow="overflow">
+                  <a:tcPr marL="50800" marR="50800" marT="50800" marB="50800" anchor="ctr" horzOverflow="overflow">
                     <a:solidFill>
                       <a:schemeClr val="accent6"/>
                     </a:solidFill>
                   </a:tcPr>
                 </a:tc>
+                <a:extLst>
+                  <a:ext uri="{0D108BD9-81ED-4DB2-BD59-A6C34878D82A}">
+                    <a16:rowId xmlns:a16="http://schemas.microsoft.com/office/drawing/2014/main" val="10000"/>
+                  </a:ext>
+                </a:extLst>
               </a:tr>
               <a:tr h="770081">
                 <a:tc>
@@ -6394,14 +7083,14 @@
                     <a:lstStyle/>
                     <a:p>
                       <a:pPr defTabSz="914400">
-                        <a:defRPr b="0" sz="1800">
+                        <a:defRPr sz="1800" b="0">
                           <a:solidFill>
                             <a:srgbClr val="000000"/>
                           </a:solidFill>
                         </a:defRPr>
                       </a:pPr>
                       <a:r>
-                        <a:rPr b="1" sz="2300">
+                        <a:rPr sz="2300" b="1">
                           <a:solidFill>
                             <a:srgbClr val="FFFFFF"/>
                           </a:solidFill>
@@ -6411,7 +7100,7 @@
                       </a:r>
                     </a:p>
                   </a:txBody>
-                  <a:tcPr marL="50800" marR="50800" marT="50800" marB="50800" anchor="ctr" anchorCtr="0" horzOverflow="overflow">
+                  <a:tcPr marL="50800" marR="50800" marT="50800" marB="50800" anchor="ctr" horzOverflow="overflow">
                     <a:solidFill>
                       <a:schemeClr val="accent6">
                         <a:satOff val="18029"/>
@@ -6436,7 +7125,7 @@
                       </a:r>
                     </a:p>
                   </a:txBody>
-                  <a:tcPr marL="50800" marR="50800" marT="50800" marB="50800" anchor="ctr" anchorCtr="0" horzOverflow="overflow"/>
+                  <a:tcPr marL="50800" marR="50800" marT="50800" marB="50800" anchor="ctr" horzOverflow="overflow"/>
                 </a:tc>
                 <a:tc>
                   <a:txBody>
@@ -6454,7 +7143,7 @@
                       </a:r>
                     </a:p>
                   </a:txBody>
-                  <a:tcPr marL="50800" marR="50800" marT="50800" marB="50800" anchor="ctr" anchorCtr="0" horzOverflow="overflow"/>
+                  <a:tcPr marL="50800" marR="50800" marT="50800" marB="50800" anchor="ctr" horzOverflow="overflow"/>
                 </a:tc>
                 <a:tc>
                   <a:txBody>
@@ -6472,7 +7161,7 @@
                       </a:r>
                     </a:p>
                   </a:txBody>
-                  <a:tcPr marL="50800" marR="50800" marT="50800" marB="50800" anchor="ctr" anchorCtr="0" horzOverflow="overflow"/>
+                  <a:tcPr marL="50800" marR="50800" marT="50800" marB="50800" anchor="ctr" horzOverflow="overflow"/>
                 </a:tc>
                 <a:tc>
                   <a:txBody>
@@ -6490,7 +7179,7 @@
                       </a:r>
                     </a:p>
                   </a:txBody>
-                  <a:tcPr marL="50800" marR="50800" marT="50800" marB="50800" anchor="ctr" anchorCtr="0" horzOverflow="overflow"/>
+                  <a:tcPr marL="50800" marR="50800" marT="50800" marB="50800" anchor="ctr" horzOverflow="overflow"/>
                 </a:tc>
                 <a:tc>
                   <a:txBody>
@@ -6508,8 +7197,13 @@
                       </a:r>
                     </a:p>
                   </a:txBody>
-                  <a:tcPr marL="50800" marR="50800" marT="50800" marB="50800" anchor="ctr" anchorCtr="0" horzOverflow="overflow"/>
-                </a:tc>
+                  <a:tcPr marL="50800" marR="50800" marT="50800" marB="50800" anchor="ctr" horzOverflow="overflow"/>
+                </a:tc>
+                <a:extLst>
+                  <a:ext uri="{0D108BD9-81ED-4DB2-BD59-A6C34878D82A}">
+                    <a16:rowId xmlns:a16="http://schemas.microsoft.com/office/drawing/2014/main" val="10001"/>
+                  </a:ext>
+                </a:extLst>
               </a:tr>
               <a:tr h="770081">
                 <a:tc>
@@ -6518,14 +7212,14 @@
                     <a:lstStyle/>
                     <a:p>
                       <a:pPr defTabSz="914400">
-                        <a:defRPr b="0" sz="1800">
+                        <a:defRPr sz="1800" b="0">
                           <a:solidFill>
                             <a:srgbClr val="000000"/>
                           </a:solidFill>
                         </a:defRPr>
                       </a:pPr>
                       <a:r>
-                        <a:rPr b="1" sz="2300">
+                        <a:rPr sz="2300" b="1">
                           <a:solidFill>
                             <a:srgbClr val="FFFFFF"/>
                           </a:solidFill>
@@ -6535,7 +7229,7 @@
                       </a:r>
                     </a:p>
                   </a:txBody>
-                  <a:tcPr marL="50800" marR="50800" marT="50800" marB="50800" anchor="ctr" anchorCtr="0" horzOverflow="overflow">
+                  <a:tcPr marL="50800" marR="50800" marT="50800" marB="50800" anchor="ctr" horzOverflow="overflow">
                     <a:solidFill>
                       <a:schemeClr val="accent6">
                         <a:satOff val="18029"/>
@@ -6560,7 +7254,7 @@
                       </a:r>
                     </a:p>
                   </a:txBody>
-                  <a:tcPr marL="50800" marR="50800" marT="50800" marB="50800" anchor="ctr" anchorCtr="0" horzOverflow="overflow"/>
+                  <a:tcPr marL="50800" marR="50800" marT="50800" marB="50800" anchor="ctr" horzOverflow="overflow"/>
                 </a:tc>
                 <a:tc>
                   <a:txBody>
@@ -6578,7 +7272,7 @@
                       </a:r>
                     </a:p>
                   </a:txBody>
-                  <a:tcPr marL="50800" marR="50800" marT="50800" marB="50800" anchor="ctr" anchorCtr="0" horzOverflow="overflow"/>
+                  <a:tcPr marL="50800" marR="50800" marT="50800" marB="50800" anchor="ctr" horzOverflow="overflow"/>
                 </a:tc>
                 <a:tc>
                   <a:txBody>
@@ -6596,7 +7290,7 @@
                       </a:r>
                     </a:p>
                   </a:txBody>
-                  <a:tcPr marL="50800" marR="50800" marT="50800" marB="50800" anchor="ctr" anchorCtr="0" horzOverflow="overflow"/>
+                  <a:tcPr marL="50800" marR="50800" marT="50800" marB="50800" anchor="ctr" horzOverflow="overflow"/>
                 </a:tc>
                 <a:tc>
                   <a:txBody>
@@ -6614,7 +7308,7 @@
                       </a:r>
                     </a:p>
                   </a:txBody>
-                  <a:tcPr marL="50800" marR="50800" marT="50800" marB="50800" anchor="ctr" anchorCtr="0" horzOverflow="overflow"/>
+                  <a:tcPr marL="50800" marR="50800" marT="50800" marB="50800" anchor="ctr" horzOverflow="overflow"/>
                 </a:tc>
                 <a:tc>
                   <a:txBody>
@@ -6632,8 +7326,13 @@
                       </a:r>
                     </a:p>
                   </a:txBody>
-                  <a:tcPr marL="50800" marR="50800" marT="50800" marB="50800" anchor="ctr" anchorCtr="0" horzOverflow="overflow"/>
-                </a:tc>
+                  <a:tcPr marL="50800" marR="50800" marT="50800" marB="50800" anchor="ctr" horzOverflow="overflow"/>
+                </a:tc>
+                <a:extLst>
+                  <a:ext uri="{0D108BD9-81ED-4DB2-BD59-A6C34878D82A}">
+                    <a16:rowId xmlns:a16="http://schemas.microsoft.com/office/drawing/2014/main" val="10002"/>
+                  </a:ext>
+                </a:extLst>
               </a:tr>
               <a:tr h="770081">
                 <a:tc>
@@ -6642,14 +7341,14 @@
                     <a:lstStyle/>
                     <a:p>
                       <a:pPr defTabSz="914400">
-                        <a:defRPr b="0" sz="1800">
+                        <a:defRPr sz="1800" b="0">
                           <a:solidFill>
                             <a:srgbClr val="000000"/>
                           </a:solidFill>
                         </a:defRPr>
                       </a:pPr>
                       <a:r>
-                        <a:rPr b="1" sz="2300">
+                        <a:rPr sz="2300" b="1">
                           <a:solidFill>
                             <a:srgbClr val="FFFFFF"/>
                           </a:solidFill>
@@ -6659,7 +7358,7 @@
                       </a:r>
                     </a:p>
                   </a:txBody>
-                  <a:tcPr marL="50800" marR="50800" marT="50800" marB="50800" anchor="ctr" anchorCtr="0" horzOverflow="overflow">
+                  <a:tcPr marL="50800" marR="50800" marT="50800" marB="50800" anchor="ctr" horzOverflow="overflow">
                     <a:solidFill>
                       <a:schemeClr val="accent6">
                         <a:satOff val="18029"/>
@@ -6684,7 +7383,7 @@
                       </a:r>
                     </a:p>
                   </a:txBody>
-                  <a:tcPr marL="50800" marR="50800" marT="50800" marB="50800" anchor="ctr" anchorCtr="0" horzOverflow="overflow"/>
+                  <a:tcPr marL="50800" marR="50800" marT="50800" marB="50800" anchor="ctr" horzOverflow="overflow"/>
                 </a:tc>
                 <a:tc>
                   <a:txBody>
@@ -6702,7 +7401,7 @@
                       </a:r>
                     </a:p>
                   </a:txBody>
-                  <a:tcPr marL="50800" marR="50800" marT="50800" marB="50800" anchor="ctr" anchorCtr="0" horzOverflow="overflow"/>
+                  <a:tcPr marL="50800" marR="50800" marT="50800" marB="50800" anchor="ctr" horzOverflow="overflow"/>
                 </a:tc>
                 <a:tc>
                   <a:txBody>
@@ -6720,7 +7419,7 @@
                       </a:r>
                     </a:p>
                   </a:txBody>
-                  <a:tcPr marL="50800" marR="50800" marT="50800" marB="50800" anchor="ctr" anchorCtr="0" horzOverflow="overflow"/>
+                  <a:tcPr marL="50800" marR="50800" marT="50800" marB="50800" anchor="ctr" horzOverflow="overflow"/>
                 </a:tc>
                 <a:tc>
                   <a:txBody>
@@ -6738,7 +7437,7 @@
                       </a:r>
                     </a:p>
                   </a:txBody>
-                  <a:tcPr marL="50800" marR="50800" marT="50800" marB="50800" anchor="ctr" anchorCtr="0" horzOverflow="overflow"/>
+                  <a:tcPr marL="50800" marR="50800" marT="50800" marB="50800" anchor="ctr" horzOverflow="overflow"/>
                 </a:tc>
                 <a:tc>
                   <a:txBody>
@@ -6756,8 +7455,13 @@
                       </a:r>
                     </a:p>
                   </a:txBody>
-                  <a:tcPr marL="50800" marR="50800" marT="50800" marB="50800" anchor="ctr" anchorCtr="0" horzOverflow="overflow"/>
-                </a:tc>
+                  <a:tcPr marL="50800" marR="50800" marT="50800" marB="50800" anchor="ctr" horzOverflow="overflow"/>
+                </a:tc>
+                <a:extLst>
+                  <a:ext uri="{0D108BD9-81ED-4DB2-BD59-A6C34878D82A}">
+                    <a16:rowId xmlns:a16="http://schemas.microsoft.com/office/drawing/2014/main" val="10003"/>
+                  </a:ext>
+                </a:extLst>
               </a:tr>
               <a:tr h="770081">
                 <a:tc>
@@ -6766,14 +7470,14 @@
                     <a:lstStyle/>
                     <a:p>
                       <a:pPr defTabSz="914400">
-                        <a:defRPr b="0" sz="1800">
+                        <a:defRPr sz="1800" b="0">
                           <a:solidFill>
                             <a:srgbClr val="000000"/>
                           </a:solidFill>
                         </a:defRPr>
                       </a:pPr>
                       <a:r>
-                        <a:rPr b="1" sz="2300">
+                        <a:rPr sz="2300" b="1">
                           <a:solidFill>
                             <a:srgbClr val="FFFFFF"/>
                           </a:solidFill>
@@ -6783,7 +7487,7 @@
                       </a:r>
                     </a:p>
                   </a:txBody>
-                  <a:tcPr marL="50800" marR="50800" marT="50800" marB="50800" anchor="ctr" anchorCtr="0" horzOverflow="overflow">
+                  <a:tcPr marL="50800" marR="50800" marT="50800" marB="50800" anchor="ctr" horzOverflow="overflow">
                     <a:solidFill>
                       <a:schemeClr val="accent6">
                         <a:satOff val="18029"/>
@@ -6808,7 +7512,7 @@
                       </a:r>
                     </a:p>
                   </a:txBody>
-                  <a:tcPr marL="50800" marR="50800" marT="50800" marB="50800" anchor="ctr" anchorCtr="0" horzOverflow="overflow"/>
+                  <a:tcPr marL="50800" marR="50800" marT="50800" marB="50800" anchor="ctr" horzOverflow="overflow"/>
                 </a:tc>
                 <a:tc>
                   <a:txBody>
@@ -6826,7 +7530,7 @@
                       </a:r>
                     </a:p>
                   </a:txBody>
-                  <a:tcPr marL="50800" marR="50800" marT="50800" marB="50800" anchor="ctr" anchorCtr="0" horzOverflow="overflow"/>
+                  <a:tcPr marL="50800" marR="50800" marT="50800" marB="50800" anchor="ctr" horzOverflow="overflow"/>
                 </a:tc>
                 <a:tc>
                   <a:txBody>
@@ -6844,7 +7548,7 @@
                       </a:r>
                     </a:p>
                   </a:txBody>
-                  <a:tcPr marL="50800" marR="50800" marT="50800" marB="50800" anchor="ctr" anchorCtr="0" horzOverflow="overflow"/>
+                  <a:tcPr marL="50800" marR="50800" marT="50800" marB="50800" anchor="ctr" horzOverflow="overflow"/>
                 </a:tc>
                 <a:tc>
                   <a:txBody>
@@ -6862,7 +7566,7 @@
                       </a:r>
                     </a:p>
                   </a:txBody>
-                  <a:tcPr marL="50800" marR="50800" marT="50800" marB="50800" anchor="ctr" anchorCtr="0" horzOverflow="overflow"/>
+                  <a:tcPr marL="50800" marR="50800" marT="50800" marB="50800" anchor="ctr" horzOverflow="overflow"/>
                 </a:tc>
                 <a:tc>
                   <a:txBody>
@@ -6880,8 +7584,13 @@
                       </a:r>
                     </a:p>
                   </a:txBody>
-                  <a:tcPr marL="50800" marR="50800" marT="50800" marB="50800" anchor="ctr" anchorCtr="0" horzOverflow="overflow"/>
-                </a:tc>
+                  <a:tcPr marL="50800" marR="50800" marT="50800" marB="50800" anchor="ctr" horzOverflow="overflow"/>
+                </a:tc>
+                <a:extLst>
+                  <a:ext uri="{0D108BD9-81ED-4DB2-BD59-A6C34878D82A}">
+                    <a16:rowId xmlns:a16="http://schemas.microsoft.com/office/drawing/2014/main" val="10004"/>
+                  </a:ext>
+                </a:extLst>
               </a:tr>
               <a:tr h="770081">
                 <a:tc>
@@ -6890,14 +7599,14 @@
                     <a:lstStyle/>
                     <a:p>
                       <a:pPr defTabSz="914400">
-                        <a:defRPr b="0" sz="1800">
+                        <a:defRPr sz="1800" b="0">
                           <a:solidFill>
                             <a:srgbClr val="000000"/>
                           </a:solidFill>
                         </a:defRPr>
                       </a:pPr>
                       <a:r>
-                        <a:rPr b="1" sz="1900">
+                        <a:rPr sz="1900" b="1">
                           <a:solidFill>
                             <a:srgbClr val="FFFFFF"/>
                           </a:solidFill>
@@ -6907,7 +7616,7 @@
                       </a:r>
                     </a:p>
                   </a:txBody>
-                  <a:tcPr marL="50800" marR="50800" marT="50800" marB="50800" anchor="ctr" anchorCtr="0" horzOverflow="overflow">
+                  <a:tcPr marL="50800" marR="50800" marT="50800" marB="50800" anchor="ctr" horzOverflow="overflow">
                     <a:solidFill>
                       <a:schemeClr val="accent6">
                         <a:satOff val="18029"/>
@@ -6932,7 +7641,7 @@
                       </a:r>
                     </a:p>
                   </a:txBody>
-                  <a:tcPr marL="50800" marR="50800" marT="50800" marB="50800" anchor="ctr" anchorCtr="0" horzOverflow="overflow"/>
+                  <a:tcPr marL="50800" marR="50800" marT="50800" marB="50800" anchor="ctr" horzOverflow="overflow"/>
                 </a:tc>
                 <a:tc>
                   <a:txBody>
@@ -6950,7 +7659,7 @@
                       </a:r>
                     </a:p>
                   </a:txBody>
-                  <a:tcPr marL="50800" marR="50800" marT="50800" marB="50800" anchor="ctr" anchorCtr="0" horzOverflow="overflow"/>
+                  <a:tcPr marL="50800" marR="50800" marT="50800" marB="50800" anchor="ctr" horzOverflow="overflow"/>
                 </a:tc>
                 <a:tc>
                   <a:txBody>
@@ -6968,7 +7677,7 @@
                       </a:r>
                     </a:p>
                   </a:txBody>
-                  <a:tcPr marL="50800" marR="50800" marT="50800" marB="50800" anchor="ctr" anchorCtr="0" horzOverflow="overflow"/>
+                  <a:tcPr marL="50800" marR="50800" marT="50800" marB="50800" anchor="ctr" horzOverflow="overflow"/>
                 </a:tc>
                 <a:tc>
                   <a:txBody>
@@ -6986,188 +7695,277 @@
                       </a:r>
                     </a:p>
                   </a:txBody>
-                  <a:tcPr marL="50800" marR="50800" marT="50800" marB="50800" anchor="ctr" anchorCtr="0" horzOverflow="overflow"/>
-                </a:tc>
-                <a:tc>
-                  <a:txBody>
-                    <a:bodyPr/>
-                    <a:lstStyle/>
-                    <a:p>
-                      <a:pPr defTabSz="914400">
-                        <a:defRPr sz="1800"/>
-                      </a:pPr>
-                      <a:r>
-                        <a:rPr sz="2300">
+                  <a:tcPr marL="50800" marR="50800" marT="50800" marB="50800" anchor="ctr" horzOverflow="overflow"/>
+                </a:tc>
+                <a:tc>
+                  <a:txBody>
+                    <a:bodyPr/>
+                    <a:lstStyle/>
+                    <a:p>
+                      <a:pPr defTabSz="914400">
+                        <a:defRPr sz="1800"/>
+                      </a:pPr>
+                      <a:r>
+                        <a:rPr sz="2300" dirty="0">
                           <a:sym typeface="Helvetica Neue"/>
                         </a:rPr>
                         <a:t>✅</a:t>
                       </a:r>
                     </a:p>
                   </a:txBody>
-                  <a:tcPr marL="50800" marR="50800" marT="50800" marB="50800" anchor="ctr" anchorCtr="0" horzOverflow="overflow"/>
-                </a:tc>
+                  <a:tcPr marL="50800" marR="50800" marT="50800" marB="50800" anchor="ctr" horzOverflow="overflow"/>
+                </a:tc>
+                <a:extLst>
+                  <a:ext uri="{0D108BD9-81ED-4DB2-BD59-A6C34878D82A}">
+                    <a16:rowId xmlns:a16="http://schemas.microsoft.com/office/drawing/2014/main" val="10005"/>
+                  </a:ext>
+                </a:extLst>
               </a:tr>
             </a:tbl>
           </a:graphicData>
         </a:graphic>
       </p:graphicFrame>
-      <p:sp>
-        <p:nvSpPr>
-          <p:cNvPr id="143" name="Text"/>
-          <p:cNvSpPr txBox="1"/>
-          <p:nvPr/>
-        </p:nvSpPr>
-        <p:spPr>
-          <a:xfrm>
-            <a:off x="2057988" y="2685196"/>
-            <a:ext cx="3330509" cy="961060"/>
-          </a:xfrm>
-          <a:prstGeom prst="rect">
-            <a:avLst/>
-          </a:prstGeom>
-          <a:ln w="12700">
-            <a:miter lim="400000"/>
-          </a:ln>
-          <a:extLst>
-            <a:ext uri="{C572A759-6A51-4108-AA02-DFA0A04FC94B}">
-              <ma14:wrappingTextBoxFlag xmlns:ma14="http://schemas.microsoft.com/office/mac/drawingml/2011/main" val="1"/>
-            </a:ext>
-          </a:extLst>
-        </p:spPr>
-        <p:txBody>
-          <a:bodyPr lIns="50800" tIns="50800" rIns="50800" bIns="50800" anchor="ctr">
-            <a:spAutoFit/>
-          </a:bodyPr>
-          <a:lstStyle>
-            <a:lvl1pPr>
-              <a:defRPr sz="4700"/>
-            </a:lvl1pPr>
-          </a:lstStyle>
-          <a:p>
-            <a:pPr/>
-            <a14:m>
-              <m:oMathPara>
-                <m:oMathParaPr>
-                  <m:jc m:val="center"/>
-                </m:oMathParaPr>
-                <m:oMath>
-                  <m:r>
-                    <a:rPr xmlns:a="http://schemas.openxmlformats.org/drawingml/2006/main" sz="5850" i="1">
-                      <a:solidFill>
-                        <a:srgbClr val="000000"/>
-                      </a:solidFill>
-                      <a:latin typeface="Cambria Math" panose="02040503050406030204" pitchFamily="18" charset="0"/>
-                    </a:rPr>
-                    <m:t>n</m:t>
-                  </m:r>
-                  <m:r>
-                    <a:rPr xmlns:a="http://schemas.openxmlformats.org/drawingml/2006/main" sz="5850" i="1">
-                      <a:solidFill>
-                        <a:srgbClr val="000000"/>
-                      </a:solidFill>
-                      <a:latin typeface="Cambria Math" panose="02040503050406030204" pitchFamily="18" charset="0"/>
-                    </a:rPr>
-                    <m:t>=</m:t>
-                  </m:r>
-                  <m:r>
-                    <a:rPr xmlns:a="http://schemas.openxmlformats.org/drawingml/2006/main" sz="5850" i="1">
-                      <a:solidFill>
-                        <a:srgbClr val="000000"/>
-                      </a:solidFill>
-                      <a:latin typeface="Cambria Math" panose="02040503050406030204" pitchFamily="18" charset="0"/>
-                    </a:rPr>
-                    <m:t>301</m:t>
-                  </m:r>
-                </m:oMath>
-              </m:oMathPara>
-            </a14:m>
-          </a:p>
-        </p:txBody>
-      </p:sp>
-      <p:sp>
-        <p:nvSpPr>
-          <p:cNvPr id="144" name="Text"/>
-          <p:cNvSpPr txBox="1"/>
-          <p:nvPr/>
-        </p:nvSpPr>
-        <p:spPr>
-          <a:xfrm>
-            <a:off x="2057988" y="3689852"/>
-            <a:ext cx="3330509" cy="961060"/>
-          </a:xfrm>
-          <a:prstGeom prst="rect">
-            <a:avLst/>
-          </a:prstGeom>
-          <a:ln w="12700">
-            <a:miter lim="400000"/>
-          </a:ln>
-          <a:extLst>
-            <a:ext uri="{C572A759-6A51-4108-AA02-DFA0A04FC94B}">
-              <ma14:wrappingTextBoxFlag xmlns:ma14="http://schemas.microsoft.com/office/mac/drawingml/2011/main" val="1"/>
-            </a:ext>
-          </a:extLst>
-        </p:spPr>
-        <p:txBody>
-          <a:bodyPr lIns="50800" tIns="50800" rIns="50800" bIns="50800" anchor="ctr">
-            <a:spAutoFit/>
-          </a:bodyPr>
-          <a:lstStyle>
-            <a:lvl1pPr>
-              <a:defRPr sz="4700"/>
-            </a:lvl1pPr>
-          </a:lstStyle>
-          <a:p>
-            <a:pPr/>
-            <a14:m>
-              <m:oMathPara>
-                <m:oMathParaPr>
-                  <m:jc m:val="center"/>
-                </m:oMathParaPr>
-                <m:oMath>
-                  <m:r>
-                    <a:rPr xmlns:a="http://schemas.openxmlformats.org/drawingml/2006/main" sz="5700" i="1">
-                      <a:solidFill>
-                        <a:srgbClr val="000000"/>
-                      </a:solidFill>
-                      <a:latin typeface="Cambria Math" panose="02040503050406030204" pitchFamily="18" charset="0"/>
-                    </a:rPr>
-                    <m:t>m</m:t>
-                  </m:r>
-                  <m:r>
-                    <a:rPr xmlns:a="http://schemas.openxmlformats.org/drawingml/2006/main" sz="5700" i="1">
-                      <a:solidFill>
-                        <a:srgbClr val="000000"/>
-                      </a:solidFill>
-                      <a:latin typeface="Cambria Math" panose="02040503050406030204" pitchFamily="18" charset="0"/>
-                    </a:rPr>
-                    <m:t>=</m:t>
-                  </m:r>
-                  <m:r>
-                    <a:rPr xmlns:a="http://schemas.openxmlformats.org/drawingml/2006/main" sz="5700" i="1">
-                      <a:solidFill>
-                        <a:srgbClr val="000000"/>
-                      </a:solidFill>
-                      <a:latin typeface="Cambria Math" panose="02040503050406030204" pitchFamily="18" charset="0"/>
-                    </a:rPr>
-                    <m:t>140</m:t>
-                  </m:r>
-                </m:oMath>
-              </m:oMathPara>
-            </a14:m>
-          </a:p>
-        </p:txBody>
-      </p:sp>
+      <mc:AlternateContent xmlns:mc="http://schemas.openxmlformats.org/markup-compatibility/2006">
+        <mc:Choice xmlns:a14="http://schemas.microsoft.com/office/drawing/2010/main" Requires="a14">
+          <p:sp>
+            <p:nvSpPr>
+              <p:cNvPr id="143" name="Text"/>
+              <p:cNvSpPr txBox="1"/>
+              <p:nvPr/>
+            </p:nvSpPr>
+            <p:spPr>
+              <a:xfrm>
+                <a:off x="2057988" y="2685196"/>
+                <a:ext cx="3330509" cy="961060"/>
+              </a:xfrm>
+              <a:prstGeom prst="rect">
+                <a:avLst/>
+              </a:prstGeom>
+              <a:ln w="12700">
+                <a:miter lim="400000"/>
+              </a:ln>
+              <a:extLst>
+                <a:ext uri="{C572A759-6A51-4108-AA02-DFA0A04FC94B}">
+                  <ma14:wrappingTextBoxFlag xmlns:ma14="http://schemas.microsoft.com/office/mac/drawingml/2011/main" xmlns:m="http://schemas.openxmlformats.org/officeDocument/2006/math" xmlns="" val="1"/>
+                </a:ext>
+              </a:extLst>
+            </p:spPr>
+            <p:txBody>
+              <a:bodyPr lIns="50800" tIns="50800" rIns="50800" bIns="50800" anchor="ctr">
+                <a:spAutoFit/>
+              </a:bodyPr>
+              <a:lstStyle>
+                <a:lvl1pPr>
+                  <a:defRPr sz="4700"/>
+                </a:lvl1pPr>
+              </a:lstStyle>
+              <a:p>
+                <a:pPr/>
+                <a14:m>
+                  <m:oMathPara xmlns:m="http://schemas.openxmlformats.org/officeDocument/2006/math">
+                    <m:oMathParaPr>
+                      <m:jc m:val="center"/>
+                    </m:oMathParaPr>
+                    <m:oMath xmlns:m="http://schemas.openxmlformats.org/officeDocument/2006/math">
+                      <m:r>
+                        <a:rPr sz="5850" i="1">
+                          <a:solidFill>
+                            <a:srgbClr val="000000"/>
+                          </a:solidFill>
+                          <a:latin typeface="Cambria Math" panose="02040503050406030204" pitchFamily="18" charset="0"/>
+                        </a:rPr>
+                        <m:t>𝑛</m:t>
+                      </m:r>
+                      <m:r>
+                        <a:rPr sz="5850" i="1">
+                          <a:solidFill>
+                            <a:srgbClr val="000000"/>
+                          </a:solidFill>
+                          <a:latin typeface="Cambria Math" panose="02040503050406030204" pitchFamily="18" charset="0"/>
+                        </a:rPr>
+                        <m:t>=301</m:t>
+                      </m:r>
+                    </m:oMath>
+                  </m:oMathPara>
+                </a14:m>
+                <a:endParaRPr/>
+              </a:p>
+            </p:txBody>
+          </p:sp>
+        </mc:Choice>
+        <mc:Fallback>
+          <p:sp>
+            <p:nvSpPr>
+              <p:cNvPr id="143" name="Text"/>
+              <p:cNvSpPr txBox="1">
+                <a:spLocks noRot="1" noChangeAspect="1" noMove="1" noResize="1" noEditPoints="1" noAdjustHandles="1" noChangeArrowheads="1" noChangeShapeType="1" noTextEdit="1"/>
+              </p:cNvSpPr>
+              <p:nvPr/>
+            </p:nvSpPr>
+            <p:spPr>
+              <a:xfrm>
+                <a:off x="2057988" y="2685196"/>
+                <a:ext cx="3330509" cy="961060"/>
+              </a:xfrm>
+              <a:prstGeom prst="rect">
+                <a:avLst/>
+              </a:prstGeom>
+              <a:blipFill>
+                <a:blip r:embed="rId3"/>
+                <a:stretch>
+                  <a:fillRect/>
+                </a:stretch>
+              </a:blipFill>
+              <a:ln w="12700">
+                <a:miter lim="400000"/>
+              </a:ln>
+              <a:extLst>
+                <a:ext uri="{C572A759-6A51-4108-AA02-DFA0A04FC94B}">
+                  <ma14:wrappingTextBoxFlag xmlns:ma14="http://schemas.microsoft.com/office/mac/drawingml/2011/main" xmlns:a14="http://schemas.microsoft.com/office/drawing/2010/main" xmlns:m="http://schemas.openxmlformats.org/officeDocument/2006/math" xmlns="" val="1"/>
+                </a:ext>
+              </a:extLst>
+            </p:spPr>
+            <p:txBody>
+              <a:bodyPr/>
+              <a:lstStyle/>
+              <a:p>
+                <a:r>
+                  <a:rPr lang="es-MX">
+                    <a:noFill/>
+                  </a:rPr>
+                  <a:t> </a:t>
+                </a:r>
+              </a:p>
+            </p:txBody>
+          </p:sp>
+        </mc:Fallback>
+      </mc:AlternateContent>
+      <mc:AlternateContent xmlns:mc="http://schemas.openxmlformats.org/markup-compatibility/2006">
+        <mc:Choice xmlns:a14="http://schemas.microsoft.com/office/drawing/2010/main" Requires="a14">
+          <p:sp>
+            <p:nvSpPr>
+              <p:cNvPr id="144" name="Text"/>
+              <p:cNvSpPr txBox="1"/>
+              <p:nvPr/>
+            </p:nvSpPr>
+            <p:spPr>
+              <a:xfrm>
+                <a:off x="2057988" y="3689852"/>
+                <a:ext cx="3330509" cy="961060"/>
+              </a:xfrm>
+              <a:prstGeom prst="rect">
+                <a:avLst/>
+              </a:prstGeom>
+              <a:ln w="12700">
+                <a:miter lim="400000"/>
+              </a:ln>
+              <a:extLst>
+                <a:ext uri="{C572A759-6A51-4108-AA02-DFA0A04FC94B}">
+                  <ma14:wrappingTextBoxFlag xmlns:ma14="http://schemas.microsoft.com/office/mac/drawingml/2011/main" xmlns:m="http://schemas.openxmlformats.org/officeDocument/2006/math" xmlns="" val="1"/>
+                </a:ext>
+              </a:extLst>
+            </p:spPr>
+            <p:txBody>
+              <a:bodyPr lIns="50800" tIns="50800" rIns="50800" bIns="50800" anchor="ctr">
+                <a:spAutoFit/>
+              </a:bodyPr>
+              <a:lstStyle>
+                <a:lvl1pPr>
+                  <a:defRPr sz="4700"/>
+                </a:lvl1pPr>
+              </a:lstStyle>
+              <a:p>
+                <a:pPr/>
+                <a14:m>
+                  <m:oMathPara xmlns:m="http://schemas.openxmlformats.org/officeDocument/2006/math">
+                    <m:oMathParaPr>
+                      <m:jc m:val="center"/>
+                    </m:oMathParaPr>
+                    <m:oMath xmlns:m="http://schemas.openxmlformats.org/officeDocument/2006/math">
+                      <m:r>
+                        <a:rPr sz="5700" i="1">
+                          <a:solidFill>
+                            <a:srgbClr val="000000"/>
+                          </a:solidFill>
+                          <a:latin typeface="Cambria Math" panose="02040503050406030204" pitchFamily="18" charset="0"/>
+                        </a:rPr>
+                        <m:t>𝑚</m:t>
+                      </m:r>
+                      <m:r>
+                        <a:rPr sz="5700" i="1">
+                          <a:solidFill>
+                            <a:srgbClr val="000000"/>
+                          </a:solidFill>
+                          <a:latin typeface="Cambria Math" panose="02040503050406030204" pitchFamily="18" charset="0"/>
+                        </a:rPr>
+                        <m:t>=140</m:t>
+                      </m:r>
+                    </m:oMath>
+                  </m:oMathPara>
+                </a14:m>
+                <a:endParaRPr/>
+              </a:p>
+            </p:txBody>
+          </p:sp>
+        </mc:Choice>
+        <mc:Fallback>
+          <p:sp>
+            <p:nvSpPr>
+              <p:cNvPr id="144" name="Text"/>
+              <p:cNvSpPr txBox="1">
+                <a:spLocks noRot="1" noChangeAspect="1" noMove="1" noResize="1" noEditPoints="1" noAdjustHandles="1" noChangeArrowheads="1" noChangeShapeType="1" noTextEdit="1"/>
+              </p:cNvSpPr>
+              <p:nvPr/>
+            </p:nvSpPr>
+            <p:spPr>
+              <a:xfrm>
+                <a:off x="2057988" y="3689852"/>
+                <a:ext cx="3330509" cy="961060"/>
+              </a:xfrm>
+              <a:prstGeom prst="rect">
+                <a:avLst/>
+              </a:prstGeom>
+              <a:blipFill>
+                <a:blip r:embed="rId4"/>
+                <a:stretch>
+                  <a:fillRect/>
+                </a:stretch>
+              </a:blipFill>
+              <a:ln w="12700">
+                <a:miter lim="400000"/>
+              </a:ln>
+              <a:extLst>
+                <a:ext uri="{C572A759-6A51-4108-AA02-DFA0A04FC94B}">
+                  <ma14:wrappingTextBoxFlag xmlns:ma14="http://schemas.microsoft.com/office/mac/drawingml/2011/main" xmlns:a14="http://schemas.microsoft.com/office/drawing/2010/main" xmlns:m="http://schemas.openxmlformats.org/officeDocument/2006/math" xmlns="" val="1"/>
+                </a:ext>
+              </a:extLst>
+            </p:spPr>
+            <p:txBody>
+              <a:bodyPr/>
+              <a:lstStyle/>
+              <a:p>
+                <a:r>
+                  <a:rPr lang="es-MX">
+                    <a:noFill/>
+                  </a:rPr>
+                  <a:t> </a:t>
+                </a:r>
+              </a:p>
+            </p:txBody>
+          </p:sp>
+        </mc:Fallback>
+      </mc:AlternateContent>
     </p:spTree>
   </p:cSld>
   <p:clrMapOvr>
     <a:masterClrMapping/>
   </p:clrMapOvr>
-  <p:transition xmlns:p14="http://schemas.microsoft.com/office/powerpoint/2010/main" spd="med" advClick="1"/>
+  <p:transition spd="med"/>
 </p:sld>
 </file>
 
 <file path=ppt/slides/slide6.xml><?xml version="1.0" encoding="utf-8"?>
-<p:sld xmlns:a="http://schemas.openxmlformats.org/drawingml/2006/main" xmlns:r="http://schemas.openxmlformats.org/officeDocument/2006/relationships" xmlns:p="http://schemas.openxmlformats.org/presentationml/2006/main" xmlns:m="http://schemas.openxmlformats.org/officeDocument/2006/math" xmlns:a14="http://schemas.microsoft.com/office/drawing/2010/main" showMasterSp="1" showMasterPhAnim="1">
+<p:sld xmlns:a="http://schemas.openxmlformats.org/drawingml/2006/main" xmlns:r="http://schemas.openxmlformats.org/officeDocument/2006/relationships" xmlns:p="http://schemas.openxmlformats.org/presentationml/2006/main">
   <p:cSld>
     <p:spTree>
       <p:nvGrpSpPr>
@@ -7185,9 +7983,9 @@
       </p:grpSpPr>
       <p:pic>
         <p:nvPicPr>
-          <p:cNvPr id="146" name="sc105.png" descr="sc105.png"/>
+          <p:cNvPr id="146" name="sc105.png"/>
           <p:cNvPicPr>
-            <a:picLocks noChangeAspect="1"/>
+            <a:picLocks noGrp="1" noChangeAspect="1"/>
           </p:cNvPicPr>
           <p:nvPr>
             <p:ph type="pic" idx="13"/>
@@ -7195,17 +7993,20 @@
         </p:nvPicPr>
         <p:blipFill>
           <a:blip r:embed="rId2">
-            <a:extLst/>
+            <a:extLst>
+              <a:ext uri="{28A0092B-C50C-407E-A947-70E740481C1C}">
+                <a14:useLocalDpi xmlns:a14="http://schemas.microsoft.com/office/drawing/2010/main" val="0"/>
+              </a:ext>
+            </a:extLst>
           </a:blip>
-          <a:srcRect l="0" t="0" r="0" b="0"/>
           <a:stretch>
             <a:fillRect/>
           </a:stretch>
         </p:blipFill>
         <p:spPr>
           <a:xfrm>
-            <a:off x="13169900" y="4225925"/>
-            <a:ext cx="9525000" cy="7143750"/>
+            <a:off x="13169900" y="4227286"/>
+            <a:ext cx="9525000" cy="7141027"/>
           </a:xfrm>
           <a:prstGeom prst="rect">
             <a:avLst/>
@@ -7215,7 +8016,9 @@
       <p:sp>
         <p:nvSpPr>
           <p:cNvPr id="147" name="SC105"/>
-          <p:cNvSpPr txBox="1"/>
+          <p:cNvSpPr txBox="1">
+            <a:spLocks noGrp="1"/>
+          </p:cNvSpPr>
           <p:nvPr>
             <p:ph type="title"/>
           </p:nvPr>
@@ -7229,7 +8032,6 @@
           <a:bodyPr/>
           <a:lstStyle/>
           <a:p>
-            <a:pPr/>
             <a:r>
               <a:t>SC105</a:t>
             </a:r>
@@ -7240,25 +8042,67 @@
         <p:nvGraphicFramePr>
           <p:cNvPr id="148" name="Table"/>
           <p:cNvGraphicFramePr/>
-          <p:nvPr/>
+          <p:nvPr>
+            <p:extLst>
+              <p:ext uri="{D42A27DB-BD31-4B8C-83A1-F6EECF244321}">
+                <p14:modId xmlns:p14="http://schemas.microsoft.com/office/powerpoint/2010/main" val="2369332926"/>
+              </p:ext>
+            </p:extLst>
+          </p:nvPr>
         </p:nvGraphicFramePr>
         <p:xfrm>
           <a:off x="1249666" y="5699164"/>
-          <a:ext cx="10676572" cy="4620488"/>
+          <a:ext cx="10743402" cy="4685604"/>
         </p:xfrm>
-        <a:graphic xmlns:a="http://schemas.openxmlformats.org/drawingml/2006/main">
+        <a:graphic>
           <a:graphicData uri="http://schemas.openxmlformats.org/drawingml/2006/table">
             <a:tbl>
-              <a:tblPr firstCol="1" firstRow="1" lastCol="0" lastRow="0" bandCol="0" bandRow="1" rtl="0">
+              <a:tblPr firstRow="1" firstCol="1" bandRow="1">
                 <a:tableStyleId>{4C3C2611-4C71-4FC5-86AE-919BDF0F9419}</a:tableStyleId>
               </a:tblPr>
               <a:tblGrid>
-                <a:gridCol w="1779428"/>
-                <a:gridCol w="1779428"/>
-                <a:gridCol w="1779428"/>
-                <a:gridCol w="1779428"/>
-                <a:gridCol w="1779428"/>
-                <a:gridCol w="1779428"/>
+                <a:gridCol w="1779428">
+                  <a:extLst>
+                    <a:ext uri="{9D8B030D-6E8A-4147-A177-3AD203B41FA5}">
+                      <a16:colId xmlns:a16="http://schemas.microsoft.com/office/drawing/2014/main" val="20000"/>
+                    </a:ext>
+                  </a:extLst>
+                </a:gridCol>
+                <a:gridCol w="1846262">
+                  <a:extLst>
+                    <a:ext uri="{9D8B030D-6E8A-4147-A177-3AD203B41FA5}">
+                      <a16:colId xmlns:a16="http://schemas.microsoft.com/office/drawing/2014/main" val="20001"/>
+                    </a:ext>
+                  </a:extLst>
+                </a:gridCol>
+                <a:gridCol w="1779428">
+                  <a:extLst>
+                    <a:ext uri="{9D8B030D-6E8A-4147-A177-3AD203B41FA5}">
+                      <a16:colId xmlns:a16="http://schemas.microsoft.com/office/drawing/2014/main" val="20002"/>
+                    </a:ext>
+                  </a:extLst>
+                </a:gridCol>
+                <a:gridCol w="1779428">
+                  <a:extLst>
+                    <a:ext uri="{9D8B030D-6E8A-4147-A177-3AD203B41FA5}">
+                      <a16:colId xmlns:a16="http://schemas.microsoft.com/office/drawing/2014/main" val="20003"/>
+                    </a:ext>
+                  </a:extLst>
+                </a:gridCol>
+                <a:gridCol w="1779428">
+                  <a:extLst>
+                    <a:ext uri="{9D8B030D-6E8A-4147-A177-3AD203B41FA5}">
+                      <a16:colId xmlns:a16="http://schemas.microsoft.com/office/drawing/2014/main" val="20004"/>
+                    </a:ext>
+                  </a:extLst>
+                </a:gridCol>
+                <a:gridCol w="1779428">
+                  <a:extLst>
+                    <a:ext uri="{9D8B030D-6E8A-4147-A177-3AD203B41FA5}">
+                      <a16:colId xmlns:a16="http://schemas.microsoft.com/office/drawing/2014/main" val="20005"/>
+                    </a:ext>
+                  </a:extLst>
+                </a:gridCol>
               </a:tblGrid>
               <a:tr h="770081">
                 <a:tc>
@@ -7271,9 +8115,10 @@
                           <a:sym typeface="Helvetica Neue"/>
                         </a:defRPr>
                       </a:pPr>
-                    </a:p>
-                  </a:txBody>
-                  <a:tcPr marL="50800" marR="50800" marT="50800" marB="50800" anchor="ctr" anchorCtr="0" horzOverflow="overflow">
+                      <a:endParaRPr/>
+                    </a:p>
+                  </a:txBody>
+                  <a:tcPr marL="50800" marR="50800" marT="50800" marB="50800" anchor="ctr" horzOverflow="overflow">
                     <a:solidFill>
                       <a:schemeClr val="accent6"/>
                     </a:solidFill>
@@ -7285,14 +8130,14 @@
                     <a:lstStyle/>
                     <a:p>
                       <a:pPr defTabSz="914400">
-                        <a:defRPr b="0" sz="1800">
+                        <a:defRPr sz="1800" b="0">
                           <a:solidFill>
                             <a:srgbClr val="000000"/>
                           </a:solidFill>
                         </a:defRPr>
                       </a:pPr>
                       <a:r>
-                        <a:rPr b="1" sz="1900">
+                        <a:rPr sz="1900" b="1">
                           <a:solidFill>
                             <a:srgbClr val="FFFFFF"/>
                           </a:solidFill>
@@ -7302,7 +8147,7 @@
                       </a:r>
                     </a:p>
                   </a:txBody>
-                  <a:tcPr marL="50800" marR="50800" marT="50800" marB="50800" anchor="ctr" anchorCtr="0" horzOverflow="overflow">
+                  <a:tcPr marL="50800" marR="50800" marT="50800" marB="50800" anchor="ctr" horzOverflow="overflow">
                     <a:solidFill>
                       <a:schemeClr val="accent6"/>
                     </a:solidFill>
@@ -7314,14 +8159,14 @@
                     <a:lstStyle/>
                     <a:p>
                       <a:pPr defTabSz="914400">
-                        <a:defRPr b="0" sz="1800">
+                        <a:defRPr sz="1800" b="0">
                           <a:solidFill>
                             <a:srgbClr val="000000"/>
                           </a:solidFill>
                         </a:defRPr>
                       </a:pPr>
                       <a:r>
-                        <a:rPr b="1" sz="2300">
+                        <a:rPr sz="2300" b="1">
                           <a:solidFill>
                             <a:srgbClr val="FFFFFF"/>
                           </a:solidFill>
@@ -7331,7 +8176,7 @@
                       </a:r>
                     </a:p>
                   </a:txBody>
-                  <a:tcPr marL="50800" marR="50800" marT="50800" marB="50800" anchor="ctr" anchorCtr="0" horzOverflow="overflow">
+                  <a:tcPr marL="50800" marR="50800" marT="50800" marB="50800" anchor="ctr" horzOverflow="overflow">
                     <a:solidFill>
                       <a:schemeClr val="accent6"/>
                     </a:solidFill>
@@ -7343,14 +8188,14 @@
                     <a:lstStyle/>
                     <a:p>
                       <a:pPr defTabSz="914400">
-                        <a:defRPr b="0" sz="1800">
+                        <a:defRPr sz="1800" b="0">
                           <a:solidFill>
                             <a:srgbClr val="000000"/>
                           </a:solidFill>
                         </a:defRPr>
                       </a:pPr>
                       <a:r>
-                        <a:rPr b="1" sz="1600">
+                        <a:rPr sz="1600" b="1">
                           <a:solidFill>
                             <a:srgbClr val="FFFFFF"/>
                           </a:solidFill>
@@ -7360,7 +8205,7 @@
                       </a:r>
                     </a:p>
                   </a:txBody>
-                  <a:tcPr marL="50800" marR="50800" marT="50800" marB="50800" anchor="ctr" anchorCtr="0" horzOverflow="overflow">
+                  <a:tcPr marL="50800" marR="50800" marT="50800" marB="50800" anchor="ctr" horzOverflow="overflow">
                     <a:solidFill>
                       <a:schemeClr val="accent6"/>
                     </a:solidFill>
@@ -7372,14 +8217,14 @@
                     <a:lstStyle/>
                     <a:p>
                       <a:pPr defTabSz="914400">
-                        <a:defRPr b="0" sz="1800">
+                        <a:defRPr sz="1800" b="0">
                           <a:solidFill>
                             <a:srgbClr val="000000"/>
                           </a:solidFill>
                         </a:defRPr>
                       </a:pPr>
                       <a:r>
-                        <a:rPr b="1" sz="2100">
+                        <a:rPr sz="2100" b="1">
                           <a:solidFill>
                             <a:srgbClr val="FFFFFF"/>
                           </a:solidFill>
@@ -7389,7 +8234,7 @@
                       </a:r>
                     </a:p>
                   </a:txBody>
-                  <a:tcPr marL="50800" marR="50800" marT="50800" marB="50800" anchor="ctr" anchorCtr="0" horzOverflow="overflow">
+                  <a:tcPr marL="50800" marR="50800" marT="50800" marB="50800" anchor="ctr" horzOverflow="overflow">
                     <a:solidFill>
                       <a:schemeClr val="accent6"/>
                     </a:solidFill>
@@ -7401,14 +8246,14 @@
                     <a:lstStyle/>
                     <a:p>
                       <a:pPr defTabSz="914400">
-                        <a:defRPr b="0" sz="1800">
+                        <a:defRPr sz="1800" b="0">
                           <a:solidFill>
                             <a:srgbClr val="000000"/>
                           </a:solidFill>
                         </a:defRPr>
                       </a:pPr>
                       <a:r>
-                        <a:rPr b="1" sz="2300">
+                        <a:rPr sz="2300" b="1">
                           <a:solidFill>
                             <a:srgbClr val="FFFFFF"/>
                           </a:solidFill>
@@ -7418,12 +8263,17 @@
                       </a:r>
                     </a:p>
                   </a:txBody>
-                  <a:tcPr marL="50800" marR="50800" marT="50800" marB="50800" anchor="ctr" anchorCtr="0" horzOverflow="overflow">
+                  <a:tcPr marL="50800" marR="50800" marT="50800" marB="50800" anchor="ctr" horzOverflow="overflow">
                     <a:solidFill>
                       <a:schemeClr val="accent6"/>
                     </a:solidFill>
                   </a:tcPr>
                 </a:tc>
+                <a:extLst>
+                  <a:ext uri="{0D108BD9-81ED-4DB2-BD59-A6C34878D82A}">
+                    <a16:rowId xmlns:a16="http://schemas.microsoft.com/office/drawing/2014/main" val="10000"/>
+                  </a:ext>
+                </a:extLst>
               </a:tr>
               <a:tr h="770081">
                 <a:tc>
@@ -7432,14 +8282,14 @@
                     <a:lstStyle/>
                     <a:p>
                       <a:pPr defTabSz="914400">
-                        <a:defRPr b="0" sz="1800">
+                        <a:defRPr sz="1800" b="0">
                           <a:solidFill>
                             <a:srgbClr val="000000"/>
                           </a:solidFill>
                         </a:defRPr>
                       </a:pPr>
                       <a:r>
-                        <a:rPr b="1" sz="2300">
+                        <a:rPr sz="2300" b="1">
                           <a:solidFill>
                             <a:srgbClr val="FFFFFF"/>
                           </a:solidFill>
@@ -7449,7 +8299,7 @@
                       </a:r>
                     </a:p>
                   </a:txBody>
-                  <a:tcPr marL="50800" marR="50800" marT="50800" marB="50800" anchor="ctr" anchorCtr="0" horzOverflow="overflow">
+                  <a:tcPr marL="50800" marR="50800" marT="50800" marB="50800" anchor="ctr" horzOverflow="overflow">
                     <a:solidFill>
                       <a:schemeClr val="accent6">
                         <a:satOff val="18029"/>
@@ -7474,7 +8324,7 @@
                       </a:r>
                     </a:p>
                   </a:txBody>
-                  <a:tcPr marL="50800" marR="50800" marT="50800" marB="50800" anchor="ctr" anchorCtr="0" horzOverflow="overflow"/>
+                  <a:tcPr marL="50800" marR="50800" marT="50800" marB="50800" anchor="ctr" horzOverflow="overflow"/>
                 </a:tc>
                 <a:tc>
                   <a:txBody>
@@ -7492,7 +8342,7 @@
                       </a:r>
                     </a:p>
                   </a:txBody>
-                  <a:tcPr marL="50800" marR="50800" marT="50800" marB="50800" anchor="ctr" anchorCtr="0" horzOverflow="overflow"/>
+                  <a:tcPr marL="50800" marR="50800" marT="50800" marB="50800" anchor="ctr" horzOverflow="overflow"/>
                 </a:tc>
                 <a:tc>
                   <a:txBody>
@@ -7510,7 +8360,7 @@
                       </a:r>
                     </a:p>
                   </a:txBody>
-                  <a:tcPr marL="50800" marR="50800" marT="50800" marB="50800" anchor="ctr" anchorCtr="0" horzOverflow="overflow"/>
+                  <a:tcPr marL="50800" marR="50800" marT="50800" marB="50800" anchor="ctr" horzOverflow="overflow"/>
                 </a:tc>
                 <a:tc>
                   <a:txBody>
@@ -7528,7 +8378,7 @@
                       </a:r>
                     </a:p>
                   </a:txBody>
-                  <a:tcPr marL="50800" marR="50800" marT="50800" marB="50800" anchor="ctr" anchorCtr="0" horzOverflow="overflow"/>
+                  <a:tcPr marL="50800" marR="50800" marT="50800" marB="50800" anchor="ctr" horzOverflow="overflow"/>
                 </a:tc>
                 <a:tc>
                   <a:txBody>
@@ -7546,8 +8396,13 @@
                       </a:r>
                     </a:p>
                   </a:txBody>
-                  <a:tcPr marL="50800" marR="50800" marT="50800" marB="50800" anchor="ctr" anchorCtr="0" horzOverflow="overflow"/>
-                </a:tc>
+                  <a:tcPr marL="50800" marR="50800" marT="50800" marB="50800" anchor="ctr" horzOverflow="overflow"/>
+                </a:tc>
+                <a:extLst>
+                  <a:ext uri="{0D108BD9-81ED-4DB2-BD59-A6C34878D82A}">
+                    <a16:rowId xmlns:a16="http://schemas.microsoft.com/office/drawing/2014/main" val="10001"/>
+                  </a:ext>
+                </a:extLst>
               </a:tr>
               <a:tr h="770081">
                 <a:tc>
@@ -7556,14 +8411,14 @@
                     <a:lstStyle/>
                     <a:p>
                       <a:pPr defTabSz="914400">
-                        <a:defRPr b="0" sz="1800">
+                        <a:defRPr sz="1800" b="0">
                           <a:solidFill>
                             <a:srgbClr val="000000"/>
                           </a:solidFill>
                         </a:defRPr>
                       </a:pPr>
                       <a:r>
-                        <a:rPr b="1" sz="2300">
+                        <a:rPr sz="2300" b="1">
                           <a:solidFill>
                             <a:srgbClr val="FFFFFF"/>
                           </a:solidFill>
@@ -7573,7 +8428,7 @@
                       </a:r>
                     </a:p>
                   </a:txBody>
-                  <a:tcPr marL="50800" marR="50800" marT="50800" marB="50800" anchor="ctr" anchorCtr="0" horzOverflow="overflow">
+                  <a:tcPr marL="50800" marR="50800" marT="50800" marB="50800" anchor="ctr" horzOverflow="overflow">
                     <a:solidFill>
                       <a:schemeClr val="accent6">
                         <a:satOff val="18029"/>
@@ -7598,7 +8453,7 @@
                       </a:r>
                     </a:p>
                   </a:txBody>
-                  <a:tcPr marL="50800" marR="50800" marT="50800" marB="50800" anchor="ctr" anchorCtr="0" horzOverflow="overflow"/>
+                  <a:tcPr marL="50800" marR="50800" marT="50800" marB="50800" anchor="ctr" horzOverflow="overflow"/>
                 </a:tc>
                 <a:tc>
                   <a:txBody>
@@ -7616,7 +8471,7 @@
                       </a:r>
                     </a:p>
                   </a:txBody>
-                  <a:tcPr marL="50800" marR="50800" marT="50800" marB="50800" anchor="ctr" anchorCtr="0" horzOverflow="overflow"/>
+                  <a:tcPr marL="50800" marR="50800" marT="50800" marB="50800" anchor="ctr" horzOverflow="overflow"/>
                 </a:tc>
                 <a:tc>
                   <a:txBody>
@@ -7634,7 +8489,7 @@
                       </a:r>
                     </a:p>
                   </a:txBody>
-                  <a:tcPr marL="50800" marR="50800" marT="50800" marB="50800" anchor="ctr" anchorCtr="0" horzOverflow="overflow"/>
+                  <a:tcPr marL="50800" marR="50800" marT="50800" marB="50800" anchor="ctr" horzOverflow="overflow"/>
                 </a:tc>
                 <a:tc>
                   <a:txBody>
@@ -7652,7 +8507,7 @@
                       </a:r>
                     </a:p>
                   </a:txBody>
-                  <a:tcPr marL="50800" marR="50800" marT="50800" marB="50800" anchor="ctr" anchorCtr="0" horzOverflow="overflow"/>
+                  <a:tcPr marL="50800" marR="50800" marT="50800" marB="50800" anchor="ctr" horzOverflow="overflow"/>
                 </a:tc>
                 <a:tc>
                   <a:txBody>
@@ -7670,8 +8525,13 @@
                       </a:r>
                     </a:p>
                   </a:txBody>
-                  <a:tcPr marL="50800" marR="50800" marT="50800" marB="50800" anchor="ctr" anchorCtr="0" horzOverflow="overflow"/>
-                </a:tc>
+                  <a:tcPr marL="50800" marR="50800" marT="50800" marB="50800" anchor="ctr" horzOverflow="overflow"/>
+                </a:tc>
+                <a:extLst>
+                  <a:ext uri="{0D108BD9-81ED-4DB2-BD59-A6C34878D82A}">
+                    <a16:rowId xmlns:a16="http://schemas.microsoft.com/office/drawing/2014/main" val="10002"/>
+                  </a:ext>
+                </a:extLst>
               </a:tr>
               <a:tr h="770081">
                 <a:tc>
@@ -7680,14 +8540,14 @@
                     <a:lstStyle/>
                     <a:p>
                       <a:pPr defTabSz="914400">
-                        <a:defRPr b="0" sz="1800">
+                        <a:defRPr sz="1800" b="0">
                           <a:solidFill>
                             <a:srgbClr val="000000"/>
                           </a:solidFill>
                         </a:defRPr>
                       </a:pPr>
                       <a:r>
-                        <a:rPr b="1" sz="2300">
+                        <a:rPr sz="2300" b="1">
                           <a:solidFill>
                             <a:srgbClr val="FFFFFF"/>
                           </a:solidFill>
@@ -7697,7 +8557,7 @@
                       </a:r>
                     </a:p>
                   </a:txBody>
-                  <a:tcPr marL="50800" marR="50800" marT="50800" marB="50800" anchor="ctr" anchorCtr="0" horzOverflow="overflow">
+                  <a:tcPr marL="50800" marR="50800" marT="50800" marB="50800" anchor="ctr" horzOverflow="overflow">
                     <a:solidFill>
                       <a:schemeClr val="accent6">
                         <a:satOff val="18029"/>
@@ -7722,7 +8582,7 @@
                       </a:r>
                     </a:p>
                   </a:txBody>
-                  <a:tcPr marL="50800" marR="50800" marT="50800" marB="50800" anchor="ctr" anchorCtr="0" horzOverflow="overflow"/>
+                  <a:tcPr marL="50800" marR="50800" marT="50800" marB="50800" anchor="ctr" horzOverflow="overflow"/>
                 </a:tc>
                 <a:tc>
                   <a:txBody>
@@ -7740,7 +8600,7 @@
                       </a:r>
                     </a:p>
                   </a:txBody>
-                  <a:tcPr marL="50800" marR="50800" marT="50800" marB="50800" anchor="ctr" anchorCtr="0" horzOverflow="overflow"/>
+                  <a:tcPr marL="50800" marR="50800" marT="50800" marB="50800" anchor="ctr" horzOverflow="overflow"/>
                 </a:tc>
                 <a:tc>
                   <a:txBody>
@@ -7758,7 +8618,7 @@
                       </a:r>
                     </a:p>
                   </a:txBody>
-                  <a:tcPr marL="50800" marR="50800" marT="50800" marB="50800" anchor="ctr" anchorCtr="0" horzOverflow="overflow"/>
+                  <a:tcPr marL="50800" marR="50800" marT="50800" marB="50800" anchor="ctr" horzOverflow="overflow"/>
                 </a:tc>
                 <a:tc>
                   <a:txBody>
@@ -7776,7 +8636,7 @@
                       </a:r>
                     </a:p>
                   </a:txBody>
-                  <a:tcPr marL="50800" marR="50800" marT="50800" marB="50800" anchor="ctr" anchorCtr="0" horzOverflow="overflow"/>
+                  <a:tcPr marL="50800" marR="50800" marT="50800" marB="50800" anchor="ctr" horzOverflow="overflow"/>
                 </a:tc>
                 <a:tc>
                   <a:txBody>
@@ -7794,8 +8654,13 @@
                       </a:r>
                     </a:p>
                   </a:txBody>
-                  <a:tcPr marL="50800" marR="50800" marT="50800" marB="50800" anchor="ctr" anchorCtr="0" horzOverflow="overflow"/>
-                </a:tc>
+                  <a:tcPr marL="50800" marR="50800" marT="50800" marB="50800" anchor="ctr" horzOverflow="overflow"/>
+                </a:tc>
+                <a:extLst>
+                  <a:ext uri="{0D108BD9-81ED-4DB2-BD59-A6C34878D82A}">
+                    <a16:rowId xmlns:a16="http://schemas.microsoft.com/office/drawing/2014/main" val="10003"/>
+                  </a:ext>
+                </a:extLst>
               </a:tr>
               <a:tr h="770081">
                 <a:tc>
@@ -7804,14 +8669,14 @@
                     <a:lstStyle/>
                     <a:p>
                       <a:pPr defTabSz="914400">
-                        <a:defRPr b="0" sz="1800">
+                        <a:defRPr sz="1800" b="0">
                           <a:solidFill>
                             <a:srgbClr val="000000"/>
                           </a:solidFill>
                         </a:defRPr>
                       </a:pPr>
                       <a:r>
-                        <a:rPr b="1" sz="2300">
+                        <a:rPr sz="2300" b="1">
                           <a:solidFill>
                             <a:srgbClr val="FFFFFF"/>
                           </a:solidFill>
@@ -7821,7 +8686,7 @@
                       </a:r>
                     </a:p>
                   </a:txBody>
-                  <a:tcPr marL="50800" marR="50800" marT="50800" marB="50800" anchor="ctr" anchorCtr="0" horzOverflow="overflow">
+                  <a:tcPr marL="50800" marR="50800" marT="50800" marB="50800" anchor="ctr" horzOverflow="overflow">
                     <a:solidFill>
                       <a:schemeClr val="accent6">
                         <a:satOff val="18029"/>
@@ -7846,7 +8711,7 @@
                       </a:r>
                     </a:p>
                   </a:txBody>
-                  <a:tcPr marL="50800" marR="50800" marT="50800" marB="50800" anchor="ctr" anchorCtr="0" horzOverflow="overflow"/>
+                  <a:tcPr marL="50800" marR="50800" marT="50800" marB="50800" anchor="ctr" horzOverflow="overflow"/>
                 </a:tc>
                 <a:tc>
                   <a:txBody>
@@ -7864,7 +8729,7 @@
                       </a:r>
                     </a:p>
                   </a:txBody>
-                  <a:tcPr marL="50800" marR="50800" marT="50800" marB="50800" anchor="ctr" anchorCtr="0" horzOverflow="overflow"/>
+                  <a:tcPr marL="50800" marR="50800" marT="50800" marB="50800" anchor="ctr" horzOverflow="overflow"/>
                 </a:tc>
                 <a:tc>
                   <a:txBody>
@@ -7882,7 +8747,7 @@
                       </a:r>
                     </a:p>
                   </a:txBody>
-                  <a:tcPr marL="50800" marR="50800" marT="50800" marB="50800" anchor="ctr" anchorCtr="0" horzOverflow="overflow"/>
+                  <a:tcPr marL="50800" marR="50800" marT="50800" marB="50800" anchor="ctr" horzOverflow="overflow"/>
                 </a:tc>
                 <a:tc>
                   <a:txBody>
@@ -7900,7 +8765,7 @@
                       </a:r>
                     </a:p>
                   </a:txBody>
-                  <a:tcPr marL="50800" marR="50800" marT="50800" marB="50800" anchor="ctr" anchorCtr="0" horzOverflow="overflow"/>
+                  <a:tcPr marL="50800" marR="50800" marT="50800" marB="50800" anchor="ctr" horzOverflow="overflow"/>
                 </a:tc>
                 <a:tc>
                   <a:txBody>
@@ -7918,8 +8783,13 @@
                       </a:r>
                     </a:p>
                   </a:txBody>
-                  <a:tcPr marL="50800" marR="50800" marT="50800" marB="50800" anchor="ctr" anchorCtr="0" horzOverflow="overflow"/>
-                </a:tc>
+                  <a:tcPr marL="50800" marR="50800" marT="50800" marB="50800" anchor="ctr" horzOverflow="overflow"/>
+                </a:tc>
+                <a:extLst>
+                  <a:ext uri="{0D108BD9-81ED-4DB2-BD59-A6C34878D82A}">
+                    <a16:rowId xmlns:a16="http://schemas.microsoft.com/office/drawing/2014/main" val="10004"/>
+                  </a:ext>
+                </a:extLst>
               </a:tr>
               <a:tr h="770081">
                 <a:tc>
@@ -7928,14 +8798,14 @@
                     <a:lstStyle/>
                     <a:p>
                       <a:pPr defTabSz="914400">
-                        <a:defRPr b="0" sz="1800">
+                        <a:defRPr sz="1800" b="0">
                           <a:solidFill>
                             <a:srgbClr val="000000"/>
                           </a:solidFill>
                         </a:defRPr>
                       </a:pPr>
                       <a:r>
-                        <a:rPr b="1" sz="1900">
+                        <a:rPr sz="1900" b="1">
                           <a:solidFill>
                             <a:srgbClr val="FFFFFF"/>
                           </a:solidFill>
@@ -7945,7 +8815,7 @@
                       </a:r>
                     </a:p>
                   </a:txBody>
-                  <a:tcPr marL="50800" marR="50800" marT="50800" marB="50800" anchor="ctr" anchorCtr="0" horzOverflow="overflow">
+                  <a:tcPr marL="50800" marR="50800" marT="50800" marB="50800" anchor="ctr" horzOverflow="overflow">
                     <a:solidFill>
                       <a:schemeClr val="accent6">
                         <a:satOff val="18029"/>
@@ -7970,7 +8840,7 @@
                       </a:r>
                     </a:p>
                   </a:txBody>
-                  <a:tcPr marL="50800" marR="50800" marT="50800" marB="50800" anchor="ctr" anchorCtr="0" horzOverflow="overflow"/>
+                  <a:tcPr marL="50800" marR="50800" marT="50800" marB="50800" anchor="ctr" horzOverflow="overflow"/>
                 </a:tc>
                 <a:tc>
                   <a:txBody>
@@ -7988,7 +8858,7 @@
                       </a:r>
                     </a:p>
                   </a:txBody>
-                  <a:tcPr marL="50800" marR="50800" marT="50800" marB="50800" anchor="ctr" anchorCtr="0" horzOverflow="overflow"/>
+                  <a:tcPr marL="50800" marR="50800" marT="50800" marB="50800" anchor="ctr" horzOverflow="overflow"/>
                 </a:tc>
                 <a:tc>
                   <a:txBody>
@@ -8006,7 +8876,7 @@
                       </a:r>
                     </a:p>
                   </a:txBody>
-                  <a:tcPr marL="50800" marR="50800" marT="50800" marB="50800" anchor="ctr" anchorCtr="0" horzOverflow="overflow"/>
+                  <a:tcPr marL="50800" marR="50800" marT="50800" marB="50800" anchor="ctr" horzOverflow="overflow"/>
                 </a:tc>
                 <a:tc>
                   <a:txBody>
@@ -8024,177 +8894,266 @@
                       </a:r>
                     </a:p>
                   </a:txBody>
-                  <a:tcPr marL="50800" marR="50800" marT="50800" marB="50800" anchor="ctr" anchorCtr="0" horzOverflow="overflow"/>
-                </a:tc>
-                <a:tc>
-                  <a:txBody>
-                    <a:bodyPr/>
-                    <a:lstStyle/>
-                    <a:p>
-                      <a:pPr defTabSz="914400">
-                        <a:defRPr sz="1800"/>
-                      </a:pPr>
-                      <a:r>
-                        <a:rPr sz="2300">
+                  <a:tcPr marL="50800" marR="50800" marT="50800" marB="50800" anchor="ctr" horzOverflow="overflow"/>
+                </a:tc>
+                <a:tc>
+                  <a:txBody>
+                    <a:bodyPr/>
+                    <a:lstStyle/>
+                    <a:p>
+                      <a:pPr defTabSz="914400">
+                        <a:defRPr sz="1800"/>
+                      </a:pPr>
+                      <a:r>
+                        <a:rPr sz="2300" dirty="0">
                           <a:sym typeface="Helvetica Neue"/>
                         </a:rPr>
                         <a:t>✅</a:t>
                       </a:r>
                     </a:p>
                   </a:txBody>
-                  <a:tcPr marL="50800" marR="50800" marT="50800" marB="50800" anchor="ctr" anchorCtr="0" horzOverflow="overflow"/>
-                </a:tc>
+                  <a:tcPr marL="50800" marR="50800" marT="50800" marB="50800" anchor="ctr" horzOverflow="overflow"/>
+                </a:tc>
+                <a:extLst>
+                  <a:ext uri="{0D108BD9-81ED-4DB2-BD59-A6C34878D82A}">
+                    <a16:rowId xmlns:a16="http://schemas.microsoft.com/office/drawing/2014/main" val="10005"/>
+                  </a:ext>
+                </a:extLst>
               </a:tr>
             </a:tbl>
           </a:graphicData>
         </a:graphic>
       </p:graphicFrame>
-      <p:sp>
-        <p:nvSpPr>
-          <p:cNvPr id="149" name="Text"/>
-          <p:cNvSpPr txBox="1"/>
-          <p:nvPr/>
-        </p:nvSpPr>
-        <p:spPr>
-          <a:xfrm>
-            <a:off x="2057988" y="2685196"/>
-            <a:ext cx="3330509" cy="961060"/>
-          </a:xfrm>
-          <a:prstGeom prst="rect">
-            <a:avLst/>
-          </a:prstGeom>
-          <a:ln w="12700">
-            <a:miter lim="400000"/>
-          </a:ln>
-          <a:extLst>
-            <a:ext uri="{C572A759-6A51-4108-AA02-DFA0A04FC94B}">
-              <ma14:wrappingTextBoxFlag xmlns:ma14="http://schemas.microsoft.com/office/mac/drawingml/2011/main" val="1"/>
-            </a:ext>
-          </a:extLst>
-        </p:spPr>
-        <p:txBody>
-          <a:bodyPr lIns="50800" tIns="50800" rIns="50800" bIns="50800" anchor="ctr">
-            <a:spAutoFit/>
-          </a:bodyPr>
-          <a:lstStyle>
-            <a:lvl1pPr>
-              <a:defRPr sz="4700"/>
-            </a:lvl1pPr>
-          </a:lstStyle>
-          <a:p>
-            <a:pPr/>
-            <a14:m>
-              <m:oMathPara>
-                <m:oMathParaPr>
-                  <m:jc m:val="center"/>
-                </m:oMathParaPr>
-                <m:oMath>
-                  <m:r>
-                    <a:rPr xmlns:a="http://schemas.openxmlformats.org/drawingml/2006/main" sz="5800" i="1">
-                      <a:solidFill>
-                        <a:srgbClr val="000000"/>
-                      </a:solidFill>
-                      <a:latin typeface="Cambria Math" panose="02040503050406030204" pitchFamily="18" charset="0"/>
-                    </a:rPr>
-                    <m:t>n</m:t>
-                  </m:r>
-                  <m:r>
-                    <a:rPr xmlns:a="http://schemas.openxmlformats.org/drawingml/2006/main" sz="5800" i="1">
-                      <a:solidFill>
-                        <a:srgbClr val="000000"/>
-                      </a:solidFill>
-                      <a:latin typeface="Cambria Math" panose="02040503050406030204" pitchFamily="18" charset="0"/>
-                    </a:rPr>
-                    <m:t>=</m:t>
-                  </m:r>
-                  <m:r>
-                    <a:rPr xmlns:a="http://schemas.openxmlformats.org/drawingml/2006/main" sz="5800" i="1">
-                      <a:solidFill>
-                        <a:srgbClr val="000000"/>
-                      </a:solidFill>
-                      <a:latin typeface="Cambria Math" panose="02040503050406030204" pitchFamily="18" charset="0"/>
-                    </a:rPr>
-                    <m:t>163</m:t>
-                  </m:r>
-                </m:oMath>
-              </m:oMathPara>
-            </a14:m>
-          </a:p>
-        </p:txBody>
-      </p:sp>
-      <p:sp>
-        <p:nvSpPr>
-          <p:cNvPr id="150" name="Text"/>
-          <p:cNvSpPr txBox="1"/>
-          <p:nvPr/>
-        </p:nvSpPr>
-        <p:spPr>
-          <a:xfrm>
-            <a:off x="2057988" y="3689852"/>
-            <a:ext cx="3330509" cy="961060"/>
-          </a:xfrm>
-          <a:prstGeom prst="rect">
-            <a:avLst/>
-          </a:prstGeom>
-          <a:ln w="12700">
-            <a:miter lim="400000"/>
-          </a:ln>
-          <a:extLst>
-            <a:ext uri="{C572A759-6A51-4108-AA02-DFA0A04FC94B}">
-              <ma14:wrappingTextBoxFlag xmlns:ma14="http://schemas.microsoft.com/office/mac/drawingml/2011/main" val="1"/>
-            </a:ext>
-          </a:extLst>
-        </p:spPr>
-        <p:txBody>
-          <a:bodyPr lIns="50800" tIns="50800" rIns="50800" bIns="50800" anchor="ctr">
-            <a:spAutoFit/>
-          </a:bodyPr>
-          <a:lstStyle>
-            <a:lvl1pPr>
-              <a:defRPr sz="4700"/>
-            </a:lvl1pPr>
-          </a:lstStyle>
-          <a:p>
-            <a:pPr/>
-            <a14:m>
-              <m:oMathPara>
-                <m:oMathParaPr>
-                  <m:jc m:val="center"/>
-                </m:oMathParaPr>
-                <m:oMath>
-                  <m:r>
-                    <a:rPr xmlns:a="http://schemas.openxmlformats.org/drawingml/2006/main" sz="5750" i="1">
-                      <a:solidFill>
-                        <a:srgbClr val="000000"/>
-                      </a:solidFill>
-                      <a:latin typeface="Cambria Math" panose="02040503050406030204" pitchFamily="18" charset="0"/>
-                    </a:rPr>
-                    <m:t>m</m:t>
-                  </m:r>
-                  <m:r>
-                    <a:rPr xmlns:a="http://schemas.openxmlformats.org/drawingml/2006/main" sz="5750" i="1">
-                      <a:solidFill>
-                        <a:srgbClr val="000000"/>
-                      </a:solidFill>
-                      <a:latin typeface="Cambria Math" panose="02040503050406030204" pitchFamily="18" charset="0"/>
-                    </a:rPr>
-                    <m:t>=</m:t>
-                  </m:r>
-                  <m:r>
-                    <a:rPr xmlns:a="http://schemas.openxmlformats.org/drawingml/2006/main" sz="5750" i="1">
-                      <a:solidFill>
-                        <a:srgbClr val="000000"/>
-                      </a:solidFill>
-                      <a:latin typeface="Cambria Math" panose="02040503050406030204" pitchFamily="18" charset="0"/>
-                    </a:rPr>
-                    <m:t>105</m:t>
-                  </m:r>
-                </m:oMath>
-              </m:oMathPara>
-            </a14:m>
-          </a:p>
-        </p:txBody>
-      </p:sp>
+      <mc:AlternateContent xmlns:mc="http://schemas.openxmlformats.org/markup-compatibility/2006">
+        <mc:Choice xmlns:a14="http://schemas.microsoft.com/office/drawing/2010/main" Requires="a14">
+          <p:sp>
+            <p:nvSpPr>
+              <p:cNvPr id="149" name="Text"/>
+              <p:cNvSpPr txBox="1"/>
+              <p:nvPr/>
+            </p:nvSpPr>
+            <p:spPr>
+              <a:xfrm>
+                <a:off x="2057988" y="2685196"/>
+                <a:ext cx="3330509" cy="961060"/>
+              </a:xfrm>
+              <a:prstGeom prst="rect">
+                <a:avLst/>
+              </a:prstGeom>
+              <a:ln w="12700">
+                <a:miter lim="400000"/>
+              </a:ln>
+              <a:extLst>
+                <a:ext uri="{C572A759-6A51-4108-AA02-DFA0A04FC94B}">
+                  <ma14:wrappingTextBoxFlag xmlns:ma14="http://schemas.microsoft.com/office/mac/drawingml/2011/main" xmlns:m="http://schemas.openxmlformats.org/officeDocument/2006/math" xmlns="" val="1"/>
+                </a:ext>
+              </a:extLst>
+            </p:spPr>
+            <p:txBody>
+              <a:bodyPr lIns="50800" tIns="50800" rIns="50800" bIns="50800" anchor="ctr">
+                <a:spAutoFit/>
+              </a:bodyPr>
+              <a:lstStyle>
+                <a:lvl1pPr>
+                  <a:defRPr sz="4700"/>
+                </a:lvl1pPr>
+              </a:lstStyle>
+              <a:p>
+                <a:pPr/>
+                <a14:m>
+                  <m:oMathPara xmlns:m="http://schemas.openxmlformats.org/officeDocument/2006/math">
+                    <m:oMathParaPr>
+                      <m:jc m:val="center"/>
+                    </m:oMathParaPr>
+                    <m:oMath xmlns:m="http://schemas.openxmlformats.org/officeDocument/2006/math">
+                      <m:r>
+                        <a:rPr sz="5800" i="1">
+                          <a:solidFill>
+                            <a:srgbClr val="000000"/>
+                          </a:solidFill>
+                          <a:latin typeface="Cambria Math" panose="02040503050406030204" pitchFamily="18" charset="0"/>
+                        </a:rPr>
+                        <m:t>𝑛</m:t>
+                      </m:r>
+                      <m:r>
+                        <a:rPr sz="5800" i="1">
+                          <a:solidFill>
+                            <a:srgbClr val="000000"/>
+                          </a:solidFill>
+                          <a:latin typeface="Cambria Math" panose="02040503050406030204" pitchFamily="18" charset="0"/>
+                        </a:rPr>
+                        <m:t>=163</m:t>
+                      </m:r>
+                    </m:oMath>
+                  </m:oMathPara>
+                </a14:m>
+                <a:endParaRPr/>
+              </a:p>
+            </p:txBody>
+          </p:sp>
+        </mc:Choice>
+        <mc:Fallback>
+          <p:sp>
+            <p:nvSpPr>
+              <p:cNvPr id="149" name="Text"/>
+              <p:cNvSpPr txBox="1">
+                <a:spLocks noRot="1" noChangeAspect="1" noMove="1" noResize="1" noEditPoints="1" noAdjustHandles="1" noChangeArrowheads="1" noChangeShapeType="1" noTextEdit="1"/>
+              </p:cNvSpPr>
+              <p:nvPr/>
+            </p:nvSpPr>
+            <p:spPr>
+              <a:xfrm>
+                <a:off x="2057988" y="2685196"/>
+                <a:ext cx="3330509" cy="961060"/>
+              </a:xfrm>
+              <a:prstGeom prst="rect">
+                <a:avLst/>
+              </a:prstGeom>
+              <a:blipFill>
+                <a:blip r:embed="rId3"/>
+                <a:stretch>
+                  <a:fillRect/>
+                </a:stretch>
+              </a:blipFill>
+              <a:ln w="12700">
+                <a:miter lim="400000"/>
+              </a:ln>
+              <a:extLst>
+                <a:ext uri="{C572A759-6A51-4108-AA02-DFA0A04FC94B}">
+                  <ma14:wrappingTextBoxFlag xmlns:ma14="http://schemas.microsoft.com/office/mac/drawingml/2011/main" xmlns:a14="http://schemas.microsoft.com/office/drawing/2010/main" xmlns:m="http://schemas.openxmlformats.org/officeDocument/2006/math" xmlns="" val="1"/>
+                </a:ext>
+              </a:extLst>
+            </p:spPr>
+            <p:txBody>
+              <a:bodyPr/>
+              <a:lstStyle/>
+              <a:p>
+                <a:r>
+                  <a:rPr lang="es-MX">
+                    <a:noFill/>
+                  </a:rPr>
+                  <a:t> </a:t>
+                </a:r>
+              </a:p>
+            </p:txBody>
+          </p:sp>
+        </mc:Fallback>
+      </mc:AlternateContent>
+      <mc:AlternateContent xmlns:mc="http://schemas.openxmlformats.org/markup-compatibility/2006">
+        <mc:Choice xmlns:a14="http://schemas.microsoft.com/office/drawing/2010/main" Requires="a14">
+          <p:sp>
+            <p:nvSpPr>
+              <p:cNvPr id="150" name="Text"/>
+              <p:cNvSpPr txBox="1"/>
+              <p:nvPr/>
+            </p:nvSpPr>
+            <p:spPr>
+              <a:xfrm>
+                <a:off x="2057988" y="3689852"/>
+                <a:ext cx="3330509" cy="961060"/>
+              </a:xfrm>
+              <a:prstGeom prst="rect">
+                <a:avLst/>
+              </a:prstGeom>
+              <a:ln w="12700">
+                <a:miter lim="400000"/>
+              </a:ln>
+              <a:extLst>
+                <a:ext uri="{C572A759-6A51-4108-AA02-DFA0A04FC94B}">
+                  <ma14:wrappingTextBoxFlag xmlns:ma14="http://schemas.microsoft.com/office/mac/drawingml/2011/main" xmlns:m="http://schemas.openxmlformats.org/officeDocument/2006/math" xmlns="" val="1"/>
+                </a:ext>
+              </a:extLst>
+            </p:spPr>
+            <p:txBody>
+              <a:bodyPr lIns="50800" tIns="50800" rIns="50800" bIns="50800" anchor="ctr">
+                <a:spAutoFit/>
+              </a:bodyPr>
+              <a:lstStyle>
+                <a:lvl1pPr>
+                  <a:defRPr sz="4700"/>
+                </a:lvl1pPr>
+              </a:lstStyle>
+              <a:p>
+                <a:pPr/>
+                <a14:m>
+                  <m:oMathPara xmlns:m="http://schemas.openxmlformats.org/officeDocument/2006/math">
+                    <m:oMathParaPr>
+                      <m:jc m:val="center"/>
+                    </m:oMathParaPr>
+                    <m:oMath xmlns:m="http://schemas.openxmlformats.org/officeDocument/2006/math">
+                      <m:r>
+                        <a:rPr sz="5750" i="1">
+                          <a:solidFill>
+                            <a:srgbClr val="000000"/>
+                          </a:solidFill>
+                          <a:latin typeface="Cambria Math" panose="02040503050406030204" pitchFamily="18" charset="0"/>
+                        </a:rPr>
+                        <m:t>𝑚</m:t>
+                      </m:r>
+                      <m:r>
+                        <a:rPr sz="5750" i="1">
+                          <a:solidFill>
+                            <a:srgbClr val="000000"/>
+                          </a:solidFill>
+                          <a:latin typeface="Cambria Math" panose="02040503050406030204" pitchFamily="18" charset="0"/>
+                        </a:rPr>
+                        <m:t>=105</m:t>
+                      </m:r>
+                    </m:oMath>
+                  </m:oMathPara>
+                </a14:m>
+                <a:endParaRPr/>
+              </a:p>
+            </p:txBody>
+          </p:sp>
+        </mc:Choice>
+        <mc:Fallback>
+          <p:sp>
+            <p:nvSpPr>
+              <p:cNvPr id="150" name="Text"/>
+              <p:cNvSpPr txBox="1">
+                <a:spLocks noRot="1" noChangeAspect="1" noMove="1" noResize="1" noEditPoints="1" noAdjustHandles="1" noChangeArrowheads="1" noChangeShapeType="1" noTextEdit="1"/>
+              </p:cNvSpPr>
+              <p:nvPr/>
+            </p:nvSpPr>
+            <p:spPr>
+              <a:xfrm>
+                <a:off x="2057988" y="3689852"/>
+                <a:ext cx="3330509" cy="961060"/>
+              </a:xfrm>
+              <a:prstGeom prst="rect">
+                <a:avLst/>
+              </a:prstGeom>
+              <a:blipFill>
+                <a:blip r:embed="rId4"/>
+                <a:stretch>
+                  <a:fillRect/>
+                </a:stretch>
+              </a:blipFill>
+              <a:ln w="12700">
+                <a:miter lim="400000"/>
+              </a:ln>
+              <a:extLst>
+                <a:ext uri="{C572A759-6A51-4108-AA02-DFA0A04FC94B}">
+                  <ma14:wrappingTextBoxFlag xmlns:ma14="http://schemas.microsoft.com/office/mac/drawingml/2011/main" xmlns:a14="http://schemas.microsoft.com/office/drawing/2010/main" xmlns:m="http://schemas.openxmlformats.org/officeDocument/2006/math" xmlns="" val="1"/>
+                </a:ext>
+              </a:extLst>
+            </p:spPr>
+            <p:txBody>
+              <a:bodyPr/>
+              <a:lstStyle/>
+              <a:p>
+                <a:r>
+                  <a:rPr lang="es-MX">
+                    <a:noFill/>
+                  </a:rPr>
+                  <a:t> </a:t>
+                </a:r>
+              </a:p>
+            </p:txBody>
+          </p:sp>
+        </mc:Fallback>
+      </mc:AlternateContent>
       <p:sp>
         <p:nvSpPr>
           <p:cNvPr id="151" name="Matriz mal condicionada"/>
@@ -8214,7 +9173,7 @@
           </a:ln>
           <a:extLst>
             <a:ext uri="{C572A759-6A51-4108-AA02-DFA0A04FC94B}">
-              <ma14:wrappingTextBoxFlag xmlns:ma14="http://schemas.microsoft.com/office/mac/drawingml/2011/main" val="1"/>
+              <ma14:wrappingTextBoxFlag xmlns:ma14="http://schemas.microsoft.com/office/mac/drawingml/2011/main" xmlns:a14="http://schemas.microsoft.com/office/drawing/2010/main" xmlns:m="http://schemas.openxmlformats.org/officeDocument/2006/math" xmlns="" val="1"/>
             </a:ext>
           </a:extLst>
         </p:spPr>
@@ -8228,7 +9187,6 @@
             </a:lvl1pPr>
           </a:lstStyle>
           <a:p>
-            <a:pPr/>
             <a:r>
               <a:t>Matriz mal condicionada</a:t>
             </a:r>
@@ -8240,12 +9198,12 @@
   <p:clrMapOvr>
     <a:masterClrMapping/>
   </p:clrMapOvr>
-  <p:transition xmlns:p14="http://schemas.microsoft.com/office/powerpoint/2010/main" spd="med" advClick="1"/>
+  <p:transition spd="med"/>
 </p:sld>
 </file>
 
 <file path=ppt/slides/slide7.xml><?xml version="1.0" encoding="utf-8"?>
-<p:sld xmlns:a="http://schemas.openxmlformats.org/drawingml/2006/main" xmlns:r="http://schemas.openxmlformats.org/officeDocument/2006/relationships" xmlns:p="http://schemas.openxmlformats.org/presentationml/2006/main" xmlns:m="http://schemas.openxmlformats.org/officeDocument/2006/math" xmlns:a14="http://schemas.microsoft.com/office/drawing/2010/main" showMasterSp="1" showMasterPhAnim="1">
+<p:sld xmlns:a="http://schemas.openxmlformats.org/drawingml/2006/main" xmlns:r="http://schemas.openxmlformats.org/officeDocument/2006/relationships" xmlns:p="http://schemas.openxmlformats.org/presentationml/2006/main">
   <p:cSld>
     <p:spTree>
       <p:nvGrpSpPr>
@@ -8263,9 +9221,9 @@
       </p:grpSpPr>
       <p:pic>
         <p:nvPicPr>
-          <p:cNvPr id="153" name="sctap1.png" descr="sctap1.png"/>
+          <p:cNvPr id="153" name="sctap1.png"/>
           <p:cNvPicPr>
-            <a:picLocks noChangeAspect="1"/>
+            <a:picLocks noGrp="1" noChangeAspect="1"/>
           </p:cNvPicPr>
           <p:nvPr>
             <p:ph type="pic" idx="13"/>
@@ -8273,17 +9231,20 @@
         </p:nvPicPr>
         <p:blipFill>
           <a:blip r:embed="rId2">
-            <a:extLst/>
+            <a:extLst>
+              <a:ext uri="{28A0092B-C50C-407E-A947-70E740481C1C}">
+                <a14:useLocalDpi xmlns:a14="http://schemas.microsoft.com/office/drawing/2010/main" val="0"/>
+              </a:ext>
+            </a:extLst>
           </a:blip>
-          <a:srcRect l="0" t="0" r="0" b="0"/>
           <a:stretch>
             <a:fillRect/>
           </a:stretch>
         </p:blipFill>
         <p:spPr>
           <a:xfrm>
-            <a:off x="13169900" y="4225925"/>
-            <a:ext cx="9525001" cy="7143751"/>
+            <a:off x="13169900" y="4227286"/>
+            <a:ext cx="9525001" cy="7141028"/>
           </a:xfrm>
           <a:prstGeom prst="rect">
             <a:avLst/>
@@ -8293,7 +9254,9 @@
       <p:sp>
         <p:nvSpPr>
           <p:cNvPr id="154" name="GROW7"/>
-          <p:cNvSpPr txBox="1"/>
+          <p:cNvSpPr txBox="1">
+            <a:spLocks noGrp="1"/>
+          </p:cNvSpPr>
           <p:nvPr>
             <p:ph type="title"/>
           </p:nvPr>
@@ -8307,7 +9270,6 @@
           <a:bodyPr/>
           <a:lstStyle/>
           <a:p>
-            <a:pPr/>
             <a:r>
               <a:t>GROW7</a:t>
             </a:r>
@@ -8318,25 +9280,67 @@
         <p:nvGraphicFramePr>
           <p:cNvPr id="155" name="Table"/>
           <p:cNvGraphicFramePr/>
-          <p:nvPr/>
+          <p:nvPr>
+            <p:extLst>
+              <p:ext uri="{D42A27DB-BD31-4B8C-83A1-F6EECF244321}">
+                <p14:modId xmlns:p14="http://schemas.microsoft.com/office/powerpoint/2010/main" val="1319417414"/>
+              </p:ext>
+            </p:extLst>
+          </p:nvPr>
         </p:nvGraphicFramePr>
         <p:xfrm>
           <a:off x="1249666" y="5699164"/>
-          <a:ext cx="10676572" cy="4620488"/>
+          <a:ext cx="10743402" cy="4685604"/>
         </p:xfrm>
-        <a:graphic xmlns:a="http://schemas.openxmlformats.org/drawingml/2006/main">
+        <a:graphic>
           <a:graphicData uri="http://schemas.openxmlformats.org/drawingml/2006/table">
             <a:tbl>
-              <a:tblPr firstCol="1" firstRow="1" lastCol="0" lastRow="0" bandCol="0" bandRow="1" rtl="0">
+              <a:tblPr firstRow="1" firstCol="1" bandRow="1">
                 <a:tableStyleId>{4C3C2611-4C71-4FC5-86AE-919BDF0F9419}</a:tableStyleId>
               </a:tblPr>
               <a:tblGrid>
-                <a:gridCol w="1779428"/>
-                <a:gridCol w="1779428"/>
-                <a:gridCol w="1779428"/>
-                <a:gridCol w="1779428"/>
-                <a:gridCol w="1779428"/>
-                <a:gridCol w="1779428"/>
+                <a:gridCol w="1779428">
+                  <a:extLst>
+                    <a:ext uri="{9D8B030D-6E8A-4147-A177-3AD203B41FA5}">
+                      <a16:colId xmlns:a16="http://schemas.microsoft.com/office/drawing/2014/main" val="20000"/>
+                    </a:ext>
+                  </a:extLst>
+                </a:gridCol>
+                <a:gridCol w="1846262">
+                  <a:extLst>
+                    <a:ext uri="{9D8B030D-6E8A-4147-A177-3AD203B41FA5}">
+                      <a16:colId xmlns:a16="http://schemas.microsoft.com/office/drawing/2014/main" val="20001"/>
+                    </a:ext>
+                  </a:extLst>
+                </a:gridCol>
+                <a:gridCol w="1779428">
+                  <a:extLst>
+                    <a:ext uri="{9D8B030D-6E8A-4147-A177-3AD203B41FA5}">
+                      <a16:colId xmlns:a16="http://schemas.microsoft.com/office/drawing/2014/main" val="20002"/>
+                    </a:ext>
+                  </a:extLst>
+                </a:gridCol>
+                <a:gridCol w="1779428">
+                  <a:extLst>
+                    <a:ext uri="{9D8B030D-6E8A-4147-A177-3AD203B41FA5}">
+                      <a16:colId xmlns:a16="http://schemas.microsoft.com/office/drawing/2014/main" val="20003"/>
+                    </a:ext>
+                  </a:extLst>
+                </a:gridCol>
+                <a:gridCol w="1779428">
+                  <a:extLst>
+                    <a:ext uri="{9D8B030D-6E8A-4147-A177-3AD203B41FA5}">
+                      <a16:colId xmlns:a16="http://schemas.microsoft.com/office/drawing/2014/main" val="20004"/>
+                    </a:ext>
+                  </a:extLst>
+                </a:gridCol>
+                <a:gridCol w="1779428">
+                  <a:extLst>
+                    <a:ext uri="{9D8B030D-6E8A-4147-A177-3AD203B41FA5}">
+                      <a16:colId xmlns:a16="http://schemas.microsoft.com/office/drawing/2014/main" val="20005"/>
+                    </a:ext>
+                  </a:extLst>
+                </a:gridCol>
               </a:tblGrid>
               <a:tr h="770081">
                 <a:tc>
@@ -8349,9 +9353,10 @@
                           <a:sym typeface="Helvetica Neue"/>
                         </a:defRPr>
                       </a:pPr>
-                    </a:p>
-                  </a:txBody>
-                  <a:tcPr marL="50800" marR="50800" marT="50800" marB="50800" anchor="ctr" anchorCtr="0" horzOverflow="overflow">
+                      <a:endParaRPr/>
+                    </a:p>
+                  </a:txBody>
+                  <a:tcPr marL="50800" marR="50800" marT="50800" marB="50800" anchor="ctr" horzOverflow="overflow">
                     <a:solidFill>
                       <a:schemeClr val="accent6"/>
                     </a:solidFill>
@@ -8363,14 +9368,14 @@
                     <a:lstStyle/>
                     <a:p>
                       <a:pPr defTabSz="914400">
-                        <a:defRPr b="0" sz="1800">
+                        <a:defRPr sz="1800" b="0">
                           <a:solidFill>
                             <a:srgbClr val="000000"/>
                           </a:solidFill>
                         </a:defRPr>
                       </a:pPr>
                       <a:r>
-                        <a:rPr b="1" sz="1900">
+                        <a:rPr sz="1900" b="1">
                           <a:solidFill>
                             <a:srgbClr val="FFFFFF"/>
                           </a:solidFill>
@@ -8380,7 +9385,7 @@
                       </a:r>
                     </a:p>
                   </a:txBody>
-                  <a:tcPr marL="50800" marR="50800" marT="50800" marB="50800" anchor="ctr" anchorCtr="0" horzOverflow="overflow">
+                  <a:tcPr marL="50800" marR="50800" marT="50800" marB="50800" anchor="ctr" horzOverflow="overflow">
                     <a:solidFill>
                       <a:schemeClr val="accent6"/>
                     </a:solidFill>
@@ -8392,14 +9397,14 @@
                     <a:lstStyle/>
                     <a:p>
                       <a:pPr defTabSz="914400">
-                        <a:defRPr b="0" sz="1800">
+                        <a:defRPr sz="1800" b="0">
                           <a:solidFill>
                             <a:srgbClr val="000000"/>
                           </a:solidFill>
                         </a:defRPr>
                       </a:pPr>
                       <a:r>
-                        <a:rPr b="1" sz="2300">
+                        <a:rPr sz="2300" b="1" dirty="0" err="1">
                           <a:solidFill>
                             <a:srgbClr val="FFFFFF"/>
                           </a:solidFill>
@@ -8407,9 +9412,15 @@
                         </a:rPr>
                         <a:t>qpintpoint</a:t>
                       </a:r>
-                    </a:p>
-                  </a:txBody>
-                  <a:tcPr marL="50800" marR="50800" marT="50800" marB="50800" anchor="ctr" anchorCtr="0" horzOverflow="overflow">
+                      <a:endParaRPr sz="2300" b="1" dirty="0">
+                        <a:solidFill>
+                          <a:srgbClr val="FFFFFF"/>
+                        </a:solidFill>
+                        <a:sym typeface="Helvetica Neue"/>
+                      </a:endParaRPr>
+                    </a:p>
+                  </a:txBody>
+                  <a:tcPr marL="50800" marR="50800" marT="50800" marB="50800" anchor="ctr" horzOverflow="overflow">
                     <a:solidFill>
                       <a:schemeClr val="accent6"/>
                     </a:solidFill>
@@ -8421,14 +9432,14 @@
                     <a:lstStyle/>
                     <a:p>
                       <a:pPr defTabSz="914400">
-                        <a:defRPr b="0" sz="1800">
+                        <a:defRPr sz="1800" b="0">
                           <a:solidFill>
                             <a:srgbClr val="000000"/>
                           </a:solidFill>
                         </a:defRPr>
                       </a:pPr>
                       <a:r>
-                        <a:rPr b="1" sz="1600">
+                        <a:rPr sz="1600" b="1">
                           <a:solidFill>
                             <a:srgbClr val="FFFFFF"/>
                           </a:solidFill>
@@ -8438,7 +9449,7 @@
                       </a:r>
                     </a:p>
                   </a:txBody>
-                  <a:tcPr marL="50800" marR="50800" marT="50800" marB="50800" anchor="ctr" anchorCtr="0" horzOverflow="overflow">
+                  <a:tcPr marL="50800" marR="50800" marT="50800" marB="50800" anchor="ctr" horzOverflow="overflow">
                     <a:solidFill>
                       <a:schemeClr val="accent6"/>
                     </a:solidFill>
@@ -8450,14 +9461,14 @@
                     <a:lstStyle/>
                     <a:p>
                       <a:pPr defTabSz="914400">
-                        <a:defRPr b="0" sz="1800">
+                        <a:defRPr sz="1800" b="0">
                           <a:solidFill>
                             <a:srgbClr val="000000"/>
                           </a:solidFill>
                         </a:defRPr>
                       </a:pPr>
                       <a:r>
-                        <a:rPr b="1" sz="2100">
+                        <a:rPr sz="2100" b="1">
                           <a:solidFill>
                             <a:srgbClr val="FFFFFF"/>
                           </a:solidFill>
@@ -8467,7 +9478,7 @@
                       </a:r>
                     </a:p>
                   </a:txBody>
-                  <a:tcPr marL="50800" marR="50800" marT="50800" marB="50800" anchor="ctr" anchorCtr="0" horzOverflow="overflow">
+                  <a:tcPr marL="50800" marR="50800" marT="50800" marB="50800" anchor="ctr" horzOverflow="overflow">
                     <a:solidFill>
                       <a:schemeClr val="accent6"/>
                     </a:solidFill>
@@ -8479,14 +9490,14 @@
                     <a:lstStyle/>
                     <a:p>
                       <a:pPr defTabSz="914400">
-                        <a:defRPr b="0" sz="1800">
+                        <a:defRPr sz="1800" b="0">
                           <a:solidFill>
                             <a:srgbClr val="000000"/>
                           </a:solidFill>
                         </a:defRPr>
                       </a:pPr>
                       <a:r>
-                        <a:rPr b="1" sz="2300">
+                        <a:rPr sz="2300" b="1">
                           <a:solidFill>
                             <a:srgbClr val="FFFFFF"/>
                           </a:solidFill>
@@ -8496,12 +9507,17 @@
                       </a:r>
                     </a:p>
                   </a:txBody>
-                  <a:tcPr marL="50800" marR="50800" marT="50800" marB="50800" anchor="ctr" anchorCtr="0" horzOverflow="overflow">
+                  <a:tcPr marL="50800" marR="50800" marT="50800" marB="50800" anchor="ctr" horzOverflow="overflow">
                     <a:solidFill>
                       <a:schemeClr val="accent6"/>
                     </a:solidFill>
                   </a:tcPr>
                 </a:tc>
+                <a:extLst>
+                  <a:ext uri="{0D108BD9-81ED-4DB2-BD59-A6C34878D82A}">
+                    <a16:rowId xmlns:a16="http://schemas.microsoft.com/office/drawing/2014/main" val="10000"/>
+                  </a:ext>
+                </a:extLst>
               </a:tr>
               <a:tr h="770081">
                 <a:tc>
@@ -8510,14 +9526,14 @@
                     <a:lstStyle/>
                     <a:p>
                       <a:pPr defTabSz="914400">
-                        <a:defRPr b="0" sz="1800">
+                        <a:defRPr sz="1800" b="0">
                           <a:solidFill>
                             <a:srgbClr val="000000"/>
                           </a:solidFill>
                         </a:defRPr>
                       </a:pPr>
                       <a:r>
-                        <a:rPr b="1" sz="2300">
+                        <a:rPr sz="2300" b="1">
                           <a:solidFill>
                             <a:srgbClr val="FFFFFF"/>
                           </a:solidFill>
@@ -8527,7 +9543,7 @@
                       </a:r>
                     </a:p>
                   </a:txBody>
-                  <a:tcPr marL="50800" marR="50800" marT="50800" marB="50800" anchor="ctr" anchorCtr="0" horzOverflow="overflow">
+                  <a:tcPr marL="50800" marR="50800" marT="50800" marB="50800" anchor="ctr" horzOverflow="overflow">
                     <a:solidFill>
                       <a:schemeClr val="accent6">
                         <a:satOff val="18029"/>
@@ -8552,7 +9568,7 @@
                       </a:r>
                     </a:p>
                   </a:txBody>
-                  <a:tcPr marL="50800" marR="50800" marT="50800" marB="50800" anchor="ctr" anchorCtr="0" horzOverflow="overflow"/>
+                  <a:tcPr marL="50800" marR="50800" marT="50800" marB="50800" anchor="ctr" horzOverflow="overflow"/>
                 </a:tc>
                 <a:tc>
                   <a:txBody>
@@ -8570,7 +9586,7 @@
                       </a:r>
                     </a:p>
                   </a:txBody>
-                  <a:tcPr marL="50800" marR="50800" marT="50800" marB="50800" anchor="ctr" anchorCtr="0" horzOverflow="overflow"/>
+                  <a:tcPr marL="50800" marR="50800" marT="50800" marB="50800" anchor="ctr" horzOverflow="overflow"/>
                 </a:tc>
                 <a:tc>
                   <a:txBody>
@@ -8588,7 +9604,7 @@
                       </a:r>
                     </a:p>
                   </a:txBody>
-                  <a:tcPr marL="50800" marR="50800" marT="50800" marB="50800" anchor="ctr" anchorCtr="0" horzOverflow="overflow"/>
+                  <a:tcPr marL="50800" marR="50800" marT="50800" marB="50800" anchor="ctr" horzOverflow="overflow"/>
                 </a:tc>
                 <a:tc>
                   <a:txBody>
@@ -8606,7 +9622,7 @@
                       </a:r>
                     </a:p>
                   </a:txBody>
-                  <a:tcPr marL="50800" marR="50800" marT="50800" marB="50800" anchor="ctr" anchorCtr="0" horzOverflow="overflow"/>
+                  <a:tcPr marL="50800" marR="50800" marT="50800" marB="50800" anchor="ctr" horzOverflow="overflow"/>
                 </a:tc>
                 <a:tc>
                   <a:txBody>
@@ -8624,8 +9640,13 @@
                       </a:r>
                     </a:p>
                   </a:txBody>
-                  <a:tcPr marL="50800" marR="50800" marT="50800" marB="50800" anchor="ctr" anchorCtr="0" horzOverflow="overflow"/>
-                </a:tc>
+                  <a:tcPr marL="50800" marR="50800" marT="50800" marB="50800" anchor="ctr" horzOverflow="overflow"/>
+                </a:tc>
+                <a:extLst>
+                  <a:ext uri="{0D108BD9-81ED-4DB2-BD59-A6C34878D82A}">
+                    <a16:rowId xmlns:a16="http://schemas.microsoft.com/office/drawing/2014/main" val="10001"/>
+                  </a:ext>
+                </a:extLst>
               </a:tr>
               <a:tr h="770081">
                 <a:tc>
@@ -8634,14 +9655,14 @@
                     <a:lstStyle/>
                     <a:p>
                       <a:pPr defTabSz="914400">
-                        <a:defRPr b="0" sz="1800">
+                        <a:defRPr sz="1800" b="0">
                           <a:solidFill>
                             <a:srgbClr val="000000"/>
                           </a:solidFill>
                         </a:defRPr>
                       </a:pPr>
                       <a:r>
-                        <a:rPr b="1" sz="2300">
+                        <a:rPr sz="2300" b="1">
                           <a:solidFill>
                             <a:srgbClr val="FFFFFF"/>
                           </a:solidFill>
@@ -8651,7 +9672,7 @@
                       </a:r>
                     </a:p>
                   </a:txBody>
-                  <a:tcPr marL="50800" marR="50800" marT="50800" marB="50800" anchor="ctr" anchorCtr="0" horzOverflow="overflow">
+                  <a:tcPr marL="50800" marR="50800" marT="50800" marB="50800" anchor="ctr" horzOverflow="overflow">
                     <a:solidFill>
                       <a:schemeClr val="accent6">
                         <a:satOff val="18029"/>
@@ -8676,7 +9697,7 @@
                       </a:r>
                     </a:p>
                   </a:txBody>
-                  <a:tcPr marL="50800" marR="50800" marT="50800" marB="50800" anchor="ctr" anchorCtr="0" horzOverflow="overflow"/>
+                  <a:tcPr marL="50800" marR="50800" marT="50800" marB="50800" anchor="ctr" horzOverflow="overflow"/>
                 </a:tc>
                 <a:tc>
                   <a:txBody>
@@ -8694,7 +9715,7 @@
                       </a:r>
                     </a:p>
                   </a:txBody>
-                  <a:tcPr marL="50800" marR="50800" marT="50800" marB="50800" anchor="ctr" anchorCtr="0" horzOverflow="overflow"/>
+                  <a:tcPr marL="50800" marR="50800" marT="50800" marB="50800" anchor="ctr" horzOverflow="overflow"/>
                 </a:tc>
                 <a:tc>
                   <a:txBody>
@@ -8712,7 +9733,7 @@
                       </a:r>
                     </a:p>
                   </a:txBody>
-                  <a:tcPr marL="50800" marR="50800" marT="50800" marB="50800" anchor="ctr" anchorCtr="0" horzOverflow="overflow"/>
+                  <a:tcPr marL="50800" marR="50800" marT="50800" marB="50800" anchor="ctr" horzOverflow="overflow"/>
                 </a:tc>
                 <a:tc>
                   <a:txBody>
@@ -8730,7 +9751,7 @@
                       </a:r>
                     </a:p>
                   </a:txBody>
-                  <a:tcPr marL="50800" marR="50800" marT="50800" marB="50800" anchor="ctr" anchorCtr="0" horzOverflow="overflow"/>
+                  <a:tcPr marL="50800" marR="50800" marT="50800" marB="50800" anchor="ctr" horzOverflow="overflow"/>
                 </a:tc>
                 <a:tc>
                   <a:txBody>
@@ -8748,8 +9769,13 @@
                       </a:r>
                     </a:p>
                   </a:txBody>
-                  <a:tcPr marL="50800" marR="50800" marT="50800" marB="50800" anchor="ctr" anchorCtr="0" horzOverflow="overflow"/>
-                </a:tc>
+                  <a:tcPr marL="50800" marR="50800" marT="50800" marB="50800" anchor="ctr" horzOverflow="overflow"/>
+                </a:tc>
+                <a:extLst>
+                  <a:ext uri="{0D108BD9-81ED-4DB2-BD59-A6C34878D82A}">
+                    <a16:rowId xmlns:a16="http://schemas.microsoft.com/office/drawing/2014/main" val="10002"/>
+                  </a:ext>
+                </a:extLst>
               </a:tr>
               <a:tr h="770081">
                 <a:tc>
@@ -8758,14 +9784,14 @@
                     <a:lstStyle/>
                     <a:p>
                       <a:pPr defTabSz="914400">
-                        <a:defRPr b="0" sz="1800">
+                        <a:defRPr sz="1800" b="0">
                           <a:solidFill>
                             <a:srgbClr val="000000"/>
                           </a:solidFill>
                         </a:defRPr>
                       </a:pPr>
                       <a:r>
-                        <a:rPr b="1" sz="2300">
+                        <a:rPr sz="2300" b="1">
                           <a:solidFill>
                             <a:srgbClr val="FFFFFF"/>
                           </a:solidFill>
@@ -8775,7 +9801,7 @@
                       </a:r>
                     </a:p>
                   </a:txBody>
-                  <a:tcPr marL="50800" marR="50800" marT="50800" marB="50800" anchor="ctr" anchorCtr="0" horzOverflow="overflow">
+                  <a:tcPr marL="50800" marR="50800" marT="50800" marB="50800" anchor="ctr" horzOverflow="overflow">
                     <a:solidFill>
                       <a:schemeClr val="accent6">
                         <a:satOff val="18029"/>
@@ -8800,7 +9826,7 @@
                       </a:r>
                     </a:p>
                   </a:txBody>
-                  <a:tcPr marL="50800" marR="50800" marT="50800" marB="50800" anchor="ctr" anchorCtr="0" horzOverflow="overflow"/>
+                  <a:tcPr marL="50800" marR="50800" marT="50800" marB="50800" anchor="ctr" horzOverflow="overflow"/>
                 </a:tc>
                 <a:tc>
                   <a:txBody>
@@ -8818,7 +9844,7 @@
                       </a:r>
                     </a:p>
                   </a:txBody>
-                  <a:tcPr marL="50800" marR="50800" marT="50800" marB="50800" anchor="ctr" anchorCtr="0" horzOverflow="overflow"/>
+                  <a:tcPr marL="50800" marR="50800" marT="50800" marB="50800" anchor="ctr" horzOverflow="overflow"/>
                 </a:tc>
                 <a:tc>
                   <a:txBody>
@@ -8836,7 +9862,7 @@
                       </a:r>
                     </a:p>
                   </a:txBody>
-                  <a:tcPr marL="50800" marR="50800" marT="50800" marB="50800" anchor="ctr" anchorCtr="0" horzOverflow="overflow"/>
+                  <a:tcPr marL="50800" marR="50800" marT="50800" marB="50800" anchor="ctr" horzOverflow="overflow"/>
                 </a:tc>
                 <a:tc>
                   <a:txBody>
@@ -8854,7 +9880,7 @@
                       </a:r>
                     </a:p>
                   </a:txBody>
-                  <a:tcPr marL="50800" marR="50800" marT="50800" marB="50800" anchor="ctr" anchorCtr="0" horzOverflow="overflow"/>
+                  <a:tcPr marL="50800" marR="50800" marT="50800" marB="50800" anchor="ctr" horzOverflow="overflow"/>
                 </a:tc>
                 <a:tc>
                   <a:txBody>
@@ -8872,8 +9898,13 @@
                       </a:r>
                     </a:p>
                   </a:txBody>
-                  <a:tcPr marL="50800" marR="50800" marT="50800" marB="50800" anchor="ctr" anchorCtr="0" horzOverflow="overflow"/>
-                </a:tc>
+                  <a:tcPr marL="50800" marR="50800" marT="50800" marB="50800" anchor="ctr" horzOverflow="overflow"/>
+                </a:tc>
+                <a:extLst>
+                  <a:ext uri="{0D108BD9-81ED-4DB2-BD59-A6C34878D82A}">
+                    <a16:rowId xmlns:a16="http://schemas.microsoft.com/office/drawing/2014/main" val="10003"/>
+                  </a:ext>
+                </a:extLst>
               </a:tr>
               <a:tr h="770081">
                 <a:tc>
@@ -8882,14 +9913,14 @@
                     <a:lstStyle/>
                     <a:p>
                       <a:pPr defTabSz="914400">
-                        <a:defRPr b="0" sz="1800">
+                        <a:defRPr sz="1800" b="0">
                           <a:solidFill>
                             <a:srgbClr val="000000"/>
                           </a:solidFill>
                         </a:defRPr>
                       </a:pPr>
                       <a:r>
-                        <a:rPr b="1" sz="2300">
+                        <a:rPr sz="2300" b="1">
                           <a:solidFill>
                             <a:srgbClr val="FFFFFF"/>
                           </a:solidFill>
@@ -8899,7 +9930,7 @@
                       </a:r>
                     </a:p>
                   </a:txBody>
-                  <a:tcPr marL="50800" marR="50800" marT="50800" marB="50800" anchor="ctr" anchorCtr="0" horzOverflow="overflow">
+                  <a:tcPr marL="50800" marR="50800" marT="50800" marB="50800" anchor="ctr" horzOverflow="overflow">
                     <a:solidFill>
                       <a:schemeClr val="accent6">
                         <a:satOff val="18029"/>
@@ -8924,7 +9955,7 @@
                       </a:r>
                     </a:p>
                   </a:txBody>
-                  <a:tcPr marL="50800" marR="50800" marT="50800" marB="50800" anchor="ctr" anchorCtr="0" horzOverflow="overflow"/>
+                  <a:tcPr marL="50800" marR="50800" marT="50800" marB="50800" anchor="ctr" horzOverflow="overflow"/>
                 </a:tc>
                 <a:tc>
                   <a:txBody>
@@ -8942,7 +9973,7 @@
                       </a:r>
                     </a:p>
                   </a:txBody>
-                  <a:tcPr marL="50800" marR="50800" marT="50800" marB="50800" anchor="ctr" anchorCtr="0" horzOverflow="overflow"/>
+                  <a:tcPr marL="50800" marR="50800" marT="50800" marB="50800" anchor="ctr" horzOverflow="overflow"/>
                 </a:tc>
                 <a:tc>
                   <a:txBody>
@@ -8960,7 +9991,7 @@
                       </a:r>
                     </a:p>
                   </a:txBody>
-                  <a:tcPr marL="50800" marR="50800" marT="50800" marB="50800" anchor="ctr" anchorCtr="0" horzOverflow="overflow"/>
+                  <a:tcPr marL="50800" marR="50800" marT="50800" marB="50800" anchor="ctr" horzOverflow="overflow"/>
                 </a:tc>
                 <a:tc>
                   <a:txBody>
@@ -8978,7 +10009,7 @@
                       </a:r>
                     </a:p>
                   </a:txBody>
-                  <a:tcPr marL="50800" marR="50800" marT="50800" marB="50800" anchor="ctr" anchorCtr="0" horzOverflow="overflow"/>
+                  <a:tcPr marL="50800" marR="50800" marT="50800" marB="50800" anchor="ctr" horzOverflow="overflow"/>
                 </a:tc>
                 <a:tc>
                   <a:txBody>
@@ -8996,8 +10027,13 @@
                       </a:r>
                     </a:p>
                   </a:txBody>
-                  <a:tcPr marL="50800" marR="50800" marT="50800" marB="50800" anchor="ctr" anchorCtr="0" horzOverflow="overflow"/>
-                </a:tc>
+                  <a:tcPr marL="50800" marR="50800" marT="50800" marB="50800" anchor="ctr" horzOverflow="overflow"/>
+                </a:tc>
+                <a:extLst>
+                  <a:ext uri="{0D108BD9-81ED-4DB2-BD59-A6C34878D82A}">
+                    <a16:rowId xmlns:a16="http://schemas.microsoft.com/office/drawing/2014/main" val="10004"/>
+                  </a:ext>
+                </a:extLst>
               </a:tr>
               <a:tr h="770081">
                 <a:tc>
@@ -9006,14 +10042,14 @@
                     <a:lstStyle/>
                     <a:p>
                       <a:pPr defTabSz="914400">
-                        <a:defRPr b="0" sz="1800">
+                        <a:defRPr sz="1800" b="0">
                           <a:solidFill>
                             <a:srgbClr val="000000"/>
                           </a:solidFill>
                         </a:defRPr>
                       </a:pPr>
                       <a:r>
-                        <a:rPr b="1" sz="1900">
+                        <a:rPr sz="1900" b="1">
                           <a:solidFill>
                             <a:srgbClr val="FFFFFF"/>
                           </a:solidFill>
@@ -9023,7 +10059,7 @@
                       </a:r>
                     </a:p>
                   </a:txBody>
-                  <a:tcPr marL="50800" marR="50800" marT="50800" marB="50800" anchor="ctr" anchorCtr="0" horzOverflow="overflow">
+                  <a:tcPr marL="50800" marR="50800" marT="50800" marB="50800" anchor="ctr" horzOverflow="overflow">
                     <a:solidFill>
                       <a:schemeClr val="accent6">
                         <a:satOff val="18029"/>
@@ -9048,7 +10084,7 @@
                       </a:r>
                     </a:p>
                   </a:txBody>
-                  <a:tcPr marL="50800" marR="50800" marT="50800" marB="50800" anchor="ctr" anchorCtr="0" horzOverflow="overflow"/>
+                  <a:tcPr marL="50800" marR="50800" marT="50800" marB="50800" anchor="ctr" horzOverflow="overflow"/>
                 </a:tc>
                 <a:tc>
                   <a:txBody>
@@ -9066,7 +10102,7 @@
                       </a:r>
                     </a:p>
                   </a:txBody>
-                  <a:tcPr marL="50800" marR="50800" marT="50800" marB="50800" anchor="ctr" anchorCtr="0" horzOverflow="overflow"/>
+                  <a:tcPr marL="50800" marR="50800" marT="50800" marB="50800" anchor="ctr" horzOverflow="overflow"/>
                 </a:tc>
                 <a:tc>
                   <a:txBody>
@@ -9084,7 +10120,7 @@
                       </a:r>
                     </a:p>
                   </a:txBody>
-                  <a:tcPr marL="50800" marR="50800" marT="50800" marB="50800" anchor="ctr" anchorCtr="0" horzOverflow="overflow"/>
+                  <a:tcPr marL="50800" marR="50800" marT="50800" marB="50800" anchor="ctr" horzOverflow="overflow"/>
                 </a:tc>
                 <a:tc>
                   <a:txBody>
@@ -9102,188 +10138,277 @@
                       </a:r>
                     </a:p>
                   </a:txBody>
-                  <a:tcPr marL="50800" marR="50800" marT="50800" marB="50800" anchor="ctr" anchorCtr="0" horzOverflow="overflow"/>
-                </a:tc>
-                <a:tc>
-                  <a:txBody>
-                    <a:bodyPr/>
-                    <a:lstStyle/>
-                    <a:p>
-                      <a:pPr defTabSz="914400">
-                        <a:defRPr sz="1800"/>
-                      </a:pPr>
-                      <a:r>
-                        <a:rPr sz="2300">
+                  <a:tcPr marL="50800" marR="50800" marT="50800" marB="50800" anchor="ctr" horzOverflow="overflow"/>
+                </a:tc>
+                <a:tc>
+                  <a:txBody>
+                    <a:bodyPr/>
+                    <a:lstStyle/>
+                    <a:p>
+                      <a:pPr defTabSz="914400">
+                        <a:defRPr sz="1800"/>
+                      </a:pPr>
+                      <a:r>
+                        <a:rPr sz="2300" dirty="0">
                           <a:sym typeface="Helvetica Neue"/>
                         </a:rPr>
                         <a:t>✅</a:t>
                       </a:r>
                     </a:p>
                   </a:txBody>
-                  <a:tcPr marL="50800" marR="50800" marT="50800" marB="50800" anchor="ctr" anchorCtr="0" horzOverflow="overflow"/>
-                </a:tc>
+                  <a:tcPr marL="50800" marR="50800" marT="50800" marB="50800" anchor="ctr" horzOverflow="overflow"/>
+                </a:tc>
+                <a:extLst>
+                  <a:ext uri="{0D108BD9-81ED-4DB2-BD59-A6C34878D82A}">
+                    <a16:rowId xmlns:a16="http://schemas.microsoft.com/office/drawing/2014/main" val="10005"/>
+                  </a:ext>
+                </a:extLst>
               </a:tr>
             </a:tbl>
           </a:graphicData>
         </a:graphic>
       </p:graphicFrame>
-      <p:sp>
-        <p:nvSpPr>
-          <p:cNvPr id="156" name="Text"/>
-          <p:cNvSpPr txBox="1"/>
-          <p:nvPr/>
-        </p:nvSpPr>
-        <p:spPr>
-          <a:xfrm>
-            <a:off x="2057988" y="2685196"/>
-            <a:ext cx="3330509" cy="961060"/>
-          </a:xfrm>
-          <a:prstGeom prst="rect">
-            <a:avLst/>
-          </a:prstGeom>
-          <a:ln w="12700">
-            <a:miter lim="400000"/>
-          </a:ln>
-          <a:extLst>
-            <a:ext uri="{C572A759-6A51-4108-AA02-DFA0A04FC94B}">
-              <ma14:wrappingTextBoxFlag xmlns:ma14="http://schemas.microsoft.com/office/mac/drawingml/2011/main" val="1"/>
-            </a:ext>
-          </a:extLst>
-        </p:spPr>
-        <p:txBody>
-          <a:bodyPr lIns="50800" tIns="50800" rIns="50800" bIns="50800" anchor="ctr">
-            <a:spAutoFit/>
-          </a:bodyPr>
-          <a:lstStyle>
-            <a:lvl1pPr>
-              <a:defRPr sz="4700"/>
-            </a:lvl1pPr>
-          </a:lstStyle>
-          <a:p>
-            <a:pPr/>
-            <a14:m>
-              <m:oMathPara>
-                <m:oMathParaPr>
-                  <m:jc m:val="center"/>
-                </m:oMathParaPr>
-                <m:oMath>
-                  <m:r>
-                    <a:rPr xmlns:a="http://schemas.openxmlformats.org/drawingml/2006/main" sz="5700" i="1">
-                      <a:solidFill>
-                        <a:srgbClr val="000000"/>
-                      </a:solidFill>
-                      <a:latin typeface="Cambria Math" panose="02040503050406030204" pitchFamily="18" charset="0"/>
-                    </a:rPr>
-                    <m:t>n</m:t>
-                  </m:r>
-                  <m:r>
-                    <a:rPr xmlns:a="http://schemas.openxmlformats.org/drawingml/2006/main" sz="5700" i="1">
-                      <a:solidFill>
-                        <a:srgbClr val="000000"/>
-                      </a:solidFill>
-                      <a:latin typeface="Cambria Math" panose="02040503050406030204" pitchFamily="18" charset="0"/>
-                    </a:rPr>
-                    <m:t>=</m:t>
-                  </m:r>
-                  <m:r>
-                    <a:rPr xmlns:a="http://schemas.openxmlformats.org/drawingml/2006/main" sz="5700" i="1">
-                      <a:solidFill>
-                        <a:srgbClr val="000000"/>
-                      </a:solidFill>
-                      <a:latin typeface="Cambria Math" panose="02040503050406030204" pitchFamily="18" charset="0"/>
-                    </a:rPr>
-                    <m:t>660</m:t>
-                  </m:r>
-                </m:oMath>
-              </m:oMathPara>
-            </a14:m>
-          </a:p>
-        </p:txBody>
-      </p:sp>
-      <p:sp>
-        <p:nvSpPr>
-          <p:cNvPr id="157" name="Text"/>
-          <p:cNvSpPr txBox="1"/>
-          <p:nvPr/>
-        </p:nvSpPr>
-        <p:spPr>
-          <a:xfrm>
-            <a:off x="2057988" y="3689852"/>
-            <a:ext cx="3330509" cy="961060"/>
-          </a:xfrm>
-          <a:prstGeom prst="rect">
-            <a:avLst/>
-          </a:prstGeom>
-          <a:ln w="12700">
-            <a:miter lim="400000"/>
-          </a:ln>
-          <a:extLst>
-            <a:ext uri="{C572A759-6A51-4108-AA02-DFA0A04FC94B}">
-              <ma14:wrappingTextBoxFlag xmlns:ma14="http://schemas.microsoft.com/office/mac/drawingml/2011/main" val="1"/>
-            </a:ext>
-          </a:extLst>
-        </p:spPr>
-        <p:txBody>
-          <a:bodyPr lIns="50800" tIns="50800" rIns="50800" bIns="50800" anchor="ctr">
-            <a:spAutoFit/>
-          </a:bodyPr>
-          <a:lstStyle>
-            <a:lvl1pPr>
-              <a:defRPr sz="4700"/>
-            </a:lvl1pPr>
-          </a:lstStyle>
-          <a:p>
-            <a:pPr/>
-            <a14:m>
-              <m:oMathPara>
-                <m:oMathParaPr>
-                  <m:jc m:val="center"/>
-                </m:oMathParaPr>
-                <m:oMath>
-                  <m:r>
-                    <a:rPr xmlns:a="http://schemas.openxmlformats.org/drawingml/2006/main" sz="5700" i="1">
-                      <a:solidFill>
-                        <a:srgbClr val="000000"/>
-                      </a:solidFill>
-                      <a:latin typeface="Cambria Math" panose="02040503050406030204" pitchFamily="18" charset="0"/>
-                    </a:rPr>
-                    <m:t>m</m:t>
-                  </m:r>
-                  <m:r>
-                    <a:rPr xmlns:a="http://schemas.openxmlformats.org/drawingml/2006/main" sz="5700" i="1">
-                      <a:solidFill>
-                        <a:srgbClr val="000000"/>
-                      </a:solidFill>
-                      <a:latin typeface="Cambria Math" panose="02040503050406030204" pitchFamily="18" charset="0"/>
-                    </a:rPr>
-                    <m:t>=</m:t>
-                  </m:r>
-                  <m:r>
-                    <a:rPr xmlns:a="http://schemas.openxmlformats.org/drawingml/2006/main" sz="5700" i="1">
-                      <a:solidFill>
-                        <a:srgbClr val="000000"/>
-                      </a:solidFill>
-                      <a:latin typeface="Cambria Math" panose="02040503050406030204" pitchFamily="18" charset="0"/>
-                    </a:rPr>
-                    <m:t>300</m:t>
-                  </m:r>
-                </m:oMath>
-              </m:oMathPara>
-            </a14:m>
-          </a:p>
-        </p:txBody>
-      </p:sp>
+      <mc:AlternateContent xmlns:mc="http://schemas.openxmlformats.org/markup-compatibility/2006">
+        <mc:Choice xmlns:a14="http://schemas.microsoft.com/office/drawing/2010/main" Requires="a14">
+          <p:sp>
+            <p:nvSpPr>
+              <p:cNvPr id="156" name="Text"/>
+              <p:cNvSpPr txBox="1"/>
+              <p:nvPr/>
+            </p:nvSpPr>
+            <p:spPr>
+              <a:xfrm>
+                <a:off x="2057988" y="2685196"/>
+                <a:ext cx="3330509" cy="961060"/>
+              </a:xfrm>
+              <a:prstGeom prst="rect">
+                <a:avLst/>
+              </a:prstGeom>
+              <a:ln w="12700">
+                <a:miter lim="400000"/>
+              </a:ln>
+              <a:extLst>
+                <a:ext uri="{C572A759-6A51-4108-AA02-DFA0A04FC94B}">
+                  <ma14:wrappingTextBoxFlag xmlns:ma14="http://schemas.microsoft.com/office/mac/drawingml/2011/main" xmlns:m="http://schemas.openxmlformats.org/officeDocument/2006/math" xmlns="" val="1"/>
+                </a:ext>
+              </a:extLst>
+            </p:spPr>
+            <p:txBody>
+              <a:bodyPr lIns="50800" tIns="50800" rIns="50800" bIns="50800" anchor="ctr">
+                <a:spAutoFit/>
+              </a:bodyPr>
+              <a:lstStyle>
+                <a:lvl1pPr>
+                  <a:defRPr sz="4700"/>
+                </a:lvl1pPr>
+              </a:lstStyle>
+              <a:p>
+                <a:pPr/>
+                <a14:m>
+                  <m:oMathPara xmlns:m="http://schemas.openxmlformats.org/officeDocument/2006/math">
+                    <m:oMathParaPr>
+                      <m:jc m:val="center"/>
+                    </m:oMathParaPr>
+                    <m:oMath xmlns:m="http://schemas.openxmlformats.org/officeDocument/2006/math">
+                      <m:r>
+                        <a:rPr sz="5700" i="1">
+                          <a:solidFill>
+                            <a:srgbClr val="000000"/>
+                          </a:solidFill>
+                          <a:latin typeface="Cambria Math" panose="02040503050406030204" pitchFamily="18" charset="0"/>
+                        </a:rPr>
+                        <m:t>𝑛</m:t>
+                      </m:r>
+                      <m:r>
+                        <a:rPr sz="5700" i="1">
+                          <a:solidFill>
+                            <a:srgbClr val="000000"/>
+                          </a:solidFill>
+                          <a:latin typeface="Cambria Math" panose="02040503050406030204" pitchFamily="18" charset="0"/>
+                        </a:rPr>
+                        <m:t>=660</m:t>
+                      </m:r>
+                    </m:oMath>
+                  </m:oMathPara>
+                </a14:m>
+                <a:endParaRPr/>
+              </a:p>
+            </p:txBody>
+          </p:sp>
+        </mc:Choice>
+        <mc:Fallback>
+          <p:sp>
+            <p:nvSpPr>
+              <p:cNvPr id="156" name="Text"/>
+              <p:cNvSpPr txBox="1">
+                <a:spLocks noRot="1" noChangeAspect="1" noMove="1" noResize="1" noEditPoints="1" noAdjustHandles="1" noChangeArrowheads="1" noChangeShapeType="1" noTextEdit="1"/>
+              </p:cNvSpPr>
+              <p:nvPr/>
+            </p:nvSpPr>
+            <p:spPr>
+              <a:xfrm>
+                <a:off x="2057988" y="2685196"/>
+                <a:ext cx="3330509" cy="961060"/>
+              </a:xfrm>
+              <a:prstGeom prst="rect">
+                <a:avLst/>
+              </a:prstGeom>
+              <a:blipFill>
+                <a:blip r:embed="rId3"/>
+                <a:stretch>
+                  <a:fillRect/>
+                </a:stretch>
+              </a:blipFill>
+              <a:ln w="12700">
+                <a:miter lim="400000"/>
+              </a:ln>
+              <a:extLst>
+                <a:ext uri="{C572A759-6A51-4108-AA02-DFA0A04FC94B}">
+                  <ma14:wrappingTextBoxFlag xmlns:ma14="http://schemas.microsoft.com/office/mac/drawingml/2011/main" xmlns:a14="http://schemas.microsoft.com/office/drawing/2010/main" xmlns:m="http://schemas.openxmlformats.org/officeDocument/2006/math" xmlns="" val="1"/>
+                </a:ext>
+              </a:extLst>
+            </p:spPr>
+            <p:txBody>
+              <a:bodyPr/>
+              <a:lstStyle/>
+              <a:p>
+                <a:r>
+                  <a:rPr lang="es-MX">
+                    <a:noFill/>
+                  </a:rPr>
+                  <a:t> </a:t>
+                </a:r>
+              </a:p>
+            </p:txBody>
+          </p:sp>
+        </mc:Fallback>
+      </mc:AlternateContent>
+      <mc:AlternateContent xmlns:mc="http://schemas.openxmlformats.org/markup-compatibility/2006">
+        <mc:Choice xmlns:a14="http://schemas.microsoft.com/office/drawing/2010/main" Requires="a14">
+          <p:sp>
+            <p:nvSpPr>
+              <p:cNvPr id="157" name="Text"/>
+              <p:cNvSpPr txBox="1"/>
+              <p:nvPr/>
+            </p:nvSpPr>
+            <p:spPr>
+              <a:xfrm>
+                <a:off x="2057988" y="3689852"/>
+                <a:ext cx="3330509" cy="961060"/>
+              </a:xfrm>
+              <a:prstGeom prst="rect">
+                <a:avLst/>
+              </a:prstGeom>
+              <a:ln w="12700">
+                <a:miter lim="400000"/>
+              </a:ln>
+              <a:extLst>
+                <a:ext uri="{C572A759-6A51-4108-AA02-DFA0A04FC94B}">
+                  <ma14:wrappingTextBoxFlag xmlns:ma14="http://schemas.microsoft.com/office/mac/drawingml/2011/main" xmlns:m="http://schemas.openxmlformats.org/officeDocument/2006/math" xmlns="" val="1"/>
+                </a:ext>
+              </a:extLst>
+            </p:spPr>
+            <p:txBody>
+              <a:bodyPr lIns="50800" tIns="50800" rIns="50800" bIns="50800" anchor="ctr">
+                <a:spAutoFit/>
+              </a:bodyPr>
+              <a:lstStyle>
+                <a:lvl1pPr>
+                  <a:defRPr sz="4700"/>
+                </a:lvl1pPr>
+              </a:lstStyle>
+              <a:p>
+                <a:pPr/>
+                <a14:m>
+                  <m:oMathPara xmlns:m="http://schemas.openxmlformats.org/officeDocument/2006/math">
+                    <m:oMathParaPr>
+                      <m:jc m:val="center"/>
+                    </m:oMathParaPr>
+                    <m:oMath xmlns:m="http://schemas.openxmlformats.org/officeDocument/2006/math">
+                      <m:r>
+                        <a:rPr sz="5700" i="1">
+                          <a:solidFill>
+                            <a:srgbClr val="000000"/>
+                          </a:solidFill>
+                          <a:latin typeface="Cambria Math" panose="02040503050406030204" pitchFamily="18" charset="0"/>
+                        </a:rPr>
+                        <m:t>𝑚</m:t>
+                      </m:r>
+                      <m:r>
+                        <a:rPr sz="5700" i="1">
+                          <a:solidFill>
+                            <a:srgbClr val="000000"/>
+                          </a:solidFill>
+                          <a:latin typeface="Cambria Math" panose="02040503050406030204" pitchFamily="18" charset="0"/>
+                        </a:rPr>
+                        <m:t>=300</m:t>
+                      </m:r>
+                    </m:oMath>
+                  </m:oMathPara>
+                </a14:m>
+                <a:endParaRPr/>
+              </a:p>
+            </p:txBody>
+          </p:sp>
+        </mc:Choice>
+        <mc:Fallback>
+          <p:sp>
+            <p:nvSpPr>
+              <p:cNvPr id="157" name="Text"/>
+              <p:cNvSpPr txBox="1">
+                <a:spLocks noRot="1" noChangeAspect="1" noMove="1" noResize="1" noEditPoints="1" noAdjustHandles="1" noChangeArrowheads="1" noChangeShapeType="1" noTextEdit="1"/>
+              </p:cNvSpPr>
+              <p:nvPr/>
+            </p:nvSpPr>
+            <p:spPr>
+              <a:xfrm>
+                <a:off x="2057988" y="3689852"/>
+                <a:ext cx="3330509" cy="961060"/>
+              </a:xfrm>
+              <a:prstGeom prst="rect">
+                <a:avLst/>
+              </a:prstGeom>
+              <a:blipFill>
+                <a:blip r:embed="rId4"/>
+                <a:stretch>
+                  <a:fillRect/>
+                </a:stretch>
+              </a:blipFill>
+              <a:ln w="12700">
+                <a:miter lim="400000"/>
+              </a:ln>
+              <a:extLst>
+                <a:ext uri="{C572A759-6A51-4108-AA02-DFA0A04FC94B}">
+                  <ma14:wrappingTextBoxFlag xmlns:ma14="http://schemas.microsoft.com/office/mac/drawingml/2011/main" xmlns:a14="http://schemas.microsoft.com/office/drawing/2010/main" xmlns:m="http://schemas.openxmlformats.org/officeDocument/2006/math" xmlns="" val="1"/>
+                </a:ext>
+              </a:extLst>
+            </p:spPr>
+            <p:txBody>
+              <a:bodyPr/>
+              <a:lstStyle/>
+              <a:p>
+                <a:r>
+                  <a:rPr lang="es-MX">
+                    <a:noFill/>
+                  </a:rPr>
+                  <a:t> </a:t>
+                </a:r>
+              </a:p>
+            </p:txBody>
+          </p:sp>
+        </mc:Fallback>
+      </mc:AlternateContent>
     </p:spTree>
   </p:cSld>
   <p:clrMapOvr>
     <a:masterClrMapping/>
   </p:clrMapOvr>
-  <p:transition xmlns:p14="http://schemas.microsoft.com/office/powerpoint/2010/main" spd="med" advClick="1"/>
+  <p:transition spd="med"/>
 </p:sld>
 </file>
 
 <file path=ppt/theme/theme1.xml><?xml version="1.0" encoding="utf-8"?>
-<a:theme xmlns:a="http://schemas.openxmlformats.org/drawingml/2006/main" xmlns:r="http://schemas.openxmlformats.org/officeDocument/2006/relationships" name="White">
+<a:theme xmlns:a="http://schemas.openxmlformats.org/drawingml/2006/main" name="White">
   <a:themeElements>
     <a:clrScheme name="White">
       <a:dk1>
@@ -9482,7 +10607,7 @@
         <a:effectLst/>
         <a:sp3d/>
       </a:spPr>
-      <a:bodyPr rot="0" spcFirstLastPara="1" vertOverflow="overflow" horzOverflow="overflow" vert="horz" wrap="square" lIns="0" tIns="0" rIns="0" bIns="0" numCol="1" spcCol="38100" rtlCol="0" anchor="ctr" upright="0">
+      <a:bodyPr rot="0" spcFirstLastPara="1" vertOverflow="overflow" horzOverflow="overflow" vert="horz" wrap="square" lIns="0" tIns="0" rIns="0" bIns="0" numCol="1" spcCol="38100" rtlCol="0" anchor="ctr">
         <a:spAutoFit/>
       </a:bodyPr>
       <a:lstStyle>
@@ -9501,7 +10626,7 @@
           <a:buFontTx/>
           <a:buNone/>
           <a:tabLst/>
-          <a:defRPr b="0" baseline="0" cap="none" i="0" spc="0" strike="noStrike" sz="3200" u="none" kumimoji="0" normalizeH="0">
+          <a:defRPr kumimoji="0" sz="3200" b="0" i="0" u="none" strike="noStrike" cap="none" spc="0" normalizeH="0" baseline="0">
             <a:ln>
               <a:noFill/>
             </a:ln>
@@ -9531,7 +10656,7 @@
           <a:buFontTx/>
           <a:buNone/>
           <a:tabLst/>
-          <a:defRPr b="0" baseline="0" cap="none" i="0" spc="0" strike="noStrike" sz="1800" u="none" kumimoji="0" normalizeH="0">
+          <a:defRPr kumimoji="0" sz="1800" b="0" i="0" u="none" strike="noStrike" cap="none" spc="0" normalizeH="0" baseline="0">
             <a:ln>
               <a:noFill/>
             </a:ln>
@@ -9557,7 +10682,7 @@
           <a:buFontTx/>
           <a:buNone/>
           <a:tabLst/>
-          <a:defRPr b="0" baseline="0" cap="none" i="0" spc="0" strike="noStrike" sz="1800" u="none" kumimoji="0" normalizeH="0">
+          <a:defRPr kumimoji="0" sz="1800" b="0" i="0" u="none" strike="noStrike" cap="none" spc="0" normalizeH="0" baseline="0">
             <a:ln>
               <a:noFill/>
             </a:ln>
@@ -9583,7 +10708,7 @@
           <a:buFontTx/>
           <a:buNone/>
           <a:tabLst/>
-          <a:defRPr b="0" baseline="0" cap="none" i="0" spc="0" strike="noStrike" sz="1800" u="none" kumimoji="0" normalizeH="0">
+          <a:defRPr kumimoji="0" sz="1800" b="0" i="0" u="none" strike="noStrike" cap="none" spc="0" normalizeH="0" baseline="0">
             <a:ln>
               <a:noFill/>
             </a:ln>
@@ -9609,7 +10734,7 @@
           <a:buFontTx/>
           <a:buNone/>
           <a:tabLst/>
-          <a:defRPr b="0" baseline="0" cap="none" i="0" spc="0" strike="noStrike" sz="1800" u="none" kumimoji="0" normalizeH="0">
+          <a:defRPr kumimoji="0" sz="1800" b="0" i="0" u="none" strike="noStrike" cap="none" spc="0" normalizeH="0" baseline="0">
             <a:ln>
               <a:noFill/>
             </a:ln>
@@ -9635,7 +10760,7 @@
           <a:buFontTx/>
           <a:buNone/>
           <a:tabLst/>
-          <a:defRPr b="0" baseline="0" cap="none" i="0" spc="0" strike="noStrike" sz="1800" u="none" kumimoji="0" normalizeH="0">
+          <a:defRPr kumimoji="0" sz="1800" b="0" i="0" u="none" strike="noStrike" cap="none" spc="0" normalizeH="0" baseline="0">
             <a:ln>
               <a:noFill/>
             </a:ln>
@@ -9661,7 +10786,7 @@
           <a:buFontTx/>
           <a:buNone/>
           <a:tabLst/>
-          <a:defRPr b="0" baseline="0" cap="none" i="0" spc="0" strike="noStrike" sz="1800" u="none" kumimoji="0" normalizeH="0">
+          <a:defRPr kumimoji="0" sz="1800" b="0" i="0" u="none" strike="noStrike" cap="none" spc="0" normalizeH="0" baseline="0">
             <a:ln>
               <a:noFill/>
             </a:ln>
@@ -9687,7 +10812,7 @@
           <a:buFontTx/>
           <a:buNone/>
           <a:tabLst/>
-          <a:defRPr b="0" baseline="0" cap="none" i="0" spc="0" strike="noStrike" sz="1800" u="none" kumimoji="0" normalizeH="0">
+          <a:defRPr kumimoji="0" sz="1800" b="0" i="0" u="none" strike="noStrike" cap="none" spc="0" normalizeH="0" baseline="0">
             <a:ln>
               <a:noFill/>
             </a:ln>
@@ -9713,7 +10838,7 @@
           <a:buFontTx/>
           <a:buNone/>
           <a:tabLst/>
-          <a:defRPr b="0" baseline="0" cap="none" i="0" spc="0" strike="noStrike" sz="1800" u="none" kumimoji="0" normalizeH="0">
+          <a:defRPr kumimoji="0" sz="1800" b="0" i="0" u="none" strike="noStrike" cap="none" spc="0" normalizeH="0" baseline="0">
             <a:ln>
               <a:noFill/>
             </a:ln>
@@ -9739,7 +10864,7 @@
           <a:buFontTx/>
           <a:buNone/>
           <a:tabLst/>
-          <a:defRPr b="0" baseline="0" cap="none" i="0" spc="0" strike="noStrike" sz="1800" u="none" kumimoji="0" normalizeH="0">
+          <a:defRPr kumimoji="0" sz="1800" b="0" i="0" u="none" strike="noStrike" cap="none" spc="0" normalizeH="0" baseline="0">
             <a:ln>
               <a:noFill/>
             </a:ln>
@@ -9752,9 +10877,15 @@
         </a:lvl9pPr>
       </a:lstStyle>
       <a:style>
-        <a:lnRef idx="0"/>
-        <a:fillRef idx="0"/>
-        <a:effectRef idx="0"/>
+        <a:lnRef idx="0">
+          <a:scrgbClr r="0" g="0" b="0"/>
+        </a:lnRef>
+        <a:fillRef idx="0">
+          <a:scrgbClr r="0" g="0" b="0"/>
+        </a:fillRef>
+        <a:effectRef idx="0">
+          <a:scrgbClr r="0" g="0" b="0"/>
+        </a:effectRef>
         <a:fontRef idx="none"/>
       </a:style>
     </a:spDef>
@@ -9771,7 +10902,7 @@
         <a:effectLst/>
         <a:sp3d/>
       </a:spPr>
-      <a:bodyPr rot="0" spcFirstLastPara="1" vertOverflow="overflow" horzOverflow="overflow" vert="horz" wrap="square" lIns="91439" tIns="45719" rIns="91439" bIns="45719" numCol="1" spcCol="38100" rtlCol="0" anchor="t" upright="0">
+      <a:bodyPr rot="0" spcFirstLastPara="1" vertOverflow="overflow" horzOverflow="overflow" vert="horz" wrap="square" lIns="91439" tIns="45719" rIns="91439" bIns="45719" numCol="1" spcCol="38100" rtlCol="0" anchor="t">
         <a:noAutofit/>
       </a:bodyPr>
       <a:lstStyle>
@@ -9790,7 +10921,7 @@
           <a:buFontTx/>
           <a:buNone/>
           <a:tabLst/>
-          <a:defRPr b="0" baseline="0" cap="none" i="0" spc="0" strike="noStrike" sz="1800" u="none" kumimoji="0" normalizeH="0">
+          <a:defRPr kumimoji="0" sz="1800" b="0" i="0" u="none" strike="noStrike" cap="none" spc="0" normalizeH="0" baseline="0">
             <a:ln>
               <a:noFill/>
             </a:ln>
@@ -9816,7 +10947,7 @@
           <a:buFontTx/>
           <a:buNone/>
           <a:tabLst/>
-          <a:defRPr b="0" baseline="0" cap="none" i="0" spc="0" strike="noStrike" sz="1800" u="none" kumimoji="0" normalizeH="0">
+          <a:defRPr kumimoji="0" sz="1800" b="0" i="0" u="none" strike="noStrike" cap="none" spc="0" normalizeH="0" baseline="0">
             <a:ln>
               <a:noFill/>
             </a:ln>
@@ -9842,7 +10973,7 @@
           <a:buFontTx/>
           <a:buNone/>
           <a:tabLst/>
-          <a:defRPr b="0" baseline="0" cap="none" i="0" spc="0" strike="noStrike" sz="1800" u="none" kumimoji="0" normalizeH="0">
+          <a:defRPr kumimoji="0" sz="1800" b="0" i="0" u="none" strike="noStrike" cap="none" spc="0" normalizeH="0" baseline="0">
             <a:ln>
               <a:noFill/>
             </a:ln>
@@ -9868,7 +10999,7 @@
           <a:buFontTx/>
           <a:buNone/>
           <a:tabLst/>
-          <a:defRPr b="0" baseline="0" cap="none" i="0" spc="0" strike="noStrike" sz="1800" u="none" kumimoji="0" normalizeH="0">
+          <a:defRPr kumimoji="0" sz="1800" b="0" i="0" u="none" strike="noStrike" cap="none" spc="0" normalizeH="0" baseline="0">
             <a:ln>
               <a:noFill/>
             </a:ln>
@@ -9894,7 +11025,7 @@
           <a:buFontTx/>
           <a:buNone/>
           <a:tabLst/>
-          <a:defRPr b="0" baseline="0" cap="none" i="0" spc="0" strike="noStrike" sz="1800" u="none" kumimoji="0" normalizeH="0">
+          <a:defRPr kumimoji="0" sz="1800" b="0" i="0" u="none" strike="noStrike" cap="none" spc="0" normalizeH="0" baseline="0">
             <a:ln>
               <a:noFill/>
             </a:ln>
@@ -9920,7 +11051,7 @@
           <a:buFontTx/>
           <a:buNone/>
           <a:tabLst/>
-          <a:defRPr b="0" baseline="0" cap="none" i="0" spc="0" strike="noStrike" sz="1800" u="none" kumimoji="0" normalizeH="0">
+          <a:defRPr kumimoji="0" sz="1800" b="0" i="0" u="none" strike="noStrike" cap="none" spc="0" normalizeH="0" baseline="0">
             <a:ln>
               <a:noFill/>
             </a:ln>
@@ -9946,7 +11077,7 @@
           <a:buFontTx/>
           <a:buNone/>
           <a:tabLst/>
-          <a:defRPr b="0" baseline="0" cap="none" i="0" spc="0" strike="noStrike" sz="1800" u="none" kumimoji="0" normalizeH="0">
+          <a:defRPr kumimoji="0" sz="1800" b="0" i="0" u="none" strike="noStrike" cap="none" spc="0" normalizeH="0" baseline="0">
             <a:ln>
               <a:noFill/>
             </a:ln>
@@ -9972,7 +11103,7 @@
           <a:buFontTx/>
           <a:buNone/>
           <a:tabLst/>
-          <a:defRPr b="0" baseline="0" cap="none" i="0" spc="0" strike="noStrike" sz="1800" u="none" kumimoji="0" normalizeH="0">
+          <a:defRPr kumimoji="0" sz="1800" b="0" i="0" u="none" strike="noStrike" cap="none" spc="0" normalizeH="0" baseline="0">
             <a:ln>
               <a:noFill/>
             </a:ln>
@@ -9998,7 +11129,7 @@
           <a:buFontTx/>
           <a:buNone/>
           <a:tabLst/>
-          <a:defRPr b="0" baseline="0" cap="none" i="0" spc="0" strike="noStrike" sz="1800" u="none" kumimoji="0" normalizeH="0">
+          <a:defRPr kumimoji="0" sz="1800" b="0" i="0" u="none" strike="noStrike" cap="none" spc="0" normalizeH="0" baseline="0">
             <a:ln>
               <a:noFill/>
             </a:ln>
@@ -10024,7 +11155,7 @@
           <a:buFontTx/>
           <a:buNone/>
           <a:tabLst/>
-          <a:defRPr b="0" baseline="0" cap="none" i="0" spc="0" strike="noStrike" sz="1800" u="none" kumimoji="0" normalizeH="0">
+          <a:defRPr kumimoji="0" sz="1800" b="0" i="0" u="none" strike="noStrike" cap="none" spc="0" normalizeH="0" baseline="0">
             <a:ln>
               <a:noFill/>
             </a:ln>
@@ -10037,9 +11168,15 @@
         </a:lvl9pPr>
       </a:lstStyle>
       <a:style>
-        <a:lnRef idx="0"/>
-        <a:fillRef idx="0"/>
-        <a:effectRef idx="0"/>
+        <a:lnRef idx="0">
+          <a:scrgbClr r="0" g="0" b="0"/>
+        </a:lnRef>
+        <a:fillRef idx="0">
+          <a:scrgbClr r="0" g="0" b="0"/>
+        </a:fillRef>
+        <a:effectRef idx="0">
+          <a:scrgbClr r="0" g="0" b="0"/>
+        </a:effectRef>
         <a:fontRef idx="none"/>
       </a:style>
     </a:lnDef>
@@ -10053,7 +11190,7 @@
         <a:effectLst/>
         <a:sp3d/>
       </a:spPr>
-      <a:bodyPr rot="0" spcFirstLastPara="1" vertOverflow="overflow" horzOverflow="overflow" vert="horz" wrap="square" lIns="50800" tIns="50800" rIns="50800" bIns="50800" numCol="1" spcCol="38100" rtlCol="0" anchor="ctr" upright="0">
+      <a:bodyPr rot="0" spcFirstLastPara="1" vertOverflow="overflow" horzOverflow="overflow" vert="horz" wrap="square" lIns="50800" tIns="50800" rIns="50800" bIns="50800" numCol="1" spcCol="38100" rtlCol="0" anchor="ctr">
         <a:spAutoFit/>
       </a:bodyPr>
       <a:lstStyle>
@@ -10072,7 +11209,7 @@
           <a:buFontTx/>
           <a:buNone/>
           <a:tabLst/>
-          <a:defRPr b="1" baseline="0" cap="none" i="0" spc="0" strike="noStrike" sz="3000" u="none" kumimoji="0" normalizeH="0">
+          <a:defRPr kumimoji="0" sz="3000" b="1" i="0" u="none" strike="noStrike" cap="none" spc="0" normalizeH="0" baseline="0">
             <a:ln>
               <a:noFill/>
             </a:ln>
@@ -10102,7 +11239,7 @@
           <a:buFontTx/>
           <a:buNone/>
           <a:tabLst/>
-          <a:defRPr b="0" baseline="0" cap="none" i="0" spc="0" strike="noStrike" sz="1800" u="none" kumimoji="0" normalizeH="0">
+          <a:defRPr kumimoji="0" sz="1800" b="0" i="0" u="none" strike="noStrike" cap="none" spc="0" normalizeH="0" baseline="0">
             <a:ln>
               <a:noFill/>
             </a:ln>
@@ -10128,7 +11265,7 @@
           <a:buFontTx/>
           <a:buNone/>
           <a:tabLst/>
-          <a:defRPr b="0" baseline="0" cap="none" i="0" spc="0" strike="noStrike" sz="1800" u="none" kumimoji="0" normalizeH="0">
+          <a:defRPr kumimoji="0" sz="1800" b="0" i="0" u="none" strike="noStrike" cap="none" spc="0" normalizeH="0" baseline="0">
             <a:ln>
               <a:noFill/>
             </a:ln>
@@ -10154,7 +11291,7 @@
           <a:buFontTx/>
           <a:buNone/>
           <a:tabLst/>
-          <a:defRPr b="0" baseline="0" cap="none" i="0" spc="0" strike="noStrike" sz="1800" u="none" kumimoji="0" normalizeH="0">
+          <a:defRPr kumimoji="0" sz="1800" b="0" i="0" u="none" strike="noStrike" cap="none" spc="0" normalizeH="0" baseline="0">
             <a:ln>
               <a:noFill/>
             </a:ln>
@@ -10180,7 +11317,7 @@
           <a:buFontTx/>
           <a:buNone/>
           <a:tabLst/>
-          <a:defRPr b="0" baseline="0" cap="none" i="0" spc="0" strike="noStrike" sz="1800" u="none" kumimoji="0" normalizeH="0">
+          <a:defRPr kumimoji="0" sz="1800" b="0" i="0" u="none" strike="noStrike" cap="none" spc="0" normalizeH="0" baseline="0">
             <a:ln>
               <a:noFill/>
             </a:ln>
@@ -10206,7 +11343,7 @@
           <a:buFontTx/>
           <a:buNone/>
           <a:tabLst/>
-          <a:defRPr b="0" baseline="0" cap="none" i="0" spc="0" strike="noStrike" sz="1800" u="none" kumimoji="0" normalizeH="0">
+          <a:defRPr kumimoji="0" sz="1800" b="0" i="0" u="none" strike="noStrike" cap="none" spc="0" normalizeH="0" baseline="0">
             <a:ln>
               <a:noFill/>
             </a:ln>
@@ -10232,7 +11369,7 @@
           <a:buFontTx/>
           <a:buNone/>
           <a:tabLst/>
-          <a:defRPr b="0" baseline="0" cap="none" i="0" spc="0" strike="noStrike" sz="1800" u="none" kumimoji="0" normalizeH="0">
+          <a:defRPr kumimoji="0" sz="1800" b="0" i="0" u="none" strike="noStrike" cap="none" spc="0" normalizeH="0" baseline="0">
             <a:ln>
               <a:noFill/>
             </a:ln>
@@ -10258,7 +11395,7 @@
           <a:buFontTx/>
           <a:buNone/>
           <a:tabLst/>
-          <a:defRPr b="0" baseline="0" cap="none" i="0" spc="0" strike="noStrike" sz="1800" u="none" kumimoji="0" normalizeH="0">
+          <a:defRPr kumimoji="0" sz="1800" b="0" i="0" u="none" strike="noStrike" cap="none" spc="0" normalizeH="0" baseline="0">
             <a:ln>
               <a:noFill/>
             </a:ln>
@@ -10284,7 +11421,7 @@
           <a:buFontTx/>
           <a:buNone/>
           <a:tabLst/>
-          <a:defRPr b="0" baseline="0" cap="none" i="0" spc="0" strike="noStrike" sz="1800" u="none" kumimoji="0" normalizeH="0">
+          <a:defRPr kumimoji="0" sz="1800" b="0" i="0" u="none" strike="noStrike" cap="none" spc="0" normalizeH="0" baseline="0">
             <a:ln>
               <a:noFill/>
             </a:ln>
@@ -10310,7 +11447,7 @@
           <a:buFontTx/>
           <a:buNone/>
           <a:tabLst/>
-          <a:defRPr b="0" baseline="0" cap="none" i="0" spc="0" strike="noStrike" sz="1800" u="none" kumimoji="0" normalizeH="0">
+          <a:defRPr kumimoji="0" sz="1800" b="0" i="0" u="none" strike="noStrike" cap="none" spc="0" normalizeH="0" baseline="0">
             <a:ln>
               <a:noFill/>
             </a:ln>
@@ -10323,18 +11460,25 @@
         </a:lvl9pPr>
       </a:lstStyle>
       <a:style>
-        <a:lnRef idx="0"/>
-        <a:fillRef idx="0"/>
-        <a:effectRef idx="0"/>
+        <a:lnRef idx="0">
+          <a:scrgbClr r="0" g="0" b="0"/>
+        </a:lnRef>
+        <a:fillRef idx="0">
+          <a:scrgbClr r="0" g="0" b="0"/>
+        </a:fillRef>
+        <a:effectRef idx="0">
+          <a:scrgbClr r="0" g="0" b="0"/>
+        </a:effectRef>
         <a:fontRef idx="none"/>
       </a:style>
     </a:txDef>
   </a:objectDefaults>
+  <a:extraClrSchemeLst/>
 </a:theme>
 </file>
 
 <file path=ppt/theme/theme2.xml><?xml version="1.0" encoding="utf-8"?>
-<a:theme xmlns:a="http://schemas.openxmlformats.org/drawingml/2006/main" xmlns:r="http://schemas.openxmlformats.org/officeDocument/2006/relationships" name="White">
+<a:theme xmlns:a="http://schemas.openxmlformats.org/drawingml/2006/main" name="White">
   <a:themeElements>
     <a:clrScheme name="White">
       <a:dk1>
@@ -10533,7 +11677,7 @@
         <a:effectLst/>
         <a:sp3d/>
       </a:spPr>
-      <a:bodyPr rot="0" spcFirstLastPara="1" vertOverflow="overflow" horzOverflow="overflow" vert="horz" wrap="square" lIns="0" tIns="0" rIns="0" bIns="0" numCol="1" spcCol="38100" rtlCol="0" anchor="ctr" upright="0">
+      <a:bodyPr rot="0" spcFirstLastPara="1" vertOverflow="overflow" horzOverflow="overflow" vert="horz" wrap="square" lIns="0" tIns="0" rIns="0" bIns="0" numCol="1" spcCol="38100" rtlCol="0" anchor="ctr">
         <a:spAutoFit/>
       </a:bodyPr>
       <a:lstStyle>
@@ -10552,7 +11696,7 @@
           <a:buFontTx/>
           <a:buNone/>
           <a:tabLst/>
-          <a:defRPr b="0" baseline="0" cap="none" i="0" spc="0" strike="noStrike" sz="3200" u="none" kumimoji="0" normalizeH="0">
+          <a:defRPr kumimoji="0" sz="3200" b="0" i="0" u="none" strike="noStrike" cap="none" spc="0" normalizeH="0" baseline="0">
             <a:ln>
               <a:noFill/>
             </a:ln>
@@ -10582,7 +11726,7 @@
           <a:buFontTx/>
           <a:buNone/>
           <a:tabLst/>
-          <a:defRPr b="0" baseline="0" cap="none" i="0" spc="0" strike="noStrike" sz="1800" u="none" kumimoji="0" normalizeH="0">
+          <a:defRPr kumimoji="0" sz="1800" b="0" i="0" u="none" strike="noStrike" cap="none" spc="0" normalizeH="0" baseline="0">
             <a:ln>
               <a:noFill/>
             </a:ln>
@@ -10608,7 +11752,7 @@
           <a:buFontTx/>
           <a:buNone/>
           <a:tabLst/>
-          <a:defRPr b="0" baseline="0" cap="none" i="0" spc="0" strike="noStrike" sz="1800" u="none" kumimoji="0" normalizeH="0">
+          <a:defRPr kumimoji="0" sz="1800" b="0" i="0" u="none" strike="noStrike" cap="none" spc="0" normalizeH="0" baseline="0">
             <a:ln>
               <a:noFill/>
             </a:ln>
@@ -10634,7 +11778,7 @@
           <a:buFontTx/>
           <a:buNone/>
           <a:tabLst/>
-          <a:defRPr b="0" baseline="0" cap="none" i="0" spc="0" strike="noStrike" sz="1800" u="none" kumimoji="0" normalizeH="0">
+          <a:defRPr kumimoji="0" sz="1800" b="0" i="0" u="none" strike="noStrike" cap="none" spc="0" normalizeH="0" baseline="0">
             <a:ln>
               <a:noFill/>
             </a:ln>
@@ -10660,7 +11804,7 @@
           <a:buFontTx/>
           <a:buNone/>
           <a:tabLst/>
-          <a:defRPr b="0" baseline="0" cap="none" i="0" spc="0" strike="noStrike" sz="1800" u="none" kumimoji="0" normalizeH="0">
+          <a:defRPr kumimoji="0" sz="1800" b="0" i="0" u="none" strike="noStrike" cap="none" spc="0" normalizeH="0" baseline="0">
             <a:ln>
               <a:noFill/>
             </a:ln>
@@ -10686,7 +11830,7 @@
           <a:buFontTx/>
           <a:buNone/>
           <a:tabLst/>
-          <a:defRPr b="0" baseline="0" cap="none" i="0" spc="0" strike="noStrike" sz="1800" u="none" kumimoji="0" normalizeH="0">
+          <a:defRPr kumimoji="0" sz="1800" b="0" i="0" u="none" strike="noStrike" cap="none" spc="0" normalizeH="0" baseline="0">
             <a:ln>
               <a:noFill/>
             </a:ln>
@@ -10712,7 +11856,7 @@
           <a:buFontTx/>
           <a:buNone/>
           <a:tabLst/>
-          <a:defRPr b="0" baseline="0" cap="none" i="0" spc="0" strike="noStrike" sz="1800" u="none" kumimoji="0" normalizeH="0">
+          <a:defRPr kumimoji="0" sz="1800" b="0" i="0" u="none" strike="noStrike" cap="none" spc="0" normalizeH="0" baseline="0">
             <a:ln>
               <a:noFill/>
             </a:ln>
@@ -10738,7 +11882,7 @@
           <a:buFontTx/>
           <a:buNone/>
           <a:tabLst/>
-          <a:defRPr b="0" baseline="0" cap="none" i="0" spc="0" strike="noStrike" sz="1800" u="none" kumimoji="0" normalizeH="0">
+          <a:defRPr kumimoji="0" sz="1800" b="0" i="0" u="none" strike="noStrike" cap="none" spc="0" normalizeH="0" baseline="0">
             <a:ln>
               <a:noFill/>
             </a:ln>
@@ -10764,7 +11908,7 @@
           <a:buFontTx/>
           <a:buNone/>
           <a:tabLst/>
-          <a:defRPr b="0" baseline="0" cap="none" i="0" spc="0" strike="noStrike" sz="1800" u="none" kumimoji="0" normalizeH="0">
+          <a:defRPr kumimoji="0" sz="1800" b="0" i="0" u="none" strike="noStrike" cap="none" spc="0" normalizeH="0" baseline="0">
             <a:ln>
               <a:noFill/>
             </a:ln>
@@ -10790,7 +11934,7 @@
           <a:buFontTx/>
           <a:buNone/>
           <a:tabLst/>
-          <a:defRPr b="0" baseline="0" cap="none" i="0" spc="0" strike="noStrike" sz="1800" u="none" kumimoji="0" normalizeH="0">
+          <a:defRPr kumimoji="0" sz="1800" b="0" i="0" u="none" strike="noStrike" cap="none" spc="0" normalizeH="0" baseline="0">
             <a:ln>
               <a:noFill/>
             </a:ln>
@@ -10803,9 +11947,15 @@
         </a:lvl9pPr>
       </a:lstStyle>
       <a:style>
-        <a:lnRef idx="0"/>
-        <a:fillRef idx="0"/>
-        <a:effectRef idx="0"/>
+        <a:lnRef idx="0">
+          <a:scrgbClr r="0" g="0" b="0"/>
+        </a:lnRef>
+        <a:fillRef idx="0">
+          <a:scrgbClr r="0" g="0" b="0"/>
+        </a:fillRef>
+        <a:effectRef idx="0">
+          <a:scrgbClr r="0" g="0" b="0"/>
+        </a:effectRef>
         <a:fontRef idx="none"/>
       </a:style>
     </a:spDef>
@@ -10822,7 +11972,7 @@
         <a:effectLst/>
         <a:sp3d/>
       </a:spPr>
-      <a:bodyPr rot="0" spcFirstLastPara="1" vertOverflow="overflow" horzOverflow="overflow" vert="horz" wrap="square" lIns="91439" tIns="45719" rIns="91439" bIns="45719" numCol="1" spcCol="38100" rtlCol="0" anchor="t" upright="0">
+      <a:bodyPr rot="0" spcFirstLastPara="1" vertOverflow="overflow" horzOverflow="overflow" vert="horz" wrap="square" lIns="91439" tIns="45719" rIns="91439" bIns="45719" numCol="1" spcCol="38100" rtlCol="0" anchor="t">
         <a:noAutofit/>
       </a:bodyPr>
       <a:lstStyle>
@@ -10841,7 +11991,7 @@
           <a:buFontTx/>
           <a:buNone/>
           <a:tabLst/>
-          <a:defRPr b="0" baseline="0" cap="none" i="0" spc="0" strike="noStrike" sz="1800" u="none" kumimoji="0" normalizeH="0">
+          <a:defRPr kumimoji="0" sz="1800" b="0" i="0" u="none" strike="noStrike" cap="none" spc="0" normalizeH="0" baseline="0">
             <a:ln>
               <a:noFill/>
             </a:ln>
@@ -10867,7 +12017,7 @@
           <a:buFontTx/>
           <a:buNone/>
           <a:tabLst/>
-          <a:defRPr b="0" baseline="0" cap="none" i="0" spc="0" strike="noStrike" sz="1800" u="none" kumimoji="0" normalizeH="0">
+          <a:defRPr kumimoji="0" sz="1800" b="0" i="0" u="none" strike="noStrike" cap="none" spc="0" normalizeH="0" baseline="0">
             <a:ln>
               <a:noFill/>
             </a:ln>
@@ -10893,7 +12043,7 @@
           <a:buFontTx/>
           <a:buNone/>
           <a:tabLst/>
-          <a:defRPr b="0" baseline="0" cap="none" i="0" spc="0" strike="noStrike" sz="1800" u="none" kumimoji="0" normalizeH="0">
+          <a:defRPr kumimoji="0" sz="1800" b="0" i="0" u="none" strike="noStrike" cap="none" spc="0" normalizeH="0" baseline="0">
             <a:ln>
               <a:noFill/>
             </a:ln>
@@ -10919,7 +12069,7 @@
           <a:buFontTx/>
           <a:buNone/>
           <a:tabLst/>
-          <a:defRPr b="0" baseline="0" cap="none" i="0" spc="0" strike="noStrike" sz="1800" u="none" kumimoji="0" normalizeH="0">
+          <a:defRPr kumimoji="0" sz="1800" b="0" i="0" u="none" strike="noStrike" cap="none" spc="0" normalizeH="0" baseline="0">
             <a:ln>
               <a:noFill/>
             </a:ln>
@@ -10945,7 +12095,7 @@
           <a:buFontTx/>
           <a:buNone/>
           <a:tabLst/>
-          <a:defRPr b="0" baseline="0" cap="none" i="0" spc="0" strike="noStrike" sz="1800" u="none" kumimoji="0" normalizeH="0">
+          <a:defRPr kumimoji="0" sz="1800" b="0" i="0" u="none" strike="noStrike" cap="none" spc="0" normalizeH="0" baseline="0">
             <a:ln>
               <a:noFill/>
             </a:ln>
@@ -10971,7 +12121,7 @@
           <a:buFontTx/>
           <a:buNone/>
           <a:tabLst/>
-          <a:defRPr b="0" baseline="0" cap="none" i="0" spc="0" strike="noStrike" sz="1800" u="none" kumimoji="0" normalizeH="0">
+          <a:defRPr kumimoji="0" sz="1800" b="0" i="0" u="none" strike="noStrike" cap="none" spc="0" normalizeH="0" baseline="0">
             <a:ln>
               <a:noFill/>
             </a:ln>
@@ -10997,7 +12147,7 @@
           <a:buFontTx/>
           <a:buNone/>
           <a:tabLst/>
-          <a:defRPr b="0" baseline="0" cap="none" i="0" spc="0" strike="noStrike" sz="1800" u="none" kumimoji="0" normalizeH="0">
+          <a:defRPr kumimoji="0" sz="1800" b="0" i="0" u="none" strike="noStrike" cap="none" spc="0" normalizeH="0" baseline="0">
             <a:ln>
               <a:noFill/>
             </a:ln>
@@ -11023,7 +12173,7 @@
           <a:buFontTx/>
           <a:buNone/>
           <a:tabLst/>
-          <a:defRPr b="0" baseline="0" cap="none" i="0" spc="0" strike="noStrike" sz="1800" u="none" kumimoji="0" normalizeH="0">
+          <a:defRPr kumimoji="0" sz="1800" b="0" i="0" u="none" strike="noStrike" cap="none" spc="0" normalizeH="0" baseline="0">
             <a:ln>
               <a:noFill/>
             </a:ln>
@@ -11049,7 +12199,7 @@
           <a:buFontTx/>
           <a:buNone/>
           <a:tabLst/>
-          <a:defRPr b="0" baseline="0" cap="none" i="0" spc="0" strike="noStrike" sz="1800" u="none" kumimoji="0" normalizeH="0">
+          <a:defRPr kumimoji="0" sz="1800" b="0" i="0" u="none" strike="noStrike" cap="none" spc="0" normalizeH="0" baseline="0">
             <a:ln>
               <a:noFill/>
             </a:ln>
@@ -11075,7 +12225,7 @@
           <a:buFontTx/>
           <a:buNone/>
           <a:tabLst/>
-          <a:defRPr b="0" baseline="0" cap="none" i="0" spc="0" strike="noStrike" sz="1800" u="none" kumimoji="0" normalizeH="0">
+          <a:defRPr kumimoji="0" sz="1800" b="0" i="0" u="none" strike="noStrike" cap="none" spc="0" normalizeH="0" baseline="0">
             <a:ln>
               <a:noFill/>
             </a:ln>
@@ -11088,9 +12238,15 @@
         </a:lvl9pPr>
       </a:lstStyle>
       <a:style>
-        <a:lnRef idx="0"/>
-        <a:fillRef idx="0"/>
-        <a:effectRef idx="0"/>
+        <a:lnRef idx="0">
+          <a:scrgbClr r="0" g="0" b="0"/>
+        </a:lnRef>
+        <a:fillRef idx="0">
+          <a:scrgbClr r="0" g="0" b="0"/>
+        </a:fillRef>
+        <a:effectRef idx="0">
+          <a:scrgbClr r="0" g="0" b="0"/>
+        </a:effectRef>
         <a:fontRef idx="none"/>
       </a:style>
     </a:lnDef>
@@ -11104,7 +12260,7 @@
         <a:effectLst/>
         <a:sp3d/>
       </a:spPr>
-      <a:bodyPr rot="0" spcFirstLastPara="1" vertOverflow="overflow" horzOverflow="overflow" vert="horz" wrap="square" lIns="50800" tIns="50800" rIns="50800" bIns="50800" numCol="1" spcCol="38100" rtlCol="0" anchor="ctr" upright="0">
+      <a:bodyPr rot="0" spcFirstLastPara="1" vertOverflow="overflow" horzOverflow="overflow" vert="horz" wrap="square" lIns="50800" tIns="50800" rIns="50800" bIns="50800" numCol="1" spcCol="38100" rtlCol="0" anchor="ctr">
         <a:spAutoFit/>
       </a:bodyPr>
       <a:lstStyle>
@@ -11123,7 +12279,7 @@
           <a:buFontTx/>
           <a:buNone/>
           <a:tabLst/>
-          <a:defRPr b="1" baseline="0" cap="none" i="0" spc="0" strike="noStrike" sz="3000" u="none" kumimoji="0" normalizeH="0">
+          <a:defRPr kumimoji="0" sz="3000" b="1" i="0" u="none" strike="noStrike" cap="none" spc="0" normalizeH="0" baseline="0">
             <a:ln>
               <a:noFill/>
             </a:ln>
@@ -11153,7 +12309,7 @@
           <a:buFontTx/>
           <a:buNone/>
           <a:tabLst/>
-          <a:defRPr b="0" baseline="0" cap="none" i="0" spc="0" strike="noStrike" sz="1800" u="none" kumimoji="0" normalizeH="0">
+          <a:defRPr kumimoji="0" sz="1800" b="0" i="0" u="none" strike="noStrike" cap="none" spc="0" normalizeH="0" baseline="0">
             <a:ln>
               <a:noFill/>
             </a:ln>
@@ -11179,7 +12335,7 @@
           <a:buFontTx/>
           <a:buNone/>
           <a:tabLst/>
-          <a:defRPr b="0" baseline="0" cap="none" i="0" spc="0" strike="noStrike" sz="1800" u="none" kumimoji="0" normalizeH="0">
+          <a:defRPr kumimoji="0" sz="1800" b="0" i="0" u="none" strike="noStrike" cap="none" spc="0" normalizeH="0" baseline="0">
             <a:ln>
               <a:noFill/>
             </a:ln>
@@ -11205,7 +12361,7 @@
           <a:buFontTx/>
           <a:buNone/>
           <a:tabLst/>
-          <a:defRPr b="0" baseline="0" cap="none" i="0" spc="0" strike="noStrike" sz="1800" u="none" kumimoji="0" normalizeH="0">
+          <a:defRPr kumimoji="0" sz="1800" b="0" i="0" u="none" strike="noStrike" cap="none" spc="0" normalizeH="0" baseline="0">
             <a:ln>
               <a:noFill/>
             </a:ln>
@@ -11231,7 +12387,7 @@
           <a:buFontTx/>
           <a:buNone/>
           <a:tabLst/>
-          <a:defRPr b="0" baseline="0" cap="none" i="0" spc="0" strike="noStrike" sz="1800" u="none" kumimoji="0" normalizeH="0">
+          <a:defRPr kumimoji="0" sz="1800" b="0" i="0" u="none" strike="noStrike" cap="none" spc="0" normalizeH="0" baseline="0">
             <a:ln>
               <a:noFill/>
             </a:ln>
@@ -11257,7 +12413,7 @@
           <a:buFontTx/>
           <a:buNone/>
           <a:tabLst/>
-          <a:defRPr b="0" baseline="0" cap="none" i="0" spc="0" strike="noStrike" sz="1800" u="none" kumimoji="0" normalizeH="0">
+          <a:defRPr kumimoji="0" sz="1800" b="0" i="0" u="none" strike="noStrike" cap="none" spc="0" normalizeH="0" baseline="0">
             <a:ln>
               <a:noFill/>
             </a:ln>
@@ -11283,7 +12439,7 @@
           <a:buFontTx/>
           <a:buNone/>
           <a:tabLst/>
-          <a:defRPr b="0" baseline="0" cap="none" i="0" spc="0" strike="noStrike" sz="1800" u="none" kumimoji="0" normalizeH="0">
+          <a:defRPr kumimoji="0" sz="1800" b="0" i="0" u="none" strike="noStrike" cap="none" spc="0" normalizeH="0" baseline="0">
             <a:ln>
               <a:noFill/>
             </a:ln>
@@ -11309,7 +12465,7 @@
           <a:buFontTx/>
           <a:buNone/>
           <a:tabLst/>
-          <a:defRPr b="0" baseline="0" cap="none" i="0" spc="0" strike="noStrike" sz="1800" u="none" kumimoji="0" normalizeH="0">
+          <a:defRPr kumimoji="0" sz="1800" b="0" i="0" u="none" strike="noStrike" cap="none" spc="0" normalizeH="0" baseline="0">
             <a:ln>
               <a:noFill/>
             </a:ln>
@@ -11335,7 +12491,7 @@
           <a:buFontTx/>
           <a:buNone/>
           <a:tabLst/>
-          <a:defRPr b="0" baseline="0" cap="none" i="0" spc="0" strike="noStrike" sz="1800" u="none" kumimoji="0" normalizeH="0">
+          <a:defRPr kumimoji="0" sz="1800" b="0" i="0" u="none" strike="noStrike" cap="none" spc="0" normalizeH="0" baseline="0">
             <a:ln>
               <a:noFill/>
             </a:ln>
@@ -11361,7 +12517,7 @@
           <a:buFontTx/>
           <a:buNone/>
           <a:tabLst/>
-          <a:defRPr b="0" baseline="0" cap="none" i="0" spc="0" strike="noStrike" sz="1800" u="none" kumimoji="0" normalizeH="0">
+          <a:defRPr kumimoji="0" sz="1800" b="0" i="0" u="none" strike="noStrike" cap="none" spc="0" normalizeH="0" baseline="0">
             <a:ln>
               <a:noFill/>
             </a:ln>
@@ -11374,12 +12530,19 @@
         </a:lvl9pPr>
       </a:lstStyle>
       <a:style>
-        <a:lnRef idx="0"/>
-        <a:fillRef idx="0"/>
-        <a:effectRef idx="0"/>
+        <a:lnRef idx="0">
+          <a:scrgbClr r="0" g="0" b="0"/>
+        </a:lnRef>
+        <a:fillRef idx="0">
+          <a:scrgbClr r="0" g="0" b="0"/>
+        </a:fillRef>
+        <a:effectRef idx="0">
+          <a:scrgbClr r="0" g="0" b="0"/>
+        </a:effectRef>
         <a:fontRef idx="none"/>
       </a:style>
     </a:txDef>
   </a:objectDefaults>
+  <a:extraClrSchemeLst/>
 </a:theme>
 </file>